--- a/promote/2016-promote-p6.pptx
+++ b/promote/2016-promote-p6.pptx
@@ -11,16 +11,16 @@
     <p:sldId id="256" r:id="rId2"/>
     <p:sldId id="268" r:id="rId3"/>
     <p:sldId id="257" r:id="rId4"/>
-    <p:sldId id="269" r:id="rId5"/>
-    <p:sldId id="270" r:id="rId6"/>
-    <p:sldId id="272" r:id="rId7"/>
-    <p:sldId id="273" r:id="rId8"/>
-    <p:sldId id="271" r:id="rId9"/>
-    <p:sldId id="280" r:id="rId10"/>
-    <p:sldId id="274" r:id="rId11"/>
-    <p:sldId id="275" r:id="rId12"/>
-    <p:sldId id="279" r:id="rId13"/>
-    <p:sldId id="276" r:id="rId14"/>
+    <p:sldId id="274" r:id="rId5"/>
+    <p:sldId id="275" r:id="rId6"/>
+    <p:sldId id="279" r:id="rId7"/>
+    <p:sldId id="276" r:id="rId8"/>
+    <p:sldId id="280" r:id="rId9"/>
+    <p:sldId id="269" r:id="rId10"/>
+    <p:sldId id="270" r:id="rId11"/>
+    <p:sldId id="272" r:id="rId12"/>
+    <p:sldId id="273" r:id="rId13"/>
+    <p:sldId id="271" r:id="rId14"/>
     <p:sldId id="277" r:id="rId15"/>
     <p:sldId id="278" r:id="rId16"/>
   </p:sldIdLst>
@@ -121,6 +121,22 @@
       </a:defRPr>
     </a:lvl9pPr>
   </p:defaultTextStyle>
+  <p:extLst>
+    <p:ext uri="{EFAFB233-063F-42B5-8137-9DF3F51BA10A}">
+      <p15:sldGuideLst xmlns:p15="http://schemas.microsoft.com/office/powerpoint/2012/main">
+        <p15:guide id="1" orient="horz" pos="2160">
+          <p15:clr>
+            <a:srgbClr val="A4A3A4"/>
+          </p15:clr>
+        </p15:guide>
+        <p15:guide id="2" pos="2880">
+          <p15:clr>
+            <a:srgbClr val="A4A3A4"/>
+          </p15:clr>
+        </p15:guide>
+      </p15:sldGuideLst>
+    </p:ext>
+  </p:extLst>
 </p:presentation>
 </file>
 
@@ -206,7 +222,7 @@
           <a:p>
             <a:fld id="{7A254656-621B-406C-BC2D-A35B9AF3DE2B}" type="datetimeFigureOut">
               <a:rPr lang="zh-CN" altLang="en-US" smtClean="0"/>
-              <a:t>2016/5/3</a:t>
+              <a:t>2016/5/4</a:t>
             </a:fld>
             <a:endParaRPr lang="zh-CN" altLang="en-US"/>
           </a:p>
@@ -520,31 +536,319 @@
           <a:p>
             <a:r>
               <a:rPr lang="zh-CN" altLang="en-US" dirty="0" smtClean="0"/>
-              <a:t>这里介绍一下</a:t>
-            </a:r>
-            <a:r>
-              <a:rPr lang="en-US" altLang="zh-CN" dirty="0" smtClean="0"/>
-              <a:t>mt2601</a:t>
-            </a:r>
-            <a:r>
-              <a:rPr lang="zh-CN" altLang="en-US" dirty="0" smtClean="0"/>
-              <a:t>项目我实现的第一个技术亮点，基于</a:t>
-            </a:r>
-            <a:r>
-              <a:rPr lang="en-US" altLang="zh-CN" dirty="0" smtClean="0"/>
-              <a:t>Volley</a:t>
-            </a:r>
-            <a:r>
-              <a:rPr lang="zh-CN" altLang="en-US" dirty="0" smtClean="0"/>
-              <a:t>框架实现统一的网络请求架构，具体架构图如</a:t>
-            </a:r>
-            <a:r>
-              <a:rPr lang="en-US" altLang="zh-CN" dirty="0" smtClean="0"/>
-              <a:t>PPT</a:t>
-            </a:r>
-            <a:r>
-              <a:rPr lang="zh-CN" altLang="en-US" dirty="0" smtClean="0"/>
-              <a:t>所示，我简单的介绍一下网络请求流程。</a:t>
+              <a:t>各位评委，大家好。我是</a:t>
+            </a:r>
+            <a:r>
+              <a:rPr lang="en-US" altLang="zh-CN" dirty="0" smtClean="0"/>
+              <a:t>YunOS IDC</a:t>
+            </a:r>
+            <a:r>
+              <a:rPr lang="zh-CN" altLang="en-US" dirty="0" smtClean="0"/>
+              <a:t>团队的王正一。</a:t>
+            </a:r>
+            <a:r>
+              <a:rPr lang="en-US" altLang="zh-CN" dirty="0" smtClean="0"/>
+              <a:t>2014</a:t>
+            </a:r>
+            <a:r>
+              <a:rPr lang="zh-CN" altLang="en-US" dirty="0" smtClean="0"/>
+              <a:t>年</a:t>
+            </a:r>
+            <a:r>
+              <a:rPr lang="en-US" altLang="zh-CN" dirty="0" smtClean="0"/>
+              <a:t>3</a:t>
+            </a:r>
+            <a:r>
+              <a:rPr lang="zh-CN" altLang="en-US" dirty="0" smtClean="0"/>
+              <a:t>月加入</a:t>
+            </a:r>
+            <a:r>
+              <a:rPr lang="en-US" altLang="zh-CN" dirty="0" smtClean="0"/>
+              <a:t>YunOS</a:t>
+            </a:r>
+            <a:r>
+              <a:rPr lang="zh-CN" altLang="en-US" dirty="0" smtClean="0"/>
+              <a:t>实习，</a:t>
+            </a:r>
+            <a:r>
+              <a:rPr lang="en-US" altLang="zh-CN" dirty="0" smtClean="0"/>
+              <a:t>2014</a:t>
+            </a:r>
+            <a:r>
+              <a:rPr lang="zh-CN" altLang="en-US" dirty="0" smtClean="0"/>
+              <a:t>年</a:t>
+            </a:r>
+            <a:r>
+              <a:rPr lang="en-US" altLang="zh-CN" dirty="0" smtClean="0"/>
+              <a:t>7</a:t>
+            </a:r>
+            <a:r>
+              <a:rPr lang="zh-CN" altLang="en-US" dirty="0" smtClean="0"/>
+              <a:t>月正式入职</a:t>
+            </a:r>
+            <a:r>
+              <a:rPr lang="en-US" altLang="zh-CN" dirty="0" smtClean="0"/>
+              <a:t>YunOS</a:t>
+            </a:r>
+            <a:r>
+              <a:rPr lang="zh-CN" altLang="en-US" dirty="0" smtClean="0"/>
+              <a:t>。我自己是一名全栈工程师，加入</a:t>
+            </a:r>
+            <a:r>
+              <a:rPr lang="en-US" altLang="zh-CN" dirty="0" smtClean="0"/>
+              <a:t>YunOS</a:t>
+            </a:r>
+            <a:r>
+              <a:rPr lang="zh-CN" altLang="en-US" dirty="0" smtClean="0"/>
+              <a:t>之前有三年</a:t>
+            </a:r>
+            <a:r>
+              <a:rPr lang="en-US" altLang="zh-CN" dirty="0" smtClean="0"/>
+              <a:t>LNMP</a:t>
+            </a:r>
+            <a:r>
+              <a:rPr lang="zh-CN" altLang="en-US" dirty="0" smtClean="0"/>
+              <a:t>架构服务端开发经验，加入</a:t>
+            </a:r>
+            <a:r>
+              <a:rPr lang="en-US" altLang="zh-CN" dirty="0" smtClean="0"/>
+              <a:t>YunOS</a:t>
+            </a:r>
+            <a:r>
+              <a:rPr lang="zh-CN" altLang="en-US" dirty="0" smtClean="0"/>
+              <a:t>之后，在</a:t>
+            </a:r>
+            <a:r>
+              <a:rPr lang="en-US" altLang="zh-CN" dirty="0" smtClean="0"/>
+              <a:t>YunOS</a:t>
+            </a:r>
+            <a:r>
+              <a:rPr lang="zh-CN" altLang="en-US" dirty="0" smtClean="0"/>
+              <a:t>和</a:t>
+            </a:r>
+            <a:r>
+              <a:rPr lang="en-US" altLang="zh-CN" dirty="0" smtClean="0"/>
+              <a:t>Android</a:t>
+            </a:r>
+            <a:r>
+              <a:rPr lang="zh-CN" altLang="en-US" dirty="0" smtClean="0"/>
+              <a:t>平台都有一定的技术积累。自身热衷技术分享，目前是</a:t>
+            </a:r>
+            <a:r>
+              <a:rPr lang="en-US" altLang="zh-CN" dirty="0" smtClean="0"/>
+              <a:t>GITHUB</a:t>
+            </a:r>
+            <a:r>
+              <a:rPr lang="zh-CN" altLang="en-US" dirty="0" smtClean="0"/>
+              <a:t>开源项目的开发者，也是</a:t>
+            </a:r>
+            <a:r>
+              <a:rPr lang="en-US" altLang="zh-CN" dirty="0" smtClean="0"/>
+              <a:t>CSDN</a:t>
+            </a:r>
+            <a:r>
+              <a:rPr lang="zh-CN" altLang="en-US" dirty="0" smtClean="0"/>
+              <a:t>的认证博客专家。过去一年我主要负责两个业务方向，分别是</a:t>
+            </a:r>
+            <a:r>
+              <a:rPr lang="en-US" altLang="zh-CN" dirty="0" smtClean="0"/>
+              <a:t>YunOS</a:t>
+            </a:r>
+            <a:r>
+              <a:rPr lang="en-US" altLang="zh-CN" baseline="0" dirty="0" smtClean="0"/>
+              <a:t> ROM</a:t>
+            </a:r>
+            <a:r>
+              <a:rPr lang="zh-CN" altLang="en-US" baseline="0" dirty="0" smtClean="0"/>
+              <a:t>适配和全智能手表研发。</a:t>
+            </a:r>
+            <a:endParaRPr lang="zh-CN" altLang="en-US" dirty="0"/>
+          </a:p>
+        </p:txBody>
+      </p:sp>
+      <p:sp>
+        <p:nvSpPr>
+          <p:cNvPr id="4" name="灯片编号占位符 3"/>
+          <p:cNvSpPr>
+            <a:spLocks noGrp="1"/>
+          </p:cNvSpPr>
+          <p:nvPr>
+            <p:ph type="sldNum" sz="quarter" idx="10"/>
+          </p:nvPr>
+        </p:nvSpPr>
+        <p:spPr/>
+        <p:txBody>
+          <a:bodyPr/>
+          <a:lstStyle/>
+          <a:p>
+            <a:fld id="{6718EBDC-2EC4-468E-B182-1717C37A33F0}" type="slidenum">
+              <a:rPr lang="zh-CN" altLang="en-US" smtClean="0"/>
+              <a:t>2</a:t>
+            </a:fld>
+            <a:endParaRPr lang="zh-CN" altLang="en-US"/>
+          </a:p>
+        </p:txBody>
+      </p:sp>
+    </p:spTree>
+    <p:extLst>
+      <p:ext uri="{BB962C8B-B14F-4D97-AF65-F5344CB8AC3E}">
+        <p14:creationId xmlns:p14="http://schemas.microsoft.com/office/powerpoint/2010/main" val="397942677"/>
+      </p:ext>
+    </p:extLst>
+  </p:cSld>
+  <p:clrMapOvr>
+    <a:masterClrMapping/>
+  </p:clrMapOvr>
+</p:notes>
+</file>
+
+<file path=ppt/notesSlides/notesSlide2.xml><?xml version="1.0" encoding="utf-8"?>
+<p:notes xmlns:a="http://schemas.openxmlformats.org/drawingml/2006/main" xmlns:r="http://schemas.openxmlformats.org/officeDocument/2006/relationships" xmlns:p="http://schemas.openxmlformats.org/presentationml/2006/main">
+  <p:cSld>
+    <p:spTree>
+      <p:nvGrpSpPr>
+        <p:cNvPr id="1" name=""/>
+        <p:cNvGrpSpPr/>
+        <p:nvPr/>
+      </p:nvGrpSpPr>
+      <p:grpSpPr>
+        <a:xfrm>
+          <a:off x="0" y="0"/>
+          <a:ext cx="0" cy="0"/>
+          <a:chOff x="0" y="0"/>
+          <a:chExt cx="0" cy="0"/>
+        </a:xfrm>
+      </p:grpSpPr>
+      <p:sp>
+        <p:nvSpPr>
+          <p:cNvPr id="2" name="幻灯片图像占位符 1"/>
+          <p:cNvSpPr>
+            <a:spLocks noGrp="1" noRot="1" noChangeAspect="1"/>
+          </p:cNvSpPr>
+          <p:nvPr>
+            <p:ph type="sldImg"/>
+          </p:nvPr>
+        </p:nvSpPr>
+        <p:spPr/>
+      </p:sp>
+      <p:sp>
+        <p:nvSpPr>
+          <p:cNvPr id="3" name="备注占位符 2"/>
+          <p:cNvSpPr>
+            <a:spLocks noGrp="1"/>
+          </p:cNvSpPr>
+          <p:nvPr>
+            <p:ph type="body" idx="1"/>
+          </p:nvPr>
+        </p:nvSpPr>
+        <p:spPr/>
+        <p:txBody>
+          <a:bodyPr/>
+          <a:lstStyle/>
+          <a:p>
+            <a:r>
+              <a:rPr lang="zh-CN" altLang="en-US" dirty="0" smtClean="0"/>
+              <a:t>下面我分别从负责的</a:t>
+            </a:r>
+            <a:r>
+              <a:rPr lang="en-US" altLang="zh-CN" dirty="0" smtClean="0"/>
+              <a:t>2</a:t>
+            </a:r>
+            <a:r>
+              <a:rPr lang="zh-CN" altLang="en-US" dirty="0" smtClean="0"/>
+              <a:t>个业务方向，来进行阐述。重点是描述业务方向内面临的挑战，解决思路和技术亮点以及该项目的收益。</a:t>
+            </a:r>
+            <a:endParaRPr lang="zh-CN" altLang="en-US" dirty="0"/>
+          </a:p>
+        </p:txBody>
+      </p:sp>
+      <p:sp>
+        <p:nvSpPr>
+          <p:cNvPr id="4" name="灯片编号占位符 3"/>
+          <p:cNvSpPr>
+            <a:spLocks noGrp="1"/>
+          </p:cNvSpPr>
+          <p:nvPr>
+            <p:ph type="sldNum" sz="quarter" idx="10"/>
+          </p:nvPr>
+        </p:nvSpPr>
+        <p:spPr/>
+        <p:txBody>
+          <a:bodyPr/>
+          <a:lstStyle/>
+          <a:p>
+            <a:fld id="{6718EBDC-2EC4-468E-B182-1717C37A33F0}" type="slidenum">
+              <a:rPr lang="zh-CN" altLang="en-US" smtClean="0"/>
+              <a:t>3</a:t>
+            </a:fld>
+            <a:endParaRPr lang="zh-CN" altLang="en-US"/>
+          </a:p>
+        </p:txBody>
+      </p:sp>
+    </p:spTree>
+    <p:extLst>
+      <p:ext uri="{BB962C8B-B14F-4D97-AF65-F5344CB8AC3E}">
+        <p14:creationId xmlns:p14="http://schemas.microsoft.com/office/powerpoint/2010/main" val="2436887455"/>
+      </p:ext>
+    </p:extLst>
+  </p:cSld>
+  <p:clrMapOvr>
+    <a:masterClrMapping/>
+  </p:clrMapOvr>
+</p:notes>
+</file>
+
+<file path=ppt/notesSlides/notesSlide3.xml><?xml version="1.0" encoding="utf-8"?>
+<p:notes xmlns:a="http://schemas.openxmlformats.org/drawingml/2006/main" xmlns:r="http://schemas.openxmlformats.org/officeDocument/2006/relationships" xmlns:p="http://schemas.openxmlformats.org/presentationml/2006/main">
+  <p:cSld>
+    <p:spTree>
+      <p:nvGrpSpPr>
+        <p:cNvPr id="1" name=""/>
+        <p:cNvGrpSpPr/>
+        <p:nvPr/>
+      </p:nvGrpSpPr>
+      <p:grpSpPr>
+        <a:xfrm>
+          <a:off x="0" y="0"/>
+          <a:ext cx="0" cy="0"/>
+          <a:chOff x="0" y="0"/>
+          <a:chExt cx="0" cy="0"/>
+        </a:xfrm>
+      </p:grpSpPr>
+      <p:sp>
+        <p:nvSpPr>
+          <p:cNvPr id="2" name="幻灯片图像占位符 1"/>
+          <p:cNvSpPr>
+            <a:spLocks noGrp="1" noRot="1" noChangeAspect="1"/>
+          </p:cNvSpPr>
+          <p:nvPr>
+            <p:ph type="sldImg"/>
+          </p:nvPr>
+        </p:nvSpPr>
+        <p:spPr/>
+      </p:sp>
+      <p:sp>
+        <p:nvSpPr>
+          <p:cNvPr id="3" name="备注占位符 2"/>
+          <p:cNvSpPr>
+            <a:spLocks noGrp="1"/>
+          </p:cNvSpPr>
+          <p:nvPr>
+            <p:ph type="body" idx="1"/>
+          </p:nvPr>
+        </p:nvSpPr>
+        <p:spPr/>
+        <p:txBody>
+          <a:bodyPr/>
+          <a:lstStyle/>
+          <a:p>
+            <a:r>
+              <a:rPr lang="en-US" altLang="zh-CN" dirty="0" smtClean="0"/>
+              <a:t>ROM</a:t>
+            </a:r>
+            <a:r>
+              <a:rPr lang="zh-CN" altLang="en-US" dirty="0" smtClean="0"/>
+              <a:t>适配方向面临的挑战是：</a:t>
             </a:r>
             <a:endParaRPr lang="en-US" altLang="zh-CN" dirty="0" smtClean="0"/>
           </a:p>
@@ -553,116 +857,42 @@
               <a:buAutoNum type="arabicPeriod"/>
             </a:pPr>
             <a:r>
-              <a:rPr lang="zh-CN" altLang="en-US" baseline="0" dirty="0" smtClean="0"/>
-              <a:t>在</a:t>
-            </a:r>
-            <a:r>
-              <a:rPr lang="en-US" altLang="zh-CN" baseline="0" dirty="0" smtClean="0"/>
-              <a:t>Application</a:t>
-            </a:r>
-            <a:r>
-              <a:rPr lang="zh-CN" altLang="en-US" baseline="0" dirty="0" smtClean="0"/>
-              <a:t>类的</a:t>
-            </a:r>
-            <a:r>
-              <a:rPr lang="en-US" altLang="zh-CN" baseline="0" dirty="0" err="1" smtClean="0"/>
-              <a:t>onCreate</a:t>
-            </a:r>
-            <a:r>
-              <a:rPr lang="zh-CN" altLang="en-US" baseline="0" dirty="0" smtClean="0"/>
-              <a:t>方法中初始化单例的</a:t>
-            </a:r>
-            <a:r>
-              <a:rPr lang="en-US" altLang="zh-CN" baseline="0" dirty="0" err="1" smtClean="0"/>
-              <a:t>NetworkManager</a:t>
-            </a:r>
-            <a:r>
-              <a:rPr lang="zh-CN" altLang="en-US" baseline="0" dirty="0" smtClean="0"/>
-              <a:t>类，在其构造函数中会初始化</a:t>
-            </a:r>
-            <a:r>
-              <a:rPr lang="en-US" altLang="zh-CN" baseline="0" dirty="0" err="1" smtClean="0"/>
-              <a:t>RequestQueue</a:t>
-            </a:r>
-            <a:r>
-              <a:rPr lang="zh-CN" altLang="en-US" baseline="0" dirty="0" smtClean="0"/>
-              <a:t>对象，</a:t>
-            </a:r>
-            <a:r>
-              <a:rPr lang="en-US" altLang="zh-CN" baseline="0" dirty="0" err="1" smtClean="0"/>
-              <a:t>RequestQueue</a:t>
-            </a:r>
-            <a:r>
-              <a:rPr lang="zh-CN" altLang="en-US" baseline="0" dirty="0" smtClean="0"/>
-              <a:t>对象用于存储、调度和分发网络请求。</a:t>
-            </a:r>
-            <a:endParaRPr lang="en-US" altLang="zh-CN" baseline="0" dirty="0" smtClean="0"/>
+              <a:rPr lang="zh-CN" altLang="en-US" dirty="0" smtClean="0"/>
+              <a:t>适配平台较多，适配的机型复杂，而且每个机型有明确的适配时间点</a:t>
+            </a:r>
+            <a:r>
+              <a:rPr lang="en-US" altLang="zh-CN" dirty="0" smtClean="0"/>
+              <a:t>.</a:t>
+            </a:r>
           </a:p>
           <a:p>
             <a:pPr marL="228600" indent="-228600">
               <a:buAutoNum type="arabicPeriod"/>
             </a:pPr>
             <a:r>
-              <a:rPr lang="zh-CN" altLang="en-US" baseline="0" dirty="0" smtClean="0"/>
-              <a:t>为了更加方便的实现</a:t>
-            </a:r>
-            <a:r>
-              <a:rPr lang="en-US" altLang="zh-CN" baseline="0" dirty="0" smtClean="0"/>
-              <a:t>HTTP</a:t>
-            </a:r>
-            <a:r>
-              <a:rPr lang="zh-CN" altLang="en-US" baseline="0" dirty="0" smtClean="0"/>
-              <a:t>的</a:t>
-            </a:r>
-            <a:r>
-              <a:rPr lang="en-US" altLang="zh-CN" baseline="0" dirty="0" smtClean="0"/>
-              <a:t>get</a:t>
-            </a:r>
-            <a:r>
-              <a:rPr lang="zh-CN" altLang="en-US" baseline="0" dirty="0" smtClean="0"/>
-              <a:t>和</a:t>
-            </a:r>
-            <a:r>
-              <a:rPr lang="en-US" altLang="zh-CN" baseline="0" dirty="0" smtClean="0"/>
-              <a:t>post</a:t>
-            </a:r>
-            <a:r>
-              <a:rPr lang="zh-CN" altLang="en-US" baseline="0" dirty="0" smtClean="0"/>
-              <a:t>请求，我抽象出了</a:t>
-            </a:r>
-            <a:r>
-              <a:rPr lang="en-US" altLang="zh-CN" baseline="0" dirty="0" err="1" smtClean="0"/>
-              <a:t>ByteArrayRequest</a:t>
-            </a:r>
-            <a:r>
-              <a:rPr lang="zh-CN" altLang="en-US" baseline="0" dirty="0" smtClean="0"/>
-              <a:t>请求，具体包括</a:t>
-            </a:r>
-            <a:r>
-              <a:rPr lang="en-US" altLang="zh-CN" baseline="0" dirty="0" smtClean="0"/>
-              <a:t>method</a:t>
-            </a:r>
-            <a:r>
-              <a:rPr lang="zh-CN" altLang="en-US" baseline="0" dirty="0" smtClean="0"/>
-              <a:t>，</a:t>
-            </a:r>
-            <a:r>
-              <a:rPr lang="en-US" altLang="zh-CN" baseline="0" dirty="0" err="1" smtClean="0"/>
-              <a:t>url</a:t>
-            </a:r>
-            <a:r>
-              <a:rPr lang="zh-CN" altLang="en-US" baseline="0" dirty="0" smtClean="0"/>
-              <a:t>，</a:t>
-            </a:r>
-            <a:r>
-              <a:rPr lang="en-US" altLang="zh-CN" baseline="0" dirty="0" err="1" smtClean="0"/>
-              <a:t>params</a:t>
-            </a:r>
-            <a:r>
-              <a:rPr lang="zh-CN" altLang="en-US" baseline="0" dirty="0" smtClean="0"/>
-              <a:t>等参数和请求成功、失败的回调接口。</a:t>
-            </a:r>
-            <a:endParaRPr lang="en-US" altLang="zh-CN" baseline="0" dirty="0" smtClean="0"/>
+              <a:rPr lang="zh-CN" altLang="en-US" dirty="0" smtClean="0"/>
+              <a:t>适配流程繁琐，设计到</a:t>
+            </a:r>
+            <a:r>
+              <a:rPr lang="en-US" altLang="zh-CN" dirty="0" smtClean="0"/>
+              <a:t>boot</a:t>
+            </a:r>
+            <a:r>
+              <a:rPr lang="zh-CN" altLang="en-US" dirty="0" smtClean="0"/>
+              <a:t>分区和</a:t>
+            </a:r>
+            <a:r>
+              <a:rPr lang="en-US" altLang="zh-CN" dirty="0" smtClean="0"/>
+              <a:t>system</a:t>
+            </a:r>
+            <a:r>
+              <a:rPr lang="zh-CN" altLang="en-US" dirty="0" smtClean="0"/>
+              <a:t>分区的移植以及刷机脚本的编写</a:t>
+            </a:r>
+            <a:r>
+              <a:rPr lang="en-US" altLang="zh-CN" dirty="0" smtClean="0"/>
+              <a:t>.</a:t>
+            </a:r>
           </a:p>
           <a:p>
             <a:pPr marL="228600" indent="-228600">
@@ -670,33 +900,20 @@
             </a:pPr>
             <a:r>
               <a:rPr lang="zh-CN" altLang="en-US" dirty="0" smtClean="0"/>
-              <a:t>对于使用该框架的开发者来说，只需要拿到</a:t>
-            </a:r>
-            <a:r>
-              <a:rPr lang="en-US" altLang="zh-CN" dirty="0" err="1" smtClean="0"/>
-              <a:t>RequestQueue</a:t>
-            </a:r>
-            <a:r>
-              <a:rPr lang="zh-CN" altLang="en-US" dirty="0" smtClean="0"/>
-              <a:t>对象，然后向其中添加</a:t>
-            </a:r>
-            <a:r>
-              <a:rPr lang="en-US" altLang="zh-CN" dirty="0" err="1" smtClean="0"/>
-              <a:t>ByteArrayRequest</a:t>
-            </a:r>
-            <a:r>
-              <a:rPr lang="zh-CN" altLang="en-US" dirty="0" smtClean="0"/>
-              <a:t>请求即可，请求完成后由网络框架通过</a:t>
-            </a:r>
-            <a:r>
-              <a:rPr lang="en-US" altLang="zh-CN" dirty="0" smtClean="0"/>
-              <a:t>Handler</a:t>
-            </a:r>
-            <a:r>
-              <a:rPr lang="zh-CN" altLang="en-US" dirty="0" smtClean="0"/>
-              <a:t>机制回调用户设置的请求成功或失败接口。</a:t>
-            </a:r>
-            <a:endParaRPr lang="en-US" altLang="zh-CN" dirty="0" smtClean="0"/>
+              <a:t>适配过程中遇到的问题很复杂，从应用层的</a:t>
+            </a:r>
+            <a:r>
+              <a:rPr lang="en-US" altLang="zh-CN" dirty="0" smtClean="0"/>
+              <a:t>UI</a:t>
+            </a:r>
+            <a:r>
+              <a:rPr lang="zh-CN" altLang="en-US" dirty="0" smtClean="0"/>
+              <a:t>适配到动态库缺少均有涉及</a:t>
+            </a:r>
+            <a:r>
+              <a:rPr lang="en-US" altLang="zh-CN" dirty="0" smtClean="0"/>
+              <a:t>.</a:t>
+            </a:r>
           </a:p>
           <a:p>
             <a:pPr marL="228600" indent="-228600">
@@ -704,7 +921,848 @@
             </a:pPr>
             <a:r>
               <a:rPr lang="zh-CN" altLang="en-US" dirty="0" smtClean="0"/>
-              <a:t>而对于</a:t>
+              <a:t>打包流程非常繁琐，</a:t>
+            </a:r>
+            <a:r>
+              <a:rPr lang="en-US" altLang="zh-CN" dirty="0" smtClean="0"/>
+              <a:t>ROM</a:t>
+            </a:r>
+            <a:r>
+              <a:rPr lang="zh-CN" altLang="en-US" dirty="0" smtClean="0"/>
+              <a:t>发布涉及多平台，而每个平台对</a:t>
+            </a:r>
+            <a:r>
+              <a:rPr lang="en-US" altLang="zh-CN" dirty="0" smtClean="0"/>
+              <a:t>ROM</a:t>
+            </a:r>
+            <a:r>
+              <a:rPr lang="zh-CN" altLang="en-US" dirty="0" smtClean="0"/>
+              <a:t>包内容要求均不相同</a:t>
+            </a:r>
+            <a:r>
+              <a:rPr lang="en-US" altLang="zh-CN" dirty="0" smtClean="0"/>
+              <a:t>.</a:t>
+            </a:r>
+          </a:p>
+        </p:txBody>
+      </p:sp>
+      <p:sp>
+        <p:nvSpPr>
+          <p:cNvPr id="4" name="灯片编号占位符 3"/>
+          <p:cNvSpPr>
+            <a:spLocks noGrp="1"/>
+          </p:cNvSpPr>
+          <p:nvPr>
+            <p:ph type="sldNum" sz="quarter" idx="10"/>
+          </p:nvPr>
+        </p:nvSpPr>
+        <p:spPr/>
+        <p:txBody>
+          <a:bodyPr/>
+          <a:lstStyle/>
+          <a:p>
+            <a:fld id="{6718EBDC-2EC4-468E-B182-1717C37A33F0}" type="slidenum">
+              <a:rPr lang="zh-CN" altLang="en-US" smtClean="0"/>
+              <a:t>4</a:t>
+            </a:fld>
+            <a:endParaRPr lang="zh-CN" altLang="en-US"/>
+          </a:p>
+        </p:txBody>
+      </p:sp>
+    </p:spTree>
+    <p:extLst>
+      <p:ext uri="{BB962C8B-B14F-4D97-AF65-F5344CB8AC3E}">
+        <p14:creationId xmlns:p14="http://schemas.microsoft.com/office/powerpoint/2010/main" val="2053319310"/>
+      </p:ext>
+    </p:extLst>
+  </p:cSld>
+  <p:clrMapOvr>
+    <a:masterClrMapping/>
+  </p:clrMapOvr>
+</p:notes>
+</file>
+
+<file path=ppt/notesSlides/notesSlide4.xml><?xml version="1.0" encoding="utf-8"?>
+<p:notes xmlns:a="http://schemas.openxmlformats.org/drawingml/2006/main" xmlns:r="http://schemas.openxmlformats.org/officeDocument/2006/relationships" xmlns:p="http://schemas.openxmlformats.org/presentationml/2006/main">
+  <p:cSld>
+    <p:spTree>
+      <p:nvGrpSpPr>
+        <p:cNvPr id="1" name=""/>
+        <p:cNvGrpSpPr/>
+        <p:nvPr/>
+      </p:nvGrpSpPr>
+      <p:grpSpPr>
+        <a:xfrm>
+          <a:off x="0" y="0"/>
+          <a:ext cx="0" cy="0"/>
+          <a:chOff x="0" y="0"/>
+          <a:chExt cx="0" cy="0"/>
+        </a:xfrm>
+      </p:grpSpPr>
+      <p:sp>
+        <p:nvSpPr>
+          <p:cNvPr id="2" name="幻灯片图像占位符 1"/>
+          <p:cNvSpPr>
+            <a:spLocks noGrp="1" noRot="1" noChangeAspect="1"/>
+          </p:cNvSpPr>
+          <p:nvPr>
+            <p:ph type="sldImg"/>
+          </p:nvPr>
+        </p:nvSpPr>
+        <p:spPr/>
+      </p:sp>
+      <p:sp>
+        <p:nvSpPr>
+          <p:cNvPr id="3" name="备注占位符 2"/>
+          <p:cNvSpPr>
+            <a:spLocks noGrp="1"/>
+          </p:cNvSpPr>
+          <p:nvPr>
+            <p:ph type="body" idx="1"/>
+          </p:nvPr>
+        </p:nvSpPr>
+        <p:spPr/>
+        <p:txBody>
+          <a:bodyPr/>
+          <a:lstStyle/>
+          <a:p>
+            <a:r>
+              <a:rPr lang="zh-CN" altLang="en-US" dirty="0" smtClean="0"/>
+              <a:t>作为</a:t>
+            </a:r>
+            <a:r>
+              <a:rPr lang="en-US" altLang="zh-CN" dirty="0" smtClean="0"/>
+              <a:t>MTK</a:t>
+            </a:r>
+            <a:r>
+              <a:rPr lang="zh-CN" altLang="en-US" dirty="0" smtClean="0"/>
+              <a:t>平台</a:t>
+            </a:r>
+            <a:r>
+              <a:rPr lang="en-US" altLang="zh-CN" dirty="0" smtClean="0"/>
+              <a:t>Rom</a:t>
+            </a:r>
+            <a:r>
+              <a:rPr lang="zh-CN" altLang="en-US" dirty="0" smtClean="0"/>
+              <a:t>适配的负责人，解决挑战的思路是</a:t>
+            </a:r>
+            <a:r>
+              <a:rPr lang="en-US" altLang="zh-CN" dirty="0" smtClean="0"/>
+              <a:t>:</a:t>
+            </a:r>
+          </a:p>
+          <a:p>
+            <a:pPr marL="228600" indent="-228600">
+              <a:buAutoNum type="arabicPeriod"/>
+            </a:pPr>
+            <a:r>
+              <a:rPr lang="zh-CN" altLang="en-US" dirty="0" smtClean="0"/>
+              <a:t>虽然适配的</a:t>
+            </a:r>
+            <a:r>
+              <a:rPr lang="en-US" altLang="zh-CN" dirty="0" smtClean="0"/>
+              <a:t>CPU</a:t>
+            </a:r>
+            <a:r>
+              <a:rPr lang="zh-CN" altLang="en-US" dirty="0" smtClean="0"/>
+              <a:t>平台不同，机型不同，但是适配的过程大致都可以分为</a:t>
+            </a:r>
+            <a:r>
+              <a:rPr lang="en-US" altLang="zh-CN" dirty="0" smtClean="0"/>
+              <a:t>boot</a:t>
+            </a:r>
+            <a:r>
+              <a:rPr lang="zh-CN" altLang="en-US" dirty="0" smtClean="0"/>
+              <a:t>分区适配，</a:t>
+            </a:r>
+            <a:r>
+              <a:rPr lang="en-US" altLang="zh-CN" dirty="0" smtClean="0"/>
+              <a:t>system</a:t>
+            </a:r>
+            <a:r>
+              <a:rPr lang="zh-CN" altLang="en-US" dirty="0" smtClean="0"/>
+              <a:t>分区分层适配和</a:t>
+            </a:r>
+            <a:r>
+              <a:rPr lang="en-US" altLang="zh-CN" dirty="0" smtClean="0"/>
+              <a:t>recovery</a:t>
+            </a:r>
+            <a:r>
+              <a:rPr lang="zh-CN" altLang="en-US" dirty="0" smtClean="0"/>
+              <a:t>刷机脚本适配。既然有相同的过程，就可以通过代码将适配过程自动化，系统化。</a:t>
+            </a:r>
+            <a:endParaRPr lang="en-US" altLang="zh-CN" dirty="0" smtClean="0"/>
+          </a:p>
+          <a:p>
+            <a:pPr marL="228600" indent="-228600">
+              <a:buAutoNum type="arabicPeriod"/>
+            </a:pPr>
+            <a:r>
+              <a:rPr lang="en-US" altLang="zh-CN" dirty="0" smtClean="0"/>
+              <a:t>ROM</a:t>
+            </a:r>
+            <a:r>
+              <a:rPr lang="zh-CN" altLang="en-US" dirty="0" smtClean="0"/>
+              <a:t>发布过程，虽然各平台要求不同，但是有具体的要求就可被实例化，代码化。结合</a:t>
+            </a:r>
+            <a:r>
+              <a:rPr lang="en-US" altLang="zh-CN" dirty="0" smtClean="0"/>
+              <a:t>Jenkins</a:t>
+            </a:r>
+            <a:r>
+              <a:rPr lang="zh-CN" altLang="en-US" dirty="0" smtClean="0"/>
+              <a:t>的后台能力，通过</a:t>
+            </a:r>
+            <a:r>
+              <a:rPr lang="en-US" altLang="zh-CN" dirty="0" smtClean="0"/>
+              <a:t>bash</a:t>
+            </a:r>
+            <a:r>
+              <a:rPr lang="zh-CN" altLang="en-US" dirty="0" smtClean="0"/>
+              <a:t>代码在服务器上对原始</a:t>
+            </a:r>
+            <a:r>
+              <a:rPr lang="en-US" altLang="zh-CN" dirty="0" smtClean="0"/>
+              <a:t>ROM</a:t>
+            </a:r>
+            <a:r>
+              <a:rPr lang="zh-CN" altLang="en-US" dirty="0" smtClean="0"/>
+              <a:t>包进行拆包按要求组装然后重新打包发布的流程，既节约效率，又能增加</a:t>
+            </a:r>
+            <a:r>
+              <a:rPr lang="en-US" altLang="zh-CN" dirty="0" smtClean="0"/>
+              <a:t>ROM</a:t>
+            </a:r>
+            <a:r>
+              <a:rPr lang="zh-CN" altLang="en-US" dirty="0" smtClean="0"/>
+              <a:t>包稳定性</a:t>
+            </a:r>
+            <a:r>
+              <a:rPr lang="en-US" altLang="zh-CN" dirty="0" smtClean="0"/>
+              <a:t>.</a:t>
+            </a:r>
+          </a:p>
+          <a:p>
+            <a:pPr marL="228600" indent="-228600">
+              <a:buAutoNum type="arabicPeriod"/>
+            </a:pPr>
+            <a:r>
+              <a:rPr lang="zh-CN" altLang="en-US" dirty="0" smtClean="0"/>
+              <a:t>第三点也是最关键一点，需要提高自身对</a:t>
+            </a:r>
+            <a:r>
+              <a:rPr lang="en-US" altLang="zh-CN" dirty="0" smtClean="0"/>
+              <a:t>YunOS</a:t>
+            </a:r>
+            <a:r>
+              <a:rPr lang="zh-CN" altLang="en-US" dirty="0" smtClean="0"/>
+              <a:t>架构体系的了解，增强自己的知识储备。既能够通过系统日志解决系统起机问题，也能通过自定义控件解决</a:t>
+            </a:r>
+            <a:r>
+              <a:rPr lang="en-US" altLang="zh-CN" dirty="0" smtClean="0"/>
+              <a:t>UI</a:t>
+            </a:r>
+            <a:r>
+              <a:rPr lang="zh-CN" altLang="en-US" dirty="0" smtClean="0"/>
+              <a:t>显示问题。</a:t>
+            </a:r>
+            <a:endParaRPr lang="en-US" altLang="zh-CN" dirty="0" smtClean="0"/>
+          </a:p>
+          <a:p>
+            <a:pPr marL="228600" indent="-228600">
+              <a:buAutoNum type="arabicPeriod"/>
+            </a:pPr>
+            <a:endParaRPr lang="en-US" altLang="zh-CN" dirty="0" smtClean="0"/>
+          </a:p>
+          <a:p>
+            <a:pPr marL="228600" indent="-228600">
+              <a:buAutoNum type="arabicPeriod"/>
+            </a:pPr>
+            <a:endParaRPr lang="zh-CN" altLang="en-US" dirty="0"/>
+          </a:p>
+        </p:txBody>
+      </p:sp>
+      <p:sp>
+        <p:nvSpPr>
+          <p:cNvPr id="4" name="灯片编号占位符 3"/>
+          <p:cNvSpPr>
+            <a:spLocks noGrp="1"/>
+          </p:cNvSpPr>
+          <p:nvPr>
+            <p:ph type="sldNum" sz="quarter" idx="10"/>
+          </p:nvPr>
+        </p:nvSpPr>
+        <p:spPr/>
+        <p:txBody>
+          <a:bodyPr/>
+          <a:lstStyle/>
+          <a:p>
+            <a:fld id="{6718EBDC-2EC4-468E-B182-1717C37A33F0}" type="slidenum">
+              <a:rPr lang="zh-CN" altLang="en-US" smtClean="0"/>
+              <a:t>5</a:t>
+            </a:fld>
+            <a:endParaRPr lang="zh-CN" altLang="en-US"/>
+          </a:p>
+        </p:txBody>
+      </p:sp>
+    </p:spTree>
+    <p:extLst>
+      <p:ext uri="{BB962C8B-B14F-4D97-AF65-F5344CB8AC3E}">
+        <p14:creationId xmlns:p14="http://schemas.microsoft.com/office/powerpoint/2010/main" val="3970481879"/>
+      </p:ext>
+    </p:extLst>
+  </p:cSld>
+  <p:clrMapOvr>
+    <a:masterClrMapping/>
+  </p:clrMapOvr>
+</p:notes>
+</file>
+
+<file path=ppt/notesSlides/notesSlide5.xml><?xml version="1.0" encoding="utf-8"?>
+<p:notes xmlns:a="http://schemas.openxmlformats.org/drawingml/2006/main" xmlns:r="http://schemas.openxmlformats.org/officeDocument/2006/relationships" xmlns:p="http://schemas.openxmlformats.org/presentationml/2006/main">
+  <p:cSld>
+    <p:spTree>
+      <p:nvGrpSpPr>
+        <p:cNvPr id="1" name=""/>
+        <p:cNvGrpSpPr/>
+        <p:nvPr/>
+      </p:nvGrpSpPr>
+      <p:grpSpPr>
+        <a:xfrm>
+          <a:off x="0" y="0"/>
+          <a:ext cx="0" cy="0"/>
+          <a:chOff x="0" y="0"/>
+          <a:chExt cx="0" cy="0"/>
+        </a:xfrm>
+      </p:grpSpPr>
+      <p:sp>
+        <p:nvSpPr>
+          <p:cNvPr id="2" name="幻灯片图像占位符 1"/>
+          <p:cNvSpPr>
+            <a:spLocks noGrp="1" noRot="1" noChangeAspect="1"/>
+          </p:cNvSpPr>
+          <p:nvPr>
+            <p:ph type="sldImg"/>
+          </p:nvPr>
+        </p:nvSpPr>
+        <p:spPr/>
+      </p:sp>
+      <p:sp>
+        <p:nvSpPr>
+          <p:cNvPr id="3" name="备注占位符 2"/>
+          <p:cNvSpPr>
+            <a:spLocks noGrp="1"/>
+          </p:cNvSpPr>
+          <p:nvPr>
+            <p:ph type="body" idx="1"/>
+          </p:nvPr>
+        </p:nvSpPr>
+        <p:spPr/>
+        <p:txBody>
+          <a:bodyPr/>
+          <a:lstStyle/>
+          <a:p>
+            <a:r>
+              <a:rPr lang="zh-CN" altLang="en-US" dirty="0" smtClean="0"/>
+              <a:t>接下来就是</a:t>
+            </a:r>
+            <a:r>
+              <a:rPr lang="en-US" altLang="zh-CN" dirty="0" smtClean="0"/>
+              <a:t>ROM</a:t>
+            </a:r>
+            <a:r>
+              <a:rPr lang="zh-CN" altLang="en-US" dirty="0" smtClean="0"/>
+              <a:t>包构建发布系统的介绍。分为两部分：</a:t>
+            </a:r>
+            <a:endParaRPr lang="en-US" altLang="zh-CN" dirty="0" smtClean="0"/>
+          </a:p>
+          <a:p>
+            <a:pPr marL="228600" indent="-228600">
+              <a:buAutoNum type="arabicPeriod"/>
+            </a:pPr>
+            <a:r>
+              <a:rPr lang="zh-CN" altLang="en-US" baseline="0" dirty="0" smtClean="0"/>
+              <a:t>构建系统：</a:t>
+            </a:r>
+            <a:endParaRPr lang="en-US" altLang="zh-CN" baseline="0" dirty="0" smtClean="0"/>
+          </a:p>
+          <a:p>
+            <a:pPr marL="228600" indent="-228600">
+              <a:buAutoNum type="arabicPeriod"/>
+            </a:pPr>
+            <a:r>
+              <a:rPr lang="zh-CN" altLang="en-US" baseline="0" dirty="0" smtClean="0"/>
+              <a:t>发布系统：</a:t>
+            </a:r>
+            <a:endParaRPr lang="en-US" altLang="zh-CN" dirty="0" smtClean="0"/>
+          </a:p>
+        </p:txBody>
+      </p:sp>
+      <p:sp>
+        <p:nvSpPr>
+          <p:cNvPr id="4" name="灯片编号占位符 3"/>
+          <p:cNvSpPr>
+            <a:spLocks noGrp="1"/>
+          </p:cNvSpPr>
+          <p:nvPr>
+            <p:ph type="sldNum" sz="quarter" idx="10"/>
+          </p:nvPr>
+        </p:nvSpPr>
+        <p:spPr/>
+        <p:txBody>
+          <a:bodyPr/>
+          <a:lstStyle/>
+          <a:p>
+            <a:fld id="{6718EBDC-2EC4-468E-B182-1717C37A33F0}" type="slidenum">
+              <a:rPr lang="zh-CN" altLang="en-US" smtClean="0"/>
+              <a:t>6</a:t>
+            </a:fld>
+            <a:endParaRPr lang="zh-CN" altLang="en-US"/>
+          </a:p>
+        </p:txBody>
+      </p:sp>
+    </p:spTree>
+    <p:extLst>
+      <p:ext uri="{BB962C8B-B14F-4D97-AF65-F5344CB8AC3E}">
+        <p14:creationId xmlns:p14="http://schemas.microsoft.com/office/powerpoint/2010/main" val="3540072309"/>
+      </p:ext>
+    </p:extLst>
+  </p:cSld>
+  <p:clrMapOvr>
+    <a:masterClrMapping/>
+  </p:clrMapOvr>
+</p:notes>
+</file>
+
+<file path=ppt/notesSlides/notesSlide6.xml><?xml version="1.0" encoding="utf-8"?>
+<p:notes xmlns:a="http://schemas.openxmlformats.org/drawingml/2006/main" xmlns:r="http://schemas.openxmlformats.org/officeDocument/2006/relationships" xmlns:p="http://schemas.openxmlformats.org/presentationml/2006/main">
+  <p:cSld>
+    <p:spTree>
+      <p:nvGrpSpPr>
+        <p:cNvPr id="1" name=""/>
+        <p:cNvGrpSpPr/>
+        <p:nvPr/>
+      </p:nvGrpSpPr>
+      <p:grpSpPr>
+        <a:xfrm>
+          <a:off x="0" y="0"/>
+          <a:ext cx="0" cy="0"/>
+          <a:chOff x="0" y="0"/>
+          <a:chExt cx="0" cy="0"/>
+        </a:xfrm>
+      </p:grpSpPr>
+      <p:sp>
+        <p:nvSpPr>
+          <p:cNvPr id="2" name="幻灯片图像占位符 1"/>
+          <p:cNvSpPr>
+            <a:spLocks noGrp="1" noRot="1" noChangeAspect="1"/>
+          </p:cNvSpPr>
+          <p:nvPr>
+            <p:ph type="sldImg"/>
+          </p:nvPr>
+        </p:nvSpPr>
+        <p:spPr/>
+      </p:sp>
+      <p:sp>
+        <p:nvSpPr>
+          <p:cNvPr id="3" name="备注占位符 2"/>
+          <p:cNvSpPr>
+            <a:spLocks noGrp="1"/>
+          </p:cNvSpPr>
+          <p:nvPr>
+            <p:ph type="body" idx="1"/>
+          </p:nvPr>
+        </p:nvSpPr>
+        <p:spPr/>
+        <p:txBody>
+          <a:bodyPr/>
+          <a:lstStyle/>
+          <a:p>
+            <a:r>
+              <a:rPr lang="en-US" altLang="zh-CN" dirty="0" smtClean="0"/>
+              <a:t>YunOS</a:t>
+            </a:r>
+            <a:r>
+              <a:rPr lang="en-US" altLang="zh-CN" baseline="0" dirty="0" smtClean="0"/>
+              <a:t> ROM</a:t>
+            </a:r>
+            <a:r>
+              <a:rPr lang="zh-CN" altLang="en-US" baseline="0" dirty="0" smtClean="0"/>
+              <a:t>适配项目的主要收益包括：</a:t>
+            </a:r>
+            <a:endParaRPr lang="zh-CN" altLang="en-US" dirty="0"/>
+          </a:p>
+        </p:txBody>
+      </p:sp>
+      <p:sp>
+        <p:nvSpPr>
+          <p:cNvPr id="4" name="灯片编号占位符 3"/>
+          <p:cNvSpPr>
+            <a:spLocks noGrp="1"/>
+          </p:cNvSpPr>
+          <p:nvPr>
+            <p:ph type="sldNum" sz="quarter" idx="10"/>
+          </p:nvPr>
+        </p:nvSpPr>
+        <p:spPr/>
+        <p:txBody>
+          <a:bodyPr/>
+          <a:lstStyle/>
+          <a:p>
+            <a:fld id="{6718EBDC-2EC4-468E-B182-1717C37A33F0}" type="slidenum">
+              <a:rPr lang="zh-CN" altLang="en-US" smtClean="0"/>
+              <a:t>7</a:t>
+            </a:fld>
+            <a:endParaRPr lang="zh-CN" altLang="en-US"/>
+          </a:p>
+        </p:txBody>
+      </p:sp>
+    </p:spTree>
+    <p:extLst>
+      <p:ext uri="{BB962C8B-B14F-4D97-AF65-F5344CB8AC3E}">
+        <p14:creationId xmlns:p14="http://schemas.microsoft.com/office/powerpoint/2010/main" val="3372001149"/>
+      </p:ext>
+    </p:extLst>
+  </p:cSld>
+  <p:clrMapOvr>
+    <a:masterClrMapping/>
+  </p:clrMapOvr>
+</p:notes>
+</file>
+
+<file path=ppt/notesSlides/notesSlide7.xml><?xml version="1.0" encoding="utf-8"?>
+<p:notes xmlns:a="http://schemas.openxmlformats.org/drawingml/2006/main" xmlns:r="http://schemas.openxmlformats.org/officeDocument/2006/relationships" xmlns:p="http://schemas.openxmlformats.org/presentationml/2006/main">
+  <p:cSld>
+    <p:spTree>
+      <p:nvGrpSpPr>
+        <p:cNvPr id="1" name=""/>
+        <p:cNvGrpSpPr/>
+        <p:nvPr/>
+      </p:nvGrpSpPr>
+      <p:grpSpPr>
+        <a:xfrm>
+          <a:off x="0" y="0"/>
+          <a:ext cx="0" cy="0"/>
+          <a:chOff x="0" y="0"/>
+          <a:chExt cx="0" cy="0"/>
+        </a:xfrm>
+      </p:grpSpPr>
+      <p:sp>
+        <p:nvSpPr>
+          <p:cNvPr id="2" name="幻灯片图像占位符 1"/>
+          <p:cNvSpPr>
+            <a:spLocks noGrp="1" noRot="1" noChangeAspect="1"/>
+          </p:cNvSpPr>
+          <p:nvPr>
+            <p:ph type="sldImg"/>
+          </p:nvPr>
+        </p:nvSpPr>
+        <p:spPr/>
+      </p:sp>
+      <p:sp>
+        <p:nvSpPr>
+          <p:cNvPr id="3" name="备注占位符 2"/>
+          <p:cNvSpPr>
+            <a:spLocks noGrp="1"/>
+          </p:cNvSpPr>
+          <p:nvPr>
+            <p:ph type="body" idx="1"/>
+          </p:nvPr>
+        </p:nvSpPr>
+        <p:spPr/>
+        <p:txBody>
+          <a:bodyPr/>
+          <a:lstStyle/>
+          <a:p>
+            <a:r>
+              <a:rPr lang="zh-CN" altLang="en-US" dirty="0" smtClean="0"/>
+              <a:t>该项目是我加入</a:t>
+            </a:r>
+            <a:r>
+              <a:rPr lang="en-US" altLang="zh-CN" dirty="0" smtClean="0"/>
+              <a:t>IDC</a:t>
+            </a:r>
+            <a:r>
+              <a:rPr lang="zh-CN" altLang="en-US" dirty="0" smtClean="0"/>
+              <a:t>团队负责的一个最重点的项目。项目背景是：在一款全新的硬件平台</a:t>
+            </a:r>
+            <a:r>
+              <a:rPr lang="en-US" altLang="zh-CN" dirty="0" smtClean="0"/>
+              <a:t>(mt2601</a:t>
+            </a:r>
+            <a:r>
+              <a:rPr lang="zh-CN" altLang="en-US" dirty="0" smtClean="0"/>
+              <a:t>平台</a:t>
+            </a:r>
+            <a:r>
+              <a:rPr lang="en-US" altLang="zh-CN" dirty="0" smtClean="0"/>
+              <a:t>)</a:t>
+            </a:r>
+            <a:r>
+              <a:rPr lang="zh-CN" altLang="en-US" dirty="0" smtClean="0"/>
+              <a:t>上，根据外面知名</a:t>
+            </a:r>
+            <a:r>
+              <a:rPr lang="en-US" altLang="zh-CN" dirty="0" smtClean="0"/>
+              <a:t>UI</a:t>
+            </a:r>
+            <a:r>
+              <a:rPr lang="zh-CN" altLang="en-US" dirty="0" smtClean="0"/>
+              <a:t>团队设计的全新</a:t>
+            </a:r>
+            <a:r>
+              <a:rPr lang="en-US" altLang="zh-CN" dirty="0" smtClean="0"/>
+              <a:t>UI</a:t>
+            </a:r>
+            <a:r>
+              <a:rPr lang="zh-CN" altLang="en-US" dirty="0" smtClean="0"/>
+              <a:t>体系从无到有的搭建全智能应用平台。并且项目开发人员只有</a:t>
+            </a:r>
+            <a:r>
+              <a:rPr lang="en-US" altLang="zh-CN" dirty="0" smtClean="0"/>
+              <a:t>4</a:t>
+            </a:r>
+            <a:r>
+              <a:rPr lang="zh-CN" altLang="en-US" dirty="0" smtClean="0"/>
+              <a:t>人，而且有同学在之前是没有移动端开发经验的。</a:t>
+            </a:r>
+            <a:endParaRPr lang="zh-CN" altLang="en-US" dirty="0"/>
+          </a:p>
+        </p:txBody>
+      </p:sp>
+      <p:sp>
+        <p:nvSpPr>
+          <p:cNvPr id="4" name="灯片编号占位符 3"/>
+          <p:cNvSpPr>
+            <a:spLocks noGrp="1"/>
+          </p:cNvSpPr>
+          <p:nvPr>
+            <p:ph type="sldNum" sz="quarter" idx="10"/>
+          </p:nvPr>
+        </p:nvSpPr>
+        <p:spPr/>
+        <p:txBody>
+          <a:bodyPr/>
+          <a:lstStyle/>
+          <a:p>
+            <a:fld id="{6718EBDC-2EC4-468E-B182-1717C37A33F0}" type="slidenum">
+              <a:rPr lang="zh-CN" altLang="en-US" smtClean="0"/>
+              <a:t>9</a:t>
+            </a:fld>
+            <a:endParaRPr lang="zh-CN" altLang="en-US"/>
+          </a:p>
+        </p:txBody>
+      </p:sp>
+    </p:spTree>
+    <p:extLst>
+      <p:ext uri="{BB962C8B-B14F-4D97-AF65-F5344CB8AC3E}">
+        <p14:creationId xmlns:p14="http://schemas.microsoft.com/office/powerpoint/2010/main" val="2537033431"/>
+      </p:ext>
+    </p:extLst>
+  </p:cSld>
+  <p:clrMapOvr>
+    <a:masterClrMapping/>
+  </p:clrMapOvr>
+</p:notes>
+</file>
+
+<file path=ppt/notesSlides/notesSlide8.xml><?xml version="1.0" encoding="utf-8"?>
+<p:notes xmlns:a="http://schemas.openxmlformats.org/drawingml/2006/main" xmlns:r="http://schemas.openxmlformats.org/officeDocument/2006/relationships" xmlns:p="http://schemas.openxmlformats.org/presentationml/2006/main">
+  <p:cSld>
+    <p:spTree>
+      <p:nvGrpSpPr>
+        <p:cNvPr id="1" name=""/>
+        <p:cNvGrpSpPr/>
+        <p:nvPr/>
+      </p:nvGrpSpPr>
+      <p:grpSpPr>
+        <a:xfrm>
+          <a:off x="0" y="0"/>
+          <a:ext cx="0" cy="0"/>
+          <a:chOff x="0" y="0"/>
+          <a:chExt cx="0" cy="0"/>
+        </a:xfrm>
+      </p:grpSpPr>
+      <p:sp>
+        <p:nvSpPr>
+          <p:cNvPr id="2" name="幻灯片图像占位符 1"/>
+          <p:cNvSpPr>
+            <a:spLocks noGrp="1" noRot="1" noChangeAspect="1"/>
+          </p:cNvSpPr>
+          <p:nvPr>
+            <p:ph type="sldImg"/>
+          </p:nvPr>
+        </p:nvSpPr>
+        <p:spPr/>
+      </p:sp>
+      <p:sp>
+        <p:nvSpPr>
+          <p:cNvPr id="3" name="备注占位符 2"/>
+          <p:cNvSpPr>
+            <a:spLocks noGrp="1"/>
+          </p:cNvSpPr>
+          <p:nvPr>
+            <p:ph type="body" idx="1"/>
+          </p:nvPr>
+        </p:nvSpPr>
+        <p:spPr/>
+        <p:txBody>
+          <a:bodyPr/>
+          <a:lstStyle/>
+          <a:p>
+            <a:r>
+              <a:rPr lang="zh-CN" altLang="en-US" dirty="0" smtClean="0"/>
+              <a:t>这里介绍一下</a:t>
+            </a:r>
+            <a:r>
+              <a:rPr lang="en-US" altLang="zh-CN" dirty="0" smtClean="0"/>
+              <a:t>mt2601</a:t>
+            </a:r>
+            <a:r>
+              <a:rPr lang="zh-CN" altLang="en-US" dirty="0" smtClean="0"/>
+              <a:t>项目我实现的第一个技术亮点，基于</a:t>
+            </a:r>
+            <a:r>
+              <a:rPr lang="en-US" altLang="zh-CN" dirty="0" smtClean="0"/>
+              <a:t>Volley</a:t>
+            </a:r>
+            <a:r>
+              <a:rPr lang="zh-CN" altLang="en-US" dirty="0" smtClean="0"/>
+              <a:t>框架实现统一的网络请求架构，具体架构图如</a:t>
+            </a:r>
+            <a:r>
+              <a:rPr lang="en-US" altLang="zh-CN" dirty="0" smtClean="0"/>
+              <a:t>PPT</a:t>
+            </a:r>
+            <a:r>
+              <a:rPr lang="zh-CN" altLang="en-US" dirty="0" smtClean="0"/>
+              <a:t>所示，我简单的介绍一下网络请求流程。</a:t>
+            </a:r>
+            <a:endParaRPr lang="en-US" altLang="zh-CN" dirty="0" smtClean="0"/>
+          </a:p>
+          <a:p>
+            <a:pPr marL="228600" indent="-228600">
+              <a:buAutoNum type="arabicPeriod"/>
+            </a:pPr>
+            <a:r>
+              <a:rPr lang="zh-CN" altLang="en-US" baseline="0" dirty="0" smtClean="0"/>
+              <a:t>在</a:t>
+            </a:r>
+            <a:r>
+              <a:rPr lang="en-US" altLang="zh-CN" baseline="0" dirty="0" smtClean="0"/>
+              <a:t>Application</a:t>
+            </a:r>
+            <a:r>
+              <a:rPr lang="zh-CN" altLang="en-US" baseline="0" dirty="0" smtClean="0"/>
+              <a:t>类的</a:t>
+            </a:r>
+            <a:r>
+              <a:rPr lang="en-US" altLang="zh-CN" baseline="0" dirty="0" err="1" smtClean="0"/>
+              <a:t>onCreate</a:t>
+            </a:r>
+            <a:r>
+              <a:rPr lang="zh-CN" altLang="en-US" baseline="0" dirty="0" smtClean="0"/>
+              <a:t>方法中初始化单例的</a:t>
+            </a:r>
+            <a:r>
+              <a:rPr lang="en-US" altLang="zh-CN" baseline="0" dirty="0" err="1" smtClean="0"/>
+              <a:t>NetworkManager</a:t>
+            </a:r>
+            <a:r>
+              <a:rPr lang="zh-CN" altLang="en-US" baseline="0" dirty="0" smtClean="0"/>
+              <a:t>类，在其构造函数中会初始化</a:t>
+            </a:r>
+            <a:r>
+              <a:rPr lang="en-US" altLang="zh-CN" baseline="0" dirty="0" err="1" smtClean="0"/>
+              <a:t>RequestQueue</a:t>
+            </a:r>
+            <a:r>
+              <a:rPr lang="zh-CN" altLang="en-US" baseline="0" dirty="0" smtClean="0"/>
+              <a:t>对象，</a:t>
+            </a:r>
+            <a:r>
+              <a:rPr lang="en-US" altLang="zh-CN" baseline="0" dirty="0" err="1" smtClean="0"/>
+              <a:t>RequestQueue</a:t>
+            </a:r>
+            <a:r>
+              <a:rPr lang="zh-CN" altLang="en-US" baseline="0" dirty="0" smtClean="0"/>
+              <a:t>对象用于存储、调度和分发网络请求。</a:t>
+            </a:r>
+            <a:endParaRPr lang="en-US" altLang="zh-CN" baseline="0" dirty="0" smtClean="0"/>
+          </a:p>
+          <a:p>
+            <a:pPr marL="228600" indent="-228600">
+              <a:buAutoNum type="arabicPeriod"/>
+            </a:pPr>
+            <a:r>
+              <a:rPr lang="zh-CN" altLang="en-US" baseline="0" dirty="0" smtClean="0"/>
+              <a:t>为了更加方便的实现</a:t>
+            </a:r>
+            <a:r>
+              <a:rPr lang="en-US" altLang="zh-CN" baseline="0" dirty="0" smtClean="0"/>
+              <a:t>HTTP</a:t>
+            </a:r>
+            <a:r>
+              <a:rPr lang="zh-CN" altLang="en-US" baseline="0" dirty="0" smtClean="0"/>
+              <a:t>的</a:t>
+            </a:r>
+            <a:r>
+              <a:rPr lang="en-US" altLang="zh-CN" baseline="0" dirty="0" smtClean="0"/>
+              <a:t>get</a:t>
+            </a:r>
+            <a:r>
+              <a:rPr lang="zh-CN" altLang="en-US" baseline="0" dirty="0" smtClean="0"/>
+              <a:t>和</a:t>
+            </a:r>
+            <a:r>
+              <a:rPr lang="en-US" altLang="zh-CN" baseline="0" dirty="0" smtClean="0"/>
+              <a:t>post</a:t>
+            </a:r>
+            <a:r>
+              <a:rPr lang="zh-CN" altLang="en-US" baseline="0" dirty="0" smtClean="0"/>
+              <a:t>请求，我抽象出了</a:t>
+            </a:r>
+            <a:r>
+              <a:rPr lang="en-US" altLang="zh-CN" baseline="0" dirty="0" err="1" smtClean="0"/>
+              <a:t>ByteArrayRequest</a:t>
+            </a:r>
+            <a:r>
+              <a:rPr lang="zh-CN" altLang="en-US" baseline="0" dirty="0" smtClean="0"/>
+              <a:t>请求，具体包括</a:t>
+            </a:r>
+            <a:r>
+              <a:rPr lang="en-US" altLang="zh-CN" baseline="0" dirty="0" smtClean="0"/>
+              <a:t>method</a:t>
+            </a:r>
+            <a:r>
+              <a:rPr lang="zh-CN" altLang="en-US" baseline="0" dirty="0" smtClean="0"/>
+              <a:t>，</a:t>
+            </a:r>
+            <a:r>
+              <a:rPr lang="en-US" altLang="zh-CN" baseline="0" dirty="0" err="1" smtClean="0"/>
+              <a:t>url</a:t>
+            </a:r>
+            <a:r>
+              <a:rPr lang="zh-CN" altLang="en-US" baseline="0" dirty="0" smtClean="0"/>
+              <a:t>，</a:t>
+            </a:r>
+            <a:r>
+              <a:rPr lang="en-US" altLang="zh-CN" baseline="0" dirty="0" err="1" smtClean="0"/>
+              <a:t>params</a:t>
+            </a:r>
+            <a:r>
+              <a:rPr lang="zh-CN" altLang="en-US" baseline="0" dirty="0" smtClean="0"/>
+              <a:t>等参数和请求成功、失败的回调接口。</a:t>
+            </a:r>
+            <a:endParaRPr lang="en-US" altLang="zh-CN" baseline="0" dirty="0" smtClean="0"/>
+          </a:p>
+          <a:p>
+            <a:pPr marL="228600" indent="-228600">
+              <a:buAutoNum type="arabicPeriod"/>
+            </a:pPr>
+            <a:r>
+              <a:rPr lang="zh-CN" altLang="en-US" dirty="0" smtClean="0"/>
+              <a:t>对于使用该框架的开发者来说，只需要拿到</a:t>
             </a:r>
             <a:r>
               <a:rPr lang="en-US" altLang="zh-CN" dirty="0" err="1" smtClean="0"/>
@@ -712,6 +1770,40 @@
             </a:r>
             <a:r>
               <a:rPr lang="zh-CN" altLang="en-US" dirty="0" smtClean="0"/>
+              <a:t>对象，然后向其中添加</a:t>
+            </a:r>
+            <a:r>
+              <a:rPr lang="en-US" altLang="zh-CN" dirty="0" err="1" smtClean="0"/>
+              <a:t>ByteArrayRequest</a:t>
+            </a:r>
+            <a:r>
+              <a:rPr lang="zh-CN" altLang="en-US" dirty="0" smtClean="0"/>
+              <a:t>请求即可，请求完成后由网络框架通过</a:t>
+            </a:r>
+            <a:r>
+              <a:rPr lang="en-US" altLang="zh-CN" dirty="0" smtClean="0"/>
+              <a:t>Handler</a:t>
+            </a:r>
+            <a:r>
+              <a:rPr lang="zh-CN" altLang="en-US" dirty="0" smtClean="0"/>
+              <a:t>机制回调用户设置的请求成功或失败接口。</a:t>
+            </a:r>
+            <a:endParaRPr lang="en-US" altLang="zh-CN" dirty="0" smtClean="0"/>
+          </a:p>
+          <a:p>
+            <a:pPr marL="228600" indent="-228600">
+              <a:buAutoNum type="arabicPeriod"/>
+            </a:pPr>
+            <a:r>
+              <a:rPr lang="zh-CN" altLang="en-US" dirty="0" smtClean="0"/>
+              <a:t>而对于</a:t>
+            </a:r>
+            <a:r>
+              <a:rPr lang="en-US" altLang="zh-CN" dirty="0" err="1" smtClean="0"/>
+              <a:t>RequestQueue</a:t>
+            </a:r>
+            <a:r>
+              <a:rPr lang="zh-CN" altLang="en-US" dirty="0" smtClean="0"/>
               <a:t>来说，对于每一个网络请求</a:t>
             </a:r>
             <a:r>
@@ -742,7 +1834,7 @@
           <a:p>
             <a:fld id="{6718EBDC-2EC4-468E-B182-1717C37A33F0}" type="slidenum">
               <a:rPr lang="zh-CN" altLang="en-US" smtClean="0"/>
-              <a:t>6</a:t>
+              <a:t>11</a:t>
             </a:fld>
             <a:endParaRPr lang="zh-CN" altLang="en-US"/>
           </a:p>
@@ -942,7 +2034,7 @@
           <a:p>
             <a:fld id="{25CA7E46-AAA2-4505-8430-AB68F6110AB2}" type="datetimeFigureOut">
               <a:rPr lang="zh-CN" altLang="en-US" smtClean="0"/>
-              <a:t>2016/5/3</a:t>
+              <a:t>2016/5/4</a:t>
             </a:fld>
             <a:endParaRPr lang="zh-CN" altLang="en-US"/>
           </a:p>
@@ -1119,7 +2211,7 @@
           <a:p>
             <a:fld id="{25CA7E46-AAA2-4505-8430-AB68F6110AB2}" type="datetimeFigureOut">
               <a:rPr lang="zh-CN" altLang="en-US" smtClean="0"/>
-              <a:t>2016/5/3</a:t>
+              <a:t>2016/5/4</a:t>
             </a:fld>
             <a:endParaRPr lang="zh-CN" altLang="en-US"/>
           </a:p>
@@ -1299,7 +2391,7 @@
           <a:p>
             <a:fld id="{25CA7E46-AAA2-4505-8430-AB68F6110AB2}" type="datetimeFigureOut">
               <a:rPr lang="zh-CN" altLang="en-US" smtClean="0"/>
-              <a:t>2016/5/3</a:t>
+              <a:t>2016/5/4</a:t>
             </a:fld>
             <a:endParaRPr lang="zh-CN" altLang="en-US"/>
           </a:p>
@@ -1517,7 +2609,7 @@
           <a:p>
             <a:fld id="{25CA7E46-AAA2-4505-8430-AB68F6110AB2}" type="datetimeFigureOut">
               <a:rPr lang="zh-CN" altLang="en-US" smtClean="0"/>
-              <a:t>2016/5/3</a:t>
+              <a:t>2016/5/4</a:t>
             </a:fld>
             <a:endParaRPr lang="zh-CN" altLang="en-US"/>
           </a:p>
@@ -1770,7 +2862,7 @@
           <a:p>
             <a:fld id="{25CA7E46-AAA2-4505-8430-AB68F6110AB2}" type="datetimeFigureOut">
               <a:rPr lang="zh-CN" altLang="en-US" smtClean="0"/>
-              <a:t>2016/5/3</a:t>
+              <a:t>2016/5/4</a:t>
             </a:fld>
             <a:endParaRPr lang="zh-CN" altLang="en-US"/>
           </a:p>
@@ -2065,7 +3157,7 @@
           <a:p>
             <a:fld id="{25CA7E46-AAA2-4505-8430-AB68F6110AB2}" type="datetimeFigureOut">
               <a:rPr lang="zh-CN" altLang="en-US" smtClean="0"/>
-              <a:t>2016/5/3</a:t>
+              <a:t>2016/5/4</a:t>
             </a:fld>
             <a:endParaRPr lang="zh-CN" altLang="en-US"/>
           </a:p>
@@ -2494,7 +3586,7 @@
           <a:p>
             <a:fld id="{25CA7E46-AAA2-4505-8430-AB68F6110AB2}" type="datetimeFigureOut">
               <a:rPr lang="zh-CN" altLang="en-US" smtClean="0"/>
-              <a:t>2016/5/3</a:t>
+              <a:t>2016/5/4</a:t>
             </a:fld>
             <a:endParaRPr lang="zh-CN" altLang="en-US"/>
           </a:p>
@@ -2628,7 +3720,7 @@
           <a:p>
             <a:fld id="{25CA7E46-AAA2-4505-8430-AB68F6110AB2}" type="datetimeFigureOut">
               <a:rPr lang="zh-CN" altLang="en-US" smtClean="0"/>
-              <a:t>2016/5/3</a:t>
+              <a:t>2016/5/4</a:t>
             </a:fld>
             <a:endParaRPr lang="zh-CN" altLang="en-US"/>
           </a:p>
@@ -2730,7 +3822,7 @@
           <a:p>
             <a:fld id="{25CA7E46-AAA2-4505-8430-AB68F6110AB2}" type="datetimeFigureOut">
               <a:rPr lang="zh-CN" altLang="en-US" smtClean="0"/>
-              <a:t>2016/5/3</a:t>
+              <a:t>2016/5/4</a:t>
             </a:fld>
             <a:endParaRPr lang="zh-CN" altLang="en-US"/>
           </a:p>
@@ -3007,7 +4099,7 @@
           <a:p>
             <a:fld id="{25CA7E46-AAA2-4505-8430-AB68F6110AB2}" type="datetimeFigureOut">
               <a:rPr lang="zh-CN" altLang="en-US" smtClean="0"/>
-              <a:t>2016/5/3</a:t>
+              <a:t>2016/5/4</a:t>
             </a:fld>
             <a:endParaRPr lang="zh-CN" altLang="en-US"/>
           </a:p>
@@ -3260,7 +4352,7 @@
           <a:p>
             <a:fld id="{25CA7E46-AAA2-4505-8430-AB68F6110AB2}" type="datetimeFigureOut">
               <a:rPr lang="zh-CN" altLang="en-US" smtClean="0"/>
-              <a:t>2016/5/3</a:t>
+              <a:t>2016/5/4</a:t>
             </a:fld>
             <a:endParaRPr lang="zh-CN" altLang="en-US"/>
           </a:p>
@@ -3473,7 +4565,7 @@
           <a:p>
             <a:fld id="{25CA7E46-AAA2-4505-8430-AB68F6110AB2}" type="datetimeFigureOut">
               <a:rPr lang="zh-CN" altLang="en-US" smtClean="0"/>
-              <a:t>2016/5/3</a:t>
+              <a:t>2016/5/4</a:t>
             </a:fld>
             <a:endParaRPr lang="zh-CN" altLang="en-US"/>
           </a:p>
@@ -4028,1248 +5120,12 @@
           <a:lstStyle/>
           <a:p>
             <a:r>
-              <a:rPr lang="en-US" altLang="zh-CN" dirty="0" smtClean="0"/>
-              <a:t>ROM</a:t>
-            </a:r>
-            <a:r>
-              <a:rPr lang="zh-CN" altLang="en-US" dirty="0" smtClean="0"/>
-              <a:t>适配方向</a:t>
-            </a:r>
-            <a:endParaRPr lang="zh-CN" altLang="en-US" dirty="0"/>
-          </a:p>
-        </p:txBody>
-      </p:sp>
-      <p:sp>
-        <p:nvSpPr>
-          <p:cNvPr id="3" name="内容占位符 2"/>
-          <p:cNvSpPr>
-            <a:spLocks noGrp="1"/>
-          </p:cNvSpPr>
-          <p:nvPr>
-            <p:ph idx="1"/>
-          </p:nvPr>
-        </p:nvSpPr>
-        <p:spPr/>
-        <p:txBody>
-          <a:bodyPr/>
-          <a:lstStyle/>
-          <a:p>
-            <a:pPr marL="0" indent="0">
-              <a:buNone/>
-            </a:pPr>
-            <a:r>
-              <a:rPr lang="zh-CN" altLang="en-US" b="1" dirty="0" smtClean="0"/>
-              <a:t>挑战</a:t>
-            </a:r>
-            <a:endParaRPr lang="en-US" altLang="zh-CN" b="1" dirty="0" smtClean="0"/>
-          </a:p>
-          <a:p>
-            <a:pPr lvl="1"/>
-            <a:r>
-              <a:rPr lang="zh-CN" altLang="en-US" dirty="0" smtClean="0"/>
-              <a:t>适配机型较多，适配平台较多</a:t>
-            </a:r>
-            <a:endParaRPr lang="en-US" altLang="zh-CN" dirty="0" smtClean="0"/>
-          </a:p>
-          <a:p>
-            <a:pPr lvl="1"/>
-            <a:r>
-              <a:rPr lang="zh-CN" altLang="en-US" dirty="0" smtClean="0"/>
-              <a:t>打包发布流程繁琐，多个平台发布对应的</a:t>
-            </a:r>
-            <a:r>
-              <a:rPr lang="en-US" altLang="zh-CN" dirty="0" smtClean="0"/>
-              <a:t>ROM</a:t>
-            </a:r>
-            <a:r>
-              <a:rPr lang="zh-CN" altLang="en-US" dirty="0" smtClean="0"/>
-              <a:t>包均不相同</a:t>
-            </a:r>
-            <a:endParaRPr lang="en-US" altLang="zh-CN" dirty="0" smtClean="0"/>
-          </a:p>
-          <a:p>
-            <a:pPr lvl="1"/>
-            <a:r>
               <a:rPr lang="zh-CN" altLang="en-US" dirty="0"/>
-              <a:t>适</a:t>
-            </a:r>
-            <a:r>
-              <a:rPr lang="zh-CN" altLang="en-US" dirty="0" smtClean="0"/>
-              <a:t>配过程中遇到的问题复杂，从应用层到</a:t>
-            </a:r>
-            <a:r>
-              <a:rPr lang="en-US" altLang="zh-CN" dirty="0" smtClean="0"/>
-              <a:t>Framework</a:t>
-            </a:r>
-            <a:r>
-              <a:rPr lang="zh-CN" altLang="en-US" dirty="0" smtClean="0"/>
-              <a:t>到</a:t>
-            </a:r>
-            <a:r>
-              <a:rPr lang="en-US" altLang="zh-CN" dirty="0" smtClean="0"/>
-              <a:t>JNI</a:t>
-            </a:r>
-            <a:r>
-              <a:rPr lang="zh-CN" altLang="en-US" dirty="0" smtClean="0"/>
-              <a:t>层均有涉及</a:t>
-            </a:r>
-            <a:endParaRPr lang="en-US" altLang="zh-CN" dirty="0" smtClean="0"/>
-          </a:p>
-          <a:p>
-            <a:pPr marL="0" indent="0">
-              <a:buNone/>
-            </a:pPr>
-            <a:endParaRPr lang="en-US" altLang="zh-CN" b="1" dirty="0"/>
-          </a:p>
-          <a:p>
-            <a:pPr marL="0" indent="0">
-              <a:buNone/>
-            </a:pPr>
-            <a:r>
-              <a:rPr lang="zh-CN" altLang="en-US" b="1" dirty="0" smtClean="0"/>
-              <a:t>职责</a:t>
-            </a:r>
-            <a:endParaRPr lang="en-US" altLang="zh-CN" b="1" dirty="0" smtClean="0"/>
-          </a:p>
-          <a:p>
-            <a:pPr lvl="1"/>
-            <a:r>
-              <a:rPr lang="en-US" altLang="zh-CN" dirty="0" smtClean="0"/>
-              <a:t>MTK</a:t>
-            </a:r>
-            <a:r>
-              <a:rPr lang="zh-CN" altLang="en-US" dirty="0" smtClean="0"/>
-              <a:t>平台机型适配负责人</a:t>
-            </a:r>
-            <a:endParaRPr lang="en-US" altLang="zh-CN" dirty="0" smtClean="0"/>
-          </a:p>
-          <a:p>
-            <a:pPr marL="0" indent="0">
-              <a:buNone/>
-            </a:pPr>
-            <a:endParaRPr lang="en-US" altLang="zh-CN" b="1" dirty="0" smtClean="0"/>
-          </a:p>
-          <a:p>
-            <a:pPr marL="0" indent="0">
-              <a:buNone/>
-            </a:pPr>
-            <a:endParaRPr lang="zh-CN" altLang="en-US" dirty="0"/>
-          </a:p>
-        </p:txBody>
-      </p:sp>
-    </p:spTree>
-    <p:extLst>
-      <p:ext uri="{BB962C8B-B14F-4D97-AF65-F5344CB8AC3E}">
-        <p14:creationId xmlns:p14="http://schemas.microsoft.com/office/powerpoint/2010/main" val="3442509603"/>
-      </p:ext>
-    </p:extLst>
-  </p:cSld>
-  <p:clrMapOvr>
-    <a:masterClrMapping/>
-  </p:clrMapOvr>
-</p:sld>
-</file>
-
-<file path=ppt/slides/slide11.xml><?xml version="1.0" encoding="utf-8"?>
-<p:sld xmlns:a="http://schemas.openxmlformats.org/drawingml/2006/main" xmlns:r="http://schemas.openxmlformats.org/officeDocument/2006/relationships" xmlns:p="http://schemas.openxmlformats.org/presentationml/2006/main">
-  <p:cSld>
-    <p:spTree>
-      <p:nvGrpSpPr>
-        <p:cNvPr id="1" name=""/>
-        <p:cNvGrpSpPr/>
-        <p:nvPr/>
-      </p:nvGrpSpPr>
-      <p:grpSpPr>
-        <a:xfrm>
-          <a:off x="0" y="0"/>
-          <a:ext cx="0" cy="0"/>
-          <a:chOff x="0" y="0"/>
-          <a:chExt cx="0" cy="0"/>
-        </a:xfrm>
-      </p:grpSpPr>
-      <p:sp>
-        <p:nvSpPr>
-          <p:cNvPr id="2" name="标题 1"/>
-          <p:cNvSpPr>
-            <a:spLocks noGrp="1"/>
-          </p:cNvSpPr>
-          <p:nvPr>
-            <p:ph type="title"/>
-          </p:nvPr>
-        </p:nvSpPr>
-        <p:spPr/>
-        <p:txBody>
-          <a:bodyPr/>
-          <a:lstStyle/>
-          <a:p>
-            <a:r>
-              <a:rPr lang="en-US" altLang="zh-CN" dirty="0" smtClean="0"/>
-              <a:t>ROM</a:t>
-            </a:r>
-            <a:r>
-              <a:rPr lang="zh-CN" altLang="en-US" dirty="0" smtClean="0"/>
-              <a:t>适配方向</a:t>
-            </a:r>
-            <a:endParaRPr lang="zh-CN" altLang="en-US" dirty="0"/>
-          </a:p>
-        </p:txBody>
-      </p:sp>
-      <p:sp>
-        <p:nvSpPr>
-          <p:cNvPr id="3" name="内容占位符 2"/>
-          <p:cNvSpPr>
-            <a:spLocks noGrp="1"/>
-          </p:cNvSpPr>
-          <p:nvPr>
-            <p:ph idx="1"/>
-          </p:nvPr>
-        </p:nvSpPr>
-        <p:spPr/>
-        <p:txBody>
-          <a:bodyPr/>
-          <a:lstStyle/>
-          <a:p>
-            <a:pPr marL="0" indent="0">
-              <a:buNone/>
-            </a:pPr>
-            <a:r>
-              <a:rPr lang="zh-CN" altLang="en-US" b="1" dirty="0" smtClean="0"/>
-              <a:t>思路</a:t>
-            </a:r>
-            <a:endParaRPr lang="en-US" altLang="zh-CN" b="1" dirty="0" smtClean="0"/>
-          </a:p>
-          <a:p>
-            <a:pPr lvl="1"/>
-            <a:r>
-              <a:rPr lang="zh-CN" altLang="en-US" dirty="0" smtClean="0"/>
-              <a:t>脚本化并自动化</a:t>
-            </a:r>
-            <a:r>
-              <a:rPr lang="en-US" altLang="zh-CN" dirty="0" smtClean="0"/>
-              <a:t>ROM</a:t>
-            </a:r>
-            <a:r>
-              <a:rPr lang="zh-CN" altLang="en-US" dirty="0" smtClean="0"/>
-              <a:t>包构建流程，</a:t>
-            </a:r>
-            <a:r>
-              <a:rPr lang="en-US" altLang="zh-CN" dirty="0" err="1" smtClean="0"/>
-              <a:t>gitlab</a:t>
-            </a:r>
-            <a:r>
-              <a:rPr lang="zh-CN" altLang="en-US" dirty="0" smtClean="0"/>
-              <a:t>项目地址</a:t>
-            </a:r>
-            <a:r>
-              <a:rPr lang="en-US" altLang="zh-CN" dirty="0" smtClean="0"/>
-              <a:t>:</a:t>
-            </a:r>
-            <a:r>
-              <a:rPr lang="en-US" altLang="zh-CN" dirty="0" err="1" smtClean="0"/>
-              <a:t>RomPortingScripts</a:t>
-            </a:r>
-            <a:endParaRPr lang="en-US" altLang="zh-CN" dirty="0" smtClean="0"/>
-          </a:p>
-          <a:p>
-            <a:pPr lvl="1"/>
-            <a:r>
-              <a:rPr lang="zh-CN" altLang="en-US" dirty="0" smtClean="0"/>
-              <a:t>集合</a:t>
-            </a:r>
-            <a:r>
-              <a:rPr lang="en-US" altLang="zh-CN" dirty="0" smtClean="0"/>
-              <a:t>Jenkins</a:t>
-            </a:r>
-            <a:r>
-              <a:rPr lang="zh-CN" altLang="en-US" dirty="0" smtClean="0"/>
-              <a:t>并配合</a:t>
-            </a:r>
-            <a:r>
-              <a:rPr lang="en-US" altLang="zh-CN" dirty="0" smtClean="0"/>
-              <a:t>SCM</a:t>
-            </a:r>
-            <a:r>
-              <a:rPr lang="zh-CN" altLang="en-US" dirty="0" smtClean="0"/>
-              <a:t>自动化渠道包</a:t>
-            </a:r>
-            <a:r>
-              <a:rPr lang="en-US" altLang="zh-CN" dirty="0" smtClean="0"/>
-              <a:t>ROM</a:t>
-            </a:r>
-            <a:r>
-              <a:rPr lang="zh-CN" altLang="en-US" dirty="0" smtClean="0"/>
-              <a:t>发布流程</a:t>
-            </a:r>
-            <a:endParaRPr lang="en-US" altLang="zh-CN" dirty="0" smtClean="0"/>
-          </a:p>
-          <a:p>
-            <a:pPr lvl="1"/>
-            <a:r>
-              <a:rPr lang="zh-CN" altLang="en-US" dirty="0" smtClean="0"/>
-              <a:t>配合</a:t>
-            </a:r>
-            <a:r>
-              <a:rPr lang="en-US" altLang="zh-CN" dirty="0" err="1" smtClean="0"/>
-              <a:t>adb</a:t>
-            </a:r>
-            <a:r>
-              <a:rPr lang="en-US" altLang="zh-CN" dirty="0" smtClean="0"/>
-              <a:t> log</a:t>
-            </a:r>
-            <a:r>
-              <a:rPr lang="zh-CN" altLang="en-US" dirty="0" smtClean="0"/>
-              <a:t>调节关键性起机和</a:t>
-            </a:r>
-            <a:r>
-              <a:rPr lang="en-US" altLang="zh-CN" dirty="0" smtClean="0"/>
-              <a:t>crash</a:t>
-            </a:r>
-            <a:r>
-              <a:rPr lang="zh-CN" altLang="en-US" dirty="0" smtClean="0"/>
-              <a:t>问题</a:t>
-            </a:r>
-            <a:endParaRPr lang="en-US" altLang="zh-CN" dirty="0" smtClean="0"/>
-          </a:p>
-          <a:p>
-            <a:pPr lvl="1"/>
-            <a:r>
-              <a:rPr lang="zh-CN" altLang="en-US" dirty="0" smtClean="0"/>
-              <a:t>从系统角度解决疑难问题</a:t>
-            </a:r>
-            <a:endParaRPr lang="en-US" altLang="zh-CN" dirty="0" smtClean="0"/>
-          </a:p>
-        </p:txBody>
-      </p:sp>
-    </p:spTree>
-    <p:extLst>
-      <p:ext uri="{BB962C8B-B14F-4D97-AF65-F5344CB8AC3E}">
-        <p14:creationId xmlns:p14="http://schemas.microsoft.com/office/powerpoint/2010/main" val="3520199992"/>
-      </p:ext>
-    </p:extLst>
-  </p:cSld>
-  <p:clrMapOvr>
-    <a:masterClrMapping/>
-  </p:clrMapOvr>
-</p:sld>
-</file>
-
-<file path=ppt/slides/slide12.xml><?xml version="1.0" encoding="utf-8"?>
-<p:sld xmlns:a="http://schemas.openxmlformats.org/drawingml/2006/main" xmlns:r="http://schemas.openxmlformats.org/officeDocument/2006/relationships" xmlns:p="http://schemas.openxmlformats.org/presentationml/2006/main">
-  <p:cSld>
-    <p:spTree>
-      <p:nvGrpSpPr>
-        <p:cNvPr id="1" name=""/>
-        <p:cNvGrpSpPr/>
-        <p:nvPr/>
-      </p:nvGrpSpPr>
-      <p:grpSpPr>
-        <a:xfrm>
-          <a:off x="0" y="0"/>
-          <a:ext cx="0" cy="0"/>
-          <a:chOff x="0" y="0"/>
-          <a:chExt cx="0" cy="0"/>
-        </a:xfrm>
-      </p:grpSpPr>
-      <p:sp>
-        <p:nvSpPr>
-          <p:cNvPr id="2" name="标题 1"/>
-          <p:cNvSpPr>
-            <a:spLocks noGrp="1"/>
-          </p:cNvSpPr>
-          <p:nvPr>
-            <p:ph type="title"/>
-          </p:nvPr>
-        </p:nvSpPr>
-        <p:spPr/>
-        <p:txBody>
-          <a:bodyPr/>
-          <a:lstStyle/>
-          <a:p>
-            <a:r>
-              <a:rPr lang="en-US" altLang="zh-CN" dirty="0" smtClean="0"/>
-              <a:t>ROM</a:t>
-            </a:r>
-            <a:r>
-              <a:rPr lang="zh-CN" altLang="en-US" dirty="0" smtClean="0"/>
-              <a:t>包构建发布系统</a:t>
-            </a:r>
-            <a:endParaRPr lang="zh-CN" altLang="en-US" dirty="0"/>
-          </a:p>
-        </p:txBody>
-      </p:sp>
-      <p:pic>
-        <p:nvPicPr>
-          <p:cNvPr id="3" name="图片 2"/>
-          <p:cNvPicPr>
-            <a:picLocks noChangeAspect="1"/>
-          </p:cNvPicPr>
-          <p:nvPr/>
-        </p:nvPicPr>
-        <p:blipFill>
-          <a:blip r:embed="rId2">
-            <a:extLst>
-              <a:ext uri="{28A0092B-C50C-407E-A947-70E740481C1C}">
-                <a14:useLocalDpi xmlns:a14="http://schemas.microsoft.com/office/drawing/2010/main" val="0"/>
-              </a:ext>
-            </a:extLst>
-          </a:blip>
-          <a:stretch>
-            <a:fillRect/>
-          </a:stretch>
-        </p:blipFill>
-        <p:spPr>
-          <a:xfrm>
-            <a:off x="0" y="1331182"/>
-            <a:ext cx="9144000" cy="5526818"/>
-          </a:xfrm>
-          <a:prstGeom prst="rect">
-            <a:avLst/>
-          </a:prstGeom>
-        </p:spPr>
-      </p:pic>
-    </p:spTree>
-    <p:extLst>
-      <p:ext uri="{BB962C8B-B14F-4D97-AF65-F5344CB8AC3E}">
-        <p14:creationId xmlns:p14="http://schemas.microsoft.com/office/powerpoint/2010/main" val="1661574184"/>
-      </p:ext>
-    </p:extLst>
-  </p:cSld>
-  <p:clrMapOvr>
-    <a:masterClrMapping/>
-  </p:clrMapOvr>
-</p:sld>
-</file>
-
-<file path=ppt/slides/slide13.xml><?xml version="1.0" encoding="utf-8"?>
-<p:sld xmlns:a="http://schemas.openxmlformats.org/drawingml/2006/main" xmlns:r="http://schemas.openxmlformats.org/officeDocument/2006/relationships" xmlns:p="http://schemas.openxmlformats.org/presentationml/2006/main">
-  <p:cSld>
-    <p:spTree>
-      <p:nvGrpSpPr>
-        <p:cNvPr id="1" name=""/>
-        <p:cNvGrpSpPr/>
-        <p:nvPr/>
-      </p:nvGrpSpPr>
-      <p:grpSpPr>
-        <a:xfrm>
-          <a:off x="0" y="0"/>
-          <a:ext cx="0" cy="0"/>
-          <a:chOff x="0" y="0"/>
-          <a:chExt cx="0" cy="0"/>
-        </a:xfrm>
-      </p:grpSpPr>
-      <p:sp>
-        <p:nvSpPr>
-          <p:cNvPr id="2" name="标题 1"/>
-          <p:cNvSpPr>
-            <a:spLocks noGrp="1"/>
-          </p:cNvSpPr>
-          <p:nvPr>
-            <p:ph type="title"/>
-          </p:nvPr>
-        </p:nvSpPr>
-        <p:spPr/>
-        <p:txBody>
-          <a:bodyPr/>
-          <a:lstStyle/>
-          <a:p>
-            <a:r>
-              <a:rPr lang="en-US" altLang="zh-CN" dirty="0" smtClean="0"/>
-              <a:t>Rom</a:t>
-            </a:r>
-            <a:r>
-              <a:rPr lang="zh-CN" altLang="en-US" dirty="0" smtClean="0"/>
-              <a:t>适配方向</a:t>
-            </a:r>
-            <a:endParaRPr lang="zh-CN" altLang="en-US" dirty="0"/>
-          </a:p>
-        </p:txBody>
-      </p:sp>
-      <p:sp>
-        <p:nvSpPr>
-          <p:cNvPr id="3" name="内容占位符 2"/>
-          <p:cNvSpPr>
-            <a:spLocks noGrp="1"/>
-          </p:cNvSpPr>
-          <p:nvPr>
-            <p:ph idx="1"/>
-          </p:nvPr>
-        </p:nvSpPr>
-        <p:spPr/>
-        <p:txBody>
-          <a:bodyPr/>
-          <a:lstStyle/>
-          <a:p>
-            <a:pPr marL="0" indent="0">
-              <a:buNone/>
-            </a:pPr>
-            <a:r>
-              <a:rPr lang="zh-CN" altLang="en-US" b="1" dirty="0" smtClean="0"/>
-              <a:t>收益</a:t>
-            </a:r>
-            <a:endParaRPr lang="en-US" altLang="zh-CN" b="1" dirty="0" smtClean="0"/>
-          </a:p>
-          <a:p>
-            <a:pPr lvl="1"/>
-            <a:r>
-              <a:rPr lang="en-US" altLang="zh-CN" dirty="0" smtClean="0"/>
-              <a:t>MTK</a:t>
-            </a:r>
-            <a:r>
-              <a:rPr lang="zh-CN" altLang="en-US" dirty="0" smtClean="0"/>
-              <a:t>机型成功适配超过</a:t>
-            </a:r>
-            <a:r>
-              <a:rPr lang="en-US" altLang="zh-CN" dirty="0" smtClean="0"/>
-              <a:t>16</a:t>
-            </a:r>
-            <a:r>
-              <a:rPr lang="zh-CN" altLang="en-US" dirty="0" smtClean="0"/>
-              <a:t>款机型，每台机型日激活量过百</a:t>
-            </a:r>
-            <a:endParaRPr lang="en-US" altLang="zh-CN" dirty="0" smtClean="0"/>
-          </a:p>
-          <a:p>
-            <a:pPr lvl="1"/>
-            <a:r>
-              <a:rPr lang="zh-CN" altLang="en-US" dirty="0" smtClean="0"/>
-              <a:t>提高打包效率，将多平台打包流程从一天时间降低为小时级别，且流程自动化</a:t>
-            </a:r>
-            <a:endParaRPr lang="en-US" altLang="zh-CN" dirty="0" smtClean="0"/>
-          </a:p>
-          <a:p>
-            <a:pPr lvl="1"/>
-            <a:r>
-              <a:rPr lang="zh-CN" altLang="en-US" dirty="0" smtClean="0"/>
-              <a:t>积累了丰富的</a:t>
-            </a:r>
-            <a:r>
-              <a:rPr lang="en-US" altLang="zh-CN" dirty="0" smtClean="0"/>
-              <a:t>Rom</a:t>
-            </a:r>
-            <a:r>
-              <a:rPr lang="zh-CN" altLang="en-US" dirty="0" smtClean="0"/>
-              <a:t>适配经验，包括</a:t>
-            </a:r>
-            <a:r>
-              <a:rPr lang="en-US" altLang="zh-CN" dirty="0" smtClean="0"/>
-              <a:t>UI</a:t>
-            </a:r>
-            <a:r>
-              <a:rPr lang="zh-CN" altLang="en-US" dirty="0" smtClean="0"/>
-              <a:t>适配，</a:t>
-            </a:r>
-            <a:r>
-              <a:rPr lang="en-US" altLang="zh-CN" dirty="0" smtClean="0"/>
-              <a:t>Framework</a:t>
-            </a:r>
-            <a:r>
-              <a:rPr lang="zh-CN" altLang="en-US" dirty="0" smtClean="0"/>
-              <a:t>层问题定位和解决</a:t>
-            </a:r>
-            <a:endParaRPr lang="en-US" altLang="zh-CN" dirty="0" smtClean="0"/>
-          </a:p>
-          <a:p>
-            <a:pPr lvl="1"/>
-            <a:r>
-              <a:rPr lang="en-US" altLang="zh-CN" dirty="0" smtClean="0"/>
-              <a:t>Rom</a:t>
-            </a:r>
-            <a:r>
-              <a:rPr lang="zh-CN" altLang="en-US" dirty="0" smtClean="0"/>
-              <a:t>适配稳定，用户反馈较好</a:t>
-            </a:r>
-            <a:endParaRPr lang="en-US" altLang="zh-CN" dirty="0" smtClean="0"/>
-          </a:p>
-        </p:txBody>
-      </p:sp>
-    </p:spTree>
-    <p:extLst>
-      <p:ext uri="{BB962C8B-B14F-4D97-AF65-F5344CB8AC3E}">
-        <p14:creationId xmlns:p14="http://schemas.microsoft.com/office/powerpoint/2010/main" val="1034453671"/>
-      </p:ext>
-    </p:extLst>
-  </p:cSld>
-  <p:clrMapOvr>
-    <a:masterClrMapping/>
-  </p:clrMapOvr>
-</p:sld>
-</file>
-
-<file path=ppt/slides/slide14.xml><?xml version="1.0" encoding="utf-8"?>
-<p:sld xmlns:a="http://schemas.openxmlformats.org/drawingml/2006/main" xmlns:r="http://schemas.openxmlformats.org/officeDocument/2006/relationships" xmlns:p="http://schemas.openxmlformats.org/presentationml/2006/main">
-  <p:cSld>
-    <p:spTree>
-      <p:nvGrpSpPr>
-        <p:cNvPr id="1" name=""/>
-        <p:cNvGrpSpPr/>
-        <p:nvPr/>
-      </p:nvGrpSpPr>
-      <p:grpSpPr>
-        <a:xfrm>
-          <a:off x="0" y="0"/>
-          <a:ext cx="0" cy="0"/>
-          <a:chOff x="0" y="0"/>
-          <a:chExt cx="0" cy="0"/>
-        </a:xfrm>
-      </p:grpSpPr>
-      <p:sp>
-        <p:nvSpPr>
-          <p:cNvPr id="2" name="标题 1"/>
-          <p:cNvSpPr>
-            <a:spLocks noGrp="1"/>
-          </p:cNvSpPr>
-          <p:nvPr>
-            <p:ph type="title"/>
-          </p:nvPr>
-        </p:nvSpPr>
-        <p:spPr/>
-        <p:txBody>
-          <a:bodyPr/>
-          <a:lstStyle/>
-          <a:p>
-            <a:r>
-              <a:rPr lang="zh-CN" altLang="en-US" dirty="0" smtClean="0"/>
-              <a:t>个人成长与展望</a:t>
-            </a:r>
-            <a:endParaRPr lang="zh-CN" altLang="en-US" dirty="0"/>
-          </a:p>
-        </p:txBody>
-      </p:sp>
-      <p:sp>
-        <p:nvSpPr>
-          <p:cNvPr id="3" name="内容占位符 2"/>
-          <p:cNvSpPr>
-            <a:spLocks noGrp="1"/>
-          </p:cNvSpPr>
-          <p:nvPr>
-            <p:ph idx="1"/>
-          </p:nvPr>
-        </p:nvSpPr>
-        <p:spPr/>
-        <p:txBody>
-          <a:bodyPr>
-            <a:normAutofit fontScale="92500" lnSpcReduction="20000"/>
-          </a:bodyPr>
-          <a:lstStyle/>
-          <a:p>
-            <a:pPr marL="0" indent="0">
-              <a:buNone/>
-            </a:pPr>
-            <a:r>
-              <a:rPr lang="zh-CN" altLang="en-US" b="1" dirty="0" smtClean="0"/>
-              <a:t>个人成长</a:t>
-            </a:r>
-            <a:endParaRPr lang="en-US" altLang="zh-CN" b="1" dirty="0" smtClean="0"/>
-          </a:p>
-          <a:p>
-            <a:pPr lvl="1"/>
-            <a:r>
-              <a:rPr lang="zh-CN" altLang="en-US" dirty="0" smtClean="0"/>
-              <a:t>技术规划能力：</a:t>
-            </a:r>
-            <a:r>
-              <a:rPr lang="zh-CN" altLang="en-US" dirty="0"/>
-              <a:t>负责</a:t>
-            </a:r>
-            <a:r>
-              <a:rPr lang="en-US" altLang="zh-CN" dirty="0" smtClean="0"/>
-              <a:t>MTK</a:t>
-            </a:r>
-            <a:r>
-              <a:rPr lang="zh-CN" altLang="en-US" dirty="0"/>
-              <a:t>  </a:t>
-            </a:r>
-            <a:r>
-              <a:rPr lang="en-US" altLang="zh-CN" dirty="0" smtClean="0"/>
-              <a:t>ROM</a:t>
-            </a:r>
-            <a:r>
-              <a:rPr lang="zh-CN" altLang="en-US" dirty="0" smtClean="0"/>
-              <a:t>适配，负责全智能手表多个应用的规划和执行</a:t>
-            </a:r>
-            <a:endParaRPr lang="en-US" altLang="zh-CN" dirty="0" smtClean="0"/>
-          </a:p>
-          <a:p>
-            <a:pPr lvl="1"/>
-            <a:r>
-              <a:rPr lang="zh-CN" altLang="en-US" dirty="0" smtClean="0"/>
-              <a:t>技术把控能力：移动端开发从应用层到</a:t>
-            </a:r>
-            <a:r>
-              <a:rPr lang="en-US" altLang="zh-CN" dirty="0" smtClean="0"/>
-              <a:t>Framework</a:t>
-            </a:r>
-            <a:r>
-              <a:rPr lang="zh-CN" altLang="en-US" dirty="0" smtClean="0"/>
-              <a:t>层均有技术积累和沉淀</a:t>
-            </a:r>
-            <a:endParaRPr lang="en-US" altLang="zh-CN" dirty="0" smtClean="0"/>
-          </a:p>
-          <a:p>
-            <a:pPr lvl="1"/>
-            <a:r>
-              <a:rPr lang="zh-CN" altLang="en-US" dirty="0" smtClean="0"/>
-              <a:t>新人培养能力：授人以渔，经过指导和协作，组内的新同学已经成功具备移动端开发能力</a:t>
-            </a:r>
-            <a:endParaRPr lang="en-US" altLang="zh-CN" dirty="0"/>
-          </a:p>
-          <a:p>
-            <a:pPr marL="0" indent="0">
-              <a:buNone/>
-            </a:pPr>
-            <a:endParaRPr lang="en-US" altLang="zh-CN" dirty="0" smtClean="0"/>
-          </a:p>
-          <a:p>
-            <a:pPr marL="0" indent="0">
-              <a:buNone/>
-            </a:pPr>
-            <a:r>
-              <a:rPr lang="zh-CN" altLang="en-US" b="1" dirty="0" smtClean="0"/>
-              <a:t>展望</a:t>
-            </a:r>
-            <a:endParaRPr lang="en-US" altLang="zh-CN" b="1" dirty="0" smtClean="0"/>
-          </a:p>
-          <a:p>
-            <a:pPr lvl="1"/>
-            <a:r>
-              <a:rPr lang="zh-CN" altLang="en-US" dirty="0" smtClean="0"/>
-              <a:t>继续提升和优化的应用层开发能力，推动并提速</a:t>
-            </a:r>
-            <a:r>
-              <a:rPr lang="en-US" altLang="zh-CN" dirty="0" smtClean="0"/>
-              <a:t>IDC</a:t>
-            </a:r>
-            <a:r>
-              <a:rPr lang="zh-CN" altLang="en-US" dirty="0" smtClean="0"/>
-              <a:t>全智能的开发</a:t>
-            </a:r>
-            <a:endParaRPr lang="en-US" altLang="zh-CN" dirty="0" smtClean="0"/>
-          </a:p>
-          <a:p>
-            <a:pPr lvl="1"/>
-            <a:r>
-              <a:rPr lang="zh-CN" altLang="en-US" dirty="0" smtClean="0"/>
-              <a:t>学习</a:t>
-            </a:r>
-            <a:r>
-              <a:rPr lang="en-US" altLang="zh-CN" dirty="0" err="1" smtClean="0"/>
-              <a:t>YunOS</a:t>
-            </a:r>
-            <a:r>
-              <a:rPr lang="en-US" altLang="zh-CN" dirty="0" smtClean="0"/>
-              <a:t> 4.0</a:t>
-            </a:r>
-            <a:r>
-              <a:rPr lang="zh-CN" altLang="en-US" dirty="0" smtClean="0"/>
-              <a:t>体系框架，与</a:t>
-            </a:r>
-            <a:r>
-              <a:rPr lang="en-US" altLang="zh-CN" dirty="0" smtClean="0"/>
-              <a:t>IDC</a:t>
-            </a:r>
-            <a:r>
-              <a:rPr lang="zh-CN" altLang="en-US" dirty="0" smtClean="0"/>
-              <a:t>平台融合，促进</a:t>
-            </a:r>
-            <a:r>
-              <a:rPr lang="en-US" altLang="zh-CN" dirty="0" smtClean="0"/>
-              <a:t>4.0</a:t>
-            </a:r>
-            <a:r>
-              <a:rPr lang="zh-CN" altLang="en-US" dirty="0" smtClean="0"/>
-              <a:t>的落地和推广</a:t>
-            </a:r>
-            <a:endParaRPr lang="en-US" altLang="zh-CN" dirty="0" smtClean="0"/>
-          </a:p>
-          <a:p>
-            <a:pPr lvl="1"/>
-            <a:r>
-              <a:rPr lang="zh-CN" altLang="en-US" dirty="0" smtClean="0"/>
-              <a:t>增强新人培养能力，将自己所学能够更好的分享给其他人</a:t>
-            </a:r>
-            <a:endParaRPr lang="zh-CN" altLang="en-US" dirty="0"/>
-          </a:p>
-        </p:txBody>
-      </p:sp>
-    </p:spTree>
-    <p:extLst>
-      <p:ext uri="{BB962C8B-B14F-4D97-AF65-F5344CB8AC3E}">
-        <p14:creationId xmlns:p14="http://schemas.microsoft.com/office/powerpoint/2010/main" val="1197997373"/>
-      </p:ext>
-    </p:extLst>
-  </p:cSld>
-  <p:clrMapOvr>
-    <a:masterClrMapping/>
-  </p:clrMapOvr>
-</p:sld>
-</file>
-
-<file path=ppt/slides/slide15.xml><?xml version="1.0" encoding="utf-8"?>
-<p:sld xmlns:a="http://schemas.openxmlformats.org/drawingml/2006/main" xmlns:r="http://schemas.openxmlformats.org/officeDocument/2006/relationships" xmlns:p="http://schemas.openxmlformats.org/presentationml/2006/main">
-  <p:cSld>
-    <p:spTree>
-      <p:nvGrpSpPr>
-        <p:cNvPr id="1" name=""/>
-        <p:cNvGrpSpPr/>
-        <p:nvPr/>
-      </p:nvGrpSpPr>
-      <p:grpSpPr>
-        <a:xfrm>
-          <a:off x="0" y="0"/>
-          <a:ext cx="0" cy="0"/>
-          <a:chOff x="0" y="0"/>
-          <a:chExt cx="0" cy="0"/>
-        </a:xfrm>
-      </p:grpSpPr>
-      <p:sp>
-        <p:nvSpPr>
-          <p:cNvPr id="3" name="内容占位符 2"/>
-          <p:cNvSpPr>
-            <a:spLocks noGrp="1"/>
-          </p:cNvSpPr>
-          <p:nvPr>
-            <p:ph idx="1"/>
-          </p:nvPr>
-        </p:nvSpPr>
-        <p:spPr/>
-        <p:txBody>
-          <a:bodyPr/>
-          <a:lstStyle/>
-          <a:p>
-            <a:pPr marL="0" indent="0" algn="ctr">
-              <a:buNone/>
-            </a:pPr>
-            <a:endParaRPr lang="en-US" altLang="zh-CN" dirty="0" smtClean="0"/>
-          </a:p>
-          <a:p>
-            <a:pPr marL="0" indent="0" algn="ctr">
-              <a:buNone/>
-            </a:pPr>
-            <a:endParaRPr lang="en-US" altLang="zh-CN" dirty="0"/>
-          </a:p>
-          <a:p>
-            <a:pPr marL="0" indent="0" algn="ctr">
-              <a:buNone/>
-            </a:pPr>
-            <a:endParaRPr lang="en-US" altLang="zh-CN" dirty="0" smtClean="0"/>
-          </a:p>
-          <a:p>
-            <a:pPr marL="0" indent="0" algn="ctr">
-              <a:buNone/>
-            </a:pPr>
-            <a:r>
-              <a:rPr lang="en-US" altLang="zh-CN" sz="4800" b="1" dirty="0" smtClean="0"/>
-              <a:t>Thanks</a:t>
-            </a:r>
-            <a:endParaRPr lang="zh-CN" altLang="en-US" sz="4800" b="1" dirty="0"/>
-          </a:p>
-        </p:txBody>
-      </p:sp>
-    </p:spTree>
-    <p:extLst>
-      <p:ext uri="{BB962C8B-B14F-4D97-AF65-F5344CB8AC3E}">
-        <p14:creationId xmlns:p14="http://schemas.microsoft.com/office/powerpoint/2010/main" val="1963448177"/>
-      </p:ext>
-    </p:extLst>
-  </p:cSld>
-  <p:clrMapOvr>
-    <a:masterClrMapping/>
-  </p:clrMapOvr>
-</p:sld>
-</file>
-
-<file path=ppt/slides/slide2.xml><?xml version="1.0" encoding="utf-8"?>
-<p:sld xmlns:a="http://schemas.openxmlformats.org/drawingml/2006/main" xmlns:r="http://schemas.openxmlformats.org/officeDocument/2006/relationships" xmlns:p="http://schemas.openxmlformats.org/presentationml/2006/main">
-  <p:cSld>
-    <p:spTree>
-      <p:nvGrpSpPr>
-        <p:cNvPr id="1" name=""/>
-        <p:cNvGrpSpPr/>
-        <p:nvPr/>
-      </p:nvGrpSpPr>
-      <p:grpSpPr>
-        <a:xfrm>
-          <a:off x="0" y="0"/>
-          <a:ext cx="0" cy="0"/>
-          <a:chOff x="0" y="0"/>
-          <a:chExt cx="0" cy="0"/>
-        </a:xfrm>
-      </p:grpSpPr>
-      <p:sp>
-        <p:nvSpPr>
-          <p:cNvPr id="2" name="标题 1"/>
-          <p:cNvSpPr>
-            <a:spLocks noGrp="1"/>
-          </p:cNvSpPr>
-          <p:nvPr>
-            <p:ph type="title"/>
-          </p:nvPr>
-        </p:nvSpPr>
-        <p:spPr/>
-        <p:txBody>
-          <a:bodyPr/>
-          <a:lstStyle/>
-          <a:p>
-            <a:r>
-              <a:rPr lang="zh-CN" altLang="en-US" b="1" dirty="0" smtClean="0"/>
-              <a:t>个人简介</a:t>
-            </a:r>
-            <a:endParaRPr lang="zh-CN" altLang="en-US" b="1" dirty="0"/>
-          </a:p>
-        </p:txBody>
-      </p:sp>
-      <p:sp>
-        <p:nvSpPr>
-          <p:cNvPr id="3" name="内容占位符 2"/>
-          <p:cNvSpPr>
-            <a:spLocks noGrp="1"/>
-          </p:cNvSpPr>
-          <p:nvPr>
-            <p:ph idx="1"/>
-          </p:nvPr>
-        </p:nvSpPr>
-        <p:spPr/>
-        <p:txBody>
-          <a:bodyPr/>
-          <a:lstStyle/>
-          <a:p>
-            <a:pPr marL="0" indent="0">
-              <a:buNone/>
-            </a:pPr>
-            <a:r>
-              <a:rPr lang="zh-CN" altLang="en-US" sz="2400" dirty="0" smtClean="0"/>
-              <a:t>阿里工作经历</a:t>
-            </a:r>
-            <a:endParaRPr lang="en-US" altLang="zh-CN" sz="2400" dirty="0" smtClean="0"/>
-          </a:p>
-          <a:p>
-            <a:pPr lvl="1"/>
-            <a:r>
-              <a:rPr lang="en-US" altLang="zh-CN" sz="2400" dirty="0" smtClean="0"/>
-              <a:t>2014</a:t>
-            </a:r>
-            <a:r>
-              <a:rPr lang="zh-CN" altLang="en-US" sz="2400" dirty="0" smtClean="0"/>
-              <a:t>年</a:t>
-            </a:r>
-            <a:r>
-              <a:rPr lang="en-US" altLang="zh-CN" sz="2400" dirty="0" smtClean="0"/>
-              <a:t>7</a:t>
-            </a:r>
-            <a:r>
-              <a:rPr lang="zh-CN" altLang="en-US" sz="2400" dirty="0" smtClean="0"/>
-              <a:t>月正式加入</a:t>
-            </a:r>
-            <a:r>
-              <a:rPr lang="en-US" altLang="zh-CN" sz="2400" dirty="0" err="1" smtClean="0"/>
-              <a:t>YunOS</a:t>
-            </a:r>
-            <a:r>
-              <a:rPr lang="zh-CN" altLang="en-US" sz="2400" dirty="0" smtClean="0"/>
-              <a:t>大家庭</a:t>
-            </a:r>
-            <a:endParaRPr lang="en-US" altLang="zh-CN" sz="2400" dirty="0" smtClean="0"/>
-          </a:p>
-          <a:p>
-            <a:pPr marL="0" indent="0">
-              <a:buNone/>
-            </a:pPr>
-            <a:endParaRPr lang="en-US" altLang="zh-CN" sz="2400" dirty="0"/>
-          </a:p>
-          <a:p>
-            <a:pPr marL="0" indent="0">
-              <a:buNone/>
-            </a:pPr>
-            <a:r>
-              <a:rPr lang="zh-CN" altLang="en-US" sz="2400" dirty="0" smtClean="0"/>
-              <a:t>工作职责</a:t>
-            </a:r>
-            <a:endParaRPr lang="en-US" altLang="zh-CN" sz="2400" dirty="0" smtClean="0"/>
-          </a:p>
-          <a:p>
-            <a:pPr lvl="1"/>
-            <a:r>
-              <a:rPr lang="zh-CN" altLang="en-US" sz="2400" dirty="0"/>
-              <a:t>智能</a:t>
-            </a:r>
-            <a:r>
-              <a:rPr lang="zh-CN" altLang="en-US" sz="2400" dirty="0" smtClean="0"/>
-              <a:t>硬件应用层主力开发</a:t>
-            </a:r>
-            <a:endParaRPr lang="en-US" altLang="zh-CN" sz="2400" dirty="0" smtClean="0"/>
-          </a:p>
-          <a:p>
-            <a:pPr lvl="1"/>
-            <a:r>
-              <a:rPr lang="en-US" altLang="zh-CN" sz="2400" dirty="0" smtClean="0"/>
-              <a:t>ROM</a:t>
-            </a:r>
-            <a:r>
-              <a:rPr lang="zh-CN" altLang="en-US" sz="2400" dirty="0" smtClean="0"/>
-              <a:t>适配</a:t>
-            </a:r>
-            <a:r>
-              <a:rPr lang="en-US" altLang="zh-CN" sz="2400" dirty="0" smtClean="0"/>
-              <a:t>MTK</a:t>
-            </a:r>
-            <a:r>
-              <a:rPr lang="zh-CN" altLang="en-US" sz="2400" dirty="0" smtClean="0"/>
-              <a:t>平台负责人</a:t>
-            </a:r>
-            <a:endParaRPr lang="en-US" altLang="zh-CN" sz="2400" dirty="0" smtClean="0"/>
-          </a:p>
-          <a:p>
-            <a:pPr marL="0" indent="0">
-              <a:buNone/>
-            </a:pPr>
-            <a:endParaRPr lang="en-US" altLang="zh-CN" dirty="0" smtClean="0"/>
-          </a:p>
-          <a:p>
-            <a:pPr marL="0" indent="0">
-              <a:buNone/>
-            </a:pPr>
-            <a:r>
-              <a:rPr lang="zh-CN" altLang="en-US" sz="2400" dirty="0"/>
-              <a:t>个人介绍</a:t>
-            </a:r>
-            <a:endParaRPr lang="en-US" altLang="zh-CN" sz="2400" dirty="0"/>
-          </a:p>
-          <a:p>
-            <a:pPr lvl="1"/>
-            <a:r>
-              <a:rPr lang="en-US" altLang="zh-CN" sz="2400" dirty="0"/>
-              <a:t>GITHUB</a:t>
-            </a:r>
-            <a:r>
-              <a:rPr lang="zh-CN" altLang="en-US" sz="2400" dirty="0"/>
-              <a:t>开源项目开发者</a:t>
-            </a:r>
-            <a:r>
-              <a:rPr lang="en-US" altLang="zh-CN" sz="2400" dirty="0"/>
-              <a:t>, CSDN</a:t>
-            </a:r>
-            <a:r>
-              <a:rPr lang="zh-CN" altLang="en-US" sz="2400" dirty="0"/>
-              <a:t>认证博客专家</a:t>
-            </a:r>
-            <a:endParaRPr lang="en-US" altLang="zh-CN" sz="2400" dirty="0"/>
-          </a:p>
-          <a:p>
-            <a:pPr lvl="1"/>
-            <a:r>
-              <a:rPr lang="zh-CN" altLang="en-US" sz="2400" dirty="0"/>
-              <a:t>全栈工程师</a:t>
-            </a:r>
-            <a:r>
-              <a:rPr lang="en-US" altLang="zh-CN" sz="2400" dirty="0"/>
-              <a:t>(</a:t>
-            </a:r>
-            <a:r>
-              <a:rPr lang="en-US" altLang="zh-CN" sz="2400" dirty="0" err="1"/>
-              <a:t>YunOS</a:t>
-            </a:r>
-            <a:r>
-              <a:rPr lang="en-US" altLang="zh-CN" sz="2400" dirty="0" smtClean="0"/>
-              <a:t>, Android, LNMP</a:t>
-            </a:r>
-            <a:r>
-              <a:rPr lang="zh-CN" altLang="en-US" sz="2400" dirty="0"/>
-              <a:t>服务端开发</a:t>
-            </a:r>
-            <a:r>
-              <a:rPr lang="en-US" altLang="zh-CN" sz="2400" dirty="0" smtClean="0"/>
-              <a:t>)</a:t>
-            </a:r>
-            <a:endParaRPr lang="en-US" altLang="zh-CN" sz="2400" dirty="0"/>
-          </a:p>
-        </p:txBody>
-      </p:sp>
-    </p:spTree>
-    <p:extLst>
-      <p:ext uri="{BB962C8B-B14F-4D97-AF65-F5344CB8AC3E}">
-        <p14:creationId xmlns:p14="http://schemas.microsoft.com/office/powerpoint/2010/main" val="3256034088"/>
-      </p:ext>
-    </p:extLst>
-  </p:cSld>
-  <p:clrMapOvr>
-    <a:masterClrMapping/>
-  </p:clrMapOvr>
-  <p:timing>
-    <p:tnLst>
-      <p:par>
-        <p:cTn id="1" dur="indefinite" restart="never" nodeType="tmRoot"/>
-      </p:par>
-    </p:tnLst>
-  </p:timing>
-</p:sld>
-</file>
-
-<file path=ppt/slides/slide3.xml><?xml version="1.0" encoding="utf-8"?>
-<p:sld xmlns:a="http://schemas.openxmlformats.org/drawingml/2006/main" xmlns:r="http://schemas.openxmlformats.org/officeDocument/2006/relationships" xmlns:p="http://schemas.openxmlformats.org/presentationml/2006/main">
-  <p:cSld>
-    <p:spTree>
-      <p:nvGrpSpPr>
-        <p:cNvPr id="1" name=""/>
-        <p:cNvGrpSpPr/>
-        <p:nvPr/>
-      </p:nvGrpSpPr>
-      <p:grpSpPr>
-        <a:xfrm>
-          <a:off x="0" y="0"/>
-          <a:ext cx="0" cy="0"/>
-          <a:chOff x="0" y="0"/>
-          <a:chExt cx="0" cy="0"/>
-        </a:xfrm>
-      </p:grpSpPr>
-      <p:sp>
-        <p:nvSpPr>
-          <p:cNvPr id="2" name="标题 1"/>
-          <p:cNvSpPr>
-            <a:spLocks noGrp="1"/>
-          </p:cNvSpPr>
-          <p:nvPr>
-            <p:ph type="title"/>
-          </p:nvPr>
-        </p:nvSpPr>
-        <p:spPr/>
-        <p:txBody>
-          <a:bodyPr/>
-          <a:lstStyle/>
-          <a:p>
-            <a:pPr algn="l"/>
-            <a:r>
-              <a:rPr lang="zh-CN" altLang="en-US" b="1" dirty="0" smtClean="0"/>
-              <a:t>大纲</a:t>
-            </a:r>
-            <a:endParaRPr lang="zh-CN" altLang="en-US" b="1" dirty="0"/>
-          </a:p>
-        </p:txBody>
-      </p:sp>
-      <p:sp>
-        <p:nvSpPr>
-          <p:cNvPr id="3" name="内容占位符 2"/>
-          <p:cNvSpPr>
-            <a:spLocks noGrp="1"/>
-          </p:cNvSpPr>
-          <p:nvPr>
-            <p:ph idx="1"/>
-          </p:nvPr>
-        </p:nvSpPr>
-        <p:spPr/>
-        <p:txBody>
-          <a:bodyPr/>
-          <a:lstStyle/>
-          <a:p>
-            <a:pPr marL="0" indent="0">
-              <a:buNone/>
-            </a:pPr>
-            <a:r>
-              <a:rPr lang="zh-CN" altLang="en-US" b="1" dirty="0" smtClean="0">
-                <a:solidFill>
-                  <a:srgbClr val="FF0000"/>
-                </a:solidFill>
-              </a:rPr>
-              <a:t>全智能手表方向</a:t>
-            </a:r>
-            <a:endParaRPr lang="en-US" altLang="zh-CN" b="1" dirty="0" smtClean="0">
-              <a:solidFill>
-                <a:srgbClr val="FF0000"/>
-              </a:solidFill>
-            </a:endParaRPr>
-          </a:p>
-          <a:p>
-            <a:pPr marL="0" indent="0">
-              <a:buNone/>
-            </a:pPr>
-            <a:endParaRPr lang="en-US" altLang="zh-CN" b="1" dirty="0"/>
-          </a:p>
-          <a:p>
-            <a:pPr marL="0" indent="0">
-              <a:buNone/>
-            </a:pPr>
-            <a:r>
-              <a:rPr lang="en-US" altLang="zh-CN" b="1" dirty="0" smtClean="0"/>
-              <a:t>Rom</a:t>
-            </a:r>
-            <a:r>
-              <a:rPr lang="zh-CN" altLang="en-US" b="1" dirty="0" smtClean="0"/>
-              <a:t>适配方向</a:t>
-            </a:r>
-            <a:endParaRPr lang="en-US" altLang="zh-CN" b="1" dirty="0" smtClean="0"/>
-          </a:p>
-          <a:p>
-            <a:pPr marL="0" indent="0">
-              <a:buNone/>
-            </a:pPr>
-            <a:endParaRPr lang="en-US" altLang="zh-CN" b="1" dirty="0" smtClean="0"/>
-          </a:p>
-          <a:p>
-            <a:pPr marL="0" indent="0">
-              <a:buNone/>
-            </a:pPr>
-            <a:r>
-              <a:rPr lang="zh-CN" altLang="en-US" b="1" dirty="0" smtClean="0"/>
-              <a:t>个人成长与展望</a:t>
-            </a:r>
-            <a:endParaRPr lang="en-US" altLang="zh-CN" b="1" dirty="0" smtClean="0"/>
-          </a:p>
-        </p:txBody>
-      </p:sp>
-    </p:spTree>
-    <p:extLst>
-      <p:ext uri="{BB962C8B-B14F-4D97-AF65-F5344CB8AC3E}">
-        <p14:creationId xmlns:p14="http://schemas.microsoft.com/office/powerpoint/2010/main" val="1642100066"/>
-      </p:ext>
-    </p:extLst>
-  </p:cSld>
-  <p:clrMapOvr>
-    <a:masterClrMapping/>
-  </p:clrMapOvr>
-  <p:timing>
-    <p:tnLst>
-      <p:par>
-        <p:cTn id="1" dur="indefinite" restart="never" nodeType="tmRoot"/>
-      </p:par>
-    </p:tnLst>
-  </p:timing>
-</p:sld>
-</file>
-
-<file path=ppt/slides/slide4.xml><?xml version="1.0" encoding="utf-8"?>
-<p:sld xmlns:a="http://schemas.openxmlformats.org/drawingml/2006/main" xmlns:r="http://schemas.openxmlformats.org/officeDocument/2006/relationships" xmlns:p="http://schemas.openxmlformats.org/presentationml/2006/main">
-  <p:cSld>
-    <p:spTree>
-      <p:nvGrpSpPr>
-        <p:cNvPr id="1" name=""/>
-        <p:cNvGrpSpPr/>
-        <p:nvPr/>
-      </p:nvGrpSpPr>
-      <p:grpSpPr>
-        <a:xfrm>
-          <a:off x="0" y="0"/>
-          <a:ext cx="0" cy="0"/>
-          <a:chOff x="0" y="0"/>
-          <a:chExt cx="0" cy="0"/>
-        </a:xfrm>
-      </p:grpSpPr>
-      <p:sp>
-        <p:nvSpPr>
-          <p:cNvPr id="2" name="标题 1"/>
-          <p:cNvSpPr>
-            <a:spLocks noGrp="1"/>
-          </p:cNvSpPr>
-          <p:nvPr>
-            <p:ph type="title"/>
-          </p:nvPr>
-        </p:nvSpPr>
-        <p:spPr/>
-        <p:txBody>
-          <a:bodyPr/>
-          <a:lstStyle/>
-          <a:p>
-            <a:r>
-              <a:rPr lang="zh-CN" altLang="en-US" dirty="0" smtClean="0"/>
-              <a:t>全智能手表方向</a:t>
+              <a:t>全</a:t>
+            </a:r>
+            <a:r>
+              <a:rPr lang="zh-CN" altLang="en-US" dirty="0" smtClean="0"/>
+              <a:t>智能手表方向</a:t>
             </a:r>
             <a:endParaRPr lang="zh-CN" altLang="en-US" dirty="0"/>
           </a:p>
@@ -5297,206 +5153,35 @@
             </a:pPr>
             <a:r>
               <a:rPr lang="zh-CN" altLang="en-US" b="1" dirty="0" smtClean="0"/>
-              <a:t>挑战</a:t>
+              <a:t>思路</a:t>
             </a:r>
             <a:endParaRPr lang="en-US" altLang="zh-CN" b="1" dirty="0" smtClean="0"/>
           </a:p>
           <a:p>
             <a:pPr lvl="1"/>
             <a:r>
-              <a:rPr lang="zh-CN" altLang="en-US" dirty="0" smtClean="0"/>
-              <a:t>全新的硬件平台</a:t>
-            </a:r>
-            <a:endParaRPr lang="en-US" altLang="zh-CN" dirty="0" smtClean="0"/>
+              <a:rPr lang="zh-CN" altLang="en-US" dirty="0"/>
+              <a:t>组件化思想，抽象出自定义控件，便于其他</a:t>
+            </a:r>
+            <a:r>
+              <a:rPr lang="zh-CN" altLang="en-US" dirty="0" smtClean="0"/>
+              <a:t>开发同学集成</a:t>
+            </a:r>
+            <a:endParaRPr lang="en-US" altLang="zh-CN" dirty="0"/>
           </a:p>
           <a:p>
             <a:pPr lvl="1"/>
             <a:r>
               <a:rPr lang="zh-CN" altLang="en-US" dirty="0"/>
-              <a:t>全新的</a:t>
-            </a:r>
-            <a:r>
-              <a:rPr lang="en-US" altLang="zh-CN" dirty="0"/>
-              <a:t>UI</a:t>
-            </a:r>
-            <a:r>
-              <a:rPr lang="zh-CN" altLang="en-US" dirty="0" smtClean="0"/>
-              <a:t>体系，大量自定义空间</a:t>
-            </a:r>
-            <a:endParaRPr lang="en-US" altLang="zh-CN" dirty="0" smtClean="0"/>
-          </a:p>
-          <a:p>
-            <a:pPr lvl="1"/>
-            <a:r>
-              <a:rPr lang="zh-CN" altLang="en-US" dirty="0" smtClean="0"/>
-              <a:t>通信业务复杂</a:t>
-            </a:r>
-            <a:r>
-              <a:rPr lang="en-US" altLang="zh-CN" dirty="0" smtClean="0"/>
-              <a:t>(HTTP,</a:t>
-            </a:r>
-            <a:r>
-              <a:rPr lang="zh-CN" altLang="en-US" dirty="0" smtClean="0"/>
-              <a:t>蓝牙等</a:t>
-            </a:r>
-            <a:r>
-              <a:rPr lang="en-US" altLang="zh-CN" dirty="0" smtClean="0"/>
-              <a:t>)</a:t>
-            </a:r>
-          </a:p>
-          <a:p>
-            <a:pPr lvl="1"/>
-            <a:r>
-              <a:rPr lang="zh-CN" altLang="en-US" dirty="0" smtClean="0"/>
-              <a:t>开发周期紧，需要变更多</a:t>
-            </a:r>
-            <a:endParaRPr lang="en-US" altLang="zh-CN" dirty="0" smtClean="0"/>
-          </a:p>
-          <a:p>
-            <a:pPr lvl="1"/>
-            <a:r>
-              <a:rPr lang="zh-CN" altLang="en-US" dirty="0" smtClean="0"/>
-              <a:t>开发人员紧缺，部分成员开发经验欠缺</a:t>
-            </a:r>
-            <a:endParaRPr lang="en-US" altLang="zh-CN" dirty="0" smtClean="0"/>
-          </a:p>
-          <a:p>
-            <a:pPr marL="0" indent="0">
-              <a:buNone/>
-            </a:pPr>
-            <a:endParaRPr lang="en-US" altLang="zh-CN" dirty="0" smtClean="0"/>
-          </a:p>
-          <a:p>
-            <a:pPr marL="0" indent="0">
-              <a:buNone/>
-            </a:pPr>
-            <a:r>
-              <a:rPr lang="zh-CN" altLang="en-US" b="1" dirty="0" smtClean="0"/>
-              <a:t>职责</a:t>
-            </a:r>
-            <a:endParaRPr lang="en-US" altLang="zh-CN" b="1" dirty="0" smtClean="0"/>
-          </a:p>
-          <a:p>
-            <a:pPr lvl="1"/>
-            <a:r>
-              <a:rPr lang="zh-CN" altLang="en-US" dirty="0" smtClean="0"/>
-              <a:t>应用层主力开发</a:t>
-            </a:r>
-            <a:endParaRPr lang="zh-CN" altLang="en-US" dirty="0"/>
-          </a:p>
-        </p:txBody>
-      </p:sp>
-    </p:spTree>
-    <p:extLst>
-      <p:ext uri="{BB962C8B-B14F-4D97-AF65-F5344CB8AC3E}">
-        <p14:creationId xmlns:p14="http://schemas.microsoft.com/office/powerpoint/2010/main" val="3823466933"/>
-      </p:ext>
-    </p:extLst>
-  </p:cSld>
-  <p:clrMapOvr>
-    <a:masterClrMapping/>
-  </p:clrMapOvr>
-  <p:timing>
-    <p:tnLst>
-      <p:par>
-        <p:cTn id="1" dur="indefinite" restart="never" nodeType="tmRoot"/>
-      </p:par>
-    </p:tnLst>
-  </p:timing>
-</p:sld>
-</file>
-
-<file path=ppt/slides/slide5.xml><?xml version="1.0" encoding="utf-8"?>
-<p:sld xmlns:a="http://schemas.openxmlformats.org/drawingml/2006/main" xmlns:r="http://schemas.openxmlformats.org/officeDocument/2006/relationships" xmlns:p="http://schemas.openxmlformats.org/presentationml/2006/main">
-  <p:cSld>
-    <p:spTree>
-      <p:nvGrpSpPr>
-        <p:cNvPr id="1" name=""/>
-        <p:cNvGrpSpPr/>
-        <p:nvPr/>
-      </p:nvGrpSpPr>
-      <p:grpSpPr>
-        <a:xfrm>
-          <a:off x="0" y="0"/>
-          <a:ext cx="0" cy="0"/>
-          <a:chOff x="0" y="0"/>
-          <a:chExt cx="0" cy="0"/>
-        </a:xfrm>
-      </p:grpSpPr>
-      <p:sp>
-        <p:nvSpPr>
-          <p:cNvPr id="2" name="标题 1"/>
-          <p:cNvSpPr>
-            <a:spLocks noGrp="1"/>
-          </p:cNvSpPr>
-          <p:nvPr>
-            <p:ph type="title"/>
-          </p:nvPr>
-        </p:nvSpPr>
-        <p:spPr/>
-        <p:txBody>
-          <a:bodyPr/>
-          <a:lstStyle/>
-          <a:p>
+              <a:t>统一网络架构层，</a:t>
+            </a:r>
+            <a:r>
+              <a:rPr lang="zh-CN" altLang="en-US" dirty="0" smtClean="0"/>
+              <a:t>对网络请求</a:t>
+            </a:r>
             <a:r>
               <a:rPr lang="zh-CN" altLang="en-US" dirty="0"/>
-              <a:t>全</a:t>
-            </a:r>
-            <a:r>
-              <a:rPr lang="zh-CN" altLang="en-US" dirty="0" smtClean="0"/>
-              <a:t>智能手表方向</a:t>
-            </a:r>
-            <a:endParaRPr lang="zh-CN" altLang="en-US" dirty="0"/>
-          </a:p>
-        </p:txBody>
-      </p:sp>
-      <p:sp>
-        <p:nvSpPr>
-          <p:cNvPr id="3" name="内容占位符 2"/>
-          <p:cNvSpPr>
-            <a:spLocks noGrp="1"/>
-          </p:cNvSpPr>
-          <p:nvPr>
-            <p:ph idx="1"/>
-          </p:nvPr>
-        </p:nvSpPr>
-        <p:spPr/>
-        <p:txBody>
-          <a:bodyPr>
-            <a:normAutofit/>
-          </a:bodyPr>
-          <a:lstStyle/>
-          <a:p>
-            <a:pPr marL="0" indent="0">
-              <a:buNone/>
-            </a:pPr>
-            <a:r>
-              <a:rPr lang="zh-CN" altLang="en-US" b="1" dirty="0" smtClean="0"/>
-              <a:t>思路</a:t>
-            </a:r>
-            <a:endParaRPr lang="en-US" altLang="zh-CN" b="1" dirty="0" smtClean="0"/>
-          </a:p>
-          <a:p>
-            <a:pPr lvl="1"/>
-            <a:r>
-              <a:rPr lang="zh-CN" altLang="en-US" dirty="0"/>
-              <a:t>组件化思想，抽象出自定义控件，便于其他开发集成</a:t>
-            </a:r>
-            <a:endParaRPr lang="en-US" altLang="zh-CN" dirty="0"/>
-          </a:p>
-          <a:p>
-            <a:pPr lvl="1"/>
-            <a:r>
-              <a:rPr lang="zh-CN" altLang="en-US" dirty="0"/>
-              <a:t>统一网络架构层，对</a:t>
-            </a:r>
-            <a:r>
-              <a:rPr lang="en-US" altLang="zh-CN" dirty="0"/>
-              <a:t>HTTP</a:t>
-            </a:r>
-            <a:r>
-              <a:rPr lang="zh-CN" altLang="en-US" dirty="0"/>
-              <a:t>请求高度抽象，便于通信切换</a:t>
+              <a:t>高度抽象，便于通信切换</a:t>
             </a:r>
             <a:endParaRPr lang="en-US" altLang="zh-CN" dirty="0"/>
           </a:p>
@@ -5554,7 +5239,7 @@
 </p:sld>
 </file>
 
-<file path=ppt/slides/slide6.xml><?xml version="1.0" encoding="utf-8"?>
+<file path=ppt/slides/slide11.xml><?xml version="1.0" encoding="utf-8"?>
 <p:sld xmlns:a="http://schemas.openxmlformats.org/drawingml/2006/main" xmlns:r="http://schemas.openxmlformats.org/officeDocument/2006/relationships" xmlns:p="http://schemas.openxmlformats.org/presentationml/2006/main">
   <p:cSld>
     <p:spTree>
@@ -5644,6 +5329,1652 @@
 </p:sld>
 </file>
 
+<file path=ppt/slides/slide12.xml><?xml version="1.0" encoding="utf-8"?>
+<p:sld xmlns:a="http://schemas.openxmlformats.org/drawingml/2006/main" xmlns:r="http://schemas.openxmlformats.org/officeDocument/2006/relationships" xmlns:p="http://schemas.openxmlformats.org/presentationml/2006/main">
+  <p:cSld>
+    <p:spTree>
+      <p:nvGrpSpPr>
+        <p:cNvPr id="1" name=""/>
+        <p:cNvGrpSpPr/>
+        <p:nvPr/>
+      </p:nvGrpSpPr>
+      <p:grpSpPr>
+        <a:xfrm>
+          <a:off x="0" y="0"/>
+          <a:ext cx="0" cy="0"/>
+          <a:chOff x="0" y="0"/>
+          <a:chExt cx="0" cy="0"/>
+        </a:xfrm>
+      </p:grpSpPr>
+      <p:sp>
+        <p:nvSpPr>
+          <p:cNvPr id="2" name="标题 1"/>
+          <p:cNvSpPr>
+            <a:spLocks noGrp="1"/>
+          </p:cNvSpPr>
+          <p:nvPr>
+            <p:ph type="title"/>
+          </p:nvPr>
+        </p:nvSpPr>
+        <p:spPr/>
+        <p:txBody>
+          <a:bodyPr/>
+          <a:lstStyle/>
+          <a:p>
+            <a:r>
+              <a:rPr lang="zh-CN" altLang="en-US" dirty="0" smtClean="0"/>
+              <a:t>自定义控件集合</a:t>
+            </a:r>
+            <a:endParaRPr lang="zh-CN" altLang="en-US" dirty="0"/>
+          </a:p>
+        </p:txBody>
+      </p:sp>
+      <p:sp>
+        <p:nvSpPr>
+          <p:cNvPr id="3" name="内容占位符 2"/>
+          <p:cNvSpPr>
+            <a:spLocks noGrp="1"/>
+          </p:cNvSpPr>
+          <p:nvPr>
+            <p:ph idx="1"/>
+          </p:nvPr>
+        </p:nvSpPr>
+        <p:spPr/>
+        <p:txBody>
+          <a:bodyPr>
+            <a:normAutofit fontScale="92500" lnSpcReduction="10000"/>
+          </a:bodyPr>
+          <a:lstStyle/>
+          <a:p>
+            <a:pPr marL="0" indent="0">
+              <a:buNone/>
+            </a:pPr>
+            <a:r>
+              <a:rPr lang="en-US" altLang="zh-CN" dirty="0" err="1"/>
+              <a:t>WheelView</a:t>
+            </a:r>
+            <a:endParaRPr lang="en-US" altLang="zh-CN" dirty="0"/>
+          </a:p>
+          <a:p>
+            <a:pPr lvl="1"/>
+            <a:r>
+              <a:rPr lang="zh-CN" altLang="en-US" dirty="0"/>
+              <a:t>时间选择的滚动控件，自定义弹性滚动机制，优化选择体验。</a:t>
+            </a:r>
+            <a:endParaRPr lang="en-US" altLang="zh-CN" dirty="0"/>
+          </a:p>
+          <a:p>
+            <a:pPr marL="0" indent="0">
+              <a:buNone/>
+            </a:pPr>
+            <a:endParaRPr lang="en-US" altLang="zh-CN" dirty="0" smtClean="0"/>
+          </a:p>
+          <a:p>
+            <a:pPr marL="0" indent="0">
+              <a:buNone/>
+            </a:pPr>
+            <a:r>
+              <a:rPr lang="en-US" altLang="zh-CN" dirty="0" err="1" smtClean="0"/>
+              <a:t>ArcScrollView</a:t>
+            </a:r>
+            <a:endParaRPr lang="en-US" altLang="zh-CN" dirty="0"/>
+          </a:p>
+          <a:p>
+            <a:pPr lvl="1"/>
+            <a:r>
+              <a:rPr lang="zh-CN" altLang="en-US" dirty="0"/>
+              <a:t>弧形的</a:t>
+            </a:r>
+            <a:r>
+              <a:rPr lang="en-US" altLang="zh-CN" dirty="0" err="1"/>
+              <a:t>ScrollBar</a:t>
+            </a:r>
+            <a:r>
+              <a:rPr lang="zh-CN" altLang="en-US" dirty="0"/>
+              <a:t>，完美适配</a:t>
+            </a:r>
+            <a:r>
+              <a:rPr lang="en-US" altLang="zh-CN" dirty="0" err="1"/>
+              <a:t>ListView</a:t>
+            </a:r>
+            <a:r>
+              <a:rPr lang="zh-CN" altLang="en-US" dirty="0"/>
+              <a:t>和</a:t>
+            </a:r>
+            <a:r>
+              <a:rPr lang="en-US" altLang="zh-CN" dirty="0" err="1"/>
+              <a:t>ArcScrollView</a:t>
+            </a:r>
+            <a:endParaRPr lang="en-US" altLang="zh-CN" dirty="0"/>
+          </a:p>
+          <a:p>
+            <a:pPr marL="0" indent="0">
+              <a:buNone/>
+            </a:pPr>
+            <a:endParaRPr lang="en-US" altLang="zh-CN" dirty="0" smtClean="0"/>
+          </a:p>
+          <a:p>
+            <a:pPr marL="0" indent="0">
+              <a:buNone/>
+            </a:pPr>
+            <a:r>
+              <a:rPr lang="en-US" altLang="zh-CN" dirty="0" err="1" smtClean="0"/>
+              <a:t>PullToRefresh</a:t>
+            </a:r>
+            <a:endParaRPr lang="en-US" altLang="zh-CN" dirty="0" smtClean="0"/>
+          </a:p>
+          <a:p>
+            <a:pPr lvl="1"/>
+            <a:r>
+              <a:rPr lang="zh-CN" altLang="en-US" dirty="0"/>
+              <a:t>下</a:t>
+            </a:r>
+            <a:r>
+              <a:rPr lang="zh-CN" altLang="en-US" dirty="0" smtClean="0"/>
+              <a:t>拉刷新控件，可自定义下拉刷新头部，并且可适配</a:t>
+            </a:r>
+            <a:r>
+              <a:rPr lang="en-US" altLang="zh-CN" dirty="0" err="1" smtClean="0"/>
+              <a:t>ListView</a:t>
+            </a:r>
+            <a:r>
+              <a:rPr lang="zh-CN" altLang="en-US" dirty="0" smtClean="0"/>
+              <a:t>，</a:t>
+            </a:r>
+            <a:r>
+              <a:rPr lang="en-US" altLang="zh-CN" dirty="0" err="1" smtClean="0"/>
+              <a:t>ScrollView</a:t>
+            </a:r>
+            <a:r>
+              <a:rPr lang="zh-CN" altLang="en-US" dirty="0" smtClean="0"/>
+              <a:t>等多种滑动控件</a:t>
+            </a:r>
+            <a:endParaRPr lang="en-US" altLang="zh-CN" dirty="0"/>
+          </a:p>
+          <a:p>
+            <a:pPr marL="0" indent="0">
+              <a:buNone/>
+            </a:pPr>
+            <a:endParaRPr lang="en-US" altLang="zh-CN" dirty="0" smtClean="0"/>
+          </a:p>
+          <a:p>
+            <a:pPr marL="0" indent="0">
+              <a:buNone/>
+            </a:pPr>
+            <a:r>
+              <a:rPr lang="en-US" altLang="zh-CN" dirty="0" err="1" smtClean="0"/>
+              <a:t>ClockView</a:t>
+            </a:r>
+            <a:endParaRPr lang="en-US" altLang="zh-CN" dirty="0"/>
+          </a:p>
+          <a:p>
+            <a:pPr lvl="1"/>
+            <a:r>
+              <a:rPr lang="zh-CN" altLang="en-US" dirty="0"/>
+              <a:t>表盘控件，自定义时间</a:t>
+            </a:r>
+            <a:r>
+              <a:rPr lang="zh-CN" altLang="en-US" dirty="0" smtClean="0"/>
+              <a:t>显示</a:t>
+            </a:r>
+            <a:endParaRPr lang="en-US" altLang="zh-CN" dirty="0" smtClean="0"/>
+          </a:p>
+        </p:txBody>
+      </p:sp>
+    </p:spTree>
+    <p:extLst>
+      <p:ext uri="{BB962C8B-B14F-4D97-AF65-F5344CB8AC3E}">
+        <p14:creationId xmlns:p14="http://schemas.microsoft.com/office/powerpoint/2010/main" val="1274988145"/>
+      </p:ext>
+    </p:extLst>
+  </p:cSld>
+  <p:clrMapOvr>
+    <a:masterClrMapping/>
+  </p:clrMapOvr>
+  <p:timing>
+    <p:tnLst>
+      <p:par>
+        <p:cTn id="1" dur="indefinite" restart="never" nodeType="tmRoot"/>
+      </p:par>
+    </p:tnLst>
+  </p:timing>
+</p:sld>
+</file>
+
+<file path=ppt/slides/slide13.xml><?xml version="1.0" encoding="utf-8"?>
+<p:sld xmlns:a="http://schemas.openxmlformats.org/drawingml/2006/main" xmlns:r="http://schemas.openxmlformats.org/officeDocument/2006/relationships" xmlns:p="http://schemas.openxmlformats.org/presentationml/2006/main">
+  <p:cSld>
+    <p:spTree>
+      <p:nvGrpSpPr>
+        <p:cNvPr id="1" name=""/>
+        <p:cNvGrpSpPr/>
+        <p:nvPr/>
+      </p:nvGrpSpPr>
+      <p:grpSpPr>
+        <a:xfrm>
+          <a:off x="0" y="0"/>
+          <a:ext cx="0" cy="0"/>
+          <a:chOff x="0" y="0"/>
+          <a:chExt cx="0" cy="0"/>
+        </a:xfrm>
+      </p:grpSpPr>
+      <p:sp>
+        <p:nvSpPr>
+          <p:cNvPr id="2" name="标题 1"/>
+          <p:cNvSpPr>
+            <a:spLocks noGrp="1"/>
+          </p:cNvSpPr>
+          <p:nvPr>
+            <p:ph type="title"/>
+          </p:nvPr>
+        </p:nvSpPr>
+        <p:spPr/>
+        <p:txBody>
+          <a:bodyPr/>
+          <a:lstStyle/>
+          <a:p>
+            <a:r>
+              <a:rPr lang="zh-CN" altLang="en-US" dirty="0" smtClean="0"/>
+              <a:t>全智能手表方向</a:t>
+            </a:r>
+            <a:endParaRPr lang="zh-CN" altLang="en-US" dirty="0"/>
+          </a:p>
+        </p:txBody>
+      </p:sp>
+      <p:sp>
+        <p:nvSpPr>
+          <p:cNvPr id="3" name="内容占位符 2"/>
+          <p:cNvSpPr>
+            <a:spLocks noGrp="1"/>
+          </p:cNvSpPr>
+          <p:nvPr>
+            <p:ph idx="1"/>
+          </p:nvPr>
+        </p:nvSpPr>
+        <p:spPr/>
+        <p:txBody>
+          <a:bodyPr/>
+          <a:lstStyle/>
+          <a:p>
+            <a:pPr marL="0" indent="0">
+              <a:buNone/>
+            </a:pPr>
+            <a:r>
+              <a:rPr lang="zh-CN" altLang="en-US" b="1" dirty="0"/>
+              <a:t>收益</a:t>
+            </a:r>
+            <a:endParaRPr lang="en-US" altLang="zh-CN" b="1" dirty="0"/>
+          </a:p>
+          <a:p>
+            <a:pPr lvl="1"/>
+            <a:r>
+              <a:rPr lang="zh-CN" altLang="en-US" dirty="0"/>
+              <a:t>应用层沉淀</a:t>
+            </a:r>
+            <a:r>
+              <a:rPr lang="en-US" altLang="zh-CN" dirty="0">
+                <a:solidFill>
+                  <a:srgbClr val="FF0000"/>
+                </a:solidFill>
+              </a:rPr>
+              <a:t>5</a:t>
+            </a:r>
+            <a:r>
+              <a:rPr lang="zh-CN" altLang="en-US" dirty="0"/>
+              <a:t>个自定义控件，提升研发</a:t>
+            </a:r>
+            <a:r>
+              <a:rPr lang="zh-CN" altLang="en-US" dirty="0" smtClean="0"/>
+              <a:t>效率。将原本需要几天开发的控件缩短为小时级别集成。</a:t>
+            </a:r>
+            <a:endParaRPr lang="en-US" altLang="zh-CN" dirty="0"/>
+          </a:p>
+          <a:p>
+            <a:pPr lvl="1"/>
+            <a:r>
+              <a:rPr lang="zh-CN" altLang="en-US" dirty="0"/>
+              <a:t>统一应用层网络</a:t>
+            </a:r>
+            <a:r>
+              <a:rPr lang="zh-CN" altLang="en-US" dirty="0"/>
+              <a:t>框架，实现对</a:t>
+            </a:r>
+            <a:r>
+              <a:rPr lang="en-US" altLang="zh-CN" dirty="0"/>
+              <a:t>HTTP</a:t>
+            </a:r>
+            <a:r>
+              <a:rPr lang="zh-CN" altLang="en-US" dirty="0"/>
+              <a:t>请求的高度封装和缓存，</a:t>
+            </a:r>
+            <a:r>
+              <a:rPr lang="zh-CN" altLang="en-US" dirty="0">
+                <a:solidFill>
+                  <a:srgbClr val="FF0000"/>
+                </a:solidFill>
+              </a:rPr>
+              <a:t>提高并发效率</a:t>
+            </a:r>
+            <a:r>
+              <a:rPr lang="zh-CN" altLang="en-US" dirty="0"/>
+              <a:t>，节约用户</a:t>
+            </a:r>
+            <a:r>
+              <a:rPr lang="zh-CN" altLang="en-US" dirty="0" smtClean="0"/>
+              <a:t>流量</a:t>
+            </a:r>
+            <a:endParaRPr lang="en-US" altLang="zh-CN" dirty="0" smtClean="0"/>
+          </a:p>
+          <a:p>
+            <a:pPr lvl="1"/>
+            <a:r>
+              <a:rPr lang="zh-CN" altLang="en-US" dirty="0" smtClean="0"/>
+              <a:t>难点应用全部按期</a:t>
+            </a:r>
+            <a:r>
+              <a:rPr lang="zh-CN" altLang="en-US" dirty="0" smtClean="0">
+                <a:solidFill>
+                  <a:srgbClr val="FF0000"/>
+                </a:solidFill>
+              </a:rPr>
+              <a:t>完成</a:t>
+            </a:r>
+            <a:r>
+              <a:rPr lang="zh-CN" altLang="en-US" dirty="0" smtClean="0"/>
+              <a:t>，且验收结果良好（天气</a:t>
+            </a:r>
+            <a:r>
+              <a:rPr lang="en-US" altLang="zh-CN" dirty="0" smtClean="0"/>
+              <a:t>, </a:t>
+            </a:r>
+            <a:r>
+              <a:rPr lang="zh-CN" altLang="en-US" dirty="0" smtClean="0"/>
+              <a:t>闹钟</a:t>
+            </a:r>
+            <a:r>
+              <a:rPr lang="en-US" altLang="zh-CN" dirty="0" smtClean="0"/>
+              <a:t>, </a:t>
+            </a:r>
+            <a:r>
+              <a:rPr lang="zh-CN" altLang="en-US" dirty="0" smtClean="0"/>
+              <a:t>秒表</a:t>
+            </a:r>
+            <a:r>
+              <a:rPr lang="en-US" altLang="zh-CN" dirty="0" smtClean="0"/>
+              <a:t>, </a:t>
+            </a:r>
+            <a:r>
+              <a:rPr lang="zh-CN" altLang="en-US" dirty="0" smtClean="0"/>
+              <a:t>计时器</a:t>
+            </a:r>
+            <a:r>
+              <a:rPr lang="en-US" altLang="zh-CN" dirty="0" smtClean="0"/>
+              <a:t>, </a:t>
+            </a:r>
+            <a:r>
+              <a:rPr lang="zh-CN" altLang="en-US" dirty="0"/>
+              <a:t>密码</a:t>
+            </a:r>
+            <a:r>
+              <a:rPr lang="zh-CN" altLang="en-US" dirty="0" smtClean="0"/>
+              <a:t>锁</a:t>
+            </a:r>
+            <a:r>
+              <a:rPr lang="en-US" altLang="zh-CN" dirty="0" smtClean="0"/>
+              <a:t>, </a:t>
+            </a:r>
+            <a:r>
+              <a:rPr lang="zh-CN" altLang="en-US" dirty="0" smtClean="0"/>
+              <a:t>应用列表等）</a:t>
+            </a:r>
+            <a:endParaRPr lang="en-US" altLang="zh-CN" dirty="0"/>
+          </a:p>
+          <a:p>
+            <a:pPr lvl="1"/>
+            <a:r>
+              <a:rPr lang="zh-CN" altLang="en-US" dirty="0">
+                <a:solidFill>
+                  <a:srgbClr val="FF0000"/>
+                </a:solidFill>
+              </a:rPr>
+              <a:t>从无到有</a:t>
+            </a:r>
+            <a:r>
+              <a:rPr lang="zh-CN" altLang="en-US" dirty="0"/>
+              <a:t>的建立起全智能手表的应用层</a:t>
+            </a:r>
+            <a:r>
+              <a:rPr lang="zh-CN" altLang="en-US" dirty="0" smtClean="0"/>
+              <a:t>体系</a:t>
+            </a:r>
+            <a:endParaRPr lang="en-US" altLang="zh-CN" dirty="0"/>
+          </a:p>
+        </p:txBody>
+      </p:sp>
+    </p:spTree>
+    <p:extLst>
+      <p:ext uri="{BB962C8B-B14F-4D97-AF65-F5344CB8AC3E}">
+        <p14:creationId xmlns:p14="http://schemas.microsoft.com/office/powerpoint/2010/main" val="1403968230"/>
+      </p:ext>
+    </p:extLst>
+  </p:cSld>
+  <p:clrMapOvr>
+    <a:masterClrMapping/>
+  </p:clrMapOvr>
+  <p:timing>
+    <p:tnLst>
+      <p:par>
+        <p:cTn id="1" dur="indefinite" restart="never" nodeType="tmRoot"/>
+      </p:par>
+    </p:tnLst>
+  </p:timing>
+</p:sld>
+</file>
+
+<file path=ppt/slides/slide14.xml><?xml version="1.0" encoding="utf-8"?>
+<p:sld xmlns:a="http://schemas.openxmlformats.org/drawingml/2006/main" xmlns:r="http://schemas.openxmlformats.org/officeDocument/2006/relationships" xmlns:p="http://schemas.openxmlformats.org/presentationml/2006/main">
+  <p:cSld>
+    <p:spTree>
+      <p:nvGrpSpPr>
+        <p:cNvPr id="1" name=""/>
+        <p:cNvGrpSpPr/>
+        <p:nvPr/>
+      </p:nvGrpSpPr>
+      <p:grpSpPr>
+        <a:xfrm>
+          <a:off x="0" y="0"/>
+          <a:ext cx="0" cy="0"/>
+          <a:chOff x="0" y="0"/>
+          <a:chExt cx="0" cy="0"/>
+        </a:xfrm>
+      </p:grpSpPr>
+      <p:sp>
+        <p:nvSpPr>
+          <p:cNvPr id="2" name="标题 1"/>
+          <p:cNvSpPr>
+            <a:spLocks noGrp="1"/>
+          </p:cNvSpPr>
+          <p:nvPr>
+            <p:ph type="title"/>
+          </p:nvPr>
+        </p:nvSpPr>
+        <p:spPr/>
+        <p:txBody>
+          <a:bodyPr/>
+          <a:lstStyle/>
+          <a:p>
+            <a:r>
+              <a:rPr lang="zh-CN" altLang="en-US" dirty="0" smtClean="0"/>
+              <a:t>个人成长与展望</a:t>
+            </a:r>
+            <a:endParaRPr lang="zh-CN" altLang="en-US" dirty="0"/>
+          </a:p>
+        </p:txBody>
+      </p:sp>
+      <p:sp>
+        <p:nvSpPr>
+          <p:cNvPr id="3" name="内容占位符 2"/>
+          <p:cNvSpPr>
+            <a:spLocks noGrp="1"/>
+          </p:cNvSpPr>
+          <p:nvPr>
+            <p:ph idx="1"/>
+          </p:nvPr>
+        </p:nvSpPr>
+        <p:spPr/>
+        <p:txBody>
+          <a:bodyPr>
+            <a:normAutofit fontScale="92500" lnSpcReduction="20000"/>
+          </a:bodyPr>
+          <a:lstStyle/>
+          <a:p>
+            <a:pPr marL="0" indent="0">
+              <a:buNone/>
+            </a:pPr>
+            <a:r>
+              <a:rPr lang="zh-CN" altLang="en-US" b="1" dirty="0" smtClean="0"/>
+              <a:t>个人成长</a:t>
+            </a:r>
+            <a:endParaRPr lang="en-US" altLang="zh-CN" b="1" dirty="0" smtClean="0"/>
+          </a:p>
+          <a:p>
+            <a:pPr lvl="1"/>
+            <a:r>
+              <a:rPr lang="zh-CN" altLang="en-US" dirty="0" smtClean="0"/>
+              <a:t>技术规划能力：</a:t>
+            </a:r>
+            <a:r>
+              <a:rPr lang="zh-CN" altLang="en-US" dirty="0"/>
+              <a:t>负责</a:t>
+            </a:r>
+            <a:r>
+              <a:rPr lang="en-US" altLang="zh-CN" dirty="0" smtClean="0"/>
+              <a:t>MTK</a:t>
+            </a:r>
+            <a:r>
+              <a:rPr lang="zh-CN" altLang="en-US" dirty="0"/>
+              <a:t>  </a:t>
+            </a:r>
+            <a:r>
+              <a:rPr lang="en-US" altLang="zh-CN" dirty="0" smtClean="0"/>
+              <a:t>ROM</a:t>
+            </a:r>
+            <a:r>
+              <a:rPr lang="zh-CN" altLang="en-US" dirty="0" smtClean="0"/>
+              <a:t>适配，负责全智能手表多个应用的规划和执行</a:t>
+            </a:r>
+            <a:endParaRPr lang="en-US" altLang="zh-CN" dirty="0" smtClean="0"/>
+          </a:p>
+          <a:p>
+            <a:pPr lvl="1"/>
+            <a:r>
+              <a:rPr lang="zh-CN" altLang="en-US" dirty="0" smtClean="0"/>
+              <a:t>技术把控能力：移动端开发从应用层到</a:t>
+            </a:r>
+            <a:r>
+              <a:rPr lang="en-US" altLang="zh-CN" dirty="0" smtClean="0"/>
+              <a:t>Framework</a:t>
+            </a:r>
+            <a:r>
+              <a:rPr lang="zh-CN" altLang="en-US" dirty="0" smtClean="0"/>
+              <a:t>层均有技术积累和沉淀</a:t>
+            </a:r>
+            <a:endParaRPr lang="en-US" altLang="zh-CN" dirty="0" smtClean="0"/>
+          </a:p>
+          <a:p>
+            <a:pPr lvl="1"/>
+            <a:r>
+              <a:rPr lang="zh-CN" altLang="en-US" dirty="0" smtClean="0"/>
+              <a:t>新人培养能力：授人以渔，经过指导和协作，组内的新同学已经成功具备移动端开发能力</a:t>
+            </a:r>
+            <a:endParaRPr lang="en-US" altLang="zh-CN" dirty="0"/>
+          </a:p>
+          <a:p>
+            <a:pPr marL="0" indent="0">
+              <a:buNone/>
+            </a:pPr>
+            <a:endParaRPr lang="en-US" altLang="zh-CN" dirty="0" smtClean="0"/>
+          </a:p>
+          <a:p>
+            <a:pPr marL="0" indent="0">
+              <a:buNone/>
+            </a:pPr>
+            <a:r>
+              <a:rPr lang="zh-CN" altLang="en-US" b="1" dirty="0" smtClean="0"/>
+              <a:t>展望</a:t>
+            </a:r>
+            <a:endParaRPr lang="en-US" altLang="zh-CN" b="1" dirty="0" smtClean="0"/>
+          </a:p>
+          <a:p>
+            <a:pPr lvl="1"/>
+            <a:r>
+              <a:rPr lang="zh-CN" altLang="en-US" dirty="0" smtClean="0"/>
+              <a:t>继续提升和优化的应用层开发能力，推动并提速</a:t>
+            </a:r>
+            <a:r>
+              <a:rPr lang="en-US" altLang="zh-CN" dirty="0" smtClean="0"/>
+              <a:t>IDC</a:t>
+            </a:r>
+            <a:r>
+              <a:rPr lang="zh-CN" altLang="en-US" dirty="0" smtClean="0"/>
+              <a:t>全智能的开发</a:t>
+            </a:r>
+            <a:endParaRPr lang="en-US" altLang="zh-CN" dirty="0" smtClean="0"/>
+          </a:p>
+          <a:p>
+            <a:pPr lvl="1"/>
+            <a:r>
+              <a:rPr lang="zh-CN" altLang="en-US" dirty="0" smtClean="0"/>
+              <a:t>学习</a:t>
+            </a:r>
+            <a:r>
+              <a:rPr lang="en-US" altLang="zh-CN" dirty="0" smtClean="0"/>
+              <a:t>YunOS 4.0</a:t>
+            </a:r>
+            <a:r>
+              <a:rPr lang="zh-CN" altLang="en-US" dirty="0" smtClean="0"/>
+              <a:t>体系框架，与</a:t>
+            </a:r>
+            <a:r>
+              <a:rPr lang="en-US" altLang="zh-CN" dirty="0" smtClean="0"/>
+              <a:t>IDC</a:t>
+            </a:r>
+            <a:r>
+              <a:rPr lang="zh-CN" altLang="en-US" dirty="0" smtClean="0"/>
+              <a:t>平台融合，促进</a:t>
+            </a:r>
+            <a:r>
+              <a:rPr lang="en-US" altLang="zh-CN" dirty="0" smtClean="0"/>
+              <a:t>4.0</a:t>
+            </a:r>
+            <a:r>
+              <a:rPr lang="zh-CN" altLang="en-US" dirty="0" smtClean="0"/>
+              <a:t>的落地和推广</a:t>
+            </a:r>
+            <a:endParaRPr lang="en-US" altLang="zh-CN" dirty="0" smtClean="0"/>
+          </a:p>
+          <a:p>
+            <a:pPr lvl="1"/>
+            <a:r>
+              <a:rPr lang="zh-CN" altLang="en-US" dirty="0" smtClean="0"/>
+              <a:t>增强新人培养能力，将自己所学能够更好的分享给其他人</a:t>
+            </a:r>
+            <a:endParaRPr lang="zh-CN" altLang="en-US" dirty="0"/>
+          </a:p>
+        </p:txBody>
+      </p:sp>
+    </p:spTree>
+    <p:extLst>
+      <p:ext uri="{BB962C8B-B14F-4D97-AF65-F5344CB8AC3E}">
+        <p14:creationId xmlns:p14="http://schemas.microsoft.com/office/powerpoint/2010/main" val="1197997373"/>
+      </p:ext>
+    </p:extLst>
+  </p:cSld>
+  <p:clrMapOvr>
+    <a:masterClrMapping/>
+  </p:clrMapOvr>
+  <p:timing>
+    <p:tnLst>
+      <p:par>
+        <p:cTn id="1" dur="indefinite" restart="never" nodeType="tmRoot"/>
+      </p:par>
+    </p:tnLst>
+  </p:timing>
+</p:sld>
+</file>
+
+<file path=ppt/slides/slide15.xml><?xml version="1.0" encoding="utf-8"?>
+<p:sld xmlns:a="http://schemas.openxmlformats.org/drawingml/2006/main" xmlns:r="http://schemas.openxmlformats.org/officeDocument/2006/relationships" xmlns:p="http://schemas.openxmlformats.org/presentationml/2006/main">
+  <p:cSld>
+    <p:spTree>
+      <p:nvGrpSpPr>
+        <p:cNvPr id="1" name=""/>
+        <p:cNvGrpSpPr/>
+        <p:nvPr/>
+      </p:nvGrpSpPr>
+      <p:grpSpPr>
+        <a:xfrm>
+          <a:off x="0" y="0"/>
+          <a:ext cx="0" cy="0"/>
+          <a:chOff x="0" y="0"/>
+          <a:chExt cx="0" cy="0"/>
+        </a:xfrm>
+      </p:grpSpPr>
+      <p:sp>
+        <p:nvSpPr>
+          <p:cNvPr id="3" name="内容占位符 2"/>
+          <p:cNvSpPr>
+            <a:spLocks noGrp="1"/>
+          </p:cNvSpPr>
+          <p:nvPr>
+            <p:ph idx="1"/>
+          </p:nvPr>
+        </p:nvSpPr>
+        <p:spPr/>
+        <p:txBody>
+          <a:bodyPr/>
+          <a:lstStyle/>
+          <a:p>
+            <a:pPr marL="0" indent="0" algn="ctr">
+              <a:buNone/>
+            </a:pPr>
+            <a:endParaRPr lang="en-US" altLang="zh-CN" dirty="0" smtClean="0"/>
+          </a:p>
+          <a:p>
+            <a:pPr marL="0" indent="0" algn="ctr">
+              <a:buNone/>
+            </a:pPr>
+            <a:endParaRPr lang="en-US" altLang="zh-CN" dirty="0"/>
+          </a:p>
+          <a:p>
+            <a:pPr marL="0" indent="0" algn="ctr">
+              <a:buNone/>
+            </a:pPr>
+            <a:endParaRPr lang="en-US" altLang="zh-CN" dirty="0" smtClean="0"/>
+          </a:p>
+          <a:p>
+            <a:pPr marL="0" indent="0" algn="ctr">
+              <a:buNone/>
+            </a:pPr>
+            <a:r>
+              <a:rPr lang="en-US" altLang="zh-CN" sz="4800" b="1" dirty="0" smtClean="0"/>
+              <a:t>Thanks</a:t>
+            </a:r>
+            <a:endParaRPr lang="zh-CN" altLang="en-US" sz="4800" b="1" dirty="0"/>
+          </a:p>
+        </p:txBody>
+      </p:sp>
+    </p:spTree>
+    <p:extLst>
+      <p:ext uri="{BB962C8B-B14F-4D97-AF65-F5344CB8AC3E}">
+        <p14:creationId xmlns:p14="http://schemas.microsoft.com/office/powerpoint/2010/main" val="1963448177"/>
+      </p:ext>
+    </p:extLst>
+  </p:cSld>
+  <p:clrMapOvr>
+    <a:masterClrMapping/>
+  </p:clrMapOvr>
+  <p:timing>
+    <p:tnLst>
+      <p:par>
+        <p:cTn id="1" dur="indefinite" restart="never" nodeType="tmRoot"/>
+      </p:par>
+    </p:tnLst>
+  </p:timing>
+</p:sld>
+</file>
+
+<file path=ppt/slides/slide2.xml><?xml version="1.0" encoding="utf-8"?>
+<p:sld xmlns:a="http://schemas.openxmlformats.org/drawingml/2006/main" xmlns:r="http://schemas.openxmlformats.org/officeDocument/2006/relationships" xmlns:p="http://schemas.openxmlformats.org/presentationml/2006/main">
+  <p:cSld>
+    <p:spTree>
+      <p:nvGrpSpPr>
+        <p:cNvPr id="1" name=""/>
+        <p:cNvGrpSpPr/>
+        <p:nvPr/>
+      </p:nvGrpSpPr>
+      <p:grpSpPr>
+        <a:xfrm>
+          <a:off x="0" y="0"/>
+          <a:ext cx="0" cy="0"/>
+          <a:chOff x="0" y="0"/>
+          <a:chExt cx="0" cy="0"/>
+        </a:xfrm>
+      </p:grpSpPr>
+      <p:sp>
+        <p:nvSpPr>
+          <p:cNvPr id="2" name="标题 1"/>
+          <p:cNvSpPr>
+            <a:spLocks noGrp="1"/>
+          </p:cNvSpPr>
+          <p:nvPr>
+            <p:ph type="title"/>
+          </p:nvPr>
+        </p:nvSpPr>
+        <p:spPr/>
+        <p:txBody>
+          <a:bodyPr/>
+          <a:lstStyle/>
+          <a:p>
+            <a:r>
+              <a:rPr lang="zh-CN" altLang="en-US" b="1" dirty="0" smtClean="0"/>
+              <a:t>个人简介</a:t>
+            </a:r>
+            <a:endParaRPr lang="zh-CN" altLang="en-US" b="1" dirty="0"/>
+          </a:p>
+        </p:txBody>
+      </p:sp>
+      <p:sp>
+        <p:nvSpPr>
+          <p:cNvPr id="3" name="内容占位符 2"/>
+          <p:cNvSpPr>
+            <a:spLocks noGrp="1"/>
+          </p:cNvSpPr>
+          <p:nvPr>
+            <p:ph idx="1"/>
+          </p:nvPr>
+        </p:nvSpPr>
+        <p:spPr/>
+        <p:txBody>
+          <a:bodyPr>
+            <a:normAutofit/>
+          </a:bodyPr>
+          <a:lstStyle/>
+          <a:p>
+            <a:pPr marL="0" indent="0">
+              <a:buNone/>
+            </a:pPr>
+            <a:r>
+              <a:rPr lang="zh-CN" altLang="en-US" sz="2400" dirty="0" smtClean="0"/>
+              <a:t>阿里工作经历</a:t>
+            </a:r>
+            <a:endParaRPr lang="en-US" altLang="zh-CN" sz="2400" dirty="0" smtClean="0"/>
+          </a:p>
+          <a:p>
+            <a:pPr lvl="1"/>
+            <a:r>
+              <a:rPr lang="en-US" altLang="zh-CN" sz="2400" dirty="0" smtClean="0"/>
+              <a:t>2014</a:t>
+            </a:r>
+            <a:r>
+              <a:rPr lang="zh-CN" altLang="en-US" sz="2400" dirty="0" smtClean="0"/>
+              <a:t>年</a:t>
+            </a:r>
+            <a:r>
+              <a:rPr lang="en-US" altLang="zh-CN" sz="2400" dirty="0" smtClean="0"/>
+              <a:t>7</a:t>
+            </a:r>
+            <a:r>
+              <a:rPr lang="zh-CN" altLang="en-US" sz="2400" dirty="0" smtClean="0"/>
+              <a:t>月正式加入</a:t>
+            </a:r>
+            <a:r>
+              <a:rPr lang="en-US" altLang="zh-CN" sz="2400" dirty="0" smtClean="0"/>
+              <a:t>YunOS</a:t>
+            </a:r>
+            <a:r>
+              <a:rPr lang="zh-CN" altLang="en-US" sz="2400" dirty="0" smtClean="0"/>
+              <a:t>大家庭</a:t>
+            </a:r>
+            <a:endParaRPr lang="en-US" altLang="zh-CN" sz="2400" dirty="0" smtClean="0"/>
+          </a:p>
+          <a:p>
+            <a:pPr marL="0" indent="0">
+              <a:buNone/>
+            </a:pPr>
+            <a:endParaRPr lang="en-US" altLang="zh-CN" sz="2400" dirty="0"/>
+          </a:p>
+          <a:p>
+            <a:pPr marL="0" indent="0">
+              <a:buNone/>
+            </a:pPr>
+            <a:r>
+              <a:rPr lang="zh-CN" altLang="en-US" sz="2400" dirty="0" smtClean="0"/>
+              <a:t>工作</a:t>
+            </a:r>
+            <a:r>
+              <a:rPr lang="zh-CN" altLang="en-US" sz="2400" dirty="0" smtClean="0"/>
+              <a:t>职责</a:t>
+            </a:r>
+            <a:endParaRPr lang="en-US" altLang="zh-CN" dirty="0"/>
+          </a:p>
+          <a:p>
+            <a:pPr marL="742950" lvl="2" indent="-342900"/>
+            <a:r>
+              <a:rPr lang="en-US" altLang="zh-CN" dirty="0"/>
+              <a:t>ROM</a:t>
+            </a:r>
+            <a:r>
+              <a:rPr lang="zh-CN" altLang="en-US" dirty="0"/>
+              <a:t>适</a:t>
+            </a:r>
+            <a:r>
+              <a:rPr lang="zh-CN" altLang="en-US" dirty="0" smtClean="0"/>
+              <a:t>配</a:t>
+            </a:r>
+            <a:r>
+              <a:rPr lang="zh-CN" altLang="en-US" dirty="0"/>
+              <a:t>项目</a:t>
+            </a:r>
+            <a:r>
+              <a:rPr lang="en-US" altLang="zh-CN" dirty="0" smtClean="0"/>
+              <a:t>MTK</a:t>
+            </a:r>
+            <a:r>
+              <a:rPr lang="zh-CN" altLang="en-US" dirty="0"/>
+              <a:t>平台负责人</a:t>
+            </a:r>
+            <a:endParaRPr lang="en-US" altLang="zh-CN" dirty="0"/>
+          </a:p>
+          <a:p>
+            <a:pPr marL="742950" lvl="2" indent="-342900"/>
+            <a:r>
+              <a:rPr lang="zh-CN" altLang="en-US" dirty="0" smtClean="0"/>
+              <a:t>全智能</a:t>
+            </a:r>
+            <a:r>
+              <a:rPr lang="zh-CN" altLang="en-US" dirty="0"/>
+              <a:t>手表</a:t>
+            </a:r>
+            <a:r>
+              <a:rPr lang="zh-CN" altLang="en-US" dirty="0" smtClean="0"/>
+              <a:t>应用层主力</a:t>
+            </a:r>
+            <a:r>
+              <a:rPr lang="zh-CN" altLang="en-US" dirty="0"/>
+              <a:t>研发</a:t>
+            </a:r>
+            <a:endParaRPr lang="en-US" altLang="zh-CN" dirty="0"/>
+          </a:p>
+          <a:p>
+            <a:pPr marL="0" indent="0">
+              <a:buNone/>
+            </a:pPr>
+            <a:endParaRPr lang="en-US" altLang="zh-CN" dirty="0" smtClean="0"/>
+          </a:p>
+          <a:p>
+            <a:pPr marL="0" indent="0">
+              <a:buNone/>
+            </a:pPr>
+            <a:r>
+              <a:rPr lang="zh-CN" altLang="en-US" sz="2400" dirty="0"/>
+              <a:t>个人介绍</a:t>
+            </a:r>
+            <a:endParaRPr lang="en-US" altLang="zh-CN" sz="2400" dirty="0"/>
+          </a:p>
+          <a:p>
+            <a:pPr lvl="1"/>
+            <a:r>
+              <a:rPr lang="en-US" altLang="zh-CN" sz="2400" dirty="0"/>
+              <a:t>GITHUB</a:t>
+            </a:r>
+            <a:r>
+              <a:rPr lang="zh-CN" altLang="en-US" sz="2400" dirty="0"/>
+              <a:t>开源项目开发者</a:t>
+            </a:r>
+            <a:r>
+              <a:rPr lang="en-US" altLang="zh-CN" sz="2400" dirty="0"/>
+              <a:t>, CSDN</a:t>
+            </a:r>
+            <a:r>
+              <a:rPr lang="zh-CN" altLang="en-US" sz="2400" dirty="0"/>
+              <a:t>认证博客专家</a:t>
+            </a:r>
+            <a:endParaRPr lang="en-US" altLang="zh-CN" sz="2400" dirty="0"/>
+          </a:p>
+          <a:p>
+            <a:pPr lvl="1"/>
+            <a:r>
+              <a:rPr lang="zh-CN" altLang="en-US" sz="2400" dirty="0"/>
+              <a:t>全栈工程师</a:t>
+            </a:r>
+            <a:r>
+              <a:rPr lang="en-US" altLang="zh-CN" sz="2400" dirty="0"/>
+              <a:t>(YunOS</a:t>
+            </a:r>
+            <a:r>
+              <a:rPr lang="en-US" altLang="zh-CN" sz="2400" dirty="0" smtClean="0"/>
+              <a:t>, Android, LNMP</a:t>
+            </a:r>
+            <a:r>
+              <a:rPr lang="zh-CN" altLang="en-US" sz="2400" dirty="0"/>
+              <a:t>服务端开发</a:t>
+            </a:r>
+            <a:r>
+              <a:rPr lang="en-US" altLang="zh-CN" sz="2400" dirty="0" smtClean="0"/>
+              <a:t>)</a:t>
+            </a:r>
+            <a:endParaRPr lang="en-US" altLang="zh-CN" sz="2400" dirty="0"/>
+          </a:p>
+        </p:txBody>
+      </p:sp>
+    </p:spTree>
+    <p:extLst>
+      <p:ext uri="{BB962C8B-B14F-4D97-AF65-F5344CB8AC3E}">
+        <p14:creationId xmlns:p14="http://schemas.microsoft.com/office/powerpoint/2010/main" val="3256034088"/>
+      </p:ext>
+    </p:extLst>
+  </p:cSld>
+  <p:clrMapOvr>
+    <a:masterClrMapping/>
+  </p:clrMapOvr>
+  <p:timing>
+    <p:tnLst>
+      <p:par>
+        <p:cTn id="1" dur="indefinite" restart="never" nodeType="tmRoot"/>
+      </p:par>
+    </p:tnLst>
+  </p:timing>
+</p:sld>
+</file>
+
+<file path=ppt/slides/slide3.xml><?xml version="1.0" encoding="utf-8"?>
+<p:sld xmlns:a="http://schemas.openxmlformats.org/drawingml/2006/main" xmlns:r="http://schemas.openxmlformats.org/officeDocument/2006/relationships" xmlns:p="http://schemas.openxmlformats.org/presentationml/2006/main">
+  <p:cSld>
+    <p:spTree>
+      <p:nvGrpSpPr>
+        <p:cNvPr id="1" name=""/>
+        <p:cNvGrpSpPr/>
+        <p:nvPr/>
+      </p:nvGrpSpPr>
+      <p:grpSpPr>
+        <a:xfrm>
+          <a:off x="0" y="0"/>
+          <a:ext cx="0" cy="0"/>
+          <a:chOff x="0" y="0"/>
+          <a:chExt cx="0" cy="0"/>
+        </a:xfrm>
+      </p:grpSpPr>
+      <p:sp>
+        <p:nvSpPr>
+          <p:cNvPr id="2" name="标题 1"/>
+          <p:cNvSpPr>
+            <a:spLocks noGrp="1"/>
+          </p:cNvSpPr>
+          <p:nvPr>
+            <p:ph type="title"/>
+          </p:nvPr>
+        </p:nvSpPr>
+        <p:spPr/>
+        <p:txBody>
+          <a:bodyPr/>
+          <a:lstStyle/>
+          <a:p>
+            <a:pPr algn="l"/>
+            <a:r>
+              <a:rPr lang="zh-CN" altLang="en-US" b="1" dirty="0" smtClean="0"/>
+              <a:t>大纲</a:t>
+            </a:r>
+            <a:endParaRPr lang="zh-CN" altLang="en-US" b="1" dirty="0"/>
+          </a:p>
+        </p:txBody>
+      </p:sp>
+      <p:sp>
+        <p:nvSpPr>
+          <p:cNvPr id="3" name="内容占位符 2"/>
+          <p:cNvSpPr>
+            <a:spLocks noGrp="1"/>
+          </p:cNvSpPr>
+          <p:nvPr>
+            <p:ph idx="1"/>
+          </p:nvPr>
+        </p:nvSpPr>
+        <p:spPr/>
+        <p:txBody>
+          <a:bodyPr/>
+          <a:lstStyle/>
+          <a:p>
+            <a:pPr marL="0" indent="0">
+              <a:buNone/>
+            </a:pPr>
+            <a:r>
+              <a:rPr lang="en-US" altLang="zh-CN" b="1" dirty="0" smtClean="0">
+                <a:solidFill>
+                  <a:srgbClr val="FF0000"/>
+                </a:solidFill>
+              </a:rPr>
+              <a:t>YunOS ROM</a:t>
+            </a:r>
+            <a:r>
+              <a:rPr lang="zh-CN" altLang="en-US" b="1" dirty="0" smtClean="0">
+                <a:solidFill>
+                  <a:srgbClr val="FF0000"/>
+                </a:solidFill>
+              </a:rPr>
+              <a:t>适</a:t>
+            </a:r>
+            <a:r>
+              <a:rPr lang="zh-CN" altLang="en-US" b="1" dirty="0">
+                <a:solidFill>
+                  <a:srgbClr val="FF0000"/>
+                </a:solidFill>
+              </a:rPr>
+              <a:t>配方</a:t>
+            </a:r>
+            <a:r>
+              <a:rPr lang="zh-CN" altLang="en-US" b="1" dirty="0" smtClean="0">
+                <a:solidFill>
+                  <a:srgbClr val="FF0000"/>
+                </a:solidFill>
+              </a:rPr>
+              <a:t>向</a:t>
+            </a:r>
+            <a:endParaRPr lang="en-US" altLang="zh-CN" b="1" dirty="0" smtClean="0">
+              <a:solidFill>
+                <a:srgbClr val="FF0000"/>
+              </a:solidFill>
+            </a:endParaRPr>
+          </a:p>
+          <a:p>
+            <a:pPr marL="0" indent="0">
+              <a:buNone/>
+            </a:pPr>
+            <a:endParaRPr lang="en-US" altLang="zh-CN" b="1" dirty="0" smtClean="0">
+              <a:solidFill>
+                <a:srgbClr val="FF0000"/>
+              </a:solidFill>
+            </a:endParaRPr>
+          </a:p>
+          <a:p>
+            <a:pPr marL="0" indent="0">
+              <a:buNone/>
+            </a:pPr>
+            <a:r>
+              <a:rPr lang="zh-CN" altLang="en-US" b="1" dirty="0" smtClean="0"/>
+              <a:t>全</a:t>
+            </a:r>
+            <a:r>
+              <a:rPr lang="zh-CN" altLang="en-US" b="1" dirty="0" smtClean="0"/>
+              <a:t>智能</a:t>
+            </a:r>
+            <a:r>
+              <a:rPr lang="zh-CN" altLang="en-US" b="1" dirty="0" smtClean="0"/>
+              <a:t>手表研发方向</a:t>
+            </a:r>
+            <a:endParaRPr lang="en-US" altLang="zh-CN" b="1" dirty="0" smtClean="0"/>
+          </a:p>
+          <a:p>
+            <a:pPr marL="0" indent="0">
+              <a:buNone/>
+            </a:pPr>
+            <a:endParaRPr lang="en-US" altLang="zh-CN" b="1" dirty="0" smtClean="0"/>
+          </a:p>
+          <a:p>
+            <a:pPr marL="0" indent="0">
+              <a:buNone/>
+            </a:pPr>
+            <a:r>
+              <a:rPr lang="zh-CN" altLang="en-US" b="1" dirty="0" smtClean="0"/>
+              <a:t>个人成长与展望</a:t>
+            </a:r>
+            <a:endParaRPr lang="en-US" altLang="zh-CN" b="1" dirty="0" smtClean="0"/>
+          </a:p>
+        </p:txBody>
+      </p:sp>
+    </p:spTree>
+    <p:extLst>
+      <p:ext uri="{BB962C8B-B14F-4D97-AF65-F5344CB8AC3E}">
+        <p14:creationId xmlns:p14="http://schemas.microsoft.com/office/powerpoint/2010/main" val="1642100066"/>
+      </p:ext>
+    </p:extLst>
+  </p:cSld>
+  <p:clrMapOvr>
+    <a:masterClrMapping/>
+  </p:clrMapOvr>
+  <p:timing>
+    <p:tnLst>
+      <p:par>
+        <p:cTn id="1" dur="indefinite" restart="never" nodeType="tmRoot"/>
+      </p:par>
+    </p:tnLst>
+  </p:timing>
+</p:sld>
+</file>
+
+<file path=ppt/slides/slide4.xml><?xml version="1.0" encoding="utf-8"?>
+<p:sld xmlns:a="http://schemas.openxmlformats.org/drawingml/2006/main" xmlns:r="http://schemas.openxmlformats.org/officeDocument/2006/relationships" xmlns:p="http://schemas.openxmlformats.org/presentationml/2006/main">
+  <p:cSld>
+    <p:spTree>
+      <p:nvGrpSpPr>
+        <p:cNvPr id="1" name=""/>
+        <p:cNvGrpSpPr/>
+        <p:nvPr/>
+      </p:nvGrpSpPr>
+      <p:grpSpPr>
+        <a:xfrm>
+          <a:off x="0" y="0"/>
+          <a:ext cx="0" cy="0"/>
+          <a:chOff x="0" y="0"/>
+          <a:chExt cx="0" cy="0"/>
+        </a:xfrm>
+      </p:grpSpPr>
+      <p:sp>
+        <p:nvSpPr>
+          <p:cNvPr id="2" name="标题 1"/>
+          <p:cNvSpPr>
+            <a:spLocks noGrp="1"/>
+          </p:cNvSpPr>
+          <p:nvPr>
+            <p:ph type="title"/>
+          </p:nvPr>
+        </p:nvSpPr>
+        <p:spPr/>
+        <p:txBody>
+          <a:bodyPr/>
+          <a:lstStyle/>
+          <a:p>
+            <a:r>
+              <a:rPr lang="en-US" altLang="zh-CN" dirty="0" smtClean="0"/>
+              <a:t>YunOS ROM</a:t>
+            </a:r>
+            <a:r>
+              <a:rPr lang="zh-CN" altLang="en-US" dirty="0" smtClean="0"/>
+              <a:t>适配方向</a:t>
+            </a:r>
+            <a:endParaRPr lang="zh-CN" altLang="en-US" dirty="0"/>
+          </a:p>
+        </p:txBody>
+      </p:sp>
+      <p:sp>
+        <p:nvSpPr>
+          <p:cNvPr id="3" name="内容占位符 2"/>
+          <p:cNvSpPr>
+            <a:spLocks noGrp="1"/>
+          </p:cNvSpPr>
+          <p:nvPr>
+            <p:ph idx="1"/>
+          </p:nvPr>
+        </p:nvSpPr>
+        <p:spPr/>
+        <p:txBody>
+          <a:bodyPr>
+            <a:normAutofit lnSpcReduction="10000"/>
+          </a:bodyPr>
+          <a:lstStyle/>
+          <a:p>
+            <a:pPr marL="0" indent="0">
+              <a:buNone/>
+            </a:pPr>
+            <a:r>
+              <a:rPr lang="zh-CN" altLang="en-US" b="1" dirty="0" smtClean="0"/>
+              <a:t>挑战</a:t>
+            </a:r>
+            <a:endParaRPr lang="en-US" altLang="zh-CN" b="1" dirty="0" smtClean="0"/>
+          </a:p>
+          <a:p>
+            <a:pPr lvl="1"/>
+            <a:r>
+              <a:rPr lang="zh-CN" altLang="en-US" dirty="0" smtClean="0"/>
+              <a:t>适配</a:t>
+            </a:r>
+            <a:r>
+              <a:rPr lang="en-US" altLang="zh-CN" dirty="0" smtClean="0"/>
+              <a:t>CPU</a:t>
+            </a:r>
+            <a:r>
+              <a:rPr lang="zh-CN" altLang="en-US" dirty="0" smtClean="0"/>
+              <a:t>平台较多，适配机型复杂</a:t>
+            </a:r>
+            <a:endParaRPr lang="en-US" altLang="zh-CN" dirty="0" smtClean="0"/>
+          </a:p>
+          <a:p>
+            <a:pPr lvl="1"/>
+            <a:r>
+              <a:rPr lang="zh-CN" altLang="en-US" dirty="0" smtClean="0"/>
+              <a:t>适配流程繁琐，从</a:t>
+            </a:r>
+            <a:r>
+              <a:rPr lang="en-US" altLang="zh-CN" dirty="0" err="1" smtClean="0"/>
+              <a:t>boot.img</a:t>
+            </a:r>
+            <a:r>
+              <a:rPr lang="zh-CN" altLang="en-US" dirty="0"/>
+              <a:t>到</a:t>
+            </a:r>
+            <a:r>
+              <a:rPr lang="en-US" altLang="zh-CN" dirty="0" err="1" smtClean="0"/>
+              <a:t>system.img</a:t>
+            </a:r>
+            <a:r>
+              <a:rPr lang="zh-CN" altLang="en-US" dirty="0" smtClean="0"/>
+              <a:t>到</a:t>
+            </a:r>
+            <a:r>
+              <a:rPr lang="en-US" altLang="zh-CN" dirty="0" smtClean="0"/>
+              <a:t>recovery</a:t>
+            </a:r>
+            <a:r>
+              <a:rPr lang="zh-CN" altLang="en-US" dirty="0" smtClean="0"/>
+              <a:t>刷机脚本均需要适配</a:t>
+            </a:r>
+            <a:endParaRPr lang="en-US" altLang="zh-CN" dirty="0" smtClean="0"/>
+          </a:p>
+          <a:p>
+            <a:pPr lvl="1"/>
+            <a:r>
+              <a:rPr lang="zh-CN" altLang="en-US" dirty="0" smtClean="0"/>
+              <a:t>适</a:t>
+            </a:r>
+            <a:r>
+              <a:rPr lang="zh-CN" altLang="en-US" dirty="0" smtClean="0"/>
+              <a:t>配过程中遇到的</a:t>
+            </a:r>
+            <a:r>
+              <a:rPr lang="zh-CN" altLang="en-US" dirty="0" smtClean="0"/>
+              <a:t>问题较复杂</a:t>
+            </a:r>
+            <a:r>
+              <a:rPr lang="zh-CN" altLang="en-US" dirty="0" smtClean="0"/>
+              <a:t>，从应用层到</a:t>
+            </a:r>
+            <a:r>
+              <a:rPr lang="en-US" altLang="zh-CN" dirty="0" smtClean="0"/>
+              <a:t>Framework</a:t>
+            </a:r>
+            <a:r>
+              <a:rPr lang="zh-CN" altLang="en-US" dirty="0" smtClean="0"/>
+              <a:t>到</a:t>
+            </a:r>
+            <a:r>
+              <a:rPr lang="en-US" altLang="zh-CN" dirty="0" smtClean="0"/>
+              <a:t>JNI</a:t>
+            </a:r>
+            <a:r>
+              <a:rPr lang="zh-CN" altLang="en-US" dirty="0" smtClean="0"/>
+              <a:t>层均有</a:t>
+            </a:r>
+            <a:r>
+              <a:rPr lang="zh-CN" altLang="en-US" dirty="0" smtClean="0"/>
+              <a:t>涉及</a:t>
+            </a:r>
+            <a:endParaRPr lang="en-US" altLang="zh-CN" dirty="0" smtClean="0"/>
+          </a:p>
+          <a:p>
+            <a:pPr lvl="1"/>
+            <a:r>
+              <a:rPr lang="zh-CN" altLang="en-US" dirty="0"/>
+              <a:t>打包发布流程繁琐，多个平台发布对应的</a:t>
+            </a:r>
+            <a:r>
+              <a:rPr lang="en-US" altLang="zh-CN" dirty="0"/>
+              <a:t>ROM</a:t>
+            </a:r>
+            <a:r>
+              <a:rPr lang="zh-CN" altLang="en-US" dirty="0" smtClean="0"/>
+              <a:t>包需求均</a:t>
+            </a:r>
+            <a:r>
+              <a:rPr lang="zh-CN" altLang="en-US" dirty="0"/>
+              <a:t>不</a:t>
+            </a:r>
+            <a:r>
+              <a:rPr lang="zh-CN" altLang="en-US" dirty="0" smtClean="0"/>
+              <a:t>相同</a:t>
+            </a:r>
+            <a:endParaRPr lang="en-US" altLang="zh-CN" dirty="0" smtClean="0"/>
+          </a:p>
+          <a:p>
+            <a:pPr marL="0" indent="0">
+              <a:buNone/>
+            </a:pPr>
+            <a:endParaRPr lang="en-US" altLang="zh-CN" b="1" dirty="0"/>
+          </a:p>
+          <a:p>
+            <a:pPr marL="0" indent="0">
+              <a:buNone/>
+            </a:pPr>
+            <a:r>
+              <a:rPr lang="zh-CN" altLang="en-US" b="1" dirty="0" smtClean="0"/>
+              <a:t>职责</a:t>
+            </a:r>
+            <a:endParaRPr lang="en-US" altLang="zh-CN" b="1" dirty="0" smtClean="0"/>
+          </a:p>
+          <a:p>
+            <a:pPr lvl="1"/>
+            <a:r>
+              <a:rPr lang="en-US" altLang="zh-CN" dirty="0" smtClean="0"/>
+              <a:t>MTK</a:t>
+            </a:r>
+            <a:r>
+              <a:rPr lang="zh-CN" altLang="en-US" dirty="0" smtClean="0"/>
+              <a:t>平台机型适配负责人</a:t>
+            </a:r>
+            <a:endParaRPr lang="en-US" altLang="zh-CN" dirty="0" smtClean="0"/>
+          </a:p>
+          <a:p>
+            <a:pPr marL="0" indent="0">
+              <a:buNone/>
+            </a:pPr>
+            <a:endParaRPr lang="en-US" altLang="zh-CN" b="1" dirty="0" smtClean="0"/>
+          </a:p>
+          <a:p>
+            <a:pPr marL="0" indent="0">
+              <a:buNone/>
+            </a:pPr>
+            <a:endParaRPr lang="zh-CN" altLang="en-US" dirty="0"/>
+          </a:p>
+        </p:txBody>
+      </p:sp>
+    </p:spTree>
+    <p:extLst>
+      <p:ext uri="{BB962C8B-B14F-4D97-AF65-F5344CB8AC3E}">
+        <p14:creationId xmlns:p14="http://schemas.microsoft.com/office/powerpoint/2010/main" val="3442509603"/>
+      </p:ext>
+    </p:extLst>
+  </p:cSld>
+  <p:clrMapOvr>
+    <a:masterClrMapping/>
+  </p:clrMapOvr>
+  <p:timing>
+    <p:tnLst>
+      <p:par>
+        <p:cTn id="1" dur="indefinite" restart="never" nodeType="tmRoot"/>
+      </p:par>
+    </p:tnLst>
+  </p:timing>
+</p:sld>
+</file>
+
+<file path=ppt/slides/slide5.xml><?xml version="1.0" encoding="utf-8"?>
+<p:sld xmlns:a="http://schemas.openxmlformats.org/drawingml/2006/main" xmlns:r="http://schemas.openxmlformats.org/officeDocument/2006/relationships" xmlns:p="http://schemas.openxmlformats.org/presentationml/2006/main">
+  <p:cSld>
+    <p:spTree>
+      <p:nvGrpSpPr>
+        <p:cNvPr id="1" name=""/>
+        <p:cNvGrpSpPr/>
+        <p:nvPr/>
+      </p:nvGrpSpPr>
+      <p:grpSpPr>
+        <a:xfrm>
+          <a:off x="0" y="0"/>
+          <a:ext cx="0" cy="0"/>
+          <a:chOff x="0" y="0"/>
+          <a:chExt cx="0" cy="0"/>
+        </a:xfrm>
+      </p:grpSpPr>
+      <p:sp>
+        <p:nvSpPr>
+          <p:cNvPr id="2" name="标题 1"/>
+          <p:cNvSpPr>
+            <a:spLocks noGrp="1"/>
+          </p:cNvSpPr>
+          <p:nvPr>
+            <p:ph type="title"/>
+          </p:nvPr>
+        </p:nvSpPr>
+        <p:spPr/>
+        <p:txBody>
+          <a:bodyPr/>
+          <a:lstStyle/>
+          <a:p>
+            <a:r>
+              <a:rPr lang="en-US" altLang="zh-CN" dirty="0" smtClean="0"/>
+              <a:t>YunOS </a:t>
+            </a:r>
+            <a:r>
+              <a:rPr lang="en-US" altLang="zh-CN" dirty="0" smtClean="0"/>
+              <a:t>ROM</a:t>
+            </a:r>
+            <a:r>
+              <a:rPr lang="zh-CN" altLang="en-US" dirty="0" smtClean="0"/>
+              <a:t>适配方向</a:t>
+            </a:r>
+            <a:endParaRPr lang="zh-CN" altLang="en-US" dirty="0"/>
+          </a:p>
+        </p:txBody>
+      </p:sp>
+      <p:sp>
+        <p:nvSpPr>
+          <p:cNvPr id="3" name="内容占位符 2"/>
+          <p:cNvSpPr>
+            <a:spLocks noGrp="1"/>
+          </p:cNvSpPr>
+          <p:nvPr>
+            <p:ph idx="1"/>
+          </p:nvPr>
+        </p:nvSpPr>
+        <p:spPr/>
+        <p:txBody>
+          <a:bodyPr/>
+          <a:lstStyle/>
+          <a:p>
+            <a:pPr marL="0" indent="0">
+              <a:buNone/>
+            </a:pPr>
+            <a:r>
+              <a:rPr lang="zh-CN" altLang="en-US" b="1" dirty="0" smtClean="0"/>
+              <a:t>思路</a:t>
+            </a:r>
+            <a:endParaRPr lang="en-US" altLang="zh-CN" b="1" dirty="0" smtClean="0"/>
+          </a:p>
+          <a:p>
+            <a:pPr lvl="1"/>
+            <a:r>
+              <a:rPr lang="zh-CN" altLang="en-US" dirty="0" smtClean="0"/>
+              <a:t>系统化并自动化</a:t>
+            </a:r>
+            <a:r>
+              <a:rPr lang="en-US" altLang="zh-CN" dirty="0" smtClean="0"/>
+              <a:t>ROM</a:t>
+            </a:r>
+            <a:r>
+              <a:rPr lang="zh-CN" altLang="en-US" dirty="0" smtClean="0"/>
+              <a:t>包构建过程</a:t>
+            </a:r>
+            <a:endParaRPr lang="en-US" altLang="zh-CN" dirty="0" smtClean="0"/>
+          </a:p>
+          <a:p>
+            <a:pPr lvl="1"/>
+            <a:r>
+              <a:rPr lang="zh-CN" altLang="en-US" dirty="0" smtClean="0"/>
+              <a:t>结合</a:t>
+            </a:r>
+            <a:r>
+              <a:rPr lang="en-US" altLang="zh-CN" dirty="0" smtClean="0"/>
+              <a:t>Jenkins</a:t>
+            </a:r>
+            <a:r>
+              <a:rPr lang="zh-CN" altLang="en-US" dirty="0" smtClean="0"/>
+              <a:t>并配合</a:t>
+            </a:r>
+            <a:r>
+              <a:rPr lang="en-US" altLang="zh-CN" dirty="0" smtClean="0"/>
+              <a:t>SCM</a:t>
+            </a:r>
+            <a:r>
+              <a:rPr lang="zh-CN" altLang="en-US" dirty="0" smtClean="0"/>
+              <a:t>自动化渠道包</a:t>
+            </a:r>
+            <a:r>
+              <a:rPr lang="en-US" altLang="zh-CN" dirty="0" smtClean="0"/>
+              <a:t>ROM</a:t>
+            </a:r>
+            <a:r>
+              <a:rPr lang="zh-CN" altLang="en-US" dirty="0" smtClean="0"/>
+              <a:t>发布</a:t>
+            </a:r>
+            <a:r>
+              <a:rPr lang="zh-CN" altLang="en-US" dirty="0" smtClean="0"/>
+              <a:t>流程</a:t>
+            </a:r>
+            <a:endParaRPr lang="en-US" altLang="zh-CN" dirty="0" smtClean="0"/>
+          </a:p>
+          <a:p>
+            <a:pPr lvl="1"/>
+            <a:r>
+              <a:rPr lang="zh-CN" altLang="en-US" dirty="0"/>
+              <a:t>深入学习</a:t>
+            </a:r>
+            <a:r>
+              <a:rPr lang="en-US" altLang="zh-CN" dirty="0"/>
+              <a:t>YunOS3.x</a:t>
+            </a:r>
+            <a:r>
+              <a:rPr lang="zh-CN" altLang="en-US" dirty="0"/>
+              <a:t>源码和架构体系，增强问题解决</a:t>
+            </a:r>
+            <a:r>
+              <a:rPr lang="zh-CN" altLang="en-US" dirty="0" smtClean="0"/>
+              <a:t>能力</a:t>
+            </a:r>
+            <a:endParaRPr lang="en-US" altLang="zh-CN" dirty="0"/>
+          </a:p>
+        </p:txBody>
+      </p:sp>
+    </p:spTree>
+    <p:extLst>
+      <p:ext uri="{BB962C8B-B14F-4D97-AF65-F5344CB8AC3E}">
+        <p14:creationId xmlns:p14="http://schemas.microsoft.com/office/powerpoint/2010/main" val="3520199992"/>
+      </p:ext>
+    </p:extLst>
+  </p:cSld>
+  <p:clrMapOvr>
+    <a:masterClrMapping/>
+  </p:clrMapOvr>
+  <p:timing>
+    <p:tnLst>
+      <p:par>
+        <p:cTn id="1" dur="indefinite" restart="never" nodeType="tmRoot"/>
+      </p:par>
+    </p:tnLst>
+  </p:timing>
+</p:sld>
+</file>
+
+<file path=ppt/slides/slide6.xml><?xml version="1.0" encoding="utf-8"?>
+<p:sld xmlns:a="http://schemas.openxmlformats.org/drawingml/2006/main" xmlns:r="http://schemas.openxmlformats.org/officeDocument/2006/relationships" xmlns:p="http://schemas.openxmlformats.org/presentationml/2006/main">
+  <p:cSld>
+    <p:spTree>
+      <p:nvGrpSpPr>
+        <p:cNvPr id="1" name=""/>
+        <p:cNvGrpSpPr/>
+        <p:nvPr/>
+      </p:nvGrpSpPr>
+      <p:grpSpPr>
+        <a:xfrm>
+          <a:off x="0" y="0"/>
+          <a:ext cx="0" cy="0"/>
+          <a:chOff x="0" y="0"/>
+          <a:chExt cx="0" cy="0"/>
+        </a:xfrm>
+      </p:grpSpPr>
+      <p:sp>
+        <p:nvSpPr>
+          <p:cNvPr id="2" name="标题 1"/>
+          <p:cNvSpPr>
+            <a:spLocks noGrp="1"/>
+          </p:cNvSpPr>
+          <p:nvPr>
+            <p:ph type="title"/>
+          </p:nvPr>
+        </p:nvSpPr>
+        <p:spPr/>
+        <p:txBody>
+          <a:bodyPr/>
+          <a:lstStyle/>
+          <a:p>
+            <a:r>
+              <a:rPr lang="en-US" altLang="zh-CN" dirty="0" smtClean="0"/>
+              <a:t>ROM</a:t>
+            </a:r>
+            <a:r>
+              <a:rPr lang="zh-CN" altLang="en-US" dirty="0" smtClean="0"/>
+              <a:t>包构建发布系统</a:t>
+            </a:r>
+            <a:endParaRPr lang="zh-CN" altLang="en-US" dirty="0"/>
+          </a:p>
+        </p:txBody>
+      </p:sp>
+      <p:pic>
+        <p:nvPicPr>
+          <p:cNvPr id="3" name="图片 2"/>
+          <p:cNvPicPr>
+            <a:picLocks noChangeAspect="1"/>
+          </p:cNvPicPr>
+          <p:nvPr/>
+        </p:nvPicPr>
+        <p:blipFill>
+          <a:blip r:embed="rId3">
+            <a:extLst>
+              <a:ext uri="{28A0092B-C50C-407E-A947-70E740481C1C}">
+                <a14:useLocalDpi xmlns:a14="http://schemas.microsoft.com/office/drawing/2010/main" val="0"/>
+              </a:ext>
+            </a:extLst>
+          </a:blip>
+          <a:stretch>
+            <a:fillRect/>
+          </a:stretch>
+        </p:blipFill>
+        <p:spPr>
+          <a:xfrm>
+            <a:off x="0" y="1331182"/>
+            <a:ext cx="9144000" cy="5526818"/>
+          </a:xfrm>
+          <a:prstGeom prst="rect">
+            <a:avLst/>
+          </a:prstGeom>
+        </p:spPr>
+      </p:pic>
+    </p:spTree>
+    <p:extLst>
+      <p:ext uri="{BB962C8B-B14F-4D97-AF65-F5344CB8AC3E}">
+        <p14:creationId xmlns:p14="http://schemas.microsoft.com/office/powerpoint/2010/main" val="1661574184"/>
+      </p:ext>
+    </p:extLst>
+  </p:cSld>
+  <p:clrMapOvr>
+    <a:masterClrMapping/>
+  </p:clrMapOvr>
+  <p:timing>
+    <p:tnLst>
+      <p:par>
+        <p:cTn id="1" dur="indefinite" restart="never" nodeType="tmRoot"/>
+      </p:par>
+    </p:tnLst>
+  </p:timing>
+</p:sld>
+</file>
+
 <file path=ppt/slides/slide7.xml><?xml version="1.0" encoding="utf-8"?>
 <p:sld xmlns:a="http://schemas.openxmlformats.org/drawingml/2006/main" xmlns:r="http://schemas.openxmlformats.org/officeDocument/2006/relationships" xmlns:p="http://schemas.openxmlformats.org/presentationml/2006/main">
   <p:cSld>
@@ -5677,8 +7008,12 @@
           <a:lstStyle/>
           <a:p>
             <a:r>
-              <a:rPr lang="zh-CN" altLang="en-US" dirty="0" smtClean="0"/>
-              <a:t>自定义控件集合</a:t>
+              <a:rPr lang="en-US" altLang="zh-CN" dirty="0" smtClean="0"/>
+              <a:t>YunOS Rom</a:t>
+            </a:r>
+            <a:r>
+              <a:rPr lang="zh-CN" altLang="en-US" dirty="0" smtClean="0"/>
+              <a:t>适配方向</a:t>
             </a:r>
             <a:endParaRPr lang="zh-CN" altLang="en-US" dirty="0"/>
           </a:p>
@@ -5703,103 +7038,158 @@
               <a:buNone/>
             </a:pPr>
             <a:r>
-              <a:rPr lang="en-US" altLang="zh-CN" dirty="0" err="1"/>
-              <a:t>WheelView</a:t>
-            </a:r>
-            <a:endParaRPr lang="en-US" altLang="zh-CN" dirty="0"/>
+              <a:rPr lang="zh-CN" altLang="en-US" b="1" dirty="0" smtClean="0"/>
+              <a:t>收益</a:t>
+            </a:r>
+            <a:endParaRPr lang="en-US" altLang="zh-CN" b="1" dirty="0" smtClean="0"/>
           </a:p>
           <a:p>
             <a:pPr lvl="1"/>
             <a:r>
-              <a:rPr lang="zh-CN" altLang="en-US" dirty="0"/>
-              <a:t>时间选择的滚动控件，自定义弹性滚动机制，优化选择体验。</a:t>
-            </a:r>
-            <a:endParaRPr lang="en-US" altLang="zh-CN" dirty="0"/>
-          </a:p>
-          <a:p>
-            <a:pPr marL="0" indent="0">
-              <a:buNone/>
-            </a:pPr>
+              <a:rPr lang="en-US" altLang="zh-CN" dirty="0" smtClean="0"/>
+              <a:t>MTK</a:t>
+            </a:r>
+            <a:r>
+              <a:rPr lang="zh-CN" altLang="en-US" dirty="0" smtClean="0"/>
+              <a:t>机型成功适配</a:t>
+            </a:r>
+            <a:r>
+              <a:rPr lang="zh-CN" altLang="en-US" dirty="0" smtClean="0"/>
+              <a:t>超过</a:t>
+            </a:r>
+            <a:r>
+              <a:rPr lang="en-US" altLang="zh-CN" dirty="0" smtClean="0">
+                <a:solidFill>
+                  <a:srgbClr val="FF0000"/>
+                </a:solidFill>
+              </a:rPr>
+              <a:t>20</a:t>
+            </a:r>
+            <a:r>
+              <a:rPr lang="zh-CN" altLang="en-US" dirty="0" smtClean="0">
+                <a:solidFill>
+                  <a:srgbClr val="FF0000"/>
+                </a:solidFill>
+              </a:rPr>
+              <a:t>款</a:t>
+            </a:r>
+            <a:r>
+              <a:rPr lang="zh-CN" altLang="en-US" dirty="0" smtClean="0"/>
+              <a:t>机型，每台机型日激活量过百</a:t>
+            </a:r>
             <a:endParaRPr lang="en-US" altLang="zh-CN" dirty="0" smtClean="0"/>
           </a:p>
           <a:p>
-            <a:pPr marL="0" indent="0">
-              <a:buNone/>
-            </a:pPr>
-            <a:r>
-              <a:rPr lang="en-US" altLang="zh-CN" dirty="0" err="1" smtClean="0"/>
-              <a:t>ArcScrollView</a:t>
-            </a:r>
-            <a:endParaRPr lang="en-US" altLang="zh-CN" dirty="0"/>
-          </a:p>
-          <a:p>
             <a:pPr lvl="1"/>
             <a:r>
-              <a:rPr lang="zh-CN" altLang="en-US" dirty="0"/>
-              <a:t>弧形的</a:t>
-            </a:r>
-            <a:r>
-              <a:rPr lang="en-US" altLang="zh-CN" dirty="0" err="1"/>
-              <a:t>ScrollBar</a:t>
-            </a:r>
-            <a:r>
-              <a:rPr lang="zh-CN" altLang="en-US" dirty="0"/>
-              <a:t>，完美适配</a:t>
-            </a:r>
-            <a:r>
-              <a:rPr lang="en-US" altLang="zh-CN" dirty="0" err="1"/>
-              <a:t>ListView</a:t>
-            </a:r>
-            <a:r>
-              <a:rPr lang="zh-CN" altLang="en-US" dirty="0"/>
-              <a:t>和</a:t>
-            </a:r>
-            <a:r>
-              <a:rPr lang="en-US" altLang="zh-CN" dirty="0" err="1"/>
-              <a:t>ArcScrollView</a:t>
-            </a:r>
-            <a:endParaRPr lang="en-US" altLang="zh-CN" dirty="0"/>
-          </a:p>
-          <a:p>
-            <a:pPr marL="0" indent="0">
-              <a:buNone/>
-            </a:pPr>
+              <a:rPr lang="zh-CN" altLang="en-US" dirty="0" smtClean="0"/>
+              <a:t>提高打包效率，将多平台打包流程</a:t>
+            </a:r>
+            <a:r>
+              <a:rPr lang="zh-CN" altLang="en-US" dirty="0" smtClean="0"/>
+              <a:t>从</a:t>
+            </a:r>
+            <a:r>
+              <a:rPr lang="zh-CN" altLang="en-US" dirty="0" smtClean="0">
+                <a:solidFill>
+                  <a:srgbClr val="FF0000"/>
+                </a:solidFill>
+              </a:rPr>
+              <a:t>半天</a:t>
+            </a:r>
+            <a:r>
+              <a:rPr lang="zh-CN" altLang="en-US" dirty="0" smtClean="0"/>
+              <a:t>时间</a:t>
+            </a:r>
+            <a:r>
+              <a:rPr lang="zh-CN" altLang="en-US" dirty="0" smtClean="0"/>
+              <a:t>降低</a:t>
+            </a:r>
+            <a:r>
+              <a:rPr lang="zh-CN" altLang="en-US" dirty="0" smtClean="0"/>
+              <a:t>为</a:t>
+            </a:r>
+            <a:r>
+              <a:rPr lang="zh-CN" altLang="en-US" dirty="0">
+                <a:solidFill>
+                  <a:srgbClr val="FF0000"/>
+                </a:solidFill>
+              </a:rPr>
+              <a:t>分钟</a:t>
+            </a:r>
+            <a:r>
+              <a:rPr lang="zh-CN" altLang="en-US" dirty="0" smtClean="0"/>
+              <a:t>级别</a:t>
+            </a:r>
+            <a:r>
+              <a:rPr lang="zh-CN" altLang="en-US" dirty="0" smtClean="0"/>
+              <a:t>，且流程自动化</a:t>
+            </a:r>
             <a:endParaRPr lang="en-US" altLang="zh-CN" dirty="0" smtClean="0"/>
           </a:p>
           <a:p>
-            <a:pPr marL="0" indent="0">
-              <a:buNone/>
-            </a:pPr>
-            <a:r>
-              <a:rPr lang="en-US" altLang="zh-CN" dirty="0" err="1" smtClean="0"/>
-              <a:t>ClockView</a:t>
-            </a:r>
-            <a:endParaRPr lang="en-US" altLang="zh-CN" dirty="0"/>
-          </a:p>
-          <a:p>
             <a:pPr lvl="1"/>
             <a:r>
-              <a:rPr lang="zh-CN" altLang="en-US" dirty="0"/>
-              <a:t>表盘控件，自定义时间</a:t>
-            </a:r>
-            <a:r>
-              <a:rPr lang="zh-CN" altLang="en-US" dirty="0" smtClean="0"/>
-              <a:t>显示</a:t>
-            </a:r>
-            <a:endParaRPr lang="en-US" altLang="zh-CN" dirty="0"/>
+              <a:rPr lang="zh-CN" altLang="en-US" dirty="0" smtClean="0"/>
+              <a:t>积累了丰富的</a:t>
+            </a:r>
+            <a:r>
+              <a:rPr lang="en-US" altLang="zh-CN" dirty="0" smtClean="0"/>
+              <a:t>Rom</a:t>
+            </a:r>
+            <a:r>
+              <a:rPr lang="zh-CN" altLang="en-US" dirty="0" smtClean="0"/>
+              <a:t>适配经验，包括</a:t>
+            </a:r>
+            <a:r>
+              <a:rPr lang="en-US" altLang="zh-CN" dirty="0" smtClean="0"/>
+              <a:t>UI</a:t>
+            </a:r>
+            <a:r>
+              <a:rPr lang="zh-CN" altLang="en-US" dirty="0" smtClean="0"/>
+              <a:t>适配，</a:t>
+            </a:r>
+            <a:r>
+              <a:rPr lang="en-US" altLang="zh-CN" dirty="0" smtClean="0"/>
+              <a:t>Framework</a:t>
+            </a:r>
+            <a:r>
+              <a:rPr lang="zh-CN" altLang="en-US" dirty="0" smtClean="0"/>
+              <a:t>层问题定位和解决</a:t>
+            </a:r>
+            <a:endParaRPr lang="en-US" altLang="zh-CN" dirty="0" smtClean="0"/>
+          </a:p>
+          <a:p>
+            <a:pPr lvl="1"/>
+            <a:r>
+              <a:rPr lang="en-US" altLang="zh-CN" dirty="0" smtClean="0"/>
+              <a:t>Rom</a:t>
+            </a:r>
+            <a:r>
+              <a:rPr lang="zh-CN" altLang="en-US" dirty="0" smtClean="0"/>
+              <a:t>适配稳定，用户反馈较好</a:t>
+            </a:r>
+            <a:endParaRPr lang="en-US" altLang="zh-CN" dirty="0" smtClean="0"/>
           </a:p>
         </p:txBody>
       </p:sp>
     </p:spTree>
     <p:extLst>
       <p:ext uri="{BB962C8B-B14F-4D97-AF65-F5344CB8AC3E}">
-        <p14:creationId xmlns:p14="http://schemas.microsoft.com/office/powerpoint/2010/main" val="1274988145"/>
+        <p14:creationId xmlns:p14="http://schemas.microsoft.com/office/powerpoint/2010/main" val="1034453671"/>
       </p:ext>
     </p:extLst>
   </p:cSld>
   <p:clrMapOvr>
     <a:masterClrMapping/>
   </p:clrMapOvr>
+  <p:timing>
+    <p:tnLst>
+      <p:par>
+        <p:cTn id="1" dur="indefinite" restart="never" nodeType="tmRoot"/>
+      </p:par>
+    </p:tnLst>
+  </p:timing>
 </p:sld>
 </file>
 
@@ -5835,11 +7225,12 @@
           <a:bodyPr/>
           <a:lstStyle/>
           <a:p>
-            <a:r>
-              <a:rPr lang="zh-CN" altLang="en-US" dirty="0" smtClean="0"/>
-              <a:t>全智能手表方向</a:t>
-            </a:r>
-            <a:endParaRPr lang="zh-CN" altLang="en-US" dirty="0"/>
+            <a:pPr algn="l"/>
+            <a:r>
+              <a:rPr lang="zh-CN" altLang="en-US" b="1" dirty="0" smtClean="0"/>
+              <a:t>大纲</a:t>
+            </a:r>
+            <a:endParaRPr lang="zh-CN" altLang="en-US" b="1" dirty="0"/>
           </a:p>
         </p:txBody>
       </p:sp>
@@ -5862,121 +7253,69 @@
               <a:buNone/>
             </a:pPr>
             <a:r>
-              <a:rPr lang="zh-CN" altLang="en-US" b="1" dirty="0"/>
-              <a:t>收益</a:t>
-            </a:r>
-            <a:endParaRPr lang="en-US" altLang="zh-CN" b="1" dirty="0"/>
-          </a:p>
-          <a:p>
-            <a:pPr lvl="1"/>
-            <a:r>
-              <a:rPr lang="zh-CN" altLang="en-US" dirty="0"/>
-              <a:t>应用层沉淀</a:t>
-            </a:r>
-            <a:r>
-              <a:rPr lang="en-US" altLang="zh-CN" dirty="0"/>
-              <a:t>5</a:t>
-            </a:r>
-            <a:r>
-              <a:rPr lang="zh-CN" altLang="en-US" dirty="0"/>
-              <a:t>个自定义控件，提升研发</a:t>
-            </a:r>
-            <a:r>
-              <a:rPr lang="zh-CN" altLang="en-US" dirty="0" smtClean="0"/>
-              <a:t>效率。将原本需要几天开发的控件缩短为小时级别集成。</a:t>
-            </a:r>
-            <a:endParaRPr lang="en-US" altLang="zh-CN" dirty="0"/>
-          </a:p>
-          <a:p>
-            <a:pPr lvl="1"/>
-            <a:r>
-              <a:rPr lang="zh-CN" altLang="en-US" dirty="0"/>
-              <a:t>应用层统一网络框架，实现对</a:t>
-            </a:r>
-            <a:r>
-              <a:rPr lang="en-US" altLang="zh-CN" dirty="0"/>
-              <a:t>HTTP</a:t>
-            </a:r>
-            <a:r>
-              <a:rPr lang="zh-CN" altLang="en-US" dirty="0"/>
-              <a:t>请求的高度封装和缓存，提高并发效率，节约用户</a:t>
-            </a:r>
-            <a:r>
-              <a:rPr lang="zh-CN" altLang="en-US" dirty="0" smtClean="0"/>
-              <a:t>流量</a:t>
-            </a:r>
-            <a:endParaRPr lang="en-US" altLang="zh-CN" dirty="0" smtClean="0"/>
-          </a:p>
-          <a:p>
-            <a:pPr lvl="1"/>
-            <a:r>
-              <a:rPr lang="zh-CN" altLang="en-US" dirty="0" smtClean="0"/>
-              <a:t>难点应用全部按期完成，且验收结果良好（天气</a:t>
-            </a:r>
-            <a:r>
-              <a:rPr lang="en-US" altLang="zh-CN" dirty="0" smtClean="0"/>
-              <a:t>, </a:t>
-            </a:r>
-            <a:r>
-              <a:rPr lang="zh-CN" altLang="en-US" dirty="0" smtClean="0"/>
-              <a:t>闹钟</a:t>
-            </a:r>
-            <a:r>
-              <a:rPr lang="en-US" altLang="zh-CN" dirty="0" smtClean="0"/>
-              <a:t>, </a:t>
-            </a:r>
-            <a:r>
-              <a:rPr lang="zh-CN" altLang="en-US" dirty="0" smtClean="0"/>
-              <a:t>秒表</a:t>
-            </a:r>
-            <a:r>
-              <a:rPr lang="en-US" altLang="zh-CN" dirty="0" smtClean="0"/>
-              <a:t>, </a:t>
-            </a:r>
-            <a:r>
-              <a:rPr lang="zh-CN" altLang="en-US" dirty="0" smtClean="0"/>
-              <a:t>计时器</a:t>
-            </a:r>
-            <a:r>
-              <a:rPr lang="en-US" altLang="zh-CN" dirty="0" smtClean="0"/>
-              <a:t>, </a:t>
-            </a:r>
-            <a:r>
-              <a:rPr lang="zh-CN" altLang="en-US" dirty="0"/>
-              <a:t>密码</a:t>
-            </a:r>
-            <a:r>
-              <a:rPr lang="zh-CN" altLang="en-US" dirty="0" smtClean="0"/>
-              <a:t>锁</a:t>
-            </a:r>
-            <a:r>
-              <a:rPr lang="en-US" altLang="zh-CN" dirty="0" smtClean="0"/>
-              <a:t>, </a:t>
-            </a:r>
-            <a:r>
-              <a:rPr lang="zh-CN" altLang="en-US" dirty="0" smtClean="0"/>
-              <a:t>应用列表等）</a:t>
-            </a:r>
-            <a:endParaRPr lang="en-US" altLang="zh-CN" dirty="0"/>
-          </a:p>
-          <a:p>
-            <a:pPr lvl="1"/>
-            <a:r>
-              <a:rPr lang="zh-CN" altLang="en-US" dirty="0"/>
-              <a:t>从无到有的建立起全智能手表的应用层</a:t>
-            </a:r>
-            <a:r>
-              <a:rPr lang="zh-CN" altLang="en-US" dirty="0" smtClean="0"/>
-              <a:t>体系</a:t>
-            </a:r>
-            <a:endParaRPr lang="en-US" altLang="zh-CN" dirty="0"/>
+              <a:rPr lang="en-US" altLang="zh-CN" b="1" dirty="0" smtClean="0"/>
+              <a:t>Rom</a:t>
+            </a:r>
+            <a:r>
+              <a:rPr lang="zh-CN" altLang="en-US" b="1" dirty="0" smtClean="0"/>
+              <a:t>适配方向</a:t>
+            </a:r>
+            <a:endParaRPr lang="en-US" altLang="zh-CN" b="1" dirty="0" smtClean="0"/>
+          </a:p>
+          <a:p>
+            <a:pPr marL="0" indent="0">
+              <a:buNone/>
+            </a:pPr>
+            <a:endParaRPr lang="en-US" altLang="zh-CN" b="1" dirty="0" smtClean="0"/>
+          </a:p>
+          <a:p>
+            <a:pPr marL="0" indent="0">
+              <a:buNone/>
+            </a:pPr>
+            <a:r>
+              <a:rPr lang="zh-CN" altLang="en-US" b="1" dirty="0">
+                <a:solidFill>
+                  <a:srgbClr val="FF0000"/>
+                </a:solidFill>
+              </a:rPr>
+              <a:t>全智能手表</a:t>
+            </a:r>
+            <a:r>
+              <a:rPr lang="zh-CN" altLang="en-US" b="1" dirty="0" smtClean="0">
+                <a:solidFill>
+                  <a:srgbClr val="FF0000"/>
+                </a:solidFill>
+              </a:rPr>
+              <a:t>方向</a:t>
+            </a:r>
+            <a:endParaRPr lang="en-US" altLang="zh-CN" b="1" dirty="0" smtClean="0">
+              <a:solidFill>
+                <a:srgbClr val="FF0000"/>
+              </a:solidFill>
+            </a:endParaRPr>
+          </a:p>
+          <a:p>
+            <a:pPr marL="0" indent="0">
+              <a:buNone/>
+            </a:pPr>
+            <a:endParaRPr lang="en-US" altLang="zh-CN" b="1" dirty="0" smtClean="0"/>
+          </a:p>
+          <a:p>
+            <a:pPr marL="0" indent="0">
+              <a:buNone/>
+            </a:pPr>
+            <a:r>
+              <a:rPr lang="zh-CN" altLang="en-US" b="1" dirty="0" smtClean="0"/>
+              <a:t>个人成长与展望</a:t>
+            </a:r>
+            <a:endParaRPr lang="en-US" altLang="zh-CN" b="1" dirty="0" smtClean="0"/>
           </a:p>
         </p:txBody>
       </p:sp>
     </p:spTree>
     <p:extLst>
       <p:ext uri="{BB962C8B-B14F-4D97-AF65-F5344CB8AC3E}">
-        <p14:creationId xmlns:p14="http://schemas.microsoft.com/office/powerpoint/2010/main" val="1403968230"/>
+        <p14:creationId xmlns:p14="http://schemas.microsoft.com/office/powerpoint/2010/main" val="2719700866"/>
       </p:ext>
     </p:extLst>
   </p:cSld>
@@ -6025,93 +7364,134 @@
           <a:bodyPr/>
           <a:lstStyle/>
           <a:p>
-            <a:pPr algn="l"/>
+            <a:r>
+              <a:rPr lang="zh-CN" altLang="en-US" dirty="0" smtClean="0"/>
+              <a:t>全智能手表方向</a:t>
+            </a:r>
+            <a:endParaRPr lang="zh-CN" altLang="en-US" dirty="0"/>
+          </a:p>
+        </p:txBody>
+      </p:sp>
+      <p:sp>
+        <p:nvSpPr>
+          <p:cNvPr id="3" name="内容占位符 2"/>
+          <p:cNvSpPr>
+            <a:spLocks noGrp="1"/>
+          </p:cNvSpPr>
+          <p:nvPr>
+            <p:ph idx="1"/>
+          </p:nvPr>
+        </p:nvSpPr>
+        <p:spPr/>
+        <p:txBody>
+          <a:bodyPr>
+            <a:normAutofit/>
+          </a:bodyPr>
+          <a:lstStyle/>
+          <a:p>
+            <a:pPr marL="0" indent="0">
+              <a:buNone/>
+            </a:pPr>
             <a:r>
               <a:rPr lang="zh-CN" altLang="en-US" b="1" dirty="0" smtClean="0"/>
-              <a:t>大纲</a:t>
-            </a:r>
-            <a:endParaRPr lang="zh-CN" altLang="en-US" b="1" dirty="0"/>
-          </a:p>
-        </p:txBody>
-      </p:sp>
-      <p:sp>
-        <p:nvSpPr>
-          <p:cNvPr id="3" name="内容占位符 2"/>
-          <p:cNvSpPr>
-            <a:spLocks noGrp="1"/>
-          </p:cNvSpPr>
-          <p:nvPr>
-            <p:ph idx="1"/>
-          </p:nvPr>
-        </p:nvSpPr>
-        <p:spPr/>
-        <p:txBody>
-          <a:bodyPr/>
-          <a:lstStyle/>
+              <a:t>挑战</a:t>
+            </a:r>
+            <a:endParaRPr lang="en-US" altLang="zh-CN" b="1" dirty="0" smtClean="0"/>
+          </a:p>
+          <a:p>
+            <a:pPr lvl="1"/>
+            <a:r>
+              <a:rPr lang="zh-CN" altLang="en-US" dirty="0" smtClean="0"/>
+              <a:t>全新的硬件平台</a:t>
+            </a:r>
+            <a:endParaRPr lang="en-US" altLang="zh-CN" dirty="0" smtClean="0"/>
+          </a:p>
+          <a:p>
+            <a:pPr lvl="1"/>
+            <a:r>
+              <a:rPr lang="zh-CN" altLang="en-US" dirty="0"/>
+              <a:t>全新的</a:t>
+            </a:r>
+            <a:r>
+              <a:rPr lang="en-US" altLang="zh-CN" dirty="0"/>
+              <a:t>UI</a:t>
+            </a:r>
+            <a:r>
+              <a:rPr lang="zh-CN" altLang="en-US" dirty="0" smtClean="0"/>
+              <a:t>体系</a:t>
+            </a:r>
+            <a:r>
+              <a:rPr lang="zh-CN" altLang="en-US" dirty="0" smtClean="0"/>
+              <a:t>，涉及大量自定义</a:t>
+            </a:r>
+            <a:r>
+              <a:rPr lang="zh-CN" altLang="en-US" dirty="0"/>
+              <a:t>控件</a:t>
+            </a:r>
+            <a:endParaRPr lang="en-US" altLang="zh-CN" dirty="0" smtClean="0"/>
+          </a:p>
+          <a:p>
+            <a:pPr lvl="1"/>
+            <a:r>
+              <a:rPr lang="zh-CN" altLang="en-US" dirty="0" smtClean="0"/>
+              <a:t>通信业务</a:t>
+            </a:r>
+            <a:r>
+              <a:rPr lang="zh-CN" altLang="en-US" dirty="0" smtClean="0"/>
+              <a:t>复杂</a:t>
+            </a:r>
+            <a:endParaRPr lang="en-US" altLang="zh-CN" dirty="0" smtClean="0"/>
+          </a:p>
+          <a:p>
+            <a:pPr lvl="1"/>
+            <a:r>
+              <a:rPr lang="zh-CN" altLang="en-US" dirty="0" smtClean="0"/>
+              <a:t>开发周期</a:t>
+            </a:r>
+            <a:r>
+              <a:rPr lang="zh-CN" altLang="en-US" dirty="0" smtClean="0"/>
+              <a:t>紧，需要变更多</a:t>
+            </a:r>
+            <a:endParaRPr lang="en-US" altLang="zh-CN" dirty="0" smtClean="0"/>
+          </a:p>
+          <a:p>
+            <a:pPr lvl="1"/>
+            <a:r>
+              <a:rPr lang="zh-CN" altLang="en-US" dirty="0" smtClean="0"/>
+              <a:t>开发人员紧缺，部分成员开发经验欠缺</a:t>
+            </a:r>
+            <a:endParaRPr lang="en-US" altLang="zh-CN" dirty="0" smtClean="0"/>
+          </a:p>
           <a:p>
             <a:pPr marL="0" indent="0">
               <a:buNone/>
             </a:pPr>
+            <a:endParaRPr lang="en-US" altLang="zh-CN" dirty="0" smtClean="0"/>
+          </a:p>
+          <a:p>
+            <a:pPr marL="0" indent="0">
+              <a:buNone/>
+            </a:pPr>
             <a:r>
               <a:rPr lang="zh-CN" altLang="en-US" b="1" dirty="0" smtClean="0"/>
-              <a:t>全智能手表方向</a:t>
+              <a:t>职责</a:t>
             </a:r>
             <a:endParaRPr lang="en-US" altLang="zh-CN" b="1" dirty="0" smtClean="0"/>
           </a:p>
           <a:p>
-            <a:pPr marL="0" indent="0">
-              <a:buNone/>
-            </a:pPr>
-            <a:endParaRPr lang="en-US" altLang="zh-CN" b="1" dirty="0"/>
-          </a:p>
-          <a:p>
-            <a:pPr marL="0" indent="0">
-              <a:buNone/>
-            </a:pPr>
-            <a:r>
-              <a:rPr lang="en-US" altLang="zh-CN" b="1" dirty="0" smtClean="0">
-                <a:solidFill>
-                  <a:srgbClr val="FF0000"/>
-                </a:solidFill>
-              </a:rPr>
-              <a:t>Rom</a:t>
-            </a:r>
-            <a:r>
-              <a:rPr lang="zh-CN" altLang="en-US" b="1" dirty="0" smtClean="0">
-                <a:solidFill>
-                  <a:srgbClr val="FF0000"/>
-                </a:solidFill>
-              </a:rPr>
-              <a:t>适配方向</a:t>
-            </a:r>
-            <a:endParaRPr lang="en-US" altLang="zh-CN" b="1" dirty="0" smtClean="0">
-              <a:solidFill>
-                <a:srgbClr val="FF0000"/>
-              </a:solidFill>
-            </a:endParaRPr>
-          </a:p>
-          <a:p>
-            <a:pPr marL="0" indent="0">
-              <a:buNone/>
-            </a:pPr>
-            <a:endParaRPr lang="en-US" altLang="zh-CN" b="1" dirty="0" smtClean="0"/>
-          </a:p>
-          <a:p>
-            <a:pPr marL="0" indent="0">
-              <a:buNone/>
-            </a:pPr>
-            <a:r>
-              <a:rPr lang="zh-CN" altLang="en-US" b="1" dirty="0" smtClean="0"/>
-              <a:t>个人成长与展望</a:t>
-            </a:r>
-            <a:endParaRPr lang="en-US" altLang="zh-CN" b="1" dirty="0" smtClean="0"/>
+            <a:pPr lvl="1"/>
+            <a:r>
+              <a:rPr lang="zh-CN" altLang="en-US" dirty="0" smtClean="0"/>
+              <a:t>应用层主力开发</a:t>
+            </a:r>
+            <a:endParaRPr lang="zh-CN" altLang="en-US" dirty="0"/>
           </a:p>
         </p:txBody>
       </p:sp>
     </p:spTree>
     <p:extLst>
       <p:ext uri="{BB962C8B-B14F-4D97-AF65-F5344CB8AC3E}">
-        <p14:creationId xmlns:p14="http://schemas.microsoft.com/office/powerpoint/2010/main" val="2719700866"/>
+        <p14:creationId xmlns:p14="http://schemas.microsoft.com/office/powerpoint/2010/main" val="3823466933"/>
       </p:ext>
     </p:extLst>
   </p:cSld>

--- a/promote/2016-promote-p6.pptx
+++ b/promote/2016-promote-p6.pptx
@@ -222,7 +222,7 @@
           <a:p>
             <a:fld id="{7A254656-621B-406C-BC2D-A35B9AF3DE2B}" type="datetimeFigureOut">
               <a:rPr lang="zh-CN" altLang="en-US" smtClean="0"/>
-              <a:t>2016/5/4</a:t>
+              <a:t>2016/5/6</a:t>
             </a:fld>
             <a:endParaRPr lang="zh-CN" altLang="en-US"/>
           </a:p>
@@ -702,6 +702,94 @@
 </p:notes>
 </file>
 
+<file path=ppt/notesSlides/notesSlide10.xml><?xml version="1.0" encoding="utf-8"?>
+<p:notes xmlns:a="http://schemas.openxmlformats.org/drawingml/2006/main" xmlns:r="http://schemas.openxmlformats.org/officeDocument/2006/relationships" xmlns:p="http://schemas.openxmlformats.org/presentationml/2006/main">
+  <p:cSld>
+    <p:spTree>
+      <p:nvGrpSpPr>
+        <p:cNvPr id="1" name=""/>
+        <p:cNvGrpSpPr/>
+        <p:nvPr/>
+      </p:nvGrpSpPr>
+      <p:grpSpPr>
+        <a:xfrm>
+          <a:off x="0" y="0"/>
+          <a:ext cx="0" cy="0"/>
+          <a:chOff x="0" y="0"/>
+          <a:chExt cx="0" cy="0"/>
+        </a:xfrm>
+      </p:grpSpPr>
+      <p:sp>
+        <p:nvSpPr>
+          <p:cNvPr id="2" name="幻灯片图像占位符 1"/>
+          <p:cNvSpPr>
+            <a:spLocks noGrp="1" noRot="1" noChangeAspect="1"/>
+          </p:cNvSpPr>
+          <p:nvPr>
+            <p:ph type="sldImg"/>
+          </p:nvPr>
+        </p:nvSpPr>
+        <p:spPr/>
+      </p:sp>
+      <p:sp>
+        <p:nvSpPr>
+          <p:cNvPr id="3" name="备注占位符 2"/>
+          <p:cNvSpPr>
+            <a:spLocks noGrp="1"/>
+          </p:cNvSpPr>
+          <p:nvPr>
+            <p:ph type="body" idx="1"/>
+          </p:nvPr>
+        </p:nvSpPr>
+        <p:spPr/>
+        <p:txBody>
+          <a:bodyPr/>
+          <a:lstStyle/>
+          <a:p>
+            <a:r>
+              <a:rPr lang="zh-CN" altLang="en-US" dirty="0" smtClean="0"/>
+              <a:t>全智能手表项目研发经过半年多的沉淀，具体收益有：</a:t>
+            </a:r>
+            <a:endParaRPr lang="zh-CN" altLang="en-US" dirty="0"/>
+          </a:p>
+        </p:txBody>
+      </p:sp>
+      <p:sp>
+        <p:nvSpPr>
+          <p:cNvPr id="4" name="灯片编号占位符 3"/>
+          <p:cNvSpPr>
+            <a:spLocks noGrp="1"/>
+          </p:cNvSpPr>
+          <p:nvPr>
+            <p:ph type="sldNum" sz="quarter" idx="10"/>
+          </p:nvPr>
+        </p:nvSpPr>
+        <p:spPr/>
+        <p:txBody>
+          <a:bodyPr/>
+          <a:lstStyle/>
+          <a:p>
+            <a:fld id="{6718EBDC-2EC4-468E-B182-1717C37A33F0}" type="slidenum">
+              <a:rPr lang="zh-CN" altLang="en-US" smtClean="0"/>
+              <a:t>13</a:t>
+            </a:fld>
+            <a:endParaRPr lang="zh-CN" altLang="en-US"/>
+          </a:p>
+        </p:txBody>
+      </p:sp>
+    </p:spTree>
+    <p:extLst>
+      <p:ext uri="{BB962C8B-B14F-4D97-AF65-F5344CB8AC3E}">
+        <p14:creationId xmlns:p14="http://schemas.microsoft.com/office/powerpoint/2010/main" val="2705367389"/>
+      </p:ext>
+    </p:extLst>
+  </p:cSld>
+  <p:clrMapOvr>
+    <a:masterClrMapping/>
+  </p:clrMapOvr>
+</p:notes>
+</file>
+
 <file path=ppt/notesSlides/notesSlide2.xml><?xml version="1.0" encoding="utf-8"?>
 <p:notes xmlns:a="http://schemas.openxmlformats.org/drawingml/2006/main" xmlns:r="http://schemas.openxmlformats.org/officeDocument/2006/relationships" xmlns:p="http://schemas.openxmlformats.org/presentationml/2006/main">
   <p:cSld>
@@ -1484,7 +1572,11 @@
             </a:r>
             <a:r>
               <a:rPr lang="zh-CN" altLang="en-US" dirty="0" smtClean="0"/>
-              <a:t>团队负责的一个最重点的项目。项目背景是：在一款全新的硬件平台</a:t>
+              <a:t>团队负责的一个最重点的</a:t>
+            </a:r>
+            <a:r>
+              <a:rPr lang="zh-CN" altLang="en-US" dirty="0" smtClean="0"/>
+              <a:t>项目。项目背景是：在一款全新的硬件平台</a:t>
             </a:r>
             <a:r>
               <a:rPr lang="en-US" altLang="zh-CN" dirty="0" smtClean="0"/>
@@ -1500,7 +1592,7 @@
             </a:r>
             <a:r>
               <a:rPr lang="zh-CN" altLang="en-US" dirty="0" smtClean="0"/>
-              <a:t>上，根据外面知名</a:t>
+              <a:t>上，根据外部知名</a:t>
             </a:r>
             <a:r>
               <a:rPr lang="en-US" altLang="zh-CN" dirty="0" smtClean="0"/>
@@ -1524,7 +1616,19 @@
             </a:r>
             <a:r>
               <a:rPr lang="zh-CN" altLang="en-US" dirty="0" smtClean="0"/>
-              <a:t>人，而且有同学在之前是没有移动端开发经验的。</a:t>
+              <a:t>人，而且其中有</a:t>
+            </a:r>
+            <a:r>
+              <a:rPr lang="zh-CN" altLang="en-US" dirty="0" smtClean="0"/>
+              <a:t>同学</a:t>
+            </a:r>
+            <a:r>
+              <a:rPr lang="zh-CN" altLang="en-US" dirty="0" smtClean="0"/>
+              <a:t>在这个项目之前</a:t>
+            </a:r>
+            <a:r>
+              <a:rPr lang="zh-CN" altLang="en-US" dirty="0" smtClean="0"/>
+              <a:t>是没有移动端开发经验的。</a:t>
             </a:r>
             <a:endParaRPr lang="zh-CN" altLang="en-US" dirty="0"/>
           </a:p>
@@ -1612,6 +1716,177 @@
           <a:p>
             <a:r>
               <a:rPr lang="zh-CN" altLang="en-US" dirty="0" smtClean="0"/>
+              <a:t>作为应用层主力研发，解决挑战的思路是：</a:t>
+            </a:r>
+            <a:endParaRPr lang="en-US" altLang="zh-CN" dirty="0" smtClean="0"/>
+          </a:p>
+          <a:p>
+            <a:pPr marL="228600" indent="-228600">
+              <a:buAutoNum type="arabicPeriod"/>
+            </a:pPr>
+            <a:r>
+              <a:rPr lang="zh-CN" altLang="en-US" baseline="0" dirty="0" smtClean="0"/>
+              <a:t>采用组件化思想，增加应用层技术沉淀，根据手表的</a:t>
+            </a:r>
+            <a:r>
+              <a:rPr lang="en-US" altLang="zh-CN" baseline="0" dirty="0" smtClean="0"/>
+              <a:t>UI</a:t>
+            </a:r>
+            <a:r>
+              <a:rPr lang="zh-CN" altLang="en-US" baseline="0" dirty="0" smtClean="0"/>
+              <a:t>设计抽象出并实现自定义控件，便于其他开发同学快速集成使用。</a:t>
+            </a:r>
+            <a:endParaRPr lang="en-US" altLang="zh-CN" baseline="0" dirty="0" smtClean="0"/>
+          </a:p>
+          <a:p>
+            <a:pPr marL="228600" indent="-228600">
+              <a:buAutoNum type="arabicPeriod"/>
+            </a:pPr>
+            <a:r>
+              <a:rPr lang="zh-CN" altLang="en-US" baseline="0" dirty="0" smtClean="0"/>
+              <a:t>统一网络架构层，将开发同学从复杂的并发回调网络处理中抽离出来，而且后期如果设计到通信层切换，可以实现对开发同学无感知</a:t>
+            </a:r>
+            <a:r>
+              <a:rPr lang="en-US" altLang="zh-CN" baseline="0" dirty="0" smtClean="0"/>
+              <a:t>.</a:t>
+            </a:r>
+          </a:p>
+          <a:p>
+            <a:pPr marL="228600" indent="-228600">
+              <a:buAutoNum type="arabicPeriod"/>
+            </a:pPr>
+            <a:r>
+              <a:rPr lang="zh-CN" altLang="en-US" baseline="0" dirty="0" smtClean="0"/>
+              <a:t>主动承担难度较高的应用开发，目前是负责应用层的</a:t>
+            </a:r>
+            <a:r>
+              <a:rPr lang="en-US" altLang="zh-CN" baseline="0" dirty="0" smtClean="0"/>
+              <a:t>6</a:t>
+            </a:r>
+            <a:r>
+              <a:rPr lang="zh-CN" altLang="en-US" baseline="0" dirty="0" smtClean="0"/>
+              <a:t>款应用开发，用于减轻同伴压力</a:t>
+            </a:r>
+            <a:endParaRPr lang="en-US" altLang="zh-CN" baseline="0" dirty="0" smtClean="0"/>
+          </a:p>
+          <a:p>
+            <a:pPr marL="228600" indent="-228600">
+              <a:buAutoNum type="arabicPeriod"/>
+            </a:pPr>
+            <a:r>
+              <a:rPr lang="zh-CN" altLang="en-US" baseline="0" dirty="0" smtClean="0"/>
+              <a:t>带团队的一个</a:t>
+            </a:r>
+            <a:r>
+              <a:rPr lang="en-US" altLang="zh-CN" baseline="0" dirty="0" smtClean="0"/>
+              <a:t>p5</a:t>
+            </a:r>
+            <a:r>
+              <a:rPr lang="zh-CN" altLang="en-US" baseline="0" dirty="0" smtClean="0"/>
+              <a:t>新人融入开发体系，通过项目分配和进度控制来提高开发效率。</a:t>
+            </a:r>
+            <a:endParaRPr lang="en-US" altLang="zh-CN" baseline="0" dirty="0" smtClean="0"/>
+          </a:p>
+          <a:p>
+            <a:pPr marL="228600" indent="-228600">
+              <a:buAutoNum type="arabicPeriod"/>
+            </a:pPr>
+            <a:r>
+              <a:rPr lang="zh-CN" altLang="en-US" baseline="0" dirty="0" smtClean="0"/>
+              <a:t>遇到疑难问题，会组织集中讨论解决方案，例如锁屏实现。同时，也会定期分享自己的技术心得。</a:t>
+            </a:r>
+            <a:endParaRPr lang="en-US" altLang="zh-CN" baseline="0" dirty="0" smtClean="0"/>
+          </a:p>
+          <a:p>
+            <a:pPr marL="228600" indent="-228600">
+              <a:buAutoNum type="arabicPeriod"/>
+            </a:pPr>
+            <a:endParaRPr lang="zh-CN" altLang="en-US" dirty="0"/>
+          </a:p>
+        </p:txBody>
+      </p:sp>
+      <p:sp>
+        <p:nvSpPr>
+          <p:cNvPr id="4" name="灯片编号占位符 3"/>
+          <p:cNvSpPr>
+            <a:spLocks noGrp="1"/>
+          </p:cNvSpPr>
+          <p:nvPr>
+            <p:ph type="sldNum" sz="quarter" idx="10"/>
+          </p:nvPr>
+        </p:nvSpPr>
+        <p:spPr/>
+        <p:txBody>
+          <a:bodyPr/>
+          <a:lstStyle/>
+          <a:p>
+            <a:fld id="{6718EBDC-2EC4-468E-B182-1717C37A33F0}" type="slidenum">
+              <a:rPr lang="zh-CN" altLang="en-US" smtClean="0"/>
+              <a:t>10</a:t>
+            </a:fld>
+            <a:endParaRPr lang="zh-CN" altLang="en-US"/>
+          </a:p>
+        </p:txBody>
+      </p:sp>
+    </p:spTree>
+    <p:extLst>
+      <p:ext uri="{BB962C8B-B14F-4D97-AF65-F5344CB8AC3E}">
+        <p14:creationId xmlns:p14="http://schemas.microsoft.com/office/powerpoint/2010/main" val="1533307786"/>
+      </p:ext>
+    </p:extLst>
+  </p:cSld>
+  <p:clrMapOvr>
+    <a:masterClrMapping/>
+  </p:clrMapOvr>
+</p:notes>
+</file>
+
+<file path=ppt/notesSlides/notesSlide9.xml><?xml version="1.0" encoding="utf-8"?>
+<p:notes xmlns:a="http://schemas.openxmlformats.org/drawingml/2006/main" xmlns:r="http://schemas.openxmlformats.org/officeDocument/2006/relationships" xmlns:p="http://schemas.openxmlformats.org/presentationml/2006/main">
+  <p:cSld>
+    <p:spTree>
+      <p:nvGrpSpPr>
+        <p:cNvPr id="1" name=""/>
+        <p:cNvGrpSpPr/>
+        <p:nvPr/>
+      </p:nvGrpSpPr>
+      <p:grpSpPr>
+        <a:xfrm>
+          <a:off x="0" y="0"/>
+          <a:ext cx="0" cy="0"/>
+          <a:chOff x="0" y="0"/>
+          <a:chExt cx="0" cy="0"/>
+        </a:xfrm>
+      </p:grpSpPr>
+      <p:sp>
+        <p:nvSpPr>
+          <p:cNvPr id="2" name="幻灯片图像占位符 1"/>
+          <p:cNvSpPr>
+            <a:spLocks noGrp="1" noRot="1" noChangeAspect="1"/>
+          </p:cNvSpPr>
+          <p:nvPr>
+            <p:ph type="sldImg"/>
+          </p:nvPr>
+        </p:nvSpPr>
+        <p:spPr/>
+      </p:sp>
+      <p:sp>
+        <p:nvSpPr>
+          <p:cNvPr id="3" name="备注占位符 2"/>
+          <p:cNvSpPr>
+            <a:spLocks noGrp="1"/>
+          </p:cNvSpPr>
+          <p:nvPr>
+            <p:ph type="body" idx="1"/>
+          </p:nvPr>
+        </p:nvSpPr>
+        <p:spPr/>
+        <p:txBody>
+          <a:bodyPr/>
+          <a:lstStyle/>
+          <a:p>
+            <a:r>
+              <a:rPr lang="zh-CN" altLang="en-US" dirty="0" smtClean="0"/>
               <a:t>这里介绍一下</a:t>
             </a:r>
             <a:r>
@@ -2034,7 +2309,7 @@
           <a:p>
             <a:fld id="{25CA7E46-AAA2-4505-8430-AB68F6110AB2}" type="datetimeFigureOut">
               <a:rPr lang="zh-CN" altLang="en-US" smtClean="0"/>
-              <a:t>2016/5/4</a:t>
+              <a:t>2016/5/6</a:t>
             </a:fld>
             <a:endParaRPr lang="zh-CN" altLang="en-US"/>
           </a:p>
@@ -2211,7 +2486,7 @@
           <a:p>
             <a:fld id="{25CA7E46-AAA2-4505-8430-AB68F6110AB2}" type="datetimeFigureOut">
               <a:rPr lang="zh-CN" altLang="en-US" smtClean="0"/>
-              <a:t>2016/5/4</a:t>
+              <a:t>2016/5/6</a:t>
             </a:fld>
             <a:endParaRPr lang="zh-CN" altLang="en-US"/>
           </a:p>
@@ -2391,7 +2666,7 @@
           <a:p>
             <a:fld id="{25CA7E46-AAA2-4505-8430-AB68F6110AB2}" type="datetimeFigureOut">
               <a:rPr lang="zh-CN" altLang="en-US" smtClean="0"/>
-              <a:t>2016/5/4</a:t>
+              <a:t>2016/5/6</a:t>
             </a:fld>
             <a:endParaRPr lang="zh-CN" altLang="en-US"/>
           </a:p>
@@ -2609,7 +2884,7 @@
           <a:p>
             <a:fld id="{25CA7E46-AAA2-4505-8430-AB68F6110AB2}" type="datetimeFigureOut">
               <a:rPr lang="zh-CN" altLang="en-US" smtClean="0"/>
-              <a:t>2016/5/4</a:t>
+              <a:t>2016/5/6</a:t>
             </a:fld>
             <a:endParaRPr lang="zh-CN" altLang="en-US"/>
           </a:p>
@@ -2862,7 +3137,7 @@
           <a:p>
             <a:fld id="{25CA7E46-AAA2-4505-8430-AB68F6110AB2}" type="datetimeFigureOut">
               <a:rPr lang="zh-CN" altLang="en-US" smtClean="0"/>
-              <a:t>2016/5/4</a:t>
+              <a:t>2016/5/6</a:t>
             </a:fld>
             <a:endParaRPr lang="zh-CN" altLang="en-US"/>
           </a:p>
@@ -3157,7 +3432,7 @@
           <a:p>
             <a:fld id="{25CA7E46-AAA2-4505-8430-AB68F6110AB2}" type="datetimeFigureOut">
               <a:rPr lang="zh-CN" altLang="en-US" smtClean="0"/>
-              <a:t>2016/5/4</a:t>
+              <a:t>2016/5/6</a:t>
             </a:fld>
             <a:endParaRPr lang="zh-CN" altLang="en-US"/>
           </a:p>
@@ -3586,7 +3861,7 @@
           <a:p>
             <a:fld id="{25CA7E46-AAA2-4505-8430-AB68F6110AB2}" type="datetimeFigureOut">
               <a:rPr lang="zh-CN" altLang="en-US" smtClean="0"/>
-              <a:t>2016/5/4</a:t>
+              <a:t>2016/5/6</a:t>
             </a:fld>
             <a:endParaRPr lang="zh-CN" altLang="en-US"/>
           </a:p>
@@ -3720,7 +3995,7 @@
           <a:p>
             <a:fld id="{25CA7E46-AAA2-4505-8430-AB68F6110AB2}" type="datetimeFigureOut">
               <a:rPr lang="zh-CN" altLang="en-US" smtClean="0"/>
-              <a:t>2016/5/4</a:t>
+              <a:t>2016/5/6</a:t>
             </a:fld>
             <a:endParaRPr lang="zh-CN" altLang="en-US"/>
           </a:p>
@@ -3822,7 +4097,7 @@
           <a:p>
             <a:fld id="{25CA7E46-AAA2-4505-8430-AB68F6110AB2}" type="datetimeFigureOut">
               <a:rPr lang="zh-CN" altLang="en-US" smtClean="0"/>
-              <a:t>2016/5/4</a:t>
+              <a:t>2016/5/6</a:t>
             </a:fld>
             <a:endParaRPr lang="zh-CN" altLang="en-US"/>
           </a:p>
@@ -4099,7 +4374,7 @@
           <a:p>
             <a:fld id="{25CA7E46-AAA2-4505-8430-AB68F6110AB2}" type="datetimeFigureOut">
               <a:rPr lang="zh-CN" altLang="en-US" smtClean="0"/>
-              <a:t>2016/5/4</a:t>
+              <a:t>2016/5/6</a:t>
             </a:fld>
             <a:endParaRPr lang="zh-CN" altLang="en-US"/>
           </a:p>
@@ -4352,7 +4627,7 @@
           <a:p>
             <a:fld id="{25CA7E46-AAA2-4505-8430-AB68F6110AB2}" type="datetimeFigureOut">
               <a:rPr lang="zh-CN" altLang="en-US" smtClean="0"/>
-              <a:t>2016/5/4</a:t>
+              <a:t>2016/5/6</a:t>
             </a:fld>
             <a:endParaRPr lang="zh-CN" altLang="en-US"/>
           </a:p>
@@ -4565,7 +4840,7 @@
           <a:p>
             <a:fld id="{25CA7E46-AAA2-4505-8430-AB68F6110AB2}" type="datetimeFigureOut">
               <a:rPr lang="zh-CN" altLang="en-US" smtClean="0"/>
-              <a:t>2016/5/4</a:t>
+              <a:t>2016/5/6</a:t>
             </a:fld>
             <a:endParaRPr lang="zh-CN" altLang="en-US"/>
           </a:p>
@@ -5625,7 +5900,11 @@
             </a:r>
             <a:r>
               <a:rPr lang="zh-CN" altLang="en-US" dirty="0" smtClean="0"/>
-              <a:t>效率。将原本需要几天开发的控件缩短为小时级别集成。</a:t>
+              <a:t>效率。将原本需要几天开发的控件缩短为小时级别</a:t>
+            </a:r>
+            <a:r>
+              <a:rPr lang="zh-CN" altLang="en-US" dirty="0" smtClean="0"/>
+              <a:t>集成</a:t>
             </a:r>
             <a:endParaRPr lang="en-US" altLang="zh-CN" dirty="0"/>
           </a:p>
@@ -5633,11 +5912,7 @@
             <a:pPr lvl="1"/>
             <a:r>
               <a:rPr lang="zh-CN" altLang="en-US" dirty="0"/>
-              <a:t>统一应用层网络</a:t>
-            </a:r>
-            <a:r>
-              <a:rPr lang="zh-CN" altLang="en-US" dirty="0"/>
-              <a:t>框架，实现对</a:t>
+              <a:t>统一应用层网络框架，实现对</a:t>
             </a:r>
             <a:r>
               <a:rPr lang="en-US" altLang="zh-CN" dirty="0"/>
@@ -5645,7 +5920,7 @@
             </a:r>
             <a:r>
               <a:rPr lang="zh-CN" altLang="en-US" dirty="0"/>
-              <a:t>请求的高度封装和缓存，</a:t>
+              <a:t>请求的高度封装和缓存，提高并发</a:t>
             </a:r>
             <a:r>
               <a:rPr lang="zh-CN" altLang="en-US" dirty="0">
@@ -5653,17 +5928,25 @@
                   <a:srgbClr val="FF0000"/>
                 </a:solidFill>
               </a:rPr>
-              <a:t>提高并发效率</a:t>
+              <a:t>效率</a:t>
             </a:r>
             <a:r>
               <a:rPr lang="zh-CN" altLang="en-US" dirty="0"/>
               <a:t>，节约用户</a:t>
             </a:r>
             <a:r>
-              <a:rPr lang="zh-CN" altLang="en-US" dirty="0" smtClean="0"/>
+              <a:rPr lang="zh-CN" altLang="en-US" dirty="0" smtClean="0">
+                <a:solidFill>
+                  <a:srgbClr val="FF0000"/>
+                </a:solidFill>
+              </a:rPr>
               <a:t>流量</a:t>
             </a:r>
-            <a:endParaRPr lang="en-US" altLang="zh-CN" dirty="0" smtClean="0"/>
+            <a:endParaRPr lang="en-US" altLang="zh-CN" dirty="0" smtClean="0">
+              <a:solidFill>
+                <a:srgbClr val="FF0000"/>
+              </a:solidFill>
+            </a:endParaRPr>
           </a:p>
           <a:p>
             <a:pPr lvl="1"/>
@@ -5681,7 +5964,59 @@
             </a:r>
             <a:r>
               <a:rPr lang="zh-CN" altLang="en-US" dirty="0" smtClean="0"/>
-              <a:t>，且验收结果良好（天气</a:t>
+              <a:t>，且</a:t>
+            </a:r>
+            <a:r>
+              <a:rPr lang="en-US" altLang="zh-CN" dirty="0" smtClean="0"/>
+              <a:t>Bug</a:t>
+            </a:r>
+            <a:r>
+              <a:rPr lang="zh-CN" altLang="en-US" dirty="0" smtClean="0"/>
+              <a:t>总数控制在</a:t>
+            </a:r>
+            <a:r>
+              <a:rPr lang="en-US" altLang="zh-CN" dirty="0" smtClean="0">
+                <a:solidFill>
+                  <a:srgbClr val="FF0000"/>
+                </a:solidFill>
+              </a:rPr>
+              <a:t>5</a:t>
+            </a:r>
+            <a:r>
+              <a:rPr lang="zh-CN" altLang="en-US" dirty="0" smtClean="0"/>
+              <a:t>个以内，</a:t>
+            </a:r>
+            <a:r>
+              <a:rPr lang="zh-CN" altLang="en-US" dirty="0" smtClean="0">
+                <a:solidFill>
+                  <a:srgbClr val="FF0000"/>
+                </a:solidFill>
+              </a:rPr>
+              <a:t>无</a:t>
+            </a:r>
+            <a:r>
+              <a:rPr lang="en-US" altLang="zh-CN" dirty="0" smtClean="0">
+                <a:solidFill>
+                  <a:srgbClr val="FF0000"/>
+                </a:solidFill>
+              </a:rPr>
+              <a:t>3-1</a:t>
+            </a:r>
+            <a:r>
+              <a:rPr lang="zh-CN" altLang="en-US" dirty="0" smtClean="0"/>
+              <a:t>以上</a:t>
+            </a:r>
+            <a:r>
+              <a:rPr lang="en-US" altLang="zh-CN" dirty="0" smtClean="0"/>
+              <a:t>Bug</a:t>
+            </a:r>
+            <a:r>
+              <a:rPr lang="zh-CN" altLang="en-US" dirty="0" smtClean="0"/>
+              <a:t>存留（</a:t>
+            </a:r>
+            <a:r>
+              <a:rPr lang="zh-CN" altLang="en-US" dirty="0" smtClean="0"/>
+              <a:t>天气</a:t>
             </a:r>
             <a:r>
               <a:rPr lang="en-US" altLang="zh-CN" dirty="0" smtClean="0"/>
@@ -5956,8 +6291,16 @@
           <a:p>
             <a:pPr lvl="1"/>
             <a:r>
-              <a:rPr lang="zh-CN" altLang="en-US" dirty="0" smtClean="0"/>
-              <a:t>增强新人培养能力，将自己所学能够更好的分享给其他人</a:t>
+              <a:rPr lang="zh-CN" altLang="en-US" smtClean="0"/>
+              <a:t>增强个人影响力</a:t>
+            </a:r>
+            <a:r>
+              <a:rPr lang="zh-CN" altLang="en-US" smtClean="0"/>
+              <a:t>，</a:t>
+            </a:r>
+            <a:r>
+              <a:rPr lang="zh-CN" altLang="en-US" dirty="0" smtClean="0"/>
+              <a:t>将自己所学能够更好的分享给其他人</a:t>
             </a:r>
             <a:endParaRPr lang="zh-CN" altLang="en-US" dirty="0"/>
           </a:p>
@@ -6170,11 +6513,7 @@
             </a:pPr>
             <a:r>
               <a:rPr lang="zh-CN" altLang="en-US" sz="2400" dirty="0" smtClean="0"/>
-              <a:t>工作</a:t>
-            </a:r>
-            <a:r>
-              <a:rPr lang="zh-CN" altLang="en-US" sz="2400" dirty="0" smtClean="0"/>
-              <a:t>职责</a:t>
+              <a:t>工作职责</a:t>
             </a:r>
             <a:endParaRPr lang="en-US" altLang="zh-CN" dirty="0"/>
           </a:p>
@@ -6421,15 +6760,7 @@
             </a:pPr>
             <a:r>
               <a:rPr lang="zh-CN" altLang="en-US" b="1" dirty="0" smtClean="0"/>
-              <a:t>全</a:t>
-            </a:r>
-            <a:r>
-              <a:rPr lang="zh-CN" altLang="en-US" b="1" dirty="0" smtClean="0"/>
-              <a:t>智能</a:t>
-            </a:r>
-            <a:r>
-              <a:rPr lang="zh-CN" altLang="en-US" b="1" dirty="0" smtClean="0"/>
-              <a:t>手表研发方向</a:t>
+              <a:t>全智能手表研发方向</a:t>
             </a:r>
             <a:endParaRPr lang="en-US" altLang="zh-CN" b="1" dirty="0" smtClean="0"/>
           </a:p>
@@ -6593,19 +6924,7 @@
             <a:pPr lvl="1"/>
             <a:r>
               <a:rPr lang="zh-CN" altLang="en-US" dirty="0" smtClean="0"/>
-              <a:t>适</a:t>
-            </a:r>
-            <a:r>
-              <a:rPr lang="zh-CN" altLang="en-US" dirty="0" smtClean="0"/>
-              <a:t>配过程中遇到的</a:t>
-            </a:r>
-            <a:r>
-              <a:rPr lang="zh-CN" altLang="en-US" dirty="0" smtClean="0"/>
-              <a:t>问题较复杂</a:t>
-            </a:r>
-            <a:r>
-              <a:rPr lang="zh-CN" altLang="en-US" dirty="0" smtClean="0"/>
-              <a:t>，从应用层到</a:t>
+              <a:t>适配过程中遇到的问题较复杂，从应用层到</a:t>
             </a:r>
             <a:r>
               <a:rPr lang="en-US" altLang="zh-CN" dirty="0" smtClean="0"/>
@@ -6621,11 +6940,7 @@
             </a:r>
             <a:r>
               <a:rPr lang="zh-CN" altLang="en-US" dirty="0" smtClean="0"/>
-              <a:t>层均有</a:t>
-            </a:r>
-            <a:r>
-              <a:rPr lang="zh-CN" altLang="en-US" dirty="0" smtClean="0"/>
-              <a:t>涉及</a:t>
+              <a:t>层均有涉及</a:t>
             </a:r>
             <a:endParaRPr lang="en-US" altLang="zh-CN" dirty="0" smtClean="0"/>
           </a:p>
@@ -6749,11 +7064,7 @@
           <a:p>
             <a:r>
               <a:rPr lang="en-US" altLang="zh-CN" dirty="0" smtClean="0"/>
-              <a:t>YunOS </a:t>
-            </a:r>
-            <a:r>
-              <a:rPr lang="en-US" altLang="zh-CN" dirty="0" smtClean="0"/>
-              <a:t>ROM</a:t>
+              <a:t>YunOS ROM</a:t>
             </a:r>
             <a:r>
               <a:rPr lang="zh-CN" altLang="en-US" dirty="0" smtClean="0"/>
@@ -6831,11 +7142,7 @@
             </a:r>
             <a:r>
               <a:rPr lang="zh-CN" altLang="en-US" dirty="0" smtClean="0"/>
-              <a:t>发布</a:t>
-            </a:r>
-            <a:r>
-              <a:rPr lang="zh-CN" altLang="en-US" dirty="0" smtClean="0"/>
-              <a:t>流程</a:t>
+              <a:t>发布流程</a:t>
             </a:r>
             <a:endParaRPr lang="en-US" altLang="zh-CN" dirty="0" smtClean="0"/>
           </a:p>
@@ -7051,11 +7358,7 @@
             </a:r>
             <a:r>
               <a:rPr lang="zh-CN" altLang="en-US" dirty="0" smtClean="0"/>
-              <a:t>机型成功适配</a:t>
-            </a:r>
-            <a:r>
-              <a:rPr lang="zh-CN" altLang="en-US" dirty="0" smtClean="0"/>
-              <a:t>超过</a:t>
+              <a:t>机型成功适配超过</a:t>
             </a:r>
             <a:r>
               <a:rPr lang="en-US" altLang="zh-CN" dirty="0" smtClean="0">
@@ -7083,11 +7386,7 @@
             <a:pPr lvl="1"/>
             <a:r>
               <a:rPr lang="zh-CN" altLang="en-US" dirty="0" smtClean="0"/>
-              <a:t>提高打包效率，将多平台打包流程</a:t>
-            </a:r>
-            <a:r>
-              <a:rPr lang="zh-CN" altLang="en-US" dirty="0" smtClean="0"/>
-              <a:t>从</a:t>
+              <a:t>提高打包效率，将多平台打包流程从</a:t>
             </a:r>
             <a:r>
               <a:rPr lang="zh-CN" altLang="en-US" dirty="0" smtClean="0">
@@ -7099,15 +7398,7 @@
             </a:r>
             <a:r>
               <a:rPr lang="zh-CN" altLang="en-US" dirty="0" smtClean="0"/>
-              <a:t>时间</a:t>
-            </a:r>
-            <a:r>
-              <a:rPr lang="zh-CN" altLang="en-US" dirty="0" smtClean="0"/>
-              <a:t>降低</a:t>
-            </a:r>
-            <a:r>
-              <a:rPr lang="zh-CN" altLang="en-US" dirty="0" smtClean="0"/>
-              <a:t>为</a:t>
+              <a:t>时间降低为</a:t>
             </a:r>
             <a:r>
               <a:rPr lang="zh-CN" altLang="en-US" dirty="0">
@@ -7119,11 +7410,7 @@
             </a:r>
             <a:r>
               <a:rPr lang="zh-CN" altLang="en-US" dirty="0" smtClean="0"/>
-              <a:t>级别</a:t>
-            </a:r>
-            <a:r>
-              <a:rPr lang="zh-CN" altLang="en-US" dirty="0" smtClean="0"/>
-              <a:t>，且流程自动化</a:t>
+              <a:t>级别，且流程自动化</a:t>
             </a:r>
             <a:endParaRPr lang="en-US" altLang="zh-CN" dirty="0" smtClean="0"/>
           </a:p>
@@ -7418,11 +7705,7 @@
             </a:r>
             <a:r>
               <a:rPr lang="zh-CN" altLang="en-US" dirty="0" smtClean="0"/>
-              <a:t>体系</a:t>
-            </a:r>
-            <a:r>
-              <a:rPr lang="zh-CN" altLang="en-US" dirty="0" smtClean="0"/>
-              <a:t>，涉及大量自定义</a:t>
+              <a:t>体系，涉及大量自定义</a:t>
             </a:r>
             <a:r>
               <a:rPr lang="zh-CN" altLang="en-US" dirty="0"/>
@@ -7434,31 +7717,35 @@
             <a:pPr lvl="1"/>
             <a:r>
               <a:rPr lang="zh-CN" altLang="en-US" dirty="0" smtClean="0"/>
+              <a:t>开发周期</a:t>
+            </a:r>
+            <a:r>
+              <a:rPr lang="zh-CN" altLang="en-US" dirty="0" smtClean="0"/>
+              <a:t>紧，需要变更多</a:t>
+            </a:r>
+            <a:endParaRPr lang="en-US" altLang="zh-CN" dirty="0" smtClean="0"/>
+          </a:p>
+          <a:p>
+            <a:pPr lvl="1"/>
+            <a:r>
+              <a:rPr lang="zh-CN" altLang="en-US" dirty="0" smtClean="0"/>
+              <a:t>开发人员紧缺，部分成员开发经验</a:t>
+            </a:r>
+            <a:r>
+              <a:rPr lang="zh-CN" altLang="en-US" dirty="0" smtClean="0"/>
+              <a:t>欠缺</a:t>
+            </a:r>
+            <a:endParaRPr lang="en-US" altLang="zh-CN" dirty="0" smtClean="0"/>
+          </a:p>
+          <a:p>
+            <a:pPr lvl="1"/>
+            <a:r>
+              <a:rPr lang="zh-CN" altLang="en-US" dirty="0"/>
               <a:t>通信业务</a:t>
             </a:r>
             <a:r>
               <a:rPr lang="zh-CN" altLang="en-US" dirty="0" smtClean="0"/>
               <a:t>复杂</a:t>
-            </a:r>
-            <a:endParaRPr lang="en-US" altLang="zh-CN" dirty="0" smtClean="0"/>
-          </a:p>
-          <a:p>
-            <a:pPr lvl="1"/>
-            <a:r>
-              <a:rPr lang="zh-CN" altLang="en-US" dirty="0" smtClean="0"/>
-              <a:t>开发周期</a:t>
-            </a:r>
-            <a:r>
-              <a:rPr lang="zh-CN" altLang="en-US" dirty="0" smtClean="0"/>
-              <a:t>紧，需要变更多</a:t>
-            </a:r>
-            <a:endParaRPr lang="en-US" altLang="zh-CN" dirty="0" smtClean="0"/>
-          </a:p>
-          <a:p>
-            <a:pPr lvl="1"/>
-            <a:r>
-              <a:rPr lang="zh-CN" altLang="en-US" dirty="0" smtClean="0"/>
-              <a:t>开发人员紧缺，部分成员开发经验欠缺</a:t>
             </a:r>
             <a:endParaRPr lang="en-US" altLang="zh-CN" dirty="0" smtClean="0"/>
           </a:p>

--- a/promote/2016-promote-p6.pptx
+++ b/promote/2016-promote-p6.pptx
@@ -222,7 +222,7 @@
           <a:p>
             <a:fld id="{7A254656-621B-406C-BC2D-A35B9AF3DE2B}" type="datetimeFigureOut">
               <a:rPr lang="zh-CN" altLang="en-US" smtClean="0"/>
-              <a:t>2016/5/6</a:t>
+              <a:t>2016/5/7</a:t>
             </a:fld>
             <a:endParaRPr lang="zh-CN" altLang="en-US"/>
           </a:p>
@@ -750,7 +750,116 @@
               <a:rPr lang="zh-CN" altLang="en-US" dirty="0" smtClean="0"/>
               <a:t>全智能手表项目研发经过半年多的沉淀，具体收益有：</a:t>
             </a:r>
-            <a:endParaRPr lang="zh-CN" altLang="en-US" dirty="0"/>
+            <a:endParaRPr lang="en-US" altLang="zh-CN" dirty="0" smtClean="0"/>
+          </a:p>
+          <a:p>
+            <a:pPr marL="228600" indent="-228600">
+              <a:buAutoNum type="arabicPeriod"/>
+            </a:pPr>
+            <a:r>
+              <a:rPr lang="zh-CN" altLang="en-US" dirty="0" smtClean="0"/>
+              <a:t>通过对</a:t>
+            </a:r>
+            <a:r>
+              <a:rPr lang="en-US" altLang="zh-CN" dirty="0" smtClean="0"/>
+              <a:t>View</a:t>
+            </a:r>
+            <a:r>
+              <a:rPr lang="zh-CN" altLang="en-US" dirty="0" smtClean="0"/>
+              <a:t>绘制的深入理解，沉淀了</a:t>
+            </a:r>
+            <a:r>
+              <a:rPr lang="en-US" altLang="zh-CN" dirty="0" err="1" smtClean="0"/>
+              <a:t>WheelView</a:t>
+            </a:r>
+            <a:r>
+              <a:rPr lang="zh-CN" altLang="en-US" dirty="0" smtClean="0"/>
+              <a:t>，</a:t>
+            </a:r>
+            <a:r>
+              <a:rPr lang="en-US" altLang="zh-CN" dirty="0" err="1" smtClean="0"/>
+              <a:t>ArcScrollView</a:t>
+            </a:r>
+            <a:r>
+              <a:rPr lang="zh-CN" altLang="en-US" dirty="0" smtClean="0"/>
+              <a:t>，</a:t>
+            </a:r>
+            <a:r>
+              <a:rPr lang="en-US" altLang="zh-CN" dirty="0" err="1" smtClean="0"/>
+              <a:t>PtrRefresh</a:t>
+            </a:r>
+            <a:r>
+              <a:rPr lang="zh-CN" altLang="en-US" dirty="0" smtClean="0"/>
+              <a:t>，</a:t>
+            </a:r>
+            <a:r>
+              <a:rPr lang="en-US" altLang="zh-CN" dirty="0" err="1" smtClean="0"/>
+              <a:t>ClockView</a:t>
+            </a:r>
+            <a:r>
+              <a:rPr lang="zh-CN" altLang="en-US" dirty="0" smtClean="0"/>
+              <a:t>，</a:t>
+            </a:r>
+            <a:r>
+              <a:rPr lang="en-US" altLang="zh-CN" dirty="0" smtClean="0"/>
+              <a:t>VerticalViewPager5</a:t>
+            </a:r>
+            <a:r>
+              <a:rPr lang="zh-CN" altLang="en-US" dirty="0" smtClean="0"/>
+              <a:t>个通用的自定义控件，提升研发效率，将原本需要几天研发的自定义控件缩短为小时级别集成。</a:t>
+            </a:r>
+            <a:endParaRPr lang="en-US" altLang="zh-CN" dirty="0" smtClean="0"/>
+          </a:p>
+          <a:p>
+            <a:pPr marL="228600" indent="-228600">
+              <a:buAutoNum type="arabicPeriod"/>
+            </a:pPr>
+            <a:r>
+              <a:rPr lang="zh-CN" altLang="en-US" dirty="0" smtClean="0"/>
+              <a:t>统一了应用层网络框架，不仅提高了网络请求的并发的效率，同时便于后期通信协议的切换，例如换成蓝牙通信，直接替换</a:t>
+            </a:r>
+            <a:r>
+              <a:rPr lang="en-US" altLang="zh-CN" dirty="0" smtClean="0"/>
+              <a:t>jar</a:t>
+            </a:r>
+            <a:r>
+              <a:rPr lang="zh-CN" altLang="en-US" dirty="0" smtClean="0"/>
+              <a:t>包，对应用层研发同学基本无感知。</a:t>
+            </a:r>
+            <a:endParaRPr lang="en-US" altLang="zh-CN" dirty="0" smtClean="0"/>
+          </a:p>
+          <a:p>
+            <a:pPr marL="228600" indent="-228600">
+              <a:buAutoNum type="arabicPeriod"/>
+            </a:pPr>
+            <a:r>
+              <a:rPr lang="zh-CN" altLang="en-US" dirty="0" smtClean="0"/>
+              <a:t>我自身负责的</a:t>
+            </a:r>
+            <a:r>
+              <a:rPr lang="en-US" altLang="zh-CN" dirty="0" smtClean="0"/>
+              <a:t>6</a:t>
+            </a:r>
+            <a:r>
+              <a:rPr lang="zh-CN" altLang="en-US" dirty="0" smtClean="0"/>
+              <a:t>个应用全部按期完成，且验收结果较好，目前无</a:t>
+            </a:r>
+            <a:r>
+              <a:rPr lang="en-US" altLang="zh-CN" dirty="0" smtClean="0"/>
+              <a:t>3-1</a:t>
+            </a:r>
+            <a:r>
+              <a:rPr lang="zh-CN" altLang="en-US" dirty="0" smtClean="0"/>
+              <a:t>级别以上的</a:t>
+            </a:r>
+            <a:r>
+              <a:rPr lang="en-US" altLang="zh-CN" dirty="0" smtClean="0"/>
+              <a:t>Bug</a:t>
+            </a:r>
+            <a:r>
+              <a:rPr lang="zh-CN" altLang="en-US" dirty="0" smtClean="0"/>
+              <a:t>存留。</a:t>
+            </a:r>
           </a:p>
         </p:txBody>
       </p:sp>
@@ -781,6 +890,393 @@
     <p:extLst>
       <p:ext uri="{BB962C8B-B14F-4D97-AF65-F5344CB8AC3E}">
         <p14:creationId xmlns:p14="http://schemas.microsoft.com/office/powerpoint/2010/main" val="2705367389"/>
+      </p:ext>
+    </p:extLst>
+  </p:cSld>
+  <p:clrMapOvr>
+    <a:masterClrMapping/>
+  </p:clrMapOvr>
+</p:notes>
+</file>
+
+<file path=ppt/notesSlides/notesSlide11.xml><?xml version="1.0" encoding="utf-8"?>
+<p:notes xmlns:a="http://schemas.openxmlformats.org/drawingml/2006/main" xmlns:r="http://schemas.openxmlformats.org/officeDocument/2006/relationships" xmlns:p="http://schemas.openxmlformats.org/presentationml/2006/main">
+  <p:cSld>
+    <p:spTree>
+      <p:nvGrpSpPr>
+        <p:cNvPr id="1" name=""/>
+        <p:cNvGrpSpPr/>
+        <p:nvPr/>
+      </p:nvGrpSpPr>
+      <p:grpSpPr>
+        <a:xfrm>
+          <a:off x="0" y="0"/>
+          <a:ext cx="0" cy="0"/>
+          <a:chOff x="0" y="0"/>
+          <a:chExt cx="0" cy="0"/>
+        </a:xfrm>
+      </p:grpSpPr>
+      <p:sp>
+        <p:nvSpPr>
+          <p:cNvPr id="2" name="幻灯片图像占位符 1"/>
+          <p:cNvSpPr>
+            <a:spLocks noGrp="1" noRot="1" noChangeAspect="1"/>
+          </p:cNvSpPr>
+          <p:nvPr>
+            <p:ph type="sldImg"/>
+          </p:nvPr>
+        </p:nvSpPr>
+        <p:spPr/>
+      </p:sp>
+      <p:sp>
+        <p:nvSpPr>
+          <p:cNvPr id="3" name="备注占位符 2"/>
+          <p:cNvSpPr>
+            <a:spLocks noGrp="1"/>
+          </p:cNvSpPr>
+          <p:nvPr>
+            <p:ph type="body" idx="1"/>
+          </p:nvPr>
+        </p:nvSpPr>
+        <p:spPr/>
+        <p:txBody>
+          <a:bodyPr/>
+          <a:lstStyle/>
+          <a:p>
+            <a:r>
+              <a:rPr lang="zh-CN" altLang="en-US" dirty="0" smtClean="0"/>
+              <a:t>总结一下过去一年的个人成长：</a:t>
+            </a:r>
+            <a:endParaRPr lang="en-US" altLang="zh-CN" dirty="0" smtClean="0"/>
+          </a:p>
+          <a:p>
+            <a:pPr marL="228600" marR="0" lvl="1" indent="-228600" algn="l" defTabSz="914400" rtl="0" eaLnBrk="1" fontAlgn="auto" latinLnBrk="0" hangingPunct="1">
+              <a:lnSpc>
+                <a:spcPct val="100000"/>
+              </a:lnSpc>
+              <a:spcBef>
+                <a:spcPts val="0"/>
+              </a:spcBef>
+              <a:spcAft>
+                <a:spcPts val="0"/>
+              </a:spcAft>
+              <a:buClrTx/>
+              <a:buSzTx/>
+              <a:buFontTx/>
+              <a:buAutoNum type="arabicPeriod"/>
+              <a:tabLst/>
+              <a:defRPr/>
+            </a:pPr>
+            <a:r>
+              <a:rPr lang="zh-CN" altLang="en-US" baseline="0" dirty="0" smtClean="0"/>
+              <a:t>技术规划能力：</a:t>
+            </a:r>
+            <a:r>
+              <a:rPr lang="zh-CN" altLang="en-US" dirty="0" smtClean="0"/>
+              <a:t>负责</a:t>
+            </a:r>
+            <a:r>
+              <a:rPr lang="en-US" altLang="zh-CN" dirty="0" smtClean="0"/>
+              <a:t>MTK</a:t>
+            </a:r>
+            <a:r>
+              <a:rPr lang="zh-CN" altLang="en-US" dirty="0" smtClean="0"/>
+              <a:t>平台</a:t>
+            </a:r>
+            <a:r>
+              <a:rPr lang="en-US" altLang="zh-CN" dirty="0" smtClean="0"/>
+              <a:t>ROM</a:t>
+            </a:r>
+            <a:r>
+              <a:rPr lang="zh-CN" altLang="en-US" dirty="0" smtClean="0"/>
+              <a:t>适配，负责全智能手表多个应用的规划和执行。这两个项目都很好的完成了目标。</a:t>
+            </a:r>
+            <a:endParaRPr lang="en-US" altLang="zh-CN" dirty="0" smtClean="0"/>
+          </a:p>
+          <a:p>
+            <a:pPr marL="228600" marR="0" lvl="1" indent="-228600" algn="l" defTabSz="914400" rtl="0" eaLnBrk="1" fontAlgn="auto" latinLnBrk="0" hangingPunct="1">
+              <a:lnSpc>
+                <a:spcPct val="100000"/>
+              </a:lnSpc>
+              <a:spcBef>
+                <a:spcPts val="0"/>
+              </a:spcBef>
+              <a:spcAft>
+                <a:spcPts val="0"/>
+              </a:spcAft>
+              <a:buClrTx/>
+              <a:buSzTx/>
+              <a:buFontTx/>
+              <a:buAutoNum type="arabicPeriod"/>
+              <a:tabLst/>
+              <a:defRPr/>
+            </a:pPr>
+            <a:r>
+              <a:rPr lang="zh-CN" altLang="en-US" dirty="0" smtClean="0"/>
+              <a:t>技术把控能力：通过自身的努力和项目的锤炼，个人在过去一年从在应用开发和</a:t>
+            </a:r>
+            <a:r>
+              <a:rPr lang="en-US" altLang="zh-CN" dirty="0" smtClean="0"/>
+              <a:t>Framework</a:t>
+            </a:r>
+            <a:r>
+              <a:rPr lang="zh-CN" altLang="en-US" dirty="0" smtClean="0"/>
+              <a:t>问题定位解决均有了大幅度的提高。</a:t>
+            </a:r>
+            <a:endParaRPr lang="en-US" altLang="zh-CN" dirty="0" smtClean="0"/>
+          </a:p>
+          <a:p>
+            <a:pPr marL="228600" marR="0" lvl="1" indent="-228600" algn="l" defTabSz="914400" rtl="0" eaLnBrk="1" fontAlgn="auto" latinLnBrk="0" hangingPunct="1">
+              <a:lnSpc>
+                <a:spcPct val="100000"/>
+              </a:lnSpc>
+              <a:spcBef>
+                <a:spcPts val="0"/>
+              </a:spcBef>
+              <a:spcAft>
+                <a:spcPts val="0"/>
+              </a:spcAft>
+              <a:buClrTx/>
+              <a:buSzTx/>
+              <a:buFontTx/>
+              <a:buAutoNum type="arabicPeriod"/>
+              <a:tabLst/>
+              <a:defRPr/>
+            </a:pPr>
+            <a:r>
+              <a:rPr lang="zh-CN" altLang="en-US" dirty="0" smtClean="0"/>
+              <a:t>新人培养能力：全智能手表项目，帮助组内新同学快速掌握研发技术，并且通过规划项目分配，协助新人快速融入开发流程并且提高了开发能力，目前已经上项目开发骨干。</a:t>
+            </a:r>
+            <a:endParaRPr lang="en-US" altLang="zh-CN" dirty="0" smtClean="0"/>
+          </a:p>
+          <a:p>
+            <a:pPr marL="228600" marR="0" lvl="1" indent="-228600" algn="l" defTabSz="914400" rtl="0" eaLnBrk="1" fontAlgn="auto" latinLnBrk="0" hangingPunct="1">
+              <a:lnSpc>
+                <a:spcPct val="100000"/>
+              </a:lnSpc>
+              <a:spcBef>
+                <a:spcPts val="0"/>
+              </a:spcBef>
+              <a:spcAft>
+                <a:spcPts val="0"/>
+              </a:spcAft>
+              <a:buClrTx/>
+              <a:buSzTx/>
+              <a:buFontTx/>
+              <a:buAutoNum type="arabicPeriod"/>
+              <a:tabLst/>
+              <a:defRPr/>
+            </a:pPr>
+            <a:endParaRPr lang="en-US" altLang="zh-CN" dirty="0" smtClean="0"/>
+          </a:p>
+          <a:p>
+            <a:pPr marL="0" marR="0" lvl="1" indent="0" algn="l" defTabSz="914400" rtl="0" eaLnBrk="1" fontAlgn="auto" latinLnBrk="0" hangingPunct="1">
+              <a:lnSpc>
+                <a:spcPct val="100000"/>
+              </a:lnSpc>
+              <a:spcBef>
+                <a:spcPts val="0"/>
+              </a:spcBef>
+              <a:spcAft>
+                <a:spcPts val="0"/>
+              </a:spcAft>
+              <a:buClrTx/>
+              <a:buSzTx/>
+              <a:buFontTx/>
+              <a:buNone/>
+              <a:tabLst/>
+              <a:defRPr/>
+            </a:pPr>
+            <a:r>
+              <a:rPr lang="zh-CN" altLang="en-US" dirty="0" smtClean="0"/>
+              <a:t>对于新一年的展望：</a:t>
+            </a:r>
+            <a:endParaRPr lang="en-US" altLang="zh-CN" dirty="0" smtClean="0"/>
+          </a:p>
+          <a:p>
+            <a:pPr marL="228600" marR="0" lvl="1" indent="-228600" algn="l" defTabSz="914400" rtl="0" eaLnBrk="1" fontAlgn="auto" latinLnBrk="0" hangingPunct="1">
+              <a:lnSpc>
+                <a:spcPct val="100000"/>
+              </a:lnSpc>
+              <a:spcBef>
+                <a:spcPts val="0"/>
+              </a:spcBef>
+              <a:spcAft>
+                <a:spcPts val="0"/>
+              </a:spcAft>
+              <a:buClrTx/>
+              <a:buSzTx/>
+              <a:buFontTx/>
+              <a:buAutoNum type="arabicPeriod"/>
+              <a:tabLst/>
+              <a:defRPr/>
+            </a:pPr>
+            <a:r>
+              <a:rPr lang="zh-CN" altLang="en-US" baseline="0" dirty="0" smtClean="0"/>
+              <a:t>会继续严格要求自己，继续提升自己应用研发能力，推动并促进</a:t>
+            </a:r>
+            <a:r>
+              <a:rPr lang="en-US" altLang="zh-CN" baseline="0" dirty="0" smtClean="0"/>
+              <a:t>IDC</a:t>
+            </a:r>
+            <a:r>
+              <a:rPr lang="zh-CN" altLang="en-US" baseline="0" dirty="0" smtClean="0"/>
+              <a:t>全智能适配的研发。</a:t>
+            </a:r>
+            <a:endParaRPr lang="en-US" altLang="zh-CN" baseline="0" dirty="0" smtClean="0"/>
+          </a:p>
+          <a:p>
+            <a:pPr marL="228600" marR="0" lvl="1" indent="-228600" algn="l" defTabSz="914400" rtl="0" eaLnBrk="1" fontAlgn="auto" latinLnBrk="0" hangingPunct="1">
+              <a:lnSpc>
+                <a:spcPct val="100000"/>
+              </a:lnSpc>
+              <a:spcBef>
+                <a:spcPts val="0"/>
+              </a:spcBef>
+              <a:spcAft>
+                <a:spcPts val="0"/>
+              </a:spcAft>
+              <a:buClrTx/>
+              <a:buSzTx/>
+              <a:buFontTx/>
+              <a:buAutoNum type="arabicPeriod"/>
+              <a:tabLst/>
+              <a:defRPr/>
+            </a:pPr>
+            <a:r>
+              <a:rPr lang="zh-CN" altLang="en-US" baseline="0" dirty="0" smtClean="0"/>
+              <a:t>增强个人影响能力，将自己的技术积累更好的分享给</a:t>
+            </a:r>
+            <a:r>
+              <a:rPr lang="en-US" altLang="zh-CN" baseline="0" dirty="0" smtClean="0"/>
+              <a:t>YunOS</a:t>
+            </a:r>
+            <a:r>
+              <a:rPr lang="zh-CN" altLang="en-US" baseline="0" dirty="0" smtClean="0"/>
+              <a:t>团队同学。</a:t>
+            </a:r>
+            <a:endParaRPr lang="en-US" altLang="zh-CN" dirty="0" smtClean="0"/>
+          </a:p>
+          <a:p>
+            <a:endParaRPr lang="zh-CN" altLang="en-US" dirty="0"/>
+          </a:p>
+        </p:txBody>
+      </p:sp>
+      <p:sp>
+        <p:nvSpPr>
+          <p:cNvPr id="4" name="灯片编号占位符 3"/>
+          <p:cNvSpPr>
+            <a:spLocks noGrp="1"/>
+          </p:cNvSpPr>
+          <p:nvPr>
+            <p:ph type="sldNum" sz="quarter" idx="10"/>
+          </p:nvPr>
+        </p:nvSpPr>
+        <p:spPr/>
+        <p:txBody>
+          <a:bodyPr/>
+          <a:lstStyle/>
+          <a:p>
+            <a:fld id="{6718EBDC-2EC4-468E-B182-1717C37A33F0}" type="slidenum">
+              <a:rPr lang="zh-CN" altLang="en-US" smtClean="0"/>
+              <a:t>14</a:t>
+            </a:fld>
+            <a:endParaRPr lang="zh-CN" altLang="en-US"/>
+          </a:p>
+        </p:txBody>
+      </p:sp>
+    </p:spTree>
+    <p:extLst>
+      <p:ext uri="{BB962C8B-B14F-4D97-AF65-F5344CB8AC3E}">
+        <p14:creationId xmlns:p14="http://schemas.microsoft.com/office/powerpoint/2010/main" val="1143014619"/>
+      </p:ext>
+    </p:extLst>
+  </p:cSld>
+  <p:clrMapOvr>
+    <a:masterClrMapping/>
+  </p:clrMapOvr>
+</p:notes>
+</file>
+
+<file path=ppt/notesSlides/notesSlide12.xml><?xml version="1.0" encoding="utf-8"?>
+<p:notes xmlns:a="http://schemas.openxmlformats.org/drawingml/2006/main" xmlns:r="http://schemas.openxmlformats.org/officeDocument/2006/relationships" xmlns:p="http://schemas.openxmlformats.org/presentationml/2006/main">
+  <p:cSld>
+    <p:spTree>
+      <p:nvGrpSpPr>
+        <p:cNvPr id="1" name=""/>
+        <p:cNvGrpSpPr/>
+        <p:nvPr/>
+      </p:nvGrpSpPr>
+      <p:grpSpPr>
+        <a:xfrm>
+          <a:off x="0" y="0"/>
+          <a:ext cx="0" cy="0"/>
+          <a:chOff x="0" y="0"/>
+          <a:chExt cx="0" cy="0"/>
+        </a:xfrm>
+      </p:grpSpPr>
+      <p:sp>
+        <p:nvSpPr>
+          <p:cNvPr id="2" name="幻灯片图像占位符 1"/>
+          <p:cNvSpPr>
+            <a:spLocks noGrp="1" noRot="1" noChangeAspect="1"/>
+          </p:cNvSpPr>
+          <p:nvPr>
+            <p:ph type="sldImg"/>
+          </p:nvPr>
+        </p:nvSpPr>
+        <p:spPr/>
+      </p:sp>
+      <p:sp>
+        <p:nvSpPr>
+          <p:cNvPr id="3" name="备注占位符 2"/>
+          <p:cNvSpPr>
+            <a:spLocks noGrp="1"/>
+          </p:cNvSpPr>
+          <p:nvPr>
+            <p:ph type="body" idx="1"/>
+          </p:nvPr>
+        </p:nvSpPr>
+        <p:spPr/>
+        <p:txBody>
+          <a:bodyPr/>
+          <a:lstStyle/>
+          <a:p>
+            <a:r>
+              <a:rPr lang="zh-CN" altLang="en-US" smtClean="0"/>
+              <a:t>感谢各位评委，希望各位评委对我提出指导。</a:t>
+            </a:r>
+            <a:endParaRPr lang="zh-CN" altLang="en-US" dirty="0"/>
+          </a:p>
+        </p:txBody>
+      </p:sp>
+      <p:sp>
+        <p:nvSpPr>
+          <p:cNvPr id="4" name="灯片编号占位符 3"/>
+          <p:cNvSpPr>
+            <a:spLocks noGrp="1"/>
+          </p:cNvSpPr>
+          <p:nvPr>
+            <p:ph type="sldNum" sz="quarter" idx="10"/>
+          </p:nvPr>
+        </p:nvSpPr>
+        <p:spPr/>
+        <p:txBody>
+          <a:bodyPr/>
+          <a:lstStyle/>
+          <a:p>
+            <a:fld id="{6718EBDC-2EC4-468E-B182-1717C37A33F0}" type="slidenum">
+              <a:rPr lang="zh-CN" altLang="en-US" smtClean="0"/>
+              <a:t>15</a:t>
+            </a:fld>
+            <a:endParaRPr lang="zh-CN" altLang="en-US"/>
+          </a:p>
+        </p:txBody>
+      </p:sp>
+    </p:spTree>
+    <p:extLst>
+      <p:ext uri="{BB962C8B-B14F-4D97-AF65-F5344CB8AC3E}">
+        <p14:creationId xmlns:p14="http://schemas.microsoft.com/office/powerpoint/2010/main" val="2972830936"/>
       </p:ext>
     </p:extLst>
   </p:cSld>
@@ -1370,7 +1866,79 @@
             </a:pPr>
             <a:r>
               <a:rPr lang="zh-CN" altLang="en-US" baseline="0" dirty="0" smtClean="0"/>
-              <a:t>构建系统：</a:t>
+              <a:t>构建系统</a:t>
+            </a:r>
+            <a:r>
+              <a:rPr lang="zh-CN" altLang="en-US" baseline="0" dirty="0" smtClean="0"/>
+              <a:t>：采用的是基本原始机型的</a:t>
+            </a:r>
+            <a:r>
+              <a:rPr lang="en-US" altLang="zh-CN" baseline="0" dirty="0" smtClean="0"/>
+              <a:t>Rom</a:t>
+            </a:r>
+            <a:r>
+              <a:rPr lang="zh-CN" altLang="en-US" baseline="0" dirty="0" smtClean="0"/>
+              <a:t>包，将</a:t>
+            </a:r>
+            <a:r>
+              <a:rPr lang="en-US" altLang="zh-CN" baseline="0" dirty="0" smtClean="0"/>
+              <a:t>YunOS</a:t>
+            </a:r>
+            <a:r>
+              <a:rPr lang="zh-CN" altLang="en-US" baseline="0" dirty="0" smtClean="0"/>
+              <a:t>的</a:t>
+            </a:r>
+            <a:r>
+              <a:rPr lang="en-US" altLang="zh-CN" baseline="0" dirty="0" smtClean="0"/>
+              <a:t>ROM</a:t>
+            </a:r>
+            <a:r>
+              <a:rPr lang="zh-CN" altLang="en-US" baseline="0" dirty="0" smtClean="0"/>
+              <a:t>的内容分层替换原始</a:t>
+            </a:r>
+            <a:r>
+              <a:rPr lang="en-US" altLang="zh-CN" baseline="0" dirty="0" smtClean="0"/>
+              <a:t>ROM</a:t>
+            </a:r>
+            <a:r>
+              <a:rPr lang="zh-CN" altLang="en-US" baseline="0" dirty="0" smtClean="0"/>
+              <a:t>的内容。其中，</a:t>
+            </a:r>
+            <a:r>
+              <a:rPr lang="en-US" altLang="zh-CN" baseline="0" dirty="0" err="1" smtClean="0"/>
+              <a:t>boot.img</a:t>
+            </a:r>
+            <a:r>
+              <a:rPr lang="zh-CN" altLang="en-US" baseline="0" dirty="0" smtClean="0"/>
+              <a:t>的</a:t>
+            </a:r>
+            <a:r>
+              <a:rPr lang="en-US" altLang="zh-CN" baseline="0" dirty="0" err="1" smtClean="0"/>
+              <a:t>init</a:t>
+            </a:r>
+            <a:r>
+              <a:rPr lang="zh-CN" altLang="en-US" baseline="0" dirty="0" smtClean="0"/>
+              <a:t>模块替换和</a:t>
+            </a:r>
+            <a:r>
+              <a:rPr lang="en-US" altLang="zh-CN" baseline="0" dirty="0" smtClean="0"/>
+              <a:t>recovery</a:t>
+            </a:r>
+            <a:r>
+              <a:rPr lang="zh-CN" altLang="en-US" baseline="0" dirty="0" smtClean="0"/>
+              <a:t>的刷机脚本编写需要自己根据经验手动完成，</a:t>
+            </a:r>
+            <a:r>
+              <a:rPr lang="en-US" altLang="zh-CN" baseline="0" dirty="0" smtClean="0"/>
+              <a:t>System</a:t>
+            </a:r>
+            <a:r>
+              <a:rPr lang="zh-CN" altLang="en-US" baseline="0" dirty="0" smtClean="0"/>
+              <a:t>分区的替换可以根据经验最小化替换，后续问题可以人工解决</a:t>
+            </a:r>
+            <a:r>
+              <a:rPr lang="en-US" altLang="zh-CN" baseline="0" dirty="0" smtClean="0"/>
+              <a:t>.</a:t>
             </a:r>
             <a:endParaRPr lang="en-US" altLang="zh-CN" baseline="0" dirty="0" smtClean="0"/>
           </a:p>
@@ -1380,9 +1948,57 @@
             </a:pPr>
             <a:r>
               <a:rPr lang="zh-CN" altLang="en-US" baseline="0" dirty="0" smtClean="0"/>
-              <a:t>发布系统：</a:t>
-            </a:r>
-            <a:endParaRPr lang="en-US" altLang="zh-CN" dirty="0" smtClean="0"/>
+              <a:t>发布系统</a:t>
+            </a:r>
+            <a:r>
+              <a:rPr lang="zh-CN" altLang="en-US" baseline="0" dirty="0" smtClean="0"/>
+              <a:t>：集合</a:t>
+            </a:r>
+            <a:r>
+              <a:rPr lang="en-US" altLang="zh-CN" baseline="0" dirty="0" err="1" smtClean="0"/>
+              <a:t>Jenkins+bash</a:t>
+            </a:r>
+            <a:r>
+              <a:rPr lang="en-US" altLang="zh-CN" baseline="0" dirty="0" smtClean="0"/>
+              <a:t> shell</a:t>
+            </a:r>
+            <a:r>
+              <a:rPr lang="zh-CN" altLang="en-US" baseline="0" dirty="0" smtClean="0"/>
+              <a:t>封装</a:t>
+            </a:r>
+            <a:r>
+              <a:rPr lang="en-US" altLang="zh-CN" baseline="0" dirty="0" smtClean="0"/>
+              <a:t>ROM</a:t>
+            </a:r>
+            <a:r>
+              <a:rPr lang="zh-CN" altLang="en-US" baseline="0" dirty="0" smtClean="0"/>
+              <a:t>多渠道发布系统。输入原始</a:t>
+            </a:r>
+            <a:r>
+              <a:rPr lang="en-US" altLang="zh-CN" baseline="0" dirty="0" smtClean="0"/>
+              <a:t>ROM</a:t>
+            </a:r>
+            <a:r>
+              <a:rPr lang="zh-CN" altLang="en-US" baseline="0" dirty="0" smtClean="0"/>
+              <a:t>包云盘地址、产品型号、版本号等标识信息，利用</a:t>
+            </a:r>
+            <a:r>
+              <a:rPr lang="en-US" altLang="zh-CN" baseline="0" dirty="0" smtClean="0"/>
+              <a:t>Jenkins</a:t>
+            </a:r>
+            <a:r>
+              <a:rPr lang="zh-CN" altLang="en-US" baseline="0" dirty="0" smtClean="0"/>
+              <a:t>的后台服务器能力，自动下载</a:t>
+            </a:r>
+            <a:r>
+              <a:rPr lang="en-US" altLang="zh-CN" baseline="0" dirty="0" smtClean="0"/>
+              <a:t>ROM</a:t>
+            </a:r>
+            <a:r>
+              <a:rPr lang="zh-CN" altLang="en-US" baseline="0" dirty="0" smtClean="0"/>
+              <a:t>包，然后自动解包，然后根据不同平台自动构建渠道包，然后分渠道上传，并抽送邮件给测试同学。增加渠道时，只需要增加一个渠道模块即可。</a:t>
+            </a:r>
+            <a:endParaRPr lang="en-US" altLang="zh-CN" baseline="0" dirty="0" smtClean="0"/>
           </a:p>
         </p:txBody>
       </p:sp>
@@ -1476,9 +2092,98 @@
             </a:r>
             <a:r>
               <a:rPr lang="zh-CN" altLang="en-US" baseline="0" dirty="0" smtClean="0"/>
-              <a:t>适配项目的主要收益包括：</a:t>
-            </a:r>
-            <a:endParaRPr lang="zh-CN" altLang="en-US" dirty="0"/>
+              <a:t>适配项目的主要收益包括</a:t>
+            </a:r>
+            <a:r>
+              <a:rPr lang="zh-CN" altLang="en-US" baseline="0" dirty="0" smtClean="0"/>
+              <a:t>：</a:t>
+            </a:r>
+            <a:endParaRPr lang="en-US" altLang="zh-CN" baseline="0" dirty="0" smtClean="0"/>
+          </a:p>
+          <a:p>
+            <a:pPr marL="228600" indent="-228600">
+              <a:buAutoNum type="arabicPeriod"/>
+            </a:pPr>
+            <a:r>
+              <a:rPr lang="zh-CN" altLang="en-US" baseline="0" dirty="0" smtClean="0"/>
+              <a:t>适配超过</a:t>
+            </a:r>
+            <a:r>
+              <a:rPr lang="en-US" altLang="zh-CN" baseline="0" dirty="0" smtClean="0"/>
+              <a:t>20</a:t>
+            </a:r>
+            <a:r>
+              <a:rPr lang="zh-CN" altLang="en-US" baseline="0" dirty="0" smtClean="0"/>
+              <a:t>款</a:t>
+            </a:r>
+            <a:r>
+              <a:rPr lang="en-US" altLang="zh-CN" baseline="0" dirty="0" err="1" smtClean="0"/>
+              <a:t>mtk</a:t>
+            </a:r>
+            <a:r>
+              <a:rPr lang="zh-CN" altLang="en-US" baseline="0" dirty="0" smtClean="0"/>
+              <a:t>机型，每款机型的日激活量都比较可观。</a:t>
+            </a:r>
+            <a:endParaRPr lang="en-US" altLang="zh-CN" baseline="0" dirty="0" smtClean="0"/>
+          </a:p>
+          <a:p>
+            <a:pPr marL="228600" indent="-228600">
+              <a:buAutoNum type="arabicPeriod"/>
+            </a:pPr>
+            <a:r>
+              <a:rPr lang="en-US" altLang="zh-CN" baseline="0" dirty="0" smtClean="0"/>
+              <a:t>ROM</a:t>
+            </a:r>
+            <a:r>
+              <a:rPr lang="zh-CN" altLang="en-US" baseline="0" dirty="0" smtClean="0"/>
+              <a:t>包的打包系统将原先的打包流程从半天的时间降低为分钟级别，且全程自动化，并且不依赖于特定的人去发布，</a:t>
+            </a:r>
+            <a:r>
+              <a:rPr lang="en-US" altLang="zh-CN" baseline="0" dirty="0" smtClean="0"/>
+              <a:t>SCM</a:t>
+            </a:r>
+            <a:r>
+              <a:rPr lang="zh-CN" altLang="en-US" baseline="0" dirty="0" smtClean="0"/>
+              <a:t>和研发人员均可完成</a:t>
+            </a:r>
+            <a:r>
+              <a:rPr lang="en-US" altLang="zh-CN" baseline="0" dirty="0" smtClean="0"/>
+              <a:t>.</a:t>
+            </a:r>
+          </a:p>
+          <a:p>
+            <a:pPr marL="228600" indent="-228600">
+              <a:buAutoNum type="arabicPeriod"/>
+            </a:pPr>
+            <a:r>
+              <a:rPr lang="zh-CN" altLang="en-US" baseline="0" dirty="0" smtClean="0"/>
+              <a:t>积累了比较丰富的</a:t>
+            </a:r>
+            <a:r>
+              <a:rPr lang="en-US" altLang="zh-CN" baseline="0" dirty="0" smtClean="0"/>
+              <a:t>ROM</a:t>
+            </a:r>
+            <a:r>
+              <a:rPr lang="zh-CN" altLang="en-US" baseline="0" dirty="0" smtClean="0"/>
+              <a:t>适配经验，首先加深了对</a:t>
+            </a:r>
+            <a:r>
+              <a:rPr lang="en-US" altLang="zh-CN" baseline="0" dirty="0" smtClean="0"/>
+              <a:t>Yun</a:t>
+            </a:r>
+            <a:r>
+              <a:rPr lang="zh-CN" altLang="en-US" baseline="0" dirty="0" smtClean="0"/>
+              <a:t>架构体系的理解，同时在应用开发和</a:t>
+            </a:r>
+            <a:r>
+              <a:rPr lang="en-US" altLang="zh-CN" baseline="0" dirty="0" smtClean="0"/>
+              <a:t>Framework</a:t>
+            </a:r>
+            <a:r>
+              <a:rPr lang="zh-CN" altLang="en-US" baseline="0" dirty="0" smtClean="0"/>
+              <a:t>问题上均有技术积累。</a:t>
+            </a:r>
+            <a:endParaRPr lang="en-US" altLang="zh-CN" baseline="0" dirty="0" smtClean="0"/>
           </a:p>
         </p:txBody>
       </p:sp>
@@ -1572,11 +2277,7 @@
             </a:r>
             <a:r>
               <a:rPr lang="zh-CN" altLang="en-US" dirty="0" smtClean="0"/>
-              <a:t>团队负责的一个最重点的</a:t>
-            </a:r>
-            <a:r>
-              <a:rPr lang="zh-CN" altLang="en-US" dirty="0" smtClean="0"/>
-              <a:t>项目。项目背景是：在一款全新的硬件平台</a:t>
+              <a:t>团队负责的一个最重点的项目。项目背景是：在一款全新的硬件平台</a:t>
             </a:r>
             <a:r>
               <a:rPr lang="en-US" altLang="zh-CN" dirty="0" smtClean="0"/>
@@ -1616,19 +2317,7 @@
             </a:r>
             <a:r>
               <a:rPr lang="zh-CN" altLang="en-US" dirty="0" smtClean="0"/>
-              <a:t>人，而且其中有</a:t>
-            </a:r>
-            <a:r>
-              <a:rPr lang="zh-CN" altLang="en-US" dirty="0" smtClean="0"/>
-              <a:t>同学</a:t>
-            </a:r>
-            <a:r>
-              <a:rPr lang="zh-CN" altLang="en-US" dirty="0" smtClean="0"/>
-              <a:t>在这个项目之前</a:t>
-            </a:r>
-            <a:r>
-              <a:rPr lang="zh-CN" altLang="en-US" dirty="0" smtClean="0"/>
-              <a:t>是没有移动端开发经验的。</a:t>
+              <a:t>人，而且其中有同学在这个项目之前是没有移动端开发经验的。</a:t>
             </a:r>
             <a:endParaRPr lang="zh-CN" altLang="en-US" dirty="0"/>
           </a:p>
@@ -1895,7 +2584,7 @@
             </a:r>
             <a:r>
               <a:rPr lang="zh-CN" altLang="en-US" dirty="0" smtClean="0"/>
-              <a:t>项目我实现的第一个技术亮点，基于</a:t>
+              <a:t>项目我设计的统一网络框架，参考</a:t>
             </a:r>
             <a:r>
               <a:rPr lang="en-US" altLang="zh-CN" dirty="0" smtClean="0"/>
@@ -1903,7 +2592,11 @@
             </a:r>
             <a:r>
               <a:rPr lang="zh-CN" altLang="en-US" dirty="0" smtClean="0"/>
-              <a:t>框架实现统一的网络请求架构，具体架构图如</a:t>
+              <a:t>源码实现，</a:t>
+            </a:r>
+            <a:r>
+              <a:rPr lang="zh-CN" altLang="en-US" dirty="0" smtClean="0"/>
+              <a:t>具体架构图如</a:t>
             </a:r>
             <a:r>
               <a:rPr lang="en-US" altLang="zh-CN" dirty="0" smtClean="0"/>
@@ -1911,7 +2604,11 @@
             </a:r>
             <a:r>
               <a:rPr lang="zh-CN" altLang="en-US" dirty="0" smtClean="0"/>
-              <a:t>所示，我简单的介绍一下网络请求流程。</a:t>
+              <a:t>所</a:t>
+            </a:r>
+            <a:r>
+              <a:rPr lang="zh-CN" altLang="en-US" dirty="0" smtClean="0"/>
+              <a:t>示：</a:t>
             </a:r>
             <a:endParaRPr lang="en-US" altLang="zh-CN" dirty="0" smtClean="0"/>
           </a:p>
@@ -1921,174 +2618,203 @@
             </a:pPr>
             <a:r>
               <a:rPr lang="zh-CN" altLang="en-US" baseline="0" dirty="0" smtClean="0"/>
-              <a:t>在</a:t>
-            </a:r>
-            <a:r>
-              <a:rPr lang="en-US" altLang="zh-CN" baseline="0" dirty="0" smtClean="0"/>
-              <a:t>Application</a:t>
-            </a:r>
-            <a:r>
-              <a:rPr lang="zh-CN" altLang="en-US" baseline="0" dirty="0" smtClean="0"/>
-              <a:t>类的</a:t>
-            </a:r>
-            <a:r>
-              <a:rPr lang="en-US" altLang="zh-CN" baseline="0" dirty="0" err="1" smtClean="0"/>
-              <a:t>onCreate</a:t>
-            </a:r>
-            <a:r>
-              <a:rPr lang="zh-CN" altLang="en-US" baseline="0" dirty="0" smtClean="0"/>
-              <a:t>方法中初始化单例的</a:t>
-            </a:r>
-            <a:r>
-              <a:rPr lang="en-US" altLang="zh-CN" baseline="0" dirty="0" err="1" smtClean="0"/>
-              <a:t>NetworkManager</a:t>
-            </a:r>
-            <a:r>
-              <a:rPr lang="zh-CN" altLang="en-US" baseline="0" dirty="0" smtClean="0"/>
-              <a:t>类，在其构造函数中会初始化</a:t>
-            </a:r>
-            <a:r>
-              <a:rPr lang="en-US" altLang="zh-CN" baseline="0" dirty="0" err="1" smtClean="0"/>
-              <a:t>RequestQueue</a:t>
-            </a:r>
-            <a:r>
-              <a:rPr lang="zh-CN" altLang="en-US" baseline="0" dirty="0" smtClean="0"/>
-              <a:t>对象，</a:t>
-            </a:r>
-            <a:r>
-              <a:rPr lang="en-US" altLang="zh-CN" baseline="0" dirty="0" err="1" smtClean="0"/>
-              <a:t>RequestQueue</a:t>
-            </a:r>
-            <a:r>
-              <a:rPr lang="zh-CN" altLang="en-US" baseline="0" dirty="0" smtClean="0"/>
-              <a:t>对象用于存储、调度和分发网络请求。</a:t>
-            </a:r>
-            <a:endParaRPr lang="en-US" altLang="zh-CN" baseline="0" dirty="0" smtClean="0"/>
+              <a:t>网络框架分为四部分</a:t>
+            </a:r>
+            <a:r>
+              <a:rPr lang="zh-CN" altLang="en-US" baseline="0" dirty="0" smtClean="0">
+                <a:sym typeface="Wingdings" panose="05000000000000000000" pitchFamily="2" charset="2"/>
+              </a:rPr>
+              <a:t>：高度抽象的网络请求，本地缓存系统，网络并发系统和请求结果分发系统。</a:t>
+            </a:r>
+            <a:endParaRPr lang="en-US" altLang="zh-CN" baseline="0" dirty="0" smtClean="0">
+              <a:sym typeface="Wingdings" panose="05000000000000000000" pitchFamily="2" charset="2"/>
+            </a:endParaRPr>
           </a:p>
           <a:p>
             <a:pPr marL="228600" indent="-228600">
               <a:buAutoNum type="arabicPeriod"/>
             </a:pPr>
             <a:r>
-              <a:rPr lang="zh-CN" altLang="en-US" baseline="0" dirty="0" smtClean="0"/>
-              <a:t>为了更加方便的实现</a:t>
-            </a:r>
-            <a:r>
-              <a:rPr lang="en-US" altLang="zh-CN" baseline="0" dirty="0" smtClean="0"/>
-              <a:t>HTTP</a:t>
-            </a:r>
-            <a:r>
-              <a:rPr lang="zh-CN" altLang="en-US" baseline="0" dirty="0" smtClean="0"/>
-              <a:t>的</a:t>
-            </a:r>
-            <a:r>
-              <a:rPr lang="en-US" altLang="zh-CN" baseline="0" dirty="0" smtClean="0"/>
-              <a:t>get</a:t>
-            </a:r>
-            <a:r>
-              <a:rPr lang="zh-CN" altLang="en-US" baseline="0" dirty="0" smtClean="0"/>
-              <a:t>和</a:t>
-            </a:r>
-            <a:r>
-              <a:rPr lang="en-US" altLang="zh-CN" baseline="0" dirty="0" smtClean="0"/>
-              <a:t>post</a:t>
-            </a:r>
-            <a:r>
-              <a:rPr lang="zh-CN" altLang="en-US" baseline="0" dirty="0" smtClean="0"/>
-              <a:t>请求，我抽象出了</a:t>
-            </a:r>
-            <a:r>
-              <a:rPr lang="en-US" altLang="zh-CN" baseline="0" dirty="0" err="1" smtClean="0"/>
-              <a:t>ByteArrayRequest</a:t>
-            </a:r>
-            <a:r>
-              <a:rPr lang="zh-CN" altLang="en-US" baseline="0" dirty="0" smtClean="0"/>
-              <a:t>请求，具体包括</a:t>
-            </a:r>
-            <a:r>
-              <a:rPr lang="en-US" altLang="zh-CN" baseline="0" dirty="0" smtClean="0"/>
-              <a:t>method</a:t>
-            </a:r>
-            <a:r>
-              <a:rPr lang="zh-CN" altLang="en-US" baseline="0" dirty="0" smtClean="0"/>
-              <a:t>，</a:t>
-            </a:r>
-            <a:r>
-              <a:rPr lang="en-US" altLang="zh-CN" baseline="0" dirty="0" err="1" smtClean="0"/>
+              <a:rPr lang="zh-CN" altLang="en-US" baseline="0" dirty="0" smtClean="0">
+                <a:sym typeface="Wingdings" panose="05000000000000000000" pitchFamily="2" charset="2"/>
+              </a:rPr>
+              <a:t>对于每个网络请求，抽象出请求</a:t>
+            </a:r>
+            <a:r>
+              <a:rPr lang="en-US" altLang="zh-CN" baseline="0" dirty="0" err="1" smtClean="0">
+                <a:sym typeface="Wingdings" panose="05000000000000000000" pitchFamily="2" charset="2"/>
+              </a:rPr>
               <a:t>url</a:t>
             </a:r>
             <a:r>
-              <a:rPr lang="zh-CN" altLang="en-US" baseline="0" dirty="0" smtClean="0"/>
-              <a:t>，</a:t>
-            </a:r>
-            <a:r>
-              <a:rPr lang="en-US" altLang="zh-CN" baseline="0" dirty="0" err="1" smtClean="0"/>
-              <a:t>params</a:t>
-            </a:r>
-            <a:r>
-              <a:rPr lang="zh-CN" altLang="en-US" baseline="0" dirty="0" smtClean="0"/>
-              <a:t>等参数和请求成功、失败的回调接口。</a:t>
-            </a:r>
-            <a:endParaRPr lang="en-US" altLang="zh-CN" baseline="0" dirty="0" smtClean="0"/>
+              <a:rPr lang="zh-CN" altLang="en-US" baseline="0" dirty="0" smtClean="0">
+                <a:sym typeface="Wingdings" panose="05000000000000000000" pitchFamily="2" charset="2"/>
+              </a:rPr>
+              <a:t>、请求参数、请求协议和成功、失败的结果回调函数。</a:t>
+            </a:r>
+            <a:endParaRPr lang="en-US" altLang="zh-CN" baseline="0" dirty="0" smtClean="0">
+              <a:sym typeface="Wingdings" panose="05000000000000000000" pitchFamily="2" charset="2"/>
+            </a:endParaRPr>
           </a:p>
           <a:p>
             <a:pPr marL="228600" indent="-228600">
               <a:buAutoNum type="arabicPeriod"/>
             </a:pPr>
             <a:r>
-              <a:rPr lang="zh-CN" altLang="en-US" dirty="0" smtClean="0"/>
-              <a:t>对于使用该框架的开发者来说，只需要拿到</a:t>
-            </a:r>
-            <a:r>
-              <a:rPr lang="en-US" altLang="zh-CN" dirty="0" err="1" smtClean="0"/>
-              <a:t>RequestQueue</a:t>
-            </a:r>
-            <a:r>
-              <a:rPr lang="zh-CN" altLang="en-US" dirty="0" smtClean="0"/>
-              <a:t>对象，然后向其中添加</a:t>
-            </a:r>
-            <a:r>
-              <a:rPr lang="en-US" altLang="zh-CN" dirty="0" err="1" smtClean="0"/>
-              <a:t>ByteArrayRequest</a:t>
-            </a:r>
-            <a:r>
-              <a:rPr lang="zh-CN" altLang="en-US" dirty="0" smtClean="0"/>
-              <a:t>请求即可，请求完成后由网络框架通过</a:t>
-            </a:r>
-            <a:r>
-              <a:rPr lang="en-US" altLang="zh-CN" dirty="0" smtClean="0"/>
-              <a:t>Handler</a:t>
-            </a:r>
-            <a:r>
-              <a:rPr lang="zh-CN" altLang="en-US" dirty="0" smtClean="0"/>
-              <a:t>机制回调用户设置的请求成功或失败接口。</a:t>
-            </a:r>
-            <a:endParaRPr lang="en-US" altLang="zh-CN" dirty="0" smtClean="0"/>
+              <a:rPr lang="zh-CN" altLang="en-US" baseline="0" dirty="0" smtClean="0">
+                <a:sym typeface="Wingdings" panose="05000000000000000000" pitchFamily="2" charset="2"/>
+              </a:rPr>
+              <a:t>每个网络请求添加到</a:t>
+            </a:r>
+            <a:r>
+              <a:rPr lang="en-US" altLang="zh-CN" baseline="0" dirty="0" err="1" smtClean="0">
+                <a:sym typeface="Wingdings" panose="05000000000000000000" pitchFamily="2" charset="2"/>
+              </a:rPr>
+              <a:t>NetworkManager</a:t>
+            </a:r>
+            <a:r>
+              <a:rPr lang="zh-CN" altLang="en-US" baseline="0" dirty="0" smtClean="0">
+                <a:sym typeface="Wingdings" panose="05000000000000000000" pitchFamily="2" charset="2"/>
+              </a:rPr>
+              <a:t>之后，首先判断该请求对于的请求结果是否在缓存系统中。缓存系统分为</a:t>
+            </a:r>
+            <a:r>
+              <a:rPr lang="en-US" altLang="zh-CN" baseline="0" dirty="0" smtClean="0">
+                <a:sym typeface="Wingdings" panose="05000000000000000000" pitchFamily="2" charset="2"/>
+              </a:rPr>
+              <a:t>L1</a:t>
+            </a:r>
+            <a:r>
+              <a:rPr lang="zh-CN" altLang="en-US" baseline="0" dirty="0" smtClean="0">
+                <a:sym typeface="Wingdings" panose="05000000000000000000" pitchFamily="2" charset="2"/>
+              </a:rPr>
+              <a:t>级内存缓存和</a:t>
+            </a:r>
+            <a:r>
+              <a:rPr lang="en-US" altLang="zh-CN" baseline="0" dirty="0" smtClean="0">
+                <a:sym typeface="Wingdings" panose="05000000000000000000" pitchFamily="2" charset="2"/>
+              </a:rPr>
+              <a:t>L2</a:t>
+            </a:r>
+            <a:r>
+              <a:rPr lang="zh-CN" altLang="en-US" baseline="0" dirty="0" smtClean="0">
+                <a:sym typeface="Wingdings" panose="05000000000000000000" pitchFamily="2" charset="2"/>
+              </a:rPr>
+              <a:t>级硬盘缓存，</a:t>
+            </a:r>
+            <a:r>
+              <a:rPr lang="en-US" altLang="zh-CN" baseline="0" dirty="0" smtClean="0">
+                <a:sym typeface="Wingdings" panose="05000000000000000000" pitchFamily="2" charset="2"/>
+              </a:rPr>
+              <a:t>L1</a:t>
+            </a:r>
+            <a:r>
+              <a:rPr lang="zh-CN" altLang="en-US" baseline="0" dirty="0" smtClean="0">
+                <a:sym typeface="Wingdings" panose="05000000000000000000" pitchFamily="2" charset="2"/>
+              </a:rPr>
+              <a:t>内存缓存的替换策略是</a:t>
+            </a:r>
+            <a:r>
+              <a:rPr lang="en-US" altLang="zh-CN" baseline="0" dirty="0" smtClean="0">
+                <a:sym typeface="Wingdings" panose="05000000000000000000" pitchFamily="2" charset="2"/>
+              </a:rPr>
+              <a:t>LRU</a:t>
+            </a:r>
+            <a:r>
+              <a:rPr lang="zh-CN" altLang="en-US" baseline="0" dirty="0" smtClean="0">
+                <a:sym typeface="Wingdings" panose="05000000000000000000" pitchFamily="2" charset="2"/>
+              </a:rPr>
+              <a:t>缓存替换算法，</a:t>
+            </a:r>
+            <a:r>
+              <a:rPr lang="en-US" altLang="zh-CN" baseline="0" dirty="0" smtClean="0">
+                <a:sym typeface="Wingdings" panose="05000000000000000000" pitchFamily="2" charset="2"/>
+              </a:rPr>
+              <a:t>L2</a:t>
+            </a:r>
+            <a:r>
+              <a:rPr lang="zh-CN" altLang="en-US" baseline="0" dirty="0" smtClean="0">
+                <a:sym typeface="Wingdings" panose="05000000000000000000" pitchFamily="2" charset="2"/>
+              </a:rPr>
+              <a:t>级硬盘缓存的替换测试是</a:t>
+            </a:r>
+            <a:r>
+              <a:rPr lang="en-US" altLang="zh-CN" baseline="0" dirty="0" smtClean="0">
+                <a:sym typeface="Wingdings" panose="05000000000000000000" pitchFamily="2" charset="2"/>
+              </a:rPr>
+              <a:t>FIFO</a:t>
+            </a:r>
+            <a:r>
+              <a:rPr lang="zh-CN" altLang="en-US" baseline="0" dirty="0" smtClean="0">
+                <a:sym typeface="Wingdings" panose="05000000000000000000" pitchFamily="2" charset="2"/>
+              </a:rPr>
+              <a:t>缓存替换算法。</a:t>
+            </a:r>
+            <a:endParaRPr lang="en-US" altLang="zh-CN" baseline="0" dirty="0" smtClean="0">
+              <a:sym typeface="Wingdings" panose="05000000000000000000" pitchFamily="2" charset="2"/>
+            </a:endParaRPr>
           </a:p>
           <a:p>
             <a:pPr marL="228600" indent="-228600">
               <a:buAutoNum type="arabicPeriod"/>
             </a:pPr>
             <a:r>
-              <a:rPr lang="zh-CN" altLang="en-US" dirty="0" smtClean="0"/>
-              <a:t>而对于</a:t>
-            </a:r>
-            <a:r>
-              <a:rPr lang="en-US" altLang="zh-CN" dirty="0" err="1" smtClean="0"/>
-              <a:t>RequestQueue</a:t>
-            </a:r>
-            <a:r>
-              <a:rPr lang="zh-CN" altLang="en-US" dirty="0" smtClean="0"/>
-              <a:t>来说，对于每一个网络请求</a:t>
-            </a:r>
-            <a:r>
-              <a:rPr lang="en-US" altLang="zh-CN" dirty="0" smtClean="0"/>
-              <a:t>Request</a:t>
-            </a:r>
-            <a:r>
-              <a:rPr lang="zh-CN" altLang="en-US" dirty="0" smtClean="0"/>
-              <a:t>，首先判断本地是否有其结果缓存，如果有缓存并且缓存没有过期，则直接将本地缓存结果返回给用户。否则，通过网络线程开启网络请求，请求成功后回调用户设置的接口并将结果缓存到本地。</a:t>
-            </a:r>
+              <a:rPr lang="zh-CN" altLang="en-US" baseline="0" dirty="0" smtClean="0">
+                <a:sym typeface="Wingdings" panose="05000000000000000000" pitchFamily="2" charset="2"/>
+              </a:rPr>
+              <a:t>当请求结果没有被命中时，该请求被转发到网络并发请求系统。该系统高度封装了</a:t>
+            </a:r>
+            <a:r>
+              <a:rPr lang="en-US" altLang="zh-CN" baseline="0" dirty="0" err="1" smtClean="0">
+                <a:sym typeface="Wingdings" panose="05000000000000000000" pitchFamily="2" charset="2"/>
+              </a:rPr>
+              <a:t>HttpUrlConnection</a:t>
+            </a:r>
+            <a:r>
+              <a:rPr lang="zh-CN" altLang="en-US" baseline="0" dirty="0" smtClean="0">
+                <a:sym typeface="Wingdings" panose="05000000000000000000" pitchFamily="2" charset="2"/>
+              </a:rPr>
+              <a:t>的一系列操作，获取请求结果后，首先更新缓存系统，然后将结果交给分发系统。</a:t>
+            </a:r>
+            <a:endParaRPr lang="en-US" altLang="zh-CN" baseline="0" dirty="0" smtClean="0">
+              <a:sym typeface="Wingdings" panose="05000000000000000000" pitchFamily="2" charset="2"/>
+            </a:endParaRPr>
+          </a:p>
+          <a:p>
+            <a:pPr marL="228600" indent="-228600">
+              <a:buAutoNum type="arabicPeriod"/>
+            </a:pPr>
+            <a:r>
+              <a:rPr lang="zh-CN" altLang="en-US" baseline="0" dirty="0" smtClean="0">
+                <a:sym typeface="Wingdings" panose="05000000000000000000" pitchFamily="2" charset="2"/>
+              </a:rPr>
+              <a:t>分发系统主要是采用</a:t>
+            </a:r>
+            <a:r>
+              <a:rPr lang="en-US" altLang="zh-CN" baseline="0" dirty="0" smtClean="0">
+                <a:sym typeface="Wingdings" panose="05000000000000000000" pitchFamily="2" charset="2"/>
+              </a:rPr>
+              <a:t>Handler</a:t>
+            </a:r>
+            <a:r>
+              <a:rPr lang="zh-CN" altLang="en-US" baseline="0" dirty="0" smtClean="0">
+                <a:sym typeface="Wingdings" panose="05000000000000000000" pitchFamily="2" charset="2"/>
+              </a:rPr>
+              <a:t>和</a:t>
+            </a:r>
+            <a:r>
+              <a:rPr lang="en-US" altLang="zh-CN" baseline="0" dirty="0" err="1" smtClean="0">
+                <a:sym typeface="Wingdings" panose="05000000000000000000" pitchFamily="2" charset="2"/>
+              </a:rPr>
+              <a:t>Looper</a:t>
+            </a:r>
+            <a:r>
+              <a:rPr lang="zh-CN" altLang="en-US" baseline="0" dirty="0" smtClean="0">
+                <a:sym typeface="Wingdings" panose="05000000000000000000" pitchFamily="2" charset="2"/>
+              </a:rPr>
+              <a:t>机制，将子线程获取的数据传递给主线程，并回调请求成功和失败的回调函数。</a:t>
+            </a:r>
+            <a:endParaRPr lang="en-US" altLang="zh-CN" dirty="0" smtClean="0"/>
           </a:p>
         </p:txBody>
       </p:sp>
@@ -2309,7 +3035,7 @@
           <a:p>
             <a:fld id="{25CA7E46-AAA2-4505-8430-AB68F6110AB2}" type="datetimeFigureOut">
               <a:rPr lang="zh-CN" altLang="en-US" smtClean="0"/>
-              <a:t>2016/5/6</a:t>
+              <a:t>2016/5/7</a:t>
             </a:fld>
             <a:endParaRPr lang="zh-CN" altLang="en-US"/>
           </a:p>
@@ -2486,7 +3212,7 @@
           <a:p>
             <a:fld id="{25CA7E46-AAA2-4505-8430-AB68F6110AB2}" type="datetimeFigureOut">
               <a:rPr lang="zh-CN" altLang="en-US" smtClean="0"/>
-              <a:t>2016/5/6</a:t>
+              <a:t>2016/5/7</a:t>
             </a:fld>
             <a:endParaRPr lang="zh-CN" altLang="en-US"/>
           </a:p>
@@ -2666,7 +3392,7 @@
           <a:p>
             <a:fld id="{25CA7E46-AAA2-4505-8430-AB68F6110AB2}" type="datetimeFigureOut">
               <a:rPr lang="zh-CN" altLang="en-US" smtClean="0"/>
-              <a:t>2016/5/6</a:t>
+              <a:t>2016/5/7</a:t>
             </a:fld>
             <a:endParaRPr lang="zh-CN" altLang="en-US"/>
           </a:p>
@@ -2884,7 +3610,7 @@
           <a:p>
             <a:fld id="{25CA7E46-AAA2-4505-8430-AB68F6110AB2}" type="datetimeFigureOut">
               <a:rPr lang="zh-CN" altLang="en-US" smtClean="0"/>
-              <a:t>2016/5/6</a:t>
+              <a:t>2016/5/7</a:t>
             </a:fld>
             <a:endParaRPr lang="zh-CN" altLang="en-US"/>
           </a:p>
@@ -3137,7 +3863,7 @@
           <a:p>
             <a:fld id="{25CA7E46-AAA2-4505-8430-AB68F6110AB2}" type="datetimeFigureOut">
               <a:rPr lang="zh-CN" altLang="en-US" smtClean="0"/>
-              <a:t>2016/5/6</a:t>
+              <a:t>2016/5/7</a:t>
             </a:fld>
             <a:endParaRPr lang="zh-CN" altLang="en-US"/>
           </a:p>
@@ -3432,7 +4158,7 @@
           <a:p>
             <a:fld id="{25CA7E46-AAA2-4505-8430-AB68F6110AB2}" type="datetimeFigureOut">
               <a:rPr lang="zh-CN" altLang="en-US" smtClean="0"/>
-              <a:t>2016/5/6</a:t>
+              <a:t>2016/5/7</a:t>
             </a:fld>
             <a:endParaRPr lang="zh-CN" altLang="en-US"/>
           </a:p>
@@ -3861,7 +4587,7 @@
           <a:p>
             <a:fld id="{25CA7E46-AAA2-4505-8430-AB68F6110AB2}" type="datetimeFigureOut">
               <a:rPr lang="zh-CN" altLang="en-US" smtClean="0"/>
-              <a:t>2016/5/6</a:t>
+              <a:t>2016/5/7</a:t>
             </a:fld>
             <a:endParaRPr lang="zh-CN" altLang="en-US"/>
           </a:p>
@@ -3995,7 +4721,7 @@
           <a:p>
             <a:fld id="{25CA7E46-AAA2-4505-8430-AB68F6110AB2}" type="datetimeFigureOut">
               <a:rPr lang="zh-CN" altLang="en-US" smtClean="0"/>
-              <a:t>2016/5/6</a:t>
+              <a:t>2016/5/7</a:t>
             </a:fld>
             <a:endParaRPr lang="zh-CN" altLang="en-US"/>
           </a:p>
@@ -4097,7 +4823,7 @@
           <a:p>
             <a:fld id="{25CA7E46-AAA2-4505-8430-AB68F6110AB2}" type="datetimeFigureOut">
               <a:rPr lang="zh-CN" altLang="en-US" smtClean="0"/>
-              <a:t>2016/5/6</a:t>
+              <a:t>2016/5/7</a:t>
             </a:fld>
             <a:endParaRPr lang="zh-CN" altLang="en-US"/>
           </a:p>
@@ -4374,7 +5100,7 @@
           <a:p>
             <a:fld id="{25CA7E46-AAA2-4505-8430-AB68F6110AB2}" type="datetimeFigureOut">
               <a:rPr lang="zh-CN" altLang="en-US" smtClean="0"/>
-              <a:t>2016/5/6</a:t>
+              <a:t>2016/5/7</a:t>
             </a:fld>
             <a:endParaRPr lang="zh-CN" altLang="en-US"/>
           </a:p>
@@ -4627,7 +5353,7 @@
           <a:p>
             <a:fld id="{25CA7E46-AAA2-4505-8430-AB68F6110AB2}" type="datetimeFigureOut">
               <a:rPr lang="zh-CN" altLang="en-US" smtClean="0"/>
-              <a:t>2016/5/6</a:t>
+              <a:t>2016/5/7</a:t>
             </a:fld>
             <a:endParaRPr lang="zh-CN" altLang="en-US"/>
           </a:p>
@@ -4840,7 +5566,7 @@
           <a:p>
             <a:fld id="{25CA7E46-AAA2-4505-8430-AB68F6110AB2}" type="datetimeFigureOut">
               <a:rPr lang="zh-CN" altLang="en-US" smtClean="0"/>
-              <a:t>2016/5/6</a:t>
+              <a:t>2016/5/7</a:t>
             </a:fld>
             <a:endParaRPr lang="zh-CN" altLang="en-US"/>
           </a:p>
@@ -5657,7 +6383,7 @@
         <p:spPr/>
         <p:txBody>
           <a:bodyPr>
-            <a:normAutofit fontScale="92500" lnSpcReduction="10000"/>
+            <a:normAutofit fontScale="77500" lnSpcReduction="20000"/>
           </a:bodyPr>
           <a:lstStyle/>
           <a:p>
@@ -5765,6 +6491,34 @@
               <a:t>等多种滑动控件</a:t>
             </a:r>
             <a:endParaRPr lang="en-US" altLang="zh-CN" dirty="0"/>
+          </a:p>
+          <a:p>
+            <a:pPr marL="0" indent="0">
+              <a:buNone/>
+            </a:pPr>
+            <a:endParaRPr lang="en-US" altLang="zh-CN" dirty="0" smtClean="0"/>
+          </a:p>
+          <a:p>
+            <a:pPr marL="0" indent="0">
+              <a:buNone/>
+            </a:pPr>
+            <a:r>
+              <a:rPr lang="en-US" altLang="zh-CN" dirty="0" err="1" smtClean="0"/>
+              <a:t>VerticalViewPager</a:t>
+            </a:r>
+            <a:endParaRPr lang="en-US" altLang="zh-CN" dirty="0" smtClean="0"/>
+          </a:p>
+          <a:p>
+            <a:pPr lvl="1"/>
+            <a:r>
+              <a:rPr lang="zh-CN" altLang="en-US" dirty="0" smtClean="0"/>
+              <a:t>竖直滚动的</a:t>
+            </a:r>
+            <a:r>
+              <a:rPr lang="en-US" altLang="zh-CN" dirty="0" err="1" smtClean="0"/>
+              <a:t>ViewPager</a:t>
+            </a:r>
+            <a:endParaRPr lang="en-US" altLang="zh-CN" dirty="0" smtClean="0"/>
           </a:p>
           <a:p>
             <a:pPr marL="0" indent="0">
@@ -5900,30 +6654,38 @@
             </a:r>
             <a:r>
               <a:rPr lang="zh-CN" altLang="en-US" dirty="0" smtClean="0"/>
-              <a:t>效率。将原本需要几天开发的控件缩短为小时级别</a:t>
-            </a:r>
-            <a:r>
-              <a:rPr lang="zh-CN" altLang="en-US" dirty="0" smtClean="0"/>
-              <a:t>集成</a:t>
-            </a:r>
-            <a:endParaRPr lang="en-US" altLang="zh-CN" dirty="0"/>
+              <a:t>效率</a:t>
+            </a:r>
+            <a:r>
+              <a:rPr lang="zh-CN" altLang="en-US" dirty="0" smtClean="0"/>
+              <a:t>。</a:t>
+            </a:r>
+            <a:endParaRPr lang="en-US" altLang="zh-CN" dirty="0" smtClean="0"/>
           </a:p>
           <a:p>
             <a:pPr lvl="1"/>
             <a:r>
+              <a:rPr lang="zh-CN" altLang="en-US" dirty="0" smtClean="0"/>
+              <a:t>统一</a:t>
+            </a:r>
+            <a:r>
               <a:rPr lang="zh-CN" altLang="en-US" dirty="0"/>
-              <a:t>统一应用层网络框架，实现对</a:t>
-            </a:r>
-            <a:r>
-              <a:rPr lang="en-US" altLang="zh-CN" dirty="0"/>
+              <a:t>应用层网络</a:t>
+            </a:r>
+            <a:r>
+              <a:rPr lang="zh-CN" altLang="en-US" dirty="0" smtClean="0"/>
+              <a:t>框架，实现对</a:t>
+            </a:r>
+            <a:r>
+              <a:rPr lang="en-US" altLang="zh-CN" dirty="0" smtClean="0"/>
               <a:t>HTTP</a:t>
             </a:r>
             <a:r>
-              <a:rPr lang="zh-CN" altLang="en-US" dirty="0"/>
+              <a:rPr lang="zh-CN" altLang="en-US" dirty="0" smtClean="0"/>
               <a:t>请求的高度封装和缓存，提高并发</a:t>
             </a:r>
             <a:r>
-              <a:rPr lang="zh-CN" altLang="en-US" dirty="0">
+              <a:rPr lang="zh-CN" altLang="en-US" dirty="0" smtClean="0">
                 <a:solidFill>
                   <a:srgbClr val="FF0000"/>
                 </a:solidFill>
@@ -5931,7 +6693,7 @@
               <a:t>效率</a:t>
             </a:r>
             <a:r>
-              <a:rPr lang="zh-CN" altLang="en-US" dirty="0"/>
+              <a:rPr lang="zh-CN" altLang="en-US" dirty="0" smtClean="0"/>
               <a:t>，节约用户</a:t>
             </a:r>
             <a:r>
@@ -5964,27 +6726,7 @@
             </a:r>
             <a:r>
               <a:rPr lang="zh-CN" altLang="en-US" dirty="0" smtClean="0"/>
-              <a:t>，且</a:t>
-            </a:r>
-            <a:r>
-              <a:rPr lang="en-US" altLang="zh-CN" dirty="0" smtClean="0"/>
-              <a:t>Bug</a:t>
-            </a:r>
-            <a:r>
-              <a:rPr lang="zh-CN" altLang="en-US" dirty="0" smtClean="0"/>
-              <a:t>总数控制在</a:t>
-            </a:r>
-            <a:r>
-              <a:rPr lang="en-US" altLang="zh-CN" dirty="0" smtClean="0">
-                <a:solidFill>
-                  <a:srgbClr val="FF0000"/>
-                </a:solidFill>
-              </a:rPr>
-              <a:t>5</a:t>
-            </a:r>
-            <a:r>
-              <a:rPr lang="zh-CN" altLang="en-US" dirty="0" smtClean="0"/>
-              <a:t>个以内，</a:t>
+              <a:t>，</a:t>
             </a:r>
             <a:r>
               <a:rPr lang="zh-CN" altLang="en-US" dirty="0" smtClean="0">
@@ -6012,11 +6754,7 @@
             </a:r>
             <a:r>
               <a:rPr lang="zh-CN" altLang="en-US" dirty="0" smtClean="0"/>
-              <a:t>存留（</a:t>
-            </a:r>
-            <a:r>
-              <a:rPr lang="zh-CN" altLang="en-US" dirty="0" smtClean="0"/>
-              <a:t>天气</a:t>
+              <a:t>存留（天气</a:t>
             </a:r>
             <a:r>
               <a:rPr lang="en-US" altLang="zh-CN" dirty="0" smtClean="0"/>
@@ -6047,12 +6785,8 @@
               <a:t>, </a:t>
             </a:r>
             <a:r>
-              <a:rPr lang="zh-CN" altLang="en-US" dirty="0"/>
-              <a:t>密码</a:t>
-            </a:r>
-            <a:r>
-              <a:rPr lang="zh-CN" altLang="en-US" dirty="0" smtClean="0"/>
-              <a:t>锁</a:t>
+              <a:rPr lang="zh-CN" altLang="en-US" dirty="0" smtClean="0"/>
+              <a:t>密码锁</a:t>
             </a:r>
             <a:r>
               <a:rPr lang="en-US" altLang="zh-CN" dirty="0" smtClean="0"/>
@@ -6062,12 +6796,12 @@
               <a:rPr lang="zh-CN" altLang="en-US" dirty="0" smtClean="0"/>
               <a:t>应用列表等）</a:t>
             </a:r>
-            <a:endParaRPr lang="en-US" altLang="zh-CN" dirty="0"/>
+            <a:endParaRPr lang="en-US" altLang="zh-CN" dirty="0" smtClean="0"/>
           </a:p>
           <a:p>
             <a:pPr lvl="1"/>
             <a:r>
-              <a:rPr lang="zh-CN" altLang="en-US" dirty="0">
+              <a:rPr lang="zh-CN" altLang="en-US" dirty="0" smtClean="0">
                 <a:solidFill>
                   <a:srgbClr val="FF0000"/>
                 </a:solidFill>
@@ -6159,7 +6893,7 @@
         <p:spPr/>
         <p:txBody>
           <a:bodyPr>
-            <a:normAutofit fontScale="92500" lnSpcReduction="20000"/>
+            <a:normAutofit fontScale="92500" lnSpcReduction="10000"/>
           </a:bodyPr>
           <a:lstStyle/>
           <a:p>
@@ -6188,7 +6922,7 @@
             </a:r>
             <a:r>
               <a:rPr lang="zh-CN" altLang="en-US" dirty="0"/>
-              <a:t>  </a:t>
+              <a:t>平台</a:t>
             </a:r>
             <a:r>
               <a:rPr lang="en-US" altLang="zh-CN" dirty="0" smtClean="0"/>
@@ -6252,7 +6986,11 @@
             </a:r>
             <a:r>
               <a:rPr lang="zh-CN" altLang="en-US" dirty="0" smtClean="0"/>
-              <a:t>全智能的开发</a:t>
+              <a:t>全智能的</a:t>
+            </a:r>
+            <a:r>
+              <a:rPr lang="zh-CN" altLang="en-US" dirty="0" smtClean="0"/>
+              <a:t>开发</a:t>
             </a:r>
             <a:endParaRPr lang="en-US" altLang="zh-CN" dirty="0" smtClean="0"/>
           </a:p>
@@ -6260,47 +6998,11 @@
             <a:pPr lvl="1"/>
             <a:r>
               <a:rPr lang="zh-CN" altLang="en-US" dirty="0" smtClean="0"/>
-              <a:t>学习</a:t>
-            </a:r>
-            <a:r>
-              <a:rPr lang="en-US" altLang="zh-CN" dirty="0" smtClean="0"/>
-              <a:t>YunOS 4.0</a:t>
-            </a:r>
-            <a:r>
-              <a:rPr lang="zh-CN" altLang="en-US" dirty="0" smtClean="0"/>
-              <a:t>体系框架，与</a:t>
-            </a:r>
-            <a:r>
-              <a:rPr lang="en-US" altLang="zh-CN" dirty="0" smtClean="0"/>
-              <a:t>IDC</a:t>
-            </a:r>
-            <a:r>
-              <a:rPr lang="zh-CN" altLang="en-US" dirty="0" smtClean="0"/>
-              <a:t>平台融合，促进</a:t>
-            </a:r>
-            <a:r>
-              <a:rPr lang="en-US" altLang="zh-CN" dirty="0" smtClean="0"/>
-              <a:t>4.0</a:t>
-            </a:r>
-            <a:r>
-              <a:rPr lang="zh-CN" altLang="en-US" dirty="0" smtClean="0"/>
-              <a:t>的落地和推广</a:t>
-            </a:r>
-            <a:endParaRPr lang="en-US" altLang="zh-CN" dirty="0" smtClean="0"/>
-          </a:p>
-          <a:p>
-            <a:pPr lvl="1"/>
-            <a:r>
-              <a:rPr lang="zh-CN" altLang="en-US" smtClean="0"/>
-              <a:t>增强个人影响力</a:t>
-            </a:r>
-            <a:r>
-              <a:rPr lang="zh-CN" altLang="en-US" smtClean="0"/>
-              <a:t>，</a:t>
-            </a:r>
-            <a:r>
-              <a:rPr lang="zh-CN" altLang="en-US" dirty="0" smtClean="0"/>
-              <a:t>将自己所学能够更好的分享给其他人</a:t>
+              <a:t>增强</a:t>
+            </a:r>
+            <a:r>
+              <a:rPr lang="zh-CN" altLang="en-US" dirty="0" smtClean="0"/>
+              <a:t>个人影响力，将自己所学能够更好的分享给其他人</a:t>
             </a:r>
             <a:endParaRPr lang="zh-CN" altLang="en-US" dirty="0"/>
           </a:p>
@@ -7717,11 +8419,7 @@
             <a:pPr lvl="1"/>
             <a:r>
               <a:rPr lang="zh-CN" altLang="en-US" dirty="0" smtClean="0"/>
-              <a:t>开发周期</a:t>
-            </a:r>
-            <a:r>
-              <a:rPr lang="zh-CN" altLang="en-US" dirty="0" smtClean="0"/>
-              <a:t>紧，需要变更多</a:t>
+              <a:t>开发周期紧，需要变更多</a:t>
             </a:r>
             <a:endParaRPr lang="en-US" altLang="zh-CN" dirty="0" smtClean="0"/>
           </a:p>
@@ -7729,11 +8427,7 @@
             <a:pPr lvl="1"/>
             <a:r>
               <a:rPr lang="zh-CN" altLang="en-US" dirty="0" smtClean="0"/>
-              <a:t>开发人员紧缺，部分成员开发经验</a:t>
-            </a:r>
-            <a:r>
-              <a:rPr lang="zh-CN" altLang="en-US" dirty="0" smtClean="0"/>
-              <a:t>欠缺</a:t>
+              <a:t>开发人员紧缺，部分成员开发经验欠缺</a:t>
             </a:r>
             <a:endParaRPr lang="en-US" altLang="zh-CN" dirty="0" smtClean="0"/>
           </a:p>

--- a/promote/2016-promote-p6.pptx
+++ b/promote/2016-promote-p6.pptx
@@ -746,120 +746,7 @@
           <a:bodyPr/>
           <a:lstStyle/>
           <a:p>
-            <a:r>
-              <a:rPr lang="zh-CN" altLang="en-US" dirty="0" smtClean="0"/>
-              <a:t>全智能手表项目研发经过半年多的沉淀，具体收益有：</a:t>
-            </a:r>
-            <a:endParaRPr lang="en-US" altLang="zh-CN" dirty="0" smtClean="0"/>
-          </a:p>
-          <a:p>
-            <a:pPr marL="228600" indent="-228600">
-              <a:buAutoNum type="arabicPeriod"/>
-            </a:pPr>
-            <a:r>
-              <a:rPr lang="zh-CN" altLang="en-US" dirty="0" smtClean="0"/>
-              <a:t>通过对</a:t>
-            </a:r>
-            <a:r>
-              <a:rPr lang="en-US" altLang="zh-CN" dirty="0" smtClean="0"/>
-              <a:t>View</a:t>
-            </a:r>
-            <a:r>
-              <a:rPr lang="zh-CN" altLang="en-US" dirty="0" smtClean="0"/>
-              <a:t>绘制的深入理解，沉淀了</a:t>
-            </a:r>
-            <a:r>
-              <a:rPr lang="en-US" altLang="zh-CN" dirty="0" err="1" smtClean="0"/>
-              <a:t>WheelView</a:t>
-            </a:r>
-            <a:r>
-              <a:rPr lang="zh-CN" altLang="en-US" dirty="0" smtClean="0"/>
-              <a:t>，</a:t>
-            </a:r>
-            <a:r>
-              <a:rPr lang="en-US" altLang="zh-CN" dirty="0" err="1" smtClean="0"/>
-              <a:t>ArcScrollView</a:t>
-            </a:r>
-            <a:r>
-              <a:rPr lang="zh-CN" altLang="en-US" dirty="0" smtClean="0"/>
-              <a:t>，</a:t>
-            </a:r>
-            <a:r>
-              <a:rPr lang="en-US" altLang="zh-CN" dirty="0" err="1" smtClean="0"/>
-              <a:t>PtrRefresh</a:t>
-            </a:r>
-            <a:r>
-              <a:rPr lang="zh-CN" altLang="en-US" dirty="0" smtClean="0"/>
-              <a:t>，</a:t>
-            </a:r>
-            <a:r>
-              <a:rPr lang="en-US" altLang="zh-CN" dirty="0" err="1" smtClean="0"/>
-              <a:t>ClockView</a:t>
-            </a:r>
-            <a:r>
-              <a:rPr lang="zh-CN" altLang="en-US" dirty="0" smtClean="0"/>
-              <a:t>，</a:t>
-            </a:r>
-            <a:r>
-              <a:rPr lang="en-US" altLang="zh-CN" dirty="0" smtClean="0"/>
-              <a:t>VerticalViewPager5</a:t>
-            </a:r>
-            <a:r>
-              <a:rPr lang="zh-CN" altLang="en-US" dirty="0" smtClean="0"/>
-              <a:t>个通用的自定义控件，提升研发效率，将原本需要几天研发的自定义控件缩短为小时级别集成。</a:t>
-            </a:r>
-            <a:endParaRPr lang="en-US" altLang="zh-CN" dirty="0" smtClean="0"/>
-          </a:p>
-          <a:p>
-            <a:pPr marL="228600" indent="-228600">
-              <a:buAutoNum type="arabicPeriod"/>
-            </a:pPr>
-            <a:r>
-              <a:rPr lang="zh-CN" altLang="en-US" dirty="0" smtClean="0"/>
-              <a:t>统一了应用层网络框架，不仅提高了网络请求的并发的效率，同时便于后期通信协议的切换，例如换成蓝牙通信，直接替换</a:t>
-            </a:r>
-            <a:r>
-              <a:rPr lang="en-US" altLang="zh-CN" dirty="0" smtClean="0"/>
-              <a:t>jar</a:t>
-            </a:r>
-            <a:r>
-              <a:rPr lang="zh-CN" altLang="en-US" dirty="0" smtClean="0"/>
-              <a:t>包，对应用层研发同学基本无感知。</a:t>
-            </a:r>
-            <a:endParaRPr lang="en-US" altLang="zh-CN" dirty="0" smtClean="0"/>
-          </a:p>
-          <a:p>
-            <a:pPr marL="228600" indent="-228600">
-              <a:buAutoNum type="arabicPeriod"/>
-            </a:pPr>
-            <a:r>
-              <a:rPr lang="zh-CN" altLang="en-US" dirty="0" smtClean="0"/>
-              <a:t>我自身负责的</a:t>
-            </a:r>
-            <a:r>
-              <a:rPr lang="en-US" altLang="zh-CN" dirty="0" smtClean="0"/>
-              <a:t>6</a:t>
-            </a:r>
-            <a:r>
-              <a:rPr lang="zh-CN" altLang="en-US" dirty="0" smtClean="0"/>
-              <a:t>个应用全部按期完成，且验收结果较好，目前无</a:t>
-            </a:r>
-            <a:r>
-              <a:rPr lang="en-US" altLang="zh-CN" dirty="0" smtClean="0"/>
-              <a:t>3-1</a:t>
-            </a:r>
-            <a:r>
-              <a:rPr lang="zh-CN" altLang="en-US" dirty="0" smtClean="0"/>
-              <a:t>级别以上的</a:t>
-            </a:r>
-            <a:r>
-              <a:rPr lang="en-US" altLang="zh-CN" dirty="0" smtClean="0"/>
-              <a:t>Bug</a:t>
-            </a:r>
-            <a:r>
-              <a:rPr lang="zh-CN" altLang="en-US" dirty="0" smtClean="0"/>
-              <a:t>存留。</a:t>
-            </a:r>
+            <a:endParaRPr lang="zh-CN" altLang="en-US" dirty="0"/>
           </a:p>
         </p:txBody>
       </p:sp>
@@ -880,7 +767,7 @@
           <a:p>
             <a:fld id="{6718EBDC-2EC4-468E-B182-1717C37A33F0}" type="slidenum">
               <a:rPr lang="zh-CN" altLang="en-US" smtClean="0"/>
-              <a:t>13</a:t>
+              <a:t>12</a:t>
             </a:fld>
             <a:endParaRPr lang="zh-CN" altLang="en-US"/>
           </a:p>
@@ -889,7 +776,7 @@
     </p:spTree>
     <p:extLst>
       <p:ext uri="{BB962C8B-B14F-4D97-AF65-F5344CB8AC3E}">
-        <p14:creationId xmlns:p14="http://schemas.microsoft.com/office/powerpoint/2010/main" val="2705367389"/>
+        <p14:creationId xmlns:p14="http://schemas.microsoft.com/office/powerpoint/2010/main" val="1288970311"/>
       </p:ext>
     </p:extLst>
   </p:cSld>
@@ -945,220 +832,138 @@
           <a:p>
             <a:r>
               <a:rPr lang="zh-CN" altLang="en-US" dirty="0" smtClean="0"/>
-              <a:t>总结一下过去一年的个人成长：</a:t>
+              <a:t>全智能手表项目研发经过半年多的沉淀，具体收益有：</a:t>
             </a:r>
             <a:endParaRPr lang="en-US" altLang="zh-CN" dirty="0" smtClean="0"/>
           </a:p>
           <a:p>
-            <a:pPr marL="228600" marR="0" lvl="1" indent="-228600" algn="l" defTabSz="914400" rtl="0" eaLnBrk="1" fontAlgn="auto" latinLnBrk="0" hangingPunct="1">
-              <a:lnSpc>
-                <a:spcPct val="100000"/>
-              </a:lnSpc>
-              <a:spcBef>
-                <a:spcPts val="0"/>
-              </a:spcBef>
-              <a:spcAft>
-                <a:spcPts val="0"/>
-              </a:spcAft>
-              <a:buClrTx/>
-              <a:buSzTx/>
-              <a:buFontTx/>
+            <a:pPr marL="228600" indent="-228600">
               <a:buAutoNum type="arabicPeriod"/>
-              <a:tabLst/>
-              <a:defRPr/>
             </a:pPr>
             <a:r>
-              <a:rPr lang="zh-CN" altLang="en-US" baseline="0" dirty="0" smtClean="0"/>
-              <a:t>技术规划能力：</a:t>
-            </a:r>
-            <a:r>
-              <a:rPr lang="zh-CN" altLang="en-US" dirty="0" smtClean="0"/>
-              <a:t>负责</a:t>
+              <a:rPr lang="zh-CN" altLang="en-US" dirty="0" smtClean="0"/>
+              <a:t>通过对</a:t>
             </a:r>
             <a:r>
               <a:rPr lang="en-US" altLang="zh-CN" dirty="0" smtClean="0"/>
-              <a:t>MTK</a:t>
-            </a:r>
-            <a:r>
-              <a:rPr lang="zh-CN" altLang="en-US" dirty="0" smtClean="0"/>
-              <a:t>平台</a:t>
+              <a:t>View</a:t>
+            </a:r>
+            <a:r>
+              <a:rPr lang="zh-CN" altLang="en-US" dirty="0" smtClean="0"/>
+              <a:t>绘制的深入理解，沉淀了</a:t>
+            </a:r>
+            <a:r>
+              <a:rPr lang="en-US" altLang="zh-CN" dirty="0" err="1" smtClean="0"/>
+              <a:t>WheelView</a:t>
+            </a:r>
+            <a:r>
+              <a:rPr lang="zh-CN" altLang="en-US" dirty="0" smtClean="0"/>
+              <a:t>，</a:t>
+            </a:r>
+            <a:r>
+              <a:rPr lang="en-US" altLang="zh-CN" dirty="0" err="1" smtClean="0"/>
+              <a:t>ArcScrollView</a:t>
+            </a:r>
+            <a:r>
+              <a:rPr lang="zh-CN" altLang="en-US" dirty="0" smtClean="0"/>
+              <a:t>，</a:t>
+            </a:r>
+            <a:r>
+              <a:rPr lang="en-US" altLang="zh-CN" dirty="0" err="1" smtClean="0"/>
+              <a:t>PtrRefresh</a:t>
+            </a:r>
+            <a:r>
+              <a:rPr lang="zh-CN" altLang="en-US" dirty="0" smtClean="0"/>
+              <a:t>，</a:t>
+            </a:r>
+            <a:r>
+              <a:rPr lang="en-US" altLang="zh-CN" dirty="0" err="1" smtClean="0"/>
+              <a:t>ClockView</a:t>
+            </a:r>
+            <a:r>
+              <a:rPr lang="zh-CN" altLang="en-US" dirty="0" smtClean="0"/>
+              <a:t>，</a:t>
             </a:r>
             <a:r>
               <a:rPr lang="en-US" altLang="zh-CN" dirty="0" smtClean="0"/>
-              <a:t>ROM</a:t>
-            </a:r>
-            <a:r>
-              <a:rPr lang="zh-CN" altLang="en-US" dirty="0" smtClean="0"/>
-              <a:t>适配，负责全智能手表多个应用的规划和执行。这两个项目都很好的完成了目标。</a:t>
+              <a:t>VerticalViewPager5</a:t>
+            </a:r>
+            <a:r>
+              <a:rPr lang="zh-CN" altLang="en-US" dirty="0" smtClean="0"/>
+              <a:t>个通用的自定义控件，提升研发效率，将原本需要几天研发的自定义控件缩短为小时级别集成。</a:t>
             </a:r>
             <a:endParaRPr lang="en-US" altLang="zh-CN" dirty="0" smtClean="0"/>
           </a:p>
           <a:p>
-            <a:pPr marL="228600" marR="0" lvl="1" indent="-228600" algn="l" defTabSz="914400" rtl="0" eaLnBrk="1" fontAlgn="auto" latinLnBrk="0" hangingPunct="1">
-              <a:lnSpc>
-                <a:spcPct val="100000"/>
-              </a:lnSpc>
-              <a:spcBef>
-                <a:spcPts val="0"/>
-              </a:spcBef>
-              <a:spcAft>
-                <a:spcPts val="0"/>
-              </a:spcAft>
-              <a:buClrTx/>
-              <a:buSzTx/>
-              <a:buFontTx/>
+            <a:pPr marL="228600" indent="-228600">
               <a:buAutoNum type="arabicPeriod"/>
-              <a:tabLst/>
-              <a:defRPr/>
             </a:pPr>
             <a:r>
               <a:rPr lang="zh-CN" altLang="en-US" dirty="0" smtClean="0"/>
-              <a:t>技术把控能力：通过自身的努力和项目的锤炼，个人在过去一年从在应用开发和</a:t>
+              <a:t>统一了应用层网络框架，不仅提高了网络请求的并发的效率，同时便于后期通信协议的切换，例如换成蓝牙通信</a:t>
+            </a:r>
+            <a:r>
+              <a:rPr lang="zh-CN" altLang="en-US" dirty="0" smtClean="0"/>
+              <a:t>，可直接</a:t>
+            </a:r>
+            <a:r>
+              <a:rPr lang="zh-CN" altLang="en-US" dirty="0" smtClean="0"/>
+              <a:t>替换</a:t>
             </a:r>
             <a:r>
               <a:rPr lang="en-US" altLang="zh-CN" dirty="0" smtClean="0"/>
-              <a:t>Framework</a:t>
-            </a:r>
-            <a:r>
-              <a:rPr lang="zh-CN" altLang="en-US" dirty="0" smtClean="0"/>
-              <a:t>问题定位解决均有了大幅度的提高。</a:t>
+              <a:t>jar</a:t>
+            </a:r>
+            <a:r>
+              <a:rPr lang="zh-CN" altLang="en-US" dirty="0" smtClean="0"/>
+              <a:t>包</a:t>
+            </a:r>
+            <a:r>
+              <a:rPr lang="zh-CN" altLang="en-US" dirty="0" smtClean="0"/>
+              <a:t>，不影响应用自身代码逻辑，对</a:t>
+            </a:r>
+            <a:r>
+              <a:rPr lang="zh-CN" altLang="en-US" dirty="0" smtClean="0"/>
+              <a:t>应用层研发同学基本无感知。</a:t>
             </a:r>
             <a:endParaRPr lang="en-US" altLang="zh-CN" dirty="0" smtClean="0"/>
           </a:p>
           <a:p>
-            <a:pPr marL="228600" marR="0" lvl="1" indent="-228600" algn="l" defTabSz="914400" rtl="0" eaLnBrk="1" fontAlgn="auto" latinLnBrk="0" hangingPunct="1">
-              <a:lnSpc>
-                <a:spcPct val="100000"/>
-              </a:lnSpc>
-              <a:spcBef>
-                <a:spcPts val="0"/>
-              </a:spcBef>
-              <a:spcAft>
-                <a:spcPts val="0"/>
-              </a:spcAft>
-              <a:buClrTx/>
-              <a:buSzTx/>
-              <a:buFontTx/>
+            <a:pPr marL="228600" indent="-228600">
               <a:buAutoNum type="arabicPeriod"/>
-              <a:tabLst/>
-              <a:defRPr/>
             </a:pPr>
             <a:r>
               <a:rPr lang="zh-CN" altLang="en-US" dirty="0" smtClean="0"/>
-              <a:t>新人培养能力：全智能手表项目，帮助组内新同学快速掌握研发技术，并且通过规划项目分配，协助新人快速融入开发流程并且提高了开发能力，目前已经上项目开发骨干。</a:t>
-            </a:r>
-            <a:endParaRPr lang="en-US" altLang="zh-CN" dirty="0" smtClean="0"/>
-          </a:p>
-          <a:p>
-            <a:pPr marL="228600" marR="0" lvl="1" indent="-228600" algn="l" defTabSz="914400" rtl="0" eaLnBrk="1" fontAlgn="auto" latinLnBrk="0" hangingPunct="1">
-              <a:lnSpc>
-                <a:spcPct val="100000"/>
-              </a:lnSpc>
-              <a:spcBef>
-                <a:spcPts val="0"/>
-              </a:spcBef>
-              <a:spcAft>
-                <a:spcPts val="0"/>
-              </a:spcAft>
-              <a:buClrTx/>
-              <a:buSzTx/>
-              <a:buFontTx/>
-              <a:buAutoNum type="arabicPeriod"/>
-              <a:tabLst/>
-              <a:defRPr/>
-            </a:pPr>
-            <a:endParaRPr lang="en-US" altLang="zh-CN" dirty="0" smtClean="0"/>
-          </a:p>
-          <a:p>
-            <a:pPr marL="0" marR="0" lvl="1" indent="0" algn="l" defTabSz="914400" rtl="0" eaLnBrk="1" fontAlgn="auto" latinLnBrk="0" hangingPunct="1">
-              <a:lnSpc>
-                <a:spcPct val="100000"/>
-              </a:lnSpc>
-              <a:spcBef>
-                <a:spcPts val="0"/>
-              </a:spcBef>
-              <a:spcAft>
-                <a:spcPts val="0"/>
-              </a:spcAft>
-              <a:buClrTx/>
-              <a:buSzTx/>
-              <a:buFontTx/>
-              <a:buNone/>
-              <a:tabLst/>
-              <a:defRPr/>
-            </a:pPr>
-            <a:r>
-              <a:rPr lang="zh-CN" altLang="en-US" dirty="0" smtClean="0"/>
-              <a:t>对于新一年的展望：</a:t>
-            </a:r>
-            <a:endParaRPr lang="en-US" altLang="zh-CN" dirty="0" smtClean="0"/>
-          </a:p>
-          <a:p>
-            <a:pPr marL="228600" marR="0" lvl="1" indent="-228600" algn="l" defTabSz="914400" rtl="0" eaLnBrk="1" fontAlgn="auto" latinLnBrk="0" hangingPunct="1">
-              <a:lnSpc>
-                <a:spcPct val="100000"/>
-              </a:lnSpc>
-              <a:spcBef>
-                <a:spcPts val="0"/>
-              </a:spcBef>
-              <a:spcAft>
-                <a:spcPts val="0"/>
-              </a:spcAft>
-              <a:buClrTx/>
-              <a:buSzTx/>
-              <a:buFontTx/>
-              <a:buAutoNum type="arabicPeriod"/>
-              <a:tabLst/>
-              <a:defRPr/>
-            </a:pPr>
-            <a:r>
-              <a:rPr lang="zh-CN" altLang="en-US" baseline="0" dirty="0" smtClean="0"/>
-              <a:t>会继续严格要求自己，继续提升自己应用研发能力，推动并促进</a:t>
-            </a:r>
-            <a:r>
-              <a:rPr lang="en-US" altLang="zh-CN" baseline="0" dirty="0" smtClean="0"/>
-              <a:t>IDC</a:t>
-            </a:r>
-            <a:r>
-              <a:rPr lang="zh-CN" altLang="en-US" baseline="0" dirty="0" smtClean="0"/>
-              <a:t>全智能适配的研发。</a:t>
-            </a:r>
-            <a:endParaRPr lang="en-US" altLang="zh-CN" baseline="0" dirty="0" smtClean="0"/>
-          </a:p>
-          <a:p>
-            <a:pPr marL="228600" marR="0" lvl="1" indent="-228600" algn="l" defTabSz="914400" rtl="0" eaLnBrk="1" fontAlgn="auto" latinLnBrk="0" hangingPunct="1">
-              <a:lnSpc>
-                <a:spcPct val="100000"/>
-              </a:lnSpc>
-              <a:spcBef>
-                <a:spcPts val="0"/>
-              </a:spcBef>
-              <a:spcAft>
-                <a:spcPts val="0"/>
-              </a:spcAft>
-              <a:buClrTx/>
-              <a:buSzTx/>
-              <a:buFontTx/>
-              <a:buAutoNum type="arabicPeriod"/>
-              <a:tabLst/>
-              <a:defRPr/>
-            </a:pPr>
-            <a:r>
-              <a:rPr lang="zh-CN" altLang="en-US" baseline="0" dirty="0" smtClean="0"/>
-              <a:t>增强个人影响能力，将自己的技术积累更好的分享给</a:t>
-            </a:r>
-            <a:r>
-              <a:rPr lang="en-US" altLang="zh-CN" baseline="0" dirty="0" smtClean="0"/>
-              <a:t>YunOS</a:t>
-            </a:r>
-            <a:r>
-              <a:rPr lang="zh-CN" altLang="en-US" baseline="0" dirty="0" smtClean="0"/>
-              <a:t>团队同学。</a:t>
-            </a:r>
-            <a:endParaRPr lang="en-US" altLang="zh-CN" dirty="0" smtClean="0"/>
-          </a:p>
-          <a:p>
-            <a:endParaRPr lang="zh-CN" altLang="en-US" dirty="0"/>
+              <a:t>我负责</a:t>
+            </a:r>
+            <a:r>
+              <a:rPr lang="zh-CN" altLang="en-US" dirty="0" smtClean="0"/>
+              <a:t>的</a:t>
+            </a:r>
+            <a:r>
+              <a:rPr lang="en-US" altLang="zh-CN" dirty="0" smtClean="0"/>
+              <a:t>6</a:t>
+            </a:r>
+            <a:r>
+              <a:rPr lang="zh-CN" altLang="en-US" dirty="0" smtClean="0"/>
+              <a:t>个应用全部按期完成，且验收结果较好，目前无</a:t>
+            </a:r>
+            <a:r>
+              <a:rPr lang="en-US" altLang="zh-CN" dirty="0" smtClean="0"/>
+              <a:t>3-1</a:t>
+            </a:r>
+            <a:r>
+              <a:rPr lang="zh-CN" altLang="en-US" dirty="0" smtClean="0"/>
+              <a:t>级别以上的</a:t>
+            </a:r>
+            <a:r>
+              <a:rPr lang="en-US" altLang="zh-CN" dirty="0" smtClean="0"/>
+              <a:t>Bug</a:t>
+            </a:r>
+            <a:r>
+              <a:rPr lang="zh-CN" altLang="en-US" dirty="0" smtClean="0"/>
+              <a:t>存留。</a:t>
+            </a:r>
           </a:p>
         </p:txBody>
       </p:sp>
@@ -1179,7 +984,7 @@
           <a:p>
             <a:fld id="{6718EBDC-2EC4-468E-B182-1717C37A33F0}" type="slidenum">
               <a:rPr lang="zh-CN" altLang="en-US" smtClean="0"/>
-              <a:t>14</a:t>
+              <a:t>13</a:t>
             </a:fld>
             <a:endParaRPr lang="zh-CN" altLang="en-US"/>
           </a:p>
@@ -1188,7 +993,7 @@
     </p:spTree>
     <p:extLst>
       <p:ext uri="{BB962C8B-B14F-4D97-AF65-F5344CB8AC3E}">
-        <p14:creationId xmlns:p14="http://schemas.microsoft.com/office/powerpoint/2010/main" val="1143014619"/>
+        <p14:creationId xmlns:p14="http://schemas.microsoft.com/office/powerpoint/2010/main" val="2705367389"/>
       </p:ext>
     </p:extLst>
   </p:cSld>
@@ -1243,7 +1048,386 @@
           <a:lstStyle/>
           <a:p>
             <a:r>
+              <a:rPr lang="zh-CN" altLang="en-US" dirty="0" smtClean="0"/>
+              <a:t>接下来总结</a:t>
+            </a:r>
+            <a:r>
+              <a:rPr lang="zh-CN" altLang="en-US" dirty="0" smtClean="0"/>
+              <a:t>一下过去</a:t>
+            </a:r>
+            <a:r>
+              <a:rPr lang="zh-CN" altLang="en-US" dirty="0" smtClean="0"/>
+              <a:t>一年我的</a:t>
+            </a:r>
+            <a:r>
+              <a:rPr lang="zh-CN" altLang="en-US" dirty="0" smtClean="0"/>
+              <a:t>个人成长：</a:t>
+            </a:r>
+            <a:endParaRPr lang="en-US" altLang="zh-CN" dirty="0" smtClean="0"/>
+          </a:p>
+          <a:p>
+            <a:pPr marL="228600" marR="0" lvl="1" indent="-228600" algn="l" defTabSz="914400" rtl="0" eaLnBrk="1" fontAlgn="auto" latinLnBrk="0" hangingPunct="1">
+              <a:lnSpc>
+                <a:spcPct val="100000"/>
+              </a:lnSpc>
+              <a:spcBef>
+                <a:spcPts val="0"/>
+              </a:spcBef>
+              <a:spcAft>
+                <a:spcPts val="0"/>
+              </a:spcAft>
+              <a:buClrTx/>
+              <a:buSzTx/>
+              <a:buFontTx/>
+              <a:buAutoNum type="arabicPeriod"/>
+              <a:tabLst/>
+              <a:defRPr/>
+            </a:pPr>
+            <a:r>
+              <a:rPr lang="zh-CN" altLang="en-US" baseline="0" dirty="0" smtClean="0"/>
+              <a:t>技术规划能力</a:t>
+            </a:r>
+            <a:r>
+              <a:rPr lang="zh-CN" altLang="en-US" baseline="0" dirty="0" smtClean="0"/>
+              <a:t>：通过负责</a:t>
+            </a:r>
+            <a:r>
+              <a:rPr lang="en-US" altLang="zh-CN" dirty="0" smtClean="0"/>
+              <a:t>MTK</a:t>
+            </a:r>
+            <a:r>
+              <a:rPr lang="zh-CN" altLang="en-US" dirty="0" smtClean="0"/>
+              <a:t>平台</a:t>
+            </a:r>
+            <a:r>
+              <a:rPr lang="en-US" altLang="zh-CN" dirty="0" smtClean="0"/>
+              <a:t>ROM</a:t>
+            </a:r>
+            <a:r>
+              <a:rPr lang="zh-CN" altLang="en-US" dirty="0" smtClean="0"/>
+              <a:t>适</a:t>
+            </a:r>
+            <a:r>
+              <a:rPr lang="zh-CN" altLang="en-US" dirty="0" smtClean="0"/>
+              <a:t>配和全智能</a:t>
+            </a:r>
+            <a:r>
+              <a:rPr lang="zh-CN" altLang="en-US" dirty="0" smtClean="0"/>
+              <a:t>手表多个应用的规划和</a:t>
+            </a:r>
+            <a:r>
+              <a:rPr lang="zh-CN" altLang="en-US" dirty="0" smtClean="0"/>
+              <a:t>执行，锻炼了自己的项目规划能力，并且这</a:t>
+            </a:r>
+            <a:r>
+              <a:rPr lang="zh-CN" altLang="en-US" dirty="0" smtClean="0"/>
+              <a:t>两个项目都很好的完成</a:t>
+            </a:r>
+            <a:r>
+              <a:rPr lang="zh-CN" altLang="en-US" dirty="0" smtClean="0"/>
+              <a:t>了既定目标</a:t>
+            </a:r>
+            <a:r>
+              <a:rPr lang="zh-CN" altLang="en-US" dirty="0" smtClean="0"/>
+              <a:t>。</a:t>
+            </a:r>
+            <a:endParaRPr lang="en-US" altLang="zh-CN" dirty="0" smtClean="0"/>
+          </a:p>
+          <a:p>
+            <a:pPr marL="228600" marR="0" lvl="1" indent="-228600" algn="l" defTabSz="914400" rtl="0" eaLnBrk="1" fontAlgn="auto" latinLnBrk="0" hangingPunct="1">
+              <a:lnSpc>
+                <a:spcPct val="100000"/>
+              </a:lnSpc>
+              <a:spcBef>
+                <a:spcPts val="0"/>
+              </a:spcBef>
+              <a:spcAft>
+                <a:spcPts val="0"/>
+              </a:spcAft>
+              <a:buClrTx/>
+              <a:buSzTx/>
+              <a:buFontTx/>
+              <a:buAutoNum type="arabicPeriod"/>
+              <a:tabLst/>
+              <a:defRPr/>
+            </a:pPr>
+            <a:r>
+              <a:rPr lang="zh-CN" altLang="en-US" dirty="0" smtClean="0"/>
+              <a:t>技术把控能力：</a:t>
+            </a:r>
+            <a:r>
+              <a:rPr lang="zh-CN" altLang="en-US" dirty="0" smtClean="0"/>
+              <a:t>通过自己的</a:t>
+            </a:r>
+            <a:r>
+              <a:rPr lang="zh-CN" altLang="en-US" dirty="0" smtClean="0"/>
+              <a:t>努力和项目的锤炼，个人在过去</a:t>
+            </a:r>
+            <a:r>
+              <a:rPr lang="zh-CN" altLang="en-US" dirty="0" smtClean="0"/>
+              <a:t>一年无论是从</a:t>
+            </a:r>
+            <a:r>
+              <a:rPr lang="zh-CN" altLang="en-US" dirty="0" smtClean="0"/>
+              <a:t>在应用</a:t>
+            </a:r>
+            <a:r>
+              <a:rPr lang="zh-CN" altLang="en-US" dirty="0" smtClean="0"/>
+              <a:t>开发方面还是</a:t>
+            </a:r>
+            <a:r>
+              <a:rPr lang="en-US" altLang="zh-CN" dirty="0" smtClean="0"/>
+              <a:t>Framework</a:t>
+            </a:r>
+            <a:r>
+              <a:rPr lang="zh-CN" altLang="en-US" dirty="0" smtClean="0"/>
+              <a:t>层问题</a:t>
+            </a:r>
+            <a:r>
+              <a:rPr lang="zh-CN" altLang="en-US" dirty="0" smtClean="0"/>
+              <a:t>定位</a:t>
+            </a:r>
+            <a:r>
+              <a:rPr lang="zh-CN" altLang="en-US" dirty="0" smtClean="0"/>
+              <a:t>解决方面均</a:t>
+            </a:r>
+            <a:r>
+              <a:rPr lang="zh-CN" altLang="en-US" dirty="0" smtClean="0"/>
+              <a:t>有了大幅度的提高。</a:t>
+            </a:r>
+            <a:endParaRPr lang="en-US" altLang="zh-CN" dirty="0" smtClean="0"/>
+          </a:p>
+          <a:p>
+            <a:pPr marL="228600" marR="0" lvl="1" indent="-228600" algn="l" defTabSz="914400" rtl="0" eaLnBrk="1" fontAlgn="auto" latinLnBrk="0" hangingPunct="1">
+              <a:lnSpc>
+                <a:spcPct val="100000"/>
+              </a:lnSpc>
+              <a:spcBef>
+                <a:spcPts val="0"/>
+              </a:spcBef>
+              <a:spcAft>
+                <a:spcPts val="0"/>
+              </a:spcAft>
+              <a:buClrTx/>
+              <a:buSzTx/>
+              <a:buFontTx/>
+              <a:buAutoNum type="arabicPeriod"/>
+              <a:tabLst/>
+              <a:defRPr/>
+            </a:pPr>
+            <a:r>
+              <a:rPr lang="zh-CN" altLang="en-US" dirty="0" smtClean="0"/>
+              <a:t>新人培养能力：全智能手表项目，帮助组内新同学快速掌握研发技术，并且通过规划项目分配，协助新人快速融入开发流程并且提高了开发能力，</a:t>
+            </a:r>
+            <a:r>
+              <a:rPr lang="zh-CN" altLang="en-US" dirty="0" smtClean="0"/>
+              <a:t>目前该同学已经是手表项目的开发</a:t>
+            </a:r>
+            <a:r>
+              <a:rPr lang="zh-CN" altLang="en-US" dirty="0" smtClean="0"/>
+              <a:t>骨干。</a:t>
+            </a:r>
+            <a:endParaRPr lang="en-US" altLang="zh-CN" dirty="0" smtClean="0"/>
+          </a:p>
+          <a:p>
+            <a:pPr marL="228600" marR="0" lvl="1" indent="-228600" algn="l" defTabSz="914400" rtl="0" eaLnBrk="1" fontAlgn="auto" latinLnBrk="0" hangingPunct="1">
+              <a:lnSpc>
+                <a:spcPct val="100000"/>
+              </a:lnSpc>
+              <a:spcBef>
+                <a:spcPts val="0"/>
+              </a:spcBef>
+              <a:spcAft>
+                <a:spcPts val="0"/>
+              </a:spcAft>
+              <a:buClrTx/>
+              <a:buSzTx/>
+              <a:buFontTx/>
+              <a:buAutoNum type="arabicPeriod"/>
+              <a:tabLst/>
+              <a:defRPr/>
+            </a:pPr>
+            <a:endParaRPr lang="en-US" altLang="zh-CN" dirty="0" smtClean="0"/>
+          </a:p>
+          <a:p>
+            <a:pPr marL="0" marR="0" lvl="1" indent="0" algn="l" defTabSz="914400" rtl="0" eaLnBrk="1" fontAlgn="auto" latinLnBrk="0" hangingPunct="1">
+              <a:lnSpc>
+                <a:spcPct val="100000"/>
+              </a:lnSpc>
+              <a:spcBef>
+                <a:spcPts val="0"/>
+              </a:spcBef>
+              <a:spcAft>
+                <a:spcPts val="0"/>
+              </a:spcAft>
+              <a:buClrTx/>
+              <a:buSzTx/>
+              <a:buFontTx/>
+              <a:buNone/>
+              <a:tabLst/>
+              <a:defRPr/>
+            </a:pPr>
+            <a:r>
+              <a:rPr lang="zh-CN" altLang="en-US" dirty="0" smtClean="0"/>
+              <a:t>对于新一年的展望：</a:t>
+            </a:r>
+            <a:endParaRPr lang="en-US" altLang="zh-CN" dirty="0" smtClean="0"/>
+          </a:p>
+          <a:p>
+            <a:pPr marL="228600" marR="0" lvl="1" indent="-228600" algn="l" defTabSz="914400" rtl="0" eaLnBrk="1" fontAlgn="auto" latinLnBrk="0" hangingPunct="1">
+              <a:lnSpc>
+                <a:spcPct val="100000"/>
+              </a:lnSpc>
+              <a:spcBef>
+                <a:spcPts val="0"/>
+              </a:spcBef>
+              <a:spcAft>
+                <a:spcPts val="0"/>
+              </a:spcAft>
+              <a:buClrTx/>
+              <a:buSzTx/>
+              <a:buFontTx/>
+              <a:buAutoNum type="arabicPeriod"/>
+              <a:tabLst/>
+              <a:defRPr/>
+            </a:pPr>
+            <a:r>
+              <a:rPr lang="zh-CN" altLang="en-US" baseline="0" dirty="0" smtClean="0"/>
+              <a:t>会继续严格要求自己，继续提升自己应用研发能力，推动并促进</a:t>
+            </a:r>
+            <a:r>
+              <a:rPr lang="en-US" altLang="zh-CN" baseline="0" dirty="0" smtClean="0"/>
+              <a:t>IDC</a:t>
+            </a:r>
+            <a:r>
+              <a:rPr lang="zh-CN" altLang="en-US" baseline="0" dirty="0" smtClean="0"/>
+              <a:t>全智能硬件系统的</a:t>
+            </a:r>
+            <a:r>
+              <a:rPr lang="zh-CN" altLang="en-US" baseline="0" dirty="0" smtClean="0"/>
+              <a:t>研发。</a:t>
+            </a:r>
+            <a:endParaRPr lang="en-US" altLang="zh-CN" baseline="0" dirty="0" smtClean="0"/>
+          </a:p>
+          <a:p>
+            <a:pPr marL="228600" marR="0" lvl="1" indent="-228600" algn="l" defTabSz="914400" rtl="0" eaLnBrk="1" fontAlgn="auto" latinLnBrk="0" hangingPunct="1">
+              <a:lnSpc>
+                <a:spcPct val="100000"/>
+              </a:lnSpc>
+              <a:spcBef>
+                <a:spcPts val="0"/>
+              </a:spcBef>
+              <a:spcAft>
+                <a:spcPts val="0"/>
+              </a:spcAft>
+              <a:buClrTx/>
+              <a:buSzTx/>
+              <a:buFontTx/>
+              <a:buAutoNum type="arabicPeriod"/>
+              <a:tabLst/>
+              <a:defRPr/>
+            </a:pPr>
+            <a:r>
+              <a:rPr lang="zh-CN" altLang="en-US" baseline="0" dirty="0" smtClean="0"/>
+              <a:t>增强个人影响能力，将自己的技术积累更好的分享给</a:t>
+            </a:r>
+            <a:r>
+              <a:rPr lang="en-US" altLang="zh-CN" baseline="0" dirty="0" smtClean="0"/>
+              <a:t>YunOS</a:t>
+            </a:r>
+            <a:r>
+              <a:rPr lang="zh-CN" altLang="en-US" baseline="0" dirty="0" smtClean="0"/>
+              <a:t>团队同学。</a:t>
+            </a:r>
+            <a:endParaRPr lang="en-US" altLang="zh-CN" dirty="0" smtClean="0"/>
+          </a:p>
+          <a:p>
+            <a:endParaRPr lang="zh-CN" altLang="en-US" dirty="0"/>
+          </a:p>
+        </p:txBody>
+      </p:sp>
+      <p:sp>
+        <p:nvSpPr>
+          <p:cNvPr id="4" name="灯片编号占位符 3"/>
+          <p:cNvSpPr>
+            <a:spLocks noGrp="1"/>
+          </p:cNvSpPr>
+          <p:nvPr>
+            <p:ph type="sldNum" sz="quarter" idx="10"/>
+          </p:nvPr>
+        </p:nvSpPr>
+        <p:spPr/>
+        <p:txBody>
+          <a:bodyPr/>
+          <a:lstStyle/>
+          <a:p>
+            <a:fld id="{6718EBDC-2EC4-468E-B182-1717C37A33F0}" type="slidenum">
               <a:rPr lang="zh-CN" altLang="en-US" smtClean="0"/>
+              <a:t>14</a:t>
+            </a:fld>
+            <a:endParaRPr lang="zh-CN" altLang="en-US"/>
+          </a:p>
+        </p:txBody>
+      </p:sp>
+    </p:spTree>
+    <p:extLst>
+      <p:ext uri="{BB962C8B-B14F-4D97-AF65-F5344CB8AC3E}">
+        <p14:creationId xmlns:p14="http://schemas.microsoft.com/office/powerpoint/2010/main" val="1143014619"/>
+      </p:ext>
+    </p:extLst>
+  </p:cSld>
+  <p:clrMapOvr>
+    <a:masterClrMapping/>
+  </p:clrMapOvr>
+</p:notes>
+</file>
+
+<file path=ppt/notesSlides/notesSlide13.xml><?xml version="1.0" encoding="utf-8"?>
+<p:notes xmlns:a="http://schemas.openxmlformats.org/drawingml/2006/main" xmlns:r="http://schemas.openxmlformats.org/officeDocument/2006/relationships" xmlns:p="http://schemas.openxmlformats.org/presentationml/2006/main">
+  <p:cSld>
+    <p:spTree>
+      <p:nvGrpSpPr>
+        <p:cNvPr id="1" name=""/>
+        <p:cNvGrpSpPr/>
+        <p:nvPr/>
+      </p:nvGrpSpPr>
+      <p:grpSpPr>
+        <a:xfrm>
+          <a:off x="0" y="0"/>
+          <a:ext cx="0" cy="0"/>
+          <a:chOff x="0" y="0"/>
+          <a:chExt cx="0" cy="0"/>
+        </a:xfrm>
+      </p:grpSpPr>
+      <p:sp>
+        <p:nvSpPr>
+          <p:cNvPr id="2" name="幻灯片图像占位符 1"/>
+          <p:cNvSpPr>
+            <a:spLocks noGrp="1" noRot="1" noChangeAspect="1"/>
+          </p:cNvSpPr>
+          <p:nvPr>
+            <p:ph type="sldImg"/>
+          </p:nvPr>
+        </p:nvSpPr>
+        <p:spPr/>
+      </p:sp>
+      <p:sp>
+        <p:nvSpPr>
+          <p:cNvPr id="3" name="备注占位符 2"/>
+          <p:cNvSpPr>
+            <a:spLocks noGrp="1"/>
+          </p:cNvSpPr>
+          <p:nvPr>
+            <p:ph type="body" idx="1"/>
+          </p:nvPr>
+        </p:nvSpPr>
+        <p:spPr/>
+        <p:txBody>
+          <a:bodyPr/>
+          <a:lstStyle/>
+          <a:p>
+            <a:r>
+              <a:rPr lang="zh-CN" altLang="en-US" dirty="0" smtClean="0"/>
               <a:t>感谢各位评委，希望各位评委对我提出指导。</a:t>
             </a:r>
             <a:endParaRPr lang="zh-CN" altLang="en-US" dirty="0"/>
@@ -1427,6 +1611,30 @@
           <a:lstStyle/>
           <a:p>
             <a:r>
+              <a:rPr lang="zh-CN" altLang="en-US" dirty="0" smtClean="0"/>
+              <a:t>首先是</a:t>
+            </a:r>
+            <a:r>
+              <a:rPr lang="en-US" altLang="zh-CN" dirty="0" smtClean="0"/>
+              <a:t>YunOS</a:t>
+            </a:r>
+            <a:r>
+              <a:rPr lang="en-US" altLang="zh-CN" baseline="0" dirty="0" smtClean="0"/>
+              <a:t> ROM</a:t>
+            </a:r>
+            <a:r>
+              <a:rPr lang="zh-CN" altLang="en-US" baseline="0" dirty="0" smtClean="0"/>
+              <a:t>适配方向，我的职责是</a:t>
+            </a:r>
+            <a:r>
+              <a:rPr lang="en-US" altLang="zh-CN" baseline="0" dirty="0" smtClean="0"/>
+              <a:t>MTK</a:t>
+            </a:r>
+            <a:r>
+              <a:rPr lang="zh-CN" altLang="en-US" baseline="0" dirty="0" smtClean="0"/>
+              <a:t>平台机型适配的负责人。</a:t>
+            </a:r>
+            <a:r>
               <a:rPr lang="en-US" altLang="zh-CN" dirty="0" smtClean="0"/>
               <a:t>ROM</a:t>
             </a:r>
@@ -1455,7 +1663,11 @@
             </a:pPr>
             <a:r>
               <a:rPr lang="zh-CN" altLang="en-US" dirty="0" smtClean="0"/>
-              <a:t>适配流程繁琐，设计到</a:t>
+              <a:t>适配流程繁琐</a:t>
+            </a:r>
+            <a:r>
+              <a:rPr lang="zh-CN" altLang="en-US" dirty="0" smtClean="0"/>
+              <a:t>，涉及到</a:t>
             </a:r>
             <a:r>
               <a:rPr lang="en-US" altLang="zh-CN" dirty="0" smtClean="0"/>
@@ -1492,7 +1704,31 @@
             </a:r>
             <a:r>
               <a:rPr lang="zh-CN" altLang="en-US" dirty="0" smtClean="0"/>
-              <a:t>适配到动态库缺少均有涉及</a:t>
+              <a:t>适配</a:t>
+            </a:r>
+            <a:r>
+              <a:rPr lang="zh-CN" altLang="en-US" dirty="0" smtClean="0"/>
+              <a:t>到</a:t>
+            </a:r>
+            <a:r>
+              <a:rPr lang="en-US" altLang="zh-CN" dirty="0" smtClean="0"/>
+              <a:t>Framework</a:t>
+            </a:r>
+            <a:r>
+              <a:rPr lang="zh-CN" altLang="en-US" dirty="0" smtClean="0"/>
+              <a:t>层的问题定位以及</a:t>
+            </a:r>
+            <a:r>
+              <a:rPr lang="en-US" altLang="zh-CN" dirty="0" smtClean="0"/>
+              <a:t>JNI</a:t>
+            </a:r>
+            <a:r>
+              <a:rPr lang="zh-CN" altLang="en-US" dirty="0" smtClean="0"/>
+              <a:t>层的动态库替换均</a:t>
+            </a:r>
+            <a:r>
+              <a:rPr lang="zh-CN" altLang="en-US" dirty="0" smtClean="0"/>
+              <a:t>有涉及</a:t>
             </a:r>
             <a:r>
               <a:rPr lang="en-US" altLang="zh-CN" dirty="0" smtClean="0"/>
@@ -1628,7 +1864,15 @@
             </a:r>
             <a:r>
               <a:rPr lang="zh-CN" altLang="en-US" dirty="0" smtClean="0"/>
-              <a:t>适配的负责人，解决挑战的思路是</a:t>
+              <a:t>适配的负责人，</a:t>
+            </a:r>
+            <a:r>
+              <a:rPr lang="zh-CN" altLang="en-US" dirty="0" smtClean="0"/>
+              <a:t>解决这些挑战</a:t>
+            </a:r>
+            <a:r>
+              <a:rPr lang="zh-CN" altLang="en-US" dirty="0" smtClean="0"/>
+              <a:t>的思路是</a:t>
             </a:r>
             <a:r>
               <a:rPr lang="en-US" altLang="zh-CN" dirty="0" smtClean="0"/>
@@ -1866,11 +2110,15 @@
             </a:pPr>
             <a:r>
               <a:rPr lang="zh-CN" altLang="en-US" baseline="0" dirty="0" smtClean="0"/>
-              <a:t>构建系统</a:t>
+              <a:t>构建系统：采用的</a:t>
             </a:r>
             <a:r>
               <a:rPr lang="zh-CN" altLang="en-US" baseline="0" dirty="0" smtClean="0"/>
-              <a:t>：采用的是基本原始机型的</a:t>
+              <a:t>是基于原始</a:t>
+            </a:r>
+            <a:r>
+              <a:rPr lang="zh-CN" altLang="en-US" baseline="0" dirty="0" smtClean="0"/>
+              <a:t>机型的</a:t>
             </a:r>
             <a:r>
               <a:rPr lang="en-US" altLang="zh-CN" baseline="0" dirty="0" smtClean="0"/>
@@ -1894,7 +2142,11 @@
             </a:r>
             <a:r>
               <a:rPr lang="zh-CN" altLang="en-US" baseline="0" dirty="0" smtClean="0"/>
-              <a:t>的内容分层替换原始</a:t>
+              <a:t>包分层</a:t>
+            </a:r>
+            <a:r>
+              <a:rPr lang="zh-CN" altLang="en-US" baseline="0" dirty="0" smtClean="0"/>
+              <a:t>替换原始</a:t>
             </a:r>
             <a:r>
               <a:rPr lang="en-US" altLang="zh-CN" baseline="0" dirty="0" smtClean="0"/>
@@ -1902,7 +2154,27 @@
             </a:r>
             <a:r>
               <a:rPr lang="zh-CN" altLang="en-US" baseline="0" dirty="0" smtClean="0"/>
-              <a:t>的内容。其中，</a:t>
+              <a:t>的</a:t>
+            </a:r>
+            <a:r>
+              <a:rPr lang="zh-CN" altLang="en-US" baseline="0" dirty="0" smtClean="0"/>
+              <a:t>内容的适配方案。</a:t>
+            </a:r>
+            <a:r>
+              <a:rPr lang="zh-CN" altLang="en-US" baseline="0" dirty="0" smtClean="0"/>
+              <a:t>其中</a:t>
+            </a:r>
+            <a:r>
+              <a:rPr lang="zh-CN" altLang="en-US" baseline="0" dirty="0" smtClean="0"/>
+              <a:t>，</a:t>
+            </a:r>
+            <a:r>
+              <a:rPr lang="en-US" altLang="zh-CN" baseline="0" dirty="0" smtClean="0"/>
+              <a:t>System</a:t>
+            </a:r>
+            <a:r>
+              <a:rPr lang="zh-CN" altLang="en-US" baseline="0" dirty="0" smtClean="0"/>
+              <a:t>分区的替换可以根据经验进行最小化替换，</a:t>
             </a:r>
             <a:r>
               <a:rPr lang="en-US" altLang="zh-CN" baseline="0" dirty="0" err="1" smtClean="0"/>
@@ -1926,21 +2198,20 @@
             </a:r>
             <a:r>
               <a:rPr lang="zh-CN" altLang="en-US" baseline="0" dirty="0" smtClean="0"/>
-              <a:t>的刷机脚本编写需要自己根据经验手动完成，</a:t>
-            </a:r>
-            <a:r>
-              <a:rPr lang="en-US" altLang="zh-CN" baseline="0" dirty="0" smtClean="0"/>
-              <a:t>System</a:t>
+              <a:t>的刷机脚本编写需要自己根据经验手动</a:t>
             </a:r>
             <a:r>
               <a:rPr lang="zh-CN" altLang="en-US" baseline="0" dirty="0" smtClean="0"/>
-              <a:t>分区的替换可以根据经验最小化替换，后续问题可以人工解决</a:t>
+              <a:t>完成，</a:t>
+            </a:r>
+            <a:r>
+              <a:rPr lang="zh-CN" altLang="en-US" baseline="0" dirty="0" smtClean="0"/>
+              <a:t>后续问题可以人工解决</a:t>
             </a:r>
             <a:r>
               <a:rPr lang="en-US" altLang="zh-CN" baseline="0" dirty="0" smtClean="0"/>
               <a:t>.</a:t>
             </a:r>
-            <a:endParaRPr lang="en-US" altLang="zh-CN" baseline="0" dirty="0" smtClean="0"/>
           </a:p>
           <a:p>
             <a:pPr marL="228600" indent="-228600">
@@ -1948,11 +2219,7 @@
             </a:pPr>
             <a:r>
               <a:rPr lang="zh-CN" altLang="en-US" baseline="0" dirty="0" smtClean="0"/>
-              <a:t>发布系统</a:t>
-            </a:r>
-            <a:r>
-              <a:rPr lang="zh-CN" altLang="en-US" baseline="0" dirty="0" smtClean="0"/>
-              <a:t>：集合</a:t>
+              <a:t>发布系统：集合</a:t>
             </a:r>
             <a:r>
               <a:rPr lang="en-US" altLang="zh-CN" baseline="0" dirty="0" err="1" smtClean="0"/>
@@ -2092,11 +2359,7 @@
             </a:r>
             <a:r>
               <a:rPr lang="zh-CN" altLang="en-US" baseline="0" dirty="0" smtClean="0"/>
-              <a:t>适配项目的主要收益包括</a:t>
-            </a:r>
-            <a:r>
-              <a:rPr lang="zh-CN" altLang="en-US" baseline="0" dirty="0" smtClean="0"/>
-              <a:t>：</a:t>
+              <a:t>适配项目的主要收益包括：</a:t>
             </a:r>
             <a:endParaRPr lang="en-US" altLang="zh-CN" baseline="0" dirty="0" smtClean="0"/>
           </a:p>
@@ -2181,7 +2444,11 @@
             </a:r>
             <a:r>
               <a:rPr lang="zh-CN" altLang="en-US" baseline="0" dirty="0" smtClean="0"/>
-              <a:t>问题上均有技术积累。</a:t>
+              <a:t>层问题定位和解决上均</a:t>
+            </a:r>
+            <a:r>
+              <a:rPr lang="zh-CN" altLang="en-US" baseline="0" dirty="0" smtClean="0"/>
+              <a:t>有技术积累。</a:t>
             </a:r>
             <a:endParaRPr lang="en-US" altLang="zh-CN" baseline="0" dirty="0" smtClean="0"/>
           </a:p>
@@ -2277,7 +2544,15 @@
             </a:r>
             <a:r>
               <a:rPr lang="zh-CN" altLang="en-US" dirty="0" smtClean="0"/>
-              <a:t>团队负责的一个最重点的项目。项目背景是：在一款全新的硬件平台</a:t>
+              <a:t>团队负责的一</a:t>
+            </a:r>
+            <a:r>
+              <a:rPr lang="zh-CN" altLang="en-US" dirty="0" smtClean="0"/>
+              <a:t>个重点</a:t>
+            </a:r>
+            <a:r>
+              <a:rPr lang="zh-CN" altLang="en-US" dirty="0" smtClean="0"/>
+              <a:t>的项目。项目背景是：在一款全新的硬件平台</a:t>
             </a:r>
             <a:r>
               <a:rPr lang="en-US" altLang="zh-CN" dirty="0" smtClean="0"/>
@@ -2309,7 +2584,19 @@
             </a:r>
             <a:r>
               <a:rPr lang="zh-CN" altLang="en-US" dirty="0" smtClean="0"/>
-              <a:t>体系从无到有的搭建全智能应用平台。并且项目开发人员只有</a:t>
+              <a:t>体系从无到有的搭建</a:t>
+            </a:r>
+            <a:r>
+              <a:rPr lang="zh-CN" altLang="en-US" dirty="0" smtClean="0"/>
+              <a:t>全智能手表系统。这个项目面临的挑战是：因为是全新的</a:t>
+            </a:r>
+            <a:r>
+              <a:rPr lang="en-US" altLang="zh-CN" dirty="0" smtClean="0"/>
+              <a:t>UI</a:t>
+            </a:r>
+            <a:r>
+              <a:rPr lang="zh-CN" altLang="en-US" dirty="0" smtClean="0"/>
+              <a:t>体系，全新的硬件平台，所以会有很多自定义控件需要开发。同时项目周期较紧，需要变更较大，且研发人员只有</a:t>
             </a:r>
             <a:r>
               <a:rPr lang="en-US" altLang="zh-CN" dirty="0" smtClean="0"/>
@@ -2317,7 +2604,18 @@
             </a:r>
             <a:r>
               <a:rPr lang="zh-CN" altLang="en-US" dirty="0" smtClean="0"/>
-              <a:t>人，而且其中有同学在这个项目之前是没有移动端开发经验的。</a:t>
+              <a:t>人，而且其中有同学在这个项目之前是没有移动端开发经验的</a:t>
+            </a:r>
+            <a:r>
+              <a:rPr lang="zh-CN" altLang="en-US" dirty="0" smtClean="0"/>
+              <a:t>。</a:t>
+            </a:r>
+            <a:endParaRPr lang="en-US" altLang="zh-CN" dirty="0" smtClean="0"/>
+          </a:p>
+          <a:p>
+            <a:r>
+              <a:rPr lang="zh-CN" altLang="en-US" dirty="0" smtClean="0"/>
+              <a:t>那面临着这些挑战，作为应用层的主力研发， 我的解决思路是：</a:t>
             </a:r>
             <a:endParaRPr lang="zh-CN" altLang="en-US" dirty="0"/>
           </a:p>
@@ -2403,19 +2701,24 @@
           <a:bodyPr/>
           <a:lstStyle/>
           <a:p>
-            <a:r>
-              <a:rPr lang="zh-CN" altLang="en-US" dirty="0" smtClean="0"/>
-              <a:t>作为应用层主力研发，解决挑战的思路是：</a:t>
-            </a:r>
-            <a:endParaRPr lang="en-US" altLang="zh-CN" dirty="0" smtClean="0"/>
-          </a:p>
-          <a:p>
             <a:pPr marL="228600" indent="-228600">
               <a:buAutoNum type="arabicPeriod"/>
             </a:pPr>
             <a:r>
               <a:rPr lang="zh-CN" altLang="en-US" baseline="0" dirty="0" smtClean="0"/>
-              <a:t>采用组件化思想，增加应用层技术沉淀，根据手表的</a:t>
+              <a:t>采用</a:t>
+            </a:r>
+            <a:r>
+              <a:rPr lang="zh-CN" altLang="en-US" baseline="0" dirty="0" smtClean="0"/>
+              <a:t>组件化思想，增加</a:t>
+            </a:r>
+            <a:r>
+              <a:rPr lang="zh-CN" altLang="en-US" baseline="0" dirty="0" smtClean="0"/>
+              <a:t>应用层的技术</a:t>
+            </a:r>
+            <a:r>
+              <a:rPr lang="zh-CN" altLang="en-US" baseline="0" dirty="0" smtClean="0"/>
+              <a:t>沉淀，根据手表的</a:t>
             </a:r>
             <a:r>
               <a:rPr lang="en-US" altLang="zh-CN" baseline="0" dirty="0" smtClean="0"/>
@@ -2433,7 +2736,15 @@
             </a:pPr>
             <a:r>
               <a:rPr lang="zh-CN" altLang="en-US" baseline="0" dirty="0" smtClean="0"/>
-              <a:t>统一网络架构层，将开发同学从复杂的并发回调网络处理中抽离出来，而且后期如果设计到通信层切换，可以实现对开发同学无感知</a:t>
+              <a:t>统一网络架构层，将开发同学从复杂的并发回调网络处理中抽离出来，而且后期如果设计到通信层切换，可以实现</a:t>
+            </a:r>
+            <a:r>
+              <a:rPr lang="zh-CN" altLang="en-US" baseline="0" dirty="0" smtClean="0"/>
+              <a:t>对上层开发</a:t>
+            </a:r>
+            <a:r>
+              <a:rPr lang="zh-CN" altLang="en-US" baseline="0" dirty="0" smtClean="0"/>
+              <a:t>同学无感知</a:t>
             </a:r>
             <a:r>
               <a:rPr lang="en-US" altLang="zh-CN" baseline="0" dirty="0" smtClean="0"/>
@@ -2446,7 +2757,15 @@
             </a:pPr>
             <a:r>
               <a:rPr lang="zh-CN" altLang="en-US" baseline="0" dirty="0" smtClean="0"/>
-              <a:t>主动承担难度较高的应用开发，目前是负责应用层的</a:t>
+              <a:t>主动承担难度较高的应用开发，</a:t>
+            </a:r>
+            <a:r>
+              <a:rPr lang="zh-CN" altLang="en-US" baseline="0" dirty="0" smtClean="0"/>
+              <a:t>目前我是</a:t>
+            </a:r>
+            <a:r>
+              <a:rPr lang="zh-CN" altLang="en-US" baseline="0" dirty="0" smtClean="0"/>
+              <a:t>负责应用层的</a:t>
             </a:r>
             <a:r>
               <a:rPr lang="en-US" altLang="zh-CN" baseline="0" dirty="0" smtClean="0"/>
@@ -2454,7 +2773,15 @@
             </a:r>
             <a:r>
               <a:rPr lang="zh-CN" altLang="en-US" baseline="0" dirty="0" smtClean="0"/>
-              <a:t>款应用开发，用于减轻同伴压力</a:t>
+              <a:t>款应用开发</a:t>
+            </a:r>
+            <a:r>
+              <a:rPr lang="zh-CN" altLang="en-US" baseline="0" dirty="0" smtClean="0"/>
+              <a:t>，便于减轻</a:t>
+            </a:r>
+            <a:r>
+              <a:rPr lang="zh-CN" altLang="en-US" baseline="0" dirty="0" smtClean="0"/>
+              <a:t>同伴压力</a:t>
             </a:r>
             <a:endParaRPr lang="en-US" altLang="zh-CN" baseline="0" dirty="0" smtClean="0"/>
           </a:p>
@@ -2464,15 +2791,23 @@
             </a:pPr>
             <a:r>
               <a:rPr lang="zh-CN" altLang="en-US" baseline="0" dirty="0" smtClean="0"/>
-              <a:t>带团队的一个</a:t>
-            </a:r>
-            <a:r>
-              <a:rPr lang="en-US" altLang="zh-CN" baseline="0" dirty="0" smtClean="0"/>
-              <a:t>p5</a:t>
+              <a:t>带团队的一</a:t>
             </a:r>
             <a:r>
               <a:rPr lang="zh-CN" altLang="en-US" baseline="0" dirty="0" smtClean="0"/>
-              <a:t>新人融入开发体系，通过项目分配和进度控制来提高开发效率。</a:t>
+              <a:t>个新人</a:t>
+            </a:r>
+            <a:r>
+              <a:rPr lang="zh-CN" altLang="en-US" baseline="0" dirty="0" smtClean="0"/>
+              <a:t>融入开发体系，</a:t>
+            </a:r>
+            <a:r>
+              <a:rPr lang="zh-CN" altLang="en-US" baseline="0" dirty="0" smtClean="0"/>
+              <a:t>通过合理项目</a:t>
+            </a:r>
+            <a:r>
+              <a:rPr lang="zh-CN" altLang="en-US" baseline="0" dirty="0" smtClean="0"/>
+              <a:t>分配和进度控制来提高开发效率。</a:t>
             </a:r>
             <a:endParaRPr lang="en-US" altLang="zh-CN" baseline="0" dirty="0" smtClean="0"/>
           </a:p>
@@ -2482,7 +2817,27 @@
             </a:pPr>
             <a:r>
               <a:rPr lang="zh-CN" altLang="en-US" baseline="0" dirty="0" smtClean="0"/>
-              <a:t>遇到疑难问题，会组织集中讨论解决方案，例如锁屏实现。同时，也会定期分享自己的技术心得。</a:t>
+              <a:t>开发过程中遇到</a:t>
+            </a:r>
+            <a:r>
+              <a:rPr lang="zh-CN" altLang="en-US" baseline="0" dirty="0" smtClean="0"/>
+              <a:t>疑难问题，会组织集中讨论解决</a:t>
+            </a:r>
+            <a:r>
+              <a:rPr lang="zh-CN" altLang="en-US" baseline="0" dirty="0" smtClean="0"/>
+              <a:t>方案。同时</a:t>
+            </a:r>
+            <a:r>
+              <a:rPr lang="zh-CN" altLang="en-US" baseline="0" dirty="0" smtClean="0"/>
+              <a:t>，也</a:t>
+            </a:r>
+            <a:r>
+              <a:rPr lang="zh-CN" altLang="en-US" baseline="0" dirty="0" smtClean="0"/>
+              <a:t>会在组内定期</a:t>
+            </a:r>
+            <a:r>
+              <a:rPr lang="zh-CN" altLang="en-US" baseline="0" dirty="0" smtClean="0"/>
+              <a:t>分享自己的技术心得。</a:t>
             </a:r>
             <a:endParaRPr lang="en-US" altLang="zh-CN" baseline="0" dirty="0" smtClean="0"/>
           </a:p>
@@ -2592,11 +2947,7 @@
             </a:r>
             <a:r>
               <a:rPr lang="zh-CN" altLang="en-US" dirty="0" smtClean="0"/>
-              <a:t>源码实现，</a:t>
-            </a:r>
-            <a:r>
-              <a:rPr lang="zh-CN" altLang="en-US" dirty="0" smtClean="0"/>
-              <a:t>具体架构图如</a:t>
+              <a:t>源码实现，具体架构图如</a:t>
             </a:r>
             <a:r>
               <a:rPr lang="en-US" altLang="zh-CN" dirty="0" smtClean="0"/>
@@ -2604,11 +2955,7 @@
             </a:r>
             <a:r>
               <a:rPr lang="zh-CN" altLang="en-US" dirty="0" smtClean="0"/>
-              <a:t>所</a:t>
-            </a:r>
-            <a:r>
-              <a:rPr lang="zh-CN" altLang="en-US" dirty="0" smtClean="0"/>
-              <a:t>示：</a:t>
+              <a:t>所示：</a:t>
             </a:r>
             <a:endParaRPr lang="en-US" altLang="zh-CN" dirty="0" smtClean="0"/>
           </a:p>
@@ -2618,13 +2965,23 @@
             </a:pPr>
             <a:r>
               <a:rPr lang="zh-CN" altLang="en-US" baseline="0" dirty="0" smtClean="0"/>
-              <a:t>网络框架分为四部分</a:t>
+              <a:t>网络框架分为四</a:t>
+            </a:r>
+            <a:r>
+              <a:rPr lang="zh-CN" altLang="en-US" baseline="0" dirty="0" smtClean="0"/>
+              <a:t>部分</a:t>
             </a:r>
             <a:r>
               <a:rPr lang="zh-CN" altLang="en-US" baseline="0" dirty="0" smtClean="0">
                 <a:sym typeface="Wingdings" panose="05000000000000000000" pitchFamily="2" charset="2"/>
               </a:rPr>
-              <a:t>：高度抽象的网络请求，本地缓存系统，网络并发系统和请求结果分发系统。</a:t>
+              <a:t>，分别是：高度</a:t>
+            </a:r>
+            <a:r>
+              <a:rPr lang="zh-CN" altLang="en-US" baseline="0" dirty="0" smtClean="0">
+                <a:sym typeface="Wingdings" panose="05000000000000000000" pitchFamily="2" charset="2"/>
+              </a:rPr>
+              <a:t>抽象的网络请求，本地缓存系统，网络并发系统和请求结果分发系统。</a:t>
             </a:r>
             <a:endParaRPr lang="en-US" altLang="zh-CN" baseline="0" dirty="0" smtClean="0">
               <a:sym typeface="Wingdings" panose="05000000000000000000" pitchFamily="2" charset="2"/>
@@ -2762,7 +3119,25 @@
               <a:rPr lang="zh-CN" altLang="en-US" baseline="0" dirty="0" smtClean="0">
                 <a:sym typeface="Wingdings" panose="05000000000000000000" pitchFamily="2" charset="2"/>
               </a:rPr>
-              <a:t>当请求结果没有被命中时，该请求被转发到网络并发请求系统。该系统高度封装了</a:t>
+              <a:t>当请求结果命中时，直接通过结果分发系统回调响应成功函数。当</a:t>
+            </a:r>
+            <a:r>
+              <a:rPr lang="zh-CN" altLang="en-US" baseline="0" dirty="0" smtClean="0">
+                <a:sym typeface="Wingdings" panose="05000000000000000000" pitchFamily="2" charset="2"/>
+              </a:rPr>
+              <a:t>请求结果没有被命中时，该请求被转发到网络并发请求</a:t>
+            </a:r>
+            <a:r>
+              <a:rPr lang="zh-CN" altLang="en-US" baseline="0" dirty="0" smtClean="0">
+                <a:sym typeface="Wingdings" panose="05000000000000000000" pitchFamily="2" charset="2"/>
+              </a:rPr>
+              <a:t>系统中。网络并发请求系统</a:t>
+            </a:r>
+            <a:r>
+              <a:rPr lang="zh-CN" altLang="en-US" baseline="0" dirty="0" smtClean="0">
+                <a:sym typeface="Wingdings" panose="05000000000000000000" pitchFamily="2" charset="2"/>
+              </a:rPr>
+              <a:t>高度封装了</a:t>
             </a:r>
             <a:r>
               <a:rPr lang="en-US" altLang="zh-CN" baseline="0" dirty="0" err="1" smtClean="0">
@@ -2812,7 +3187,19 @@
               <a:rPr lang="zh-CN" altLang="en-US" baseline="0" dirty="0" smtClean="0">
                 <a:sym typeface="Wingdings" panose="05000000000000000000" pitchFamily="2" charset="2"/>
               </a:rPr>
-              <a:t>机制，将子线程获取的数据传递给主线程，并回调请求成功和失败的回调函数。</a:t>
+              <a:t>机制，将子线程获取的数据传递给主线程，并回调请求</a:t>
+            </a:r>
+            <a:r>
+              <a:rPr lang="zh-CN" altLang="en-US" baseline="0" dirty="0" smtClean="0">
+                <a:sym typeface="Wingdings" panose="05000000000000000000" pitchFamily="2" charset="2"/>
+              </a:rPr>
+              <a:t>成功或者失败</a:t>
+            </a:r>
+            <a:r>
+              <a:rPr lang="zh-CN" altLang="en-US" baseline="0" dirty="0" smtClean="0">
+                <a:sym typeface="Wingdings" panose="05000000000000000000" pitchFamily="2" charset="2"/>
+              </a:rPr>
+              <a:t>的回调函数。</a:t>
             </a:r>
             <a:endParaRPr lang="en-US" altLang="zh-CN" dirty="0" smtClean="0"/>
           </a:p>
@@ -6383,7 +6770,7 @@
         <p:spPr/>
         <p:txBody>
           <a:bodyPr>
-            <a:normAutofit fontScale="77500" lnSpcReduction="20000"/>
+            <a:normAutofit fontScale="70000" lnSpcReduction="20000"/>
           </a:bodyPr>
           <a:lstStyle/>
           <a:p>
@@ -6400,7 +6787,27 @@
             <a:pPr lvl="1"/>
             <a:r>
               <a:rPr lang="zh-CN" altLang="en-US" dirty="0"/>
-              <a:t>时间选择的滚动控件，自定义弹性滚动机制，优化选择体验。</a:t>
+              <a:t>时间选择的滚动控件</a:t>
+            </a:r>
+            <a:r>
+              <a:rPr lang="zh-CN" altLang="en-US" dirty="0" smtClean="0"/>
+              <a:t>，结合</a:t>
+            </a:r>
+            <a:r>
+              <a:rPr lang="en-US" altLang="zh-CN" dirty="0" err="1" smtClean="0"/>
+              <a:t>Scroller</a:t>
+            </a:r>
+            <a:r>
+              <a:rPr lang="zh-CN" altLang="en-US" dirty="0" smtClean="0"/>
+              <a:t>和手势检测自定义了弹性滚动补偿机制</a:t>
+            </a:r>
+            <a:r>
+              <a:rPr lang="zh-CN" altLang="en-US" dirty="0"/>
+              <a:t>，</a:t>
+            </a:r>
+            <a:r>
+              <a:rPr lang="zh-CN" altLang="en-US" dirty="0" smtClean="0"/>
+              <a:t>优化了选择体验</a:t>
             </a:r>
             <a:endParaRPr lang="en-US" altLang="zh-CN" dirty="0"/>
           </a:p>
@@ -6432,10 +6839,18 @@
             </a:r>
             <a:r>
               <a:rPr lang="zh-CN" altLang="en-US" dirty="0"/>
-              <a:t>，完美适配</a:t>
-            </a:r>
-            <a:r>
-              <a:rPr lang="en-US" altLang="zh-CN" dirty="0" err="1"/>
+              <a:t>，</a:t>
+            </a:r>
+            <a:r>
+              <a:rPr lang="zh-CN" altLang="en-US" dirty="0" smtClean="0"/>
+              <a:t>完美</a:t>
+            </a:r>
+            <a:r>
+              <a:rPr lang="zh-CN" altLang="en-US" dirty="0" smtClean="0"/>
+              <a:t>的替代了</a:t>
+            </a:r>
+            <a:r>
+              <a:rPr lang="en-US" altLang="zh-CN" dirty="0" err="1" smtClean="0"/>
               <a:t>ListView</a:t>
             </a:r>
             <a:r>
@@ -6443,8 +6858,16 @@
               <a:t>和</a:t>
             </a:r>
             <a:r>
-              <a:rPr lang="en-US" altLang="zh-CN" dirty="0" err="1"/>
+              <a:rPr lang="en-US" altLang="zh-CN" dirty="0" err="1" smtClean="0"/>
               <a:t>ArcScrollView</a:t>
+            </a:r>
+            <a:r>
+              <a:rPr lang="zh-CN" altLang="en-US" dirty="0"/>
+              <a:t>自</a:t>
+            </a:r>
+            <a:r>
+              <a:rPr lang="zh-CN" altLang="en-US" dirty="0" smtClean="0"/>
+              <a:t>带的垂直滚动条</a:t>
             </a:r>
             <a:endParaRPr lang="en-US" altLang="zh-CN" dirty="0"/>
           </a:p>
@@ -6488,7 +6911,11 @@
             </a:r>
             <a:r>
               <a:rPr lang="zh-CN" altLang="en-US" dirty="0" smtClean="0"/>
-              <a:t>等多种滑动控件</a:t>
+              <a:t>等多种滑动</a:t>
+            </a:r>
+            <a:r>
+              <a:rPr lang="zh-CN" altLang="en-US" dirty="0" smtClean="0"/>
+              <a:t>控件。且下拉头部和刷新内容完全解耦</a:t>
             </a:r>
             <a:endParaRPr lang="en-US" altLang="zh-CN" dirty="0"/>
           </a:p>
@@ -6654,11 +7081,7 @@
             </a:r>
             <a:r>
               <a:rPr lang="zh-CN" altLang="en-US" dirty="0" smtClean="0"/>
-              <a:t>效率</a:t>
-            </a:r>
-            <a:r>
-              <a:rPr lang="zh-CN" altLang="en-US" dirty="0" smtClean="0"/>
-              <a:t>。</a:t>
+              <a:t>效率。</a:t>
             </a:r>
             <a:endParaRPr lang="en-US" altLang="zh-CN" dirty="0" smtClean="0"/>
           </a:p>
@@ -6986,11 +7409,7 @@
             </a:r>
             <a:r>
               <a:rPr lang="zh-CN" altLang="en-US" dirty="0" smtClean="0"/>
-              <a:t>全智能的</a:t>
-            </a:r>
-            <a:r>
-              <a:rPr lang="zh-CN" altLang="en-US" dirty="0" smtClean="0"/>
-              <a:t>开发</a:t>
+              <a:t>全智能的开发</a:t>
             </a:r>
             <a:endParaRPr lang="en-US" altLang="zh-CN" dirty="0" smtClean="0"/>
           </a:p>
@@ -6998,11 +7417,7 @@
             <a:pPr lvl="1"/>
             <a:r>
               <a:rPr lang="zh-CN" altLang="en-US" dirty="0" smtClean="0"/>
-              <a:t>增强</a:t>
-            </a:r>
-            <a:r>
-              <a:rPr lang="zh-CN" altLang="en-US" dirty="0" smtClean="0"/>
-              <a:t>个人影响力，将自己所学能够更好的分享给其他人</a:t>
+              <a:t>增强个人影响力，将自己所学能够更好的分享给其他人</a:t>
             </a:r>
             <a:endParaRPr lang="zh-CN" altLang="en-US" dirty="0"/>
           </a:p>
@@ -8463,7 +8878,15 @@
             <a:pPr lvl="1"/>
             <a:r>
               <a:rPr lang="zh-CN" altLang="en-US" dirty="0" smtClean="0"/>
-              <a:t>应用层主力开发</a:t>
+              <a:t>应用层</a:t>
+            </a:r>
+            <a:r>
+              <a:rPr lang="zh-CN" altLang="en-US" dirty="0" smtClean="0"/>
+              <a:t>主力</a:t>
+            </a:r>
+            <a:r>
+              <a:rPr lang="zh-CN" altLang="en-US" dirty="0"/>
+              <a:t>研发</a:t>
             </a:r>
             <a:endParaRPr lang="zh-CN" altLang="en-US" dirty="0"/>
           </a:p>

--- a/promote/2016-promote-p6.pptx
+++ b/promote/2016-promote-p6.pptx
@@ -123,7 +123,7 @@
   </p:defaultTextStyle>
   <p:extLst>
     <p:ext uri="{EFAFB233-063F-42B5-8137-9DF3F51BA10A}">
-      <p15:sldGuideLst xmlns:p15="http://schemas.microsoft.com/office/powerpoint/2012/main">
+      <p15:sldGuideLst xmlns:p15="http://schemas.microsoft.com/office/powerpoint/2012/main" xmlns="">
         <p15:guide id="1" orient="horz" pos="2160">
           <p15:clr>
             <a:srgbClr val="A4A3A4"/>
@@ -222,7 +222,7 @@
           <a:p>
             <a:fld id="{7A254656-621B-406C-BC2D-A35B9AF3DE2B}" type="datetimeFigureOut">
               <a:rPr lang="zh-CN" altLang="en-US" smtClean="0"/>
-              <a:t>2016/5/7</a:t>
+              <a:t>2016/5/9</a:t>
             </a:fld>
             <a:endParaRPr lang="zh-CN" altLang="en-US"/>
           </a:p>
@@ -286,38 +286,37 @@
           <a:p>
             <a:pPr lvl="0"/>
             <a:r>
-              <a:rPr lang="zh-CN" altLang="en-US" smtClean="0"/>
+              <a:rPr lang="zh-CN" altLang="en-US"/>
               <a:t>单击此处编辑母版文本样式</a:t>
             </a:r>
           </a:p>
           <a:p>
             <a:pPr lvl="1"/>
             <a:r>
-              <a:rPr lang="zh-CN" altLang="en-US" smtClean="0"/>
+              <a:rPr lang="zh-CN" altLang="en-US"/>
               <a:t>第二级</a:t>
             </a:r>
           </a:p>
           <a:p>
             <a:pPr lvl="2"/>
             <a:r>
-              <a:rPr lang="zh-CN" altLang="en-US" smtClean="0"/>
+              <a:rPr lang="zh-CN" altLang="en-US"/>
               <a:t>第三级</a:t>
             </a:r>
           </a:p>
           <a:p>
             <a:pPr lvl="3"/>
             <a:r>
-              <a:rPr lang="zh-CN" altLang="en-US" smtClean="0"/>
+              <a:rPr lang="zh-CN" altLang="en-US"/>
               <a:t>第四级</a:t>
             </a:r>
           </a:p>
           <a:p>
             <a:pPr lvl="4"/>
             <a:r>
-              <a:rPr lang="zh-CN" altLang="en-US" smtClean="0"/>
+              <a:rPr lang="zh-CN" altLang="en-US"/>
               <a:t>第五级</a:t>
             </a:r>
-            <a:endParaRPr lang="zh-CN" altLang="en-US"/>
           </a:p>
         </p:txBody>
       </p:sp>
@@ -535,131 +534,123 @@
           <a:lstStyle/>
           <a:p>
             <a:r>
-              <a:rPr lang="zh-CN" altLang="en-US" dirty="0" smtClean="0"/>
+              <a:rPr lang="zh-CN" altLang="en-US" dirty="0"/>
               <a:t>各位评委，大家好。我是</a:t>
             </a:r>
             <a:r>
-              <a:rPr lang="en-US" altLang="zh-CN" dirty="0" smtClean="0"/>
+              <a:rPr lang="en-US" altLang="zh-CN" dirty="0"/>
               <a:t>YunOS IDC</a:t>
             </a:r>
             <a:r>
-              <a:rPr lang="zh-CN" altLang="en-US" dirty="0" smtClean="0"/>
+              <a:rPr lang="zh-CN" altLang="en-US" dirty="0"/>
               <a:t>团队的王正一。</a:t>
             </a:r>
             <a:r>
-              <a:rPr lang="en-US" altLang="zh-CN" dirty="0" smtClean="0"/>
+              <a:rPr lang="en-US" altLang="zh-CN" dirty="0"/>
               <a:t>2014</a:t>
             </a:r>
             <a:r>
-              <a:rPr lang="zh-CN" altLang="en-US" dirty="0" smtClean="0"/>
+              <a:rPr lang="zh-CN" altLang="en-US" dirty="0"/>
               <a:t>年</a:t>
             </a:r>
             <a:r>
-              <a:rPr lang="en-US" altLang="zh-CN" dirty="0" smtClean="0"/>
+              <a:rPr lang="en-US" altLang="zh-CN" dirty="0"/>
               <a:t>3</a:t>
             </a:r>
             <a:r>
-              <a:rPr lang="zh-CN" altLang="en-US" dirty="0" smtClean="0"/>
-              <a:t>月加入</a:t>
-            </a:r>
-            <a:r>
-              <a:rPr lang="en-US" altLang="zh-CN" dirty="0" smtClean="0"/>
+              <a:rPr lang="zh-CN" altLang="en-US" dirty="0"/>
+              <a:t>月我加入</a:t>
+            </a:r>
+            <a:r>
+              <a:rPr lang="en-US" altLang="zh-CN" dirty="0"/>
               <a:t>YunOS</a:t>
             </a:r>
             <a:r>
-              <a:rPr lang="zh-CN" altLang="en-US" dirty="0" smtClean="0"/>
+              <a:rPr lang="zh-CN" altLang="en-US" dirty="0"/>
               <a:t>实习，</a:t>
             </a:r>
             <a:r>
-              <a:rPr lang="en-US" altLang="zh-CN" dirty="0" smtClean="0"/>
+              <a:rPr lang="en-US" altLang="zh-CN" dirty="0"/>
               <a:t>2014</a:t>
             </a:r>
             <a:r>
-              <a:rPr lang="zh-CN" altLang="en-US" dirty="0" smtClean="0"/>
+              <a:rPr lang="zh-CN" altLang="en-US" dirty="0"/>
               <a:t>年</a:t>
             </a:r>
             <a:r>
-              <a:rPr lang="en-US" altLang="zh-CN" dirty="0" smtClean="0"/>
+              <a:rPr lang="en-US" altLang="zh-CN" dirty="0"/>
               <a:t>7</a:t>
             </a:r>
             <a:r>
-              <a:rPr lang="zh-CN" altLang="en-US" dirty="0" smtClean="0"/>
+              <a:rPr lang="zh-CN" altLang="en-US" dirty="0"/>
               <a:t>月正式入职</a:t>
             </a:r>
             <a:r>
-              <a:rPr lang="en-US" altLang="zh-CN" dirty="0" smtClean="0"/>
+              <a:rPr lang="en-US" altLang="zh-CN" dirty="0"/>
               <a:t>YunOS</a:t>
             </a:r>
             <a:r>
-              <a:rPr lang="zh-CN" altLang="en-US" dirty="0" smtClean="0"/>
-              <a:t>。我自己是一名全栈工程师，加入</a:t>
-            </a:r>
-            <a:r>
-              <a:rPr lang="en-US" altLang="zh-CN" dirty="0" smtClean="0"/>
+              <a:rPr lang="zh-CN" altLang="en-US" dirty="0"/>
+              <a:t>。我认为自己是一名全栈工程师，加入</a:t>
+            </a:r>
+            <a:r>
+              <a:rPr lang="en-US" altLang="zh-CN" dirty="0"/>
               <a:t>YunOS</a:t>
             </a:r>
             <a:r>
-              <a:rPr lang="zh-CN" altLang="en-US" dirty="0" smtClean="0"/>
-              <a:t>之前有三年</a:t>
-            </a:r>
-            <a:r>
-              <a:rPr lang="en-US" altLang="zh-CN" dirty="0" smtClean="0"/>
-              <a:t>LNMP</a:t>
-            </a:r>
-            <a:r>
-              <a:rPr lang="zh-CN" altLang="en-US" dirty="0" smtClean="0"/>
-              <a:t>架构服务端开发经验，加入</a:t>
-            </a:r>
-            <a:r>
-              <a:rPr lang="en-US" altLang="zh-CN" dirty="0" smtClean="0"/>
+              <a:rPr lang="zh-CN" altLang="en-US" dirty="0"/>
+              <a:t>之前有三年服务端开发经验，加入</a:t>
+            </a:r>
+            <a:r>
+              <a:rPr lang="en-US" altLang="zh-CN" dirty="0"/>
               <a:t>YunOS</a:t>
             </a:r>
             <a:r>
-              <a:rPr lang="zh-CN" altLang="en-US" dirty="0" smtClean="0"/>
+              <a:rPr lang="zh-CN" altLang="en-US" dirty="0"/>
               <a:t>之后，在</a:t>
             </a:r>
             <a:r>
-              <a:rPr lang="en-US" altLang="zh-CN" dirty="0" smtClean="0"/>
+              <a:rPr lang="en-US" altLang="zh-CN" dirty="0"/>
               <a:t>YunOS</a:t>
             </a:r>
             <a:r>
-              <a:rPr lang="zh-CN" altLang="en-US" dirty="0" smtClean="0"/>
+              <a:rPr lang="zh-CN" altLang="en-US" dirty="0"/>
               <a:t>和</a:t>
             </a:r>
             <a:r>
-              <a:rPr lang="en-US" altLang="zh-CN" dirty="0" smtClean="0"/>
+              <a:rPr lang="en-US" altLang="zh-CN" dirty="0"/>
               <a:t>Android</a:t>
             </a:r>
             <a:r>
-              <a:rPr lang="zh-CN" altLang="en-US" dirty="0" smtClean="0"/>
-              <a:t>平台都有一定的技术积累。自身热衷技术分享，目前是</a:t>
-            </a:r>
-            <a:r>
-              <a:rPr lang="en-US" altLang="zh-CN" dirty="0" smtClean="0"/>
+              <a:rPr lang="zh-CN" altLang="en-US" dirty="0"/>
+              <a:t>平台都有一定的技术积累。我自身热衷于移动端技术也喜欢技术分享，目前在</a:t>
+            </a:r>
+            <a:r>
+              <a:rPr lang="en-US" altLang="zh-CN" dirty="0"/>
               <a:t>GITHUB</a:t>
             </a:r>
             <a:r>
-              <a:rPr lang="zh-CN" altLang="en-US" dirty="0" smtClean="0"/>
-              <a:t>开源项目的开发者，也是</a:t>
-            </a:r>
-            <a:r>
-              <a:rPr lang="en-US" altLang="zh-CN" dirty="0" smtClean="0"/>
+              <a:rPr lang="zh-CN" altLang="en-US" dirty="0"/>
+              <a:t>上有自己的开源项目，同时也是</a:t>
+            </a:r>
+            <a:r>
+              <a:rPr lang="en-US" altLang="zh-CN" dirty="0"/>
               <a:t>CSDN</a:t>
             </a:r>
             <a:r>
-              <a:rPr lang="zh-CN" altLang="en-US" dirty="0" smtClean="0"/>
-              <a:t>的认证博客专家。过去一年我主要负责两个业务方向，分别是</a:t>
-            </a:r>
-            <a:r>
-              <a:rPr lang="en-US" altLang="zh-CN" dirty="0" smtClean="0"/>
+              <a:rPr lang="zh-CN" altLang="en-US" dirty="0"/>
+              <a:t>的认证博客专家。过去一年我主要参与并负责了两个业务项目，分别是</a:t>
+            </a:r>
+            <a:r>
+              <a:rPr lang="en-US" altLang="zh-CN" dirty="0"/>
               <a:t>YunOS</a:t>
             </a:r>
             <a:r>
-              <a:rPr lang="en-US" altLang="zh-CN" baseline="0" dirty="0" smtClean="0"/>
+              <a:rPr lang="en-US" altLang="zh-CN" baseline="0" dirty="0"/>
               <a:t> ROM</a:t>
             </a:r>
             <a:r>
-              <a:rPr lang="zh-CN" altLang="en-US" baseline="0" dirty="0" smtClean="0"/>
+              <a:rPr lang="zh-CN" altLang="en-US" baseline="0" dirty="0"/>
               <a:t>适配和全智能手表研发。</a:t>
             </a:r>
             <a:endParaRPr lang="zh-CN" altLang="en-US" dirty="0"/>
@@ -746,7 +737,215 @@
           <a:bodyPr/>
           <a:lstStyle/>
           <a:p>
-            <a:endParaRPr lang="zh-CN" altLang="en-US" dirty="0"/>
+            <a:r>
+              <a:rPr lang="zh-CN" altLang="en-US" dirty="0"/>
+              <a:t>这里介绍一下全智能手表项目我设计的统一网络框架，具体架构如图所示：</a:t>
+            </a:r>
+            <a:endParaRPr lang="en-US" altLang="zh-CN" dirty="0"/>
+          </a:p>
+          <a:p>
+            <a:pPr marL="228600" indent="-228600">
+              <a:buAutoNum type="arabicPeriod"/>
+            </a:pPr>
+            <a:r>
+              <a:rPr lang="zh-CN" altLang="en-US" baseline="0" dirty="0"/>
+              <a:t>网络框架分为四部分</a:t>
+            </a:r>
+            <a:r>
+              <a:rPr lang="zh-CN" altLang="en-US" baseline="0" dirty="0">
+                <a:sym typeface="Wingdings" panose="05000000000000000000" pitchFamily="2" charset="2"/>
+              </a:rPr>
+              <a:t>，分别是：高度抽象的网络请求，本地缓存系统，网络并发系统和请求结果分发系统。</a:t>
+            </a:r>
+            <a:endParaRPr lang="en-US" altLang="zh-CN" baseline="0" dirty="0">
+              <a:sym typeface="Wingdings" panose="05000000000000000000" pitchFamily="2" charset="2"/>
+            </a:endParaRPr>
+          </a:p>
+          <a:p>
+            <a:pPr marL="228600" indent="-228600">
+              <a:buAutoNum type="arabicPeriod"/>
+            </a:pPr>
+            <a:r>
+              <a:rPr lang="zh-CN" altLang="en-US" baseline="0" dirty="0">
+                <a:sym typeface="Wingdings" panose="05000000000000000000" pitchFamily="2" charset="2"/>
+              </a:rPr>
+              <a:t>对于每个网络请求，抽象出请求</a:t>
+            </a:r>
+            <a:r>
+              <a:rPr lang="en-US" altLang="zh-CN" baseline="0" dirty="0" err="1">
+                <a:sym typeface="Wingdings" panose="05000000000000000000" pitchFamily="2" charset="2"/>
+              </a:rPr>
+              <a:t>url</a:t>
+            </a:r>
+            <a:r>
+              <a:rPr lang="zh-CN" altLang="en-US" baseline="0" dirty="0">
+                <a:sym typeface="Wingdings" panose="05000000000000000000" pitchFamily="2" charset="2"/>
+              </a:rPr>
+              <a:t>、请求参数、请求协议和成功、失败的结果回调函数。</a:t>
+            </a:r>
+            <a:endParaRPr lang="en-US" altLang="zh-CN" baseline="0" dirty="0">
+              <a:sym typeface="Wingdings" panose="05000000000000000000" pitchFamily="2" charset="2"/>
+            </a:endParaRPr>
+          </a:p>
+          <a:p>
+            <a:pPr marL="228600" indent="-228600">
+              <a:buAutoNum type="arabicPeriod"/>
+            </a:pPr>
+            <a:r>
+              <a:rPr lang="zh-CN" altLang="en-US" baseline="0" dirty="0">
+                <a:sym typeface="Wingdings" panose="05000000000000000000" pitchFamily="2" charset="2"/>
+              </a:rPr>
+              <a:t>每个网络请求添加到</a:t>
+            </a:r>
+            <a:r>
+              <a:rPr lang="en-US" altLang="zh-CN" baseline="0" dirty="0" err="1">
+                <a:sym typeface="Wingdings" panose="05000000000000000000" pitchFamily="2" charset="2"/>
+              </a:rPr>
+              <a:t>NetworkManager</a:t>
+            </a:r>
+            <a:r>
+              <a:rPr lang="zh-CN" altLang="en-US" baseline="0" dirty="0">
+                <a:sym typeface="Wingdings" panose="05000000000000000000" pitchFamily="2" charset="2"/>
+              </a:rPr>
+              <a:t>之后，首先判断该请求对于的请求结果是否在缓存系统中。缓存系统分为</a:t>
+            </a:r>
+            <a:r>
+              <a:rPr lang="en-US" altLang="zh-CN" baseline="0" dirty="0">
+                <a:sym typeface="Wingdings" panose="05000000000000000000" pitchFamily="2" charset="2"/>
+              </a:rPr>
+              <a:t>L1</a:t>
+            </a:r>
+            <a:r>
+              <a:rPr lang="zh-CN" altLang="en-US" baseline="0" dirty="0">
+                <a:sym typeface="Wingdings" panose="05000000000000000000" pitchFamily="2" charset="2"/>
+              </a:rPr>
+              <a:t>级内存缓存和</a:t>
+            </a:r>
+            <a:r>
+              <a:rPr lang="en-US" altLang="zh-CN" baseline="0" dirty="0">
+                <a:sym typeface="Wingdings" panose="05000000000000000000" pitchFamily="2" charset="2"/>
+              </a:rPr>
+              <a:t>L2</a:t>
+            </a:r>
+            <a:r>
+              <a:rPr lang="zh-CN" altLang="en-US" baseline="0" dirty="0">
+                <a:sym typeface="Wingdings" panose="05000000000000000000" pitchFamily="2" charset="2"/>
+              </a:rPr>
+              <a:t>级硬盘缓存，</a:t>
+            </a:r>
+            <a:r>
+              <a:rPr lang="en-US" altLang="zh-CN" baseline="0" dirty="0">
+                <a:sym typeface="Wingdings" panose="05000000000000000000" pitchFamily="2" charset="2"/>
+              </a:rPr>
+              <a:t>L1</a:t>
+            </a:r>
+            <a:r>
+              <a:rPr lang="zh-CN" altLang="en-US" baseline="0" dirty="0">
+                <a:sym typeface="Wingdings" panose="05000000000000000000" pitchFamily="2" charset="2"/>
+              </a:rPr>
+              <a:t>内存缓存的替换策略是</a:t>
+            </a:r>
+            <a:r>
+              <a:rPr lang="en-US" altLang="zh-CN" baseline="0" dirty="0">
+                <a:sym typeface="Wingdings" panose="05000000000000000000" pitchFamily="2" charset="2"/>
+              </a:rPr>
+              <a:t>LRU</a:t>
+            </a:r>
+            <a:r>
+              <a:rPr lang="zh-CN" altLang="en-US" baseline="0" dirty="0">
+                <a:sym typeface="Wingdings" panose="05000000000000000000" pitchFamily="2" charset="2"/>
+              </a:rPr>
+              <a:t>缓存替换算法，</a:t>
+            </a:r>
+            <a:r>
+              <a:rPr lang="en-US" altLang="zh-CN" baseline="0" dirty="0">
+                <a:sym typeface="Wingdings" panose="05000000000000000000" pitchFamily="2" charset="2"/>
+              </a:rPr>
+              <a:t>L2</a:t>
+            </a:r>
+            <a:r>
+              <a:rPr lang="zh-CN" altLang="en-US" baseline="0" dirty="0">
+                <a:sym typeface="Wingdings" panose="05000000000000000000" pitchFamily="2" charset="2"/>
+              </a:rPr>
+              <a:t>级硬盘缓存的替换测试是</a:t>
+            </a:r>
+            <a:r>
+              <a:rPr lang="en-US" altLang="zh-CN" baseline="0" dirty="0">
+                <a:sym typeface="Wingdings" panose="05000000000000000000" pitchFamily="2" charset="2"/>
+              </a:rPr>
+              <a:t>FIFO</a:t>
+            </a:r>
+            <a:r>
+              <a:rPr lang="zh-CN" altLang="en-US" baseline="0" dirty="0">
+                <a:sym typeface="Wingdings" panose="05000000000000000000" pitchFamily="2" charset="2"/>
+              </a:rPr>
+              <a:t>缓存替换算法。</a:t>
+            </a:r>
+            <a:endParaRPr lang="en-US" altLang="zh-CN" baseline="0" dirty="0">
+              <a:sym typeface="Wingdings" panose="05000000000000000000" pitchFamily="2" charset="2"/>
+            </a:endParaRPr>
+          </a:p>
+          <a:p>
+            <a:pPr marL="228600" indent="-228600">
+              <a:buAutoNum type="arabicPeriod"/>
+            </a:pPr>
+            <a:r>
+              <a:rPr lang="zh-CN" altLang="en-US" baseline="0" dirty="0">
+                <a:sym typeface="Wingdings" panose="05000000000000000000" pitchFamily="2" charset="2"/>
+              </a:rPr>
+              <a:t>当请求结果命中时，直接通过结果分发系统回调响应成功函数。当请求结果没有被命中时，该请求被转发到网络并发请求系统中。网络并发请求系统高度封装了</a:t>
+            </a:r>
+            <a:r>
+              <a:rPr lang="en-US" altLang="zh-CN" baseline="0" dirty="0" err="1">
+                <a:sym typeface="Wingdings" panose="05000000000000000000" pitchFamily="2" charset="2"/>
+              </a:rPr>
+              <a:t>HttpUrlConnection</a:t>
+            </a:r>
+            <a:r>
+              <a:rPr lang="zh-CN" altLang="en-US" baseline="0" dirty="0">
+                <a:sym typeface="Wingdings" panose="05000000000000000000" pitchFamily="2" charset="2"/>
+              </a:rPr>
+              <a:t>的一系列操作，获取请求结果后，首先更新缓存系统，然后将结果交给分发系统。</a:t>
+            </a:r>
+            <a:endParaRPr lang="en-US" altLang="zh-CN" baseline="0" dirty="0">
+              <a:sym typeface="Wingdings" panose="05000000000000000000" pitchFamily="2" charset="2"/>
+            </a:endParaRPr>
+          </a:p>
+          <a:p>
+            <a:pPr marL="228600" indent="-228600">
+              <a:buAutoNum type="arabicPeriod"/>
+            </a:pPr>
+            <a:r>
+              <a:rPr lang="zh-CN" altLang="en-US" baseline="0" dirty="0">
+                <a:sym typeface="Wingdings" panose="05000000000000000000" pitchFamily="2" charset="2"/>
+              </a:rPr>
+              <a:t>分发系统主要是采用</a:t>
+            </a:r>
+            <a:r>
+              <a:rPr lang="en-US" altLang="zh-CN" baseline="0" dirty="0">
+                <a:sym typeface="Wingdings" panose="05000000000000000000" pitchFamily="2" charset="2"/>
+              </a:rPr>
+              <a:t>Handler</a:t>
+            </a:r>
+            <a:r>
+              <a:rPr lang="zh-CN" altLang="en-US" baseline="0" dirty="0">
+                <a:sym typeface="Wingdings" panose="05000000000000000000" pitchFamily="2" charset="2"/>
+              </a:rPr>
+              <a:t>和</a:t>
+            </a:r>
+            <a:r>
+              <a:rPr lang="en-US" altLang="zh-CN" baseline="0" dirty="0" err="1">
+                <a:sym typeface="Wingdings" panose="05000000000000000000" pitchFamily="2" charset="2"/>
+              </a:rPr>
+              <a:t>Looper</a:t>
+            </a:r>
+            <a:r>
+              <a:rPr lang="zh-CN" altLang="en-US" baseline="0" dirty="0">
+                <a:sym typeface="Wingdings" panose="05000000000000000000" pitchFamily="2" charset="2"/>
+              </a:rPr>
+              <a:t>机制，将子线程获取的数据传递给主线程，并回调请求成功或者失败的回调函数。</a:t>
+            </a:r>
+            <a:endParaRPr lang="en-US" altLang="zh-CN" dirty="0"/>
           </a:p>
         </p:txBody>
       </p:sp>
@@ -767,7 +966,7 @@
           <a:p>
             <a:fld id="{6718EBDC-2EC4-468E-B182-1717C37A33F0}" type="slidenum">
               <a:rPr lang="zh-CN" altLang="en-US" smtClean="0"/>
-              <a:t>12</a:t>
+              <a:t>11</a:t>
             </a:fld>
             <a:endParaRPr lang="zh-CN" altLang="en-US"/>
           </a:p>
@@ -776,7 +975,7 @@
     </p:spTree>
     <p:extLst>
       <p:ext uri="{BB962C8B-B14F-4D97-AF65-F5344CB8AC3E}">
-        <p14:creationId xmlns:p14="http://schemas.microsoft.com/office/powerpoint/2010/main" val="1288970311"/>
+        <p14:creationId xmlns:p14="http://schemas.microsoft.com/office/powerpoint/2010/main" val="4139112108"/>
       </p:ext>
     </p:extLst>
   </p:cSld>
@@ -831,139 +1030,200 @@
           <a:lstStyle/>
           <a:p>
             <a:r>
-              <a:rPr lang="zh-CN" altLang="en-US" dirty="0" smtClean="0"/>
-              <a:t>全智能手表项目研发经过半年多的沉淀，具体收益有：</a:t>
-            </a:r>
-            <a:endParaRPr lang="en-US" altLang="zh-CN" dirty="0" smtClean="0"/>
+              <a:rPr lang="zh-CN" altLang="en-US" dirty="0"/>
+              <a:t>再介绍一下全智能手表项目中我实现的通用自定义控件。</a:t>
+            </a:r>
+            <a:endParaRPr lang="en-US" altLang="zh-CN" dirty="0"/>
           </a:p>
           <a:p>
             <a:pPr marL="228600" indent="-228600">
               <a:buAutoNum type="arabicPeriod"/>
             </a:pPr>
             <a:r>
-              <a:rPr lang="zh-CN" altLang="en-US" dirty="0" smtClean="0"/>
-              <a:t>通过对</a:t>
-            </a:r>
-            <a:r>
-              <a:rPr lang="en-US" altLang="zh-CN" dirty="0" smtClean="0"/>
-              <a:t>View</a:t>
-            </a:r>
-            <a:r>
-              <a:rPr lang="zh-CN" altLang="en-US" dirty="0" smtClean="0"/>
-              <a:t>绘制的深入理解，沉淀了</a:t>
-            </a:r>
-            <a:r>
-              <a:rPr lang="en-US" altLang="zh-CN" dirty="0" err="1" smtClean="0"/>
+              <a:rPr lang="en-US" altLang="zh-CN" baseline="0" dirty="0" err="1"/>
               <a:t>WheelView</a:t>
             </a:r>
             <a:r>
-              <a:rPr lang="zh-CN" altLang="en-US" dirty="0" smtClean="0"/>
-              <a:t>，</a:t>
-            </a:r>
-            <a:r>
-              <a:rPr lang="en-US" altLang="zh-CN" dirty="0" err="1" smtClean="0"/>
-              <a:t>ArcScrollView</a:t>
-            </a:r>
-            <a:r>
-              <a:rPr lang="zh-CN" altLang="en-US" dirty="0" smtClean="0"/>
-              <a:t>，</a:t>
-            </a:r>
-            <a:r>
-              <a:rPr lang="en-US" altLang="zh-CN" dirty="0" err="1" smtClean="0"/>
-              <a:t>PtrRefresh</a:t>
-            </a:r>
-            <a:r>
-              <a:rPr lang="zh-CN" altLang="en-US" dirty="0" smtClean="0"/>
-              <a:t>，</a:t>
-            </a:r>
-            <a:r>
-              <a:rPr lang="en-US" altLang="zh-CN" dirty="0" err="1" smtClean="0"/>
-              <a:t>ClockView</a:t>
-            </a:r>
-            <a:r>
-              <a:rPr lang="zh-CN" altLang="en-US" dirty="0" smtClean="0"/>
-              <a:t>，</a:t>
-            </a:r>
-            <a:r>
-              <a:rPr lang="en-US" altLang="zh-CN" dirty="0" smtClean="0"/>
-              <a:t>VerticalViewPager5</a:t>
-            </a:r>
-            <a:r>
-              <a:rPr lang="zh-CN" altLang="en-US" dirty="0" smtClean="0"/>
-              <a:t>个通用的自定义控件，提升研发效率，将原本需要几天研发的自定义控件缩短为小时级别集成。</a:t>
-            </a:r>
-            <a:endParaRPr lang="en-US" altLang="zh-CN" dirty="0" smtClean="0"/>
+              <a:rPr lang="zh-CN" altLang="en-US" baseline="0" dirty="0"/>
+              <a:t>：时间和日期的滚动选择控件，相比传统的重写</a:t>
+            </a:r>
+            <a:r>
+              <a:rPr lang="en-US" altLang="zh-CN" baseline="0" dirty="0" err="1"/>
+              <a:t>onTouchEvent</a:t>
+            </a:r>
+            <a:r>
+              <a:rPr lang="zh-CN" altLang="en-US" baseline="0" dirty="0"/>
+              <a:t>方法，我这里结合了手势检测和</a:t>
+            </a:r>
+            <a:r>
+              <a:rPr lang="en-US" altLang="zh-CN" baseline="0" dirty="0" err="1"/>
+              <a:t>Scroller</a:t>
+            </a:r>
+            <a:r>
+              <a:rPr lang="zh-CN" altLang="en-US" baseline="0" dirty="0"/>
+              <a:t>，将</a:t>
+            </a:r>
+            <a:r>
+              <a:rPr lang="en-US" altLang="zh-CN" baseline="0" dirty="0"/>
+              <a:t>DOWN</a:t>
+            </a:r>
+            <a:r>
+              <a:rPr lang="zh-CN" altLang="en-US" baseline="0" dirty="0"/>
+              <a:t>、</a:t>
+            </a:r>
+            <a:r>
+              <a:rPr lang="en-US" altLang="zh-CN" baseline="0" dirty="0"/>
+              <a:t>MOVE</a:t>
+            </a:r>
+            <a:r>
+              <a:rPr lang="zh-CN" altLang="en-US" baseline="0" dirty="0"/>
+              <a:t>、</a:t>
+            </a:r>
+            <a:r>
+              <a:rPr lang="en-US" altLang="zh-CN" baseline="0" dirty="0"/>
+              <a:t>UP</a:t>
+            </a:r>
+            <a:r>
+              <a:rPr lang="zh-CN" altLang="en-US" baseline="0" dirty="0"/>
+              <a:t>的</a:t>
+            </a:r>
+            <a:r>
+              <a:rPr lang="en-US" altLang="zh-CN" baseline="0" dirty="0"/>
+              <a:t>Event</a:t>
+            </a:r>
+            <a:r>
+              <a:rPr lang="zh-CN" altLang="en-US" baseline="0" dirty="0"/>
+              <a:t>事件重组成</a:t>
+            </a:r>
+            <a:r>
+              <a:rPr lang="en-US" altLang="zh-CN" baseline="0" dirty="0"/>
+              <a:t>Down</a:t>
+            </a:r>
+            <a:r>
+              <a:rPr lang="zh-CN" altLang="en-US" baseline="0" dirty="0"/>
+              <a:t>、</a:t>
+            </a:r>
+            <a:r>
+              <a:rPr lang="en-US" altLang="zh-CN" baseline="0" dirty="0"/>
+              <a:t>Scroll</a:t>
+            </a:r>
+            <a:r>
+              <a:rPr lang="zh-CN" altLang="en-US" baseline="0" dirty="0"/>
+              <a:t>、</a:t>
+            </a:r>
+            <a:r>
+              <a:rPr lang="en-US" altLang="zh-CN" baseline="0" dirty="0"/>
+              <a:t>flying</a:t>
+            </a:r>
+            <a:r>
+              <a:rPr lang="zh-CN" altLang="en-US" baseline="0" dirty="0"/>
+              <a:t>、</a:t>
+            </a:r>
+            <a:r>
+              <a:rPr lang="en-US" altLang="zh-CN" baseline="0" dirty="0"/>
+              <a:t>up</a:t>
+            </a:r>
+            <a:r>
+              <a:rPr lang="zh-CN" altLang="en-US" baseline="0" dirty="0"/>
+              <a:t>的多种手势集合，并且设计了滚动补偿机制，给用户更好的选择体验。</a:t>
+            </a:r>
+            <a:endParaRPr lang="en-US" altLang="zh-CN" baseline="0" dirty="0"/>
           </a:p>
           <a:p>
             <a:pPr marL="228600" indent="-228600">
               <a:buAutoNum type="arabicPeriod"/>
             </a:pPr>
             <a:r>
-              <a:rPr lang="zh-CN" altLang="en-US" dirty="0" smtClean="0"/>
-              <a:t>统一了应用层网络框架，不仅提高了网络请求的并发的效率，同时便于后期通信协议的切换，例如换成蓝牙通信</a:t>
-            </a:r>
-            <a:r>
-              <a:rPr lang="zh-CN" altLang="en-US" dirty="0" smtClean="0"/>
-              <a:t>，可直接</a:t>
-            </a:r>
-            <a:r>
-              <a:rPr lang="zh-CN" altLang="en-US" dirty="0" smtClean="0"/>
-              <a:t>替换</a:t>
-            </a:r>
-            <a:r>
-              <a:rPr lang="en-US" altLang="zh-CN" dirty="0" smtClean="0"/>
-              <a:t>jar</a:t>
-            </a:r>
-            <a:r>
-              <a:rPr lang="zh-CN" altLang="en-US" dirty="0" smtClean="0"/>
-              <a:t>包</a:t>
-            </a:r>
-            <a:r>
-              <a:rPr lang="zh-CN" altLang="en-US" dirty="0" smtClean="0"/>
-              <a:t>，不影响应用自身代码逻辑，对</a:t>
-            </a:r>
-            <a:r>
-              <a:rPr lang="zh-CN" altLang="en-US" dirty="0" smtClean="0"/>
-              <a:t>应用层研发同学基本无感知。</a:t>
-            </a:r>
-            <a:endParaRPr lang="en-US" altLang="zh-CN" dirty="0" smtClean="0"/>
+              <a:rPr lang="en-US" altLang="zh-CN" baseline="0" dirty="0" err="1"/>
+              <a:t>ArcScrollView</a:t>
+            </a:r>
+            <a:r>
+              <a:rPr lang="zh-CN" altLang="en-US" baseline="0" dirty="0"/>
+              <a:t>：在</a:t>
+            </a:r>
+            <a:r>
+              <a:rPr lang="en-US" altLang="zh-CN" baseline="0" dirty="0" err="1"/>
+              <a:t>onDraw</a:t>
+            </a:r>
+            <a:r>
+              <a:rPr lang="zh-CN" altLang="en-US" baseline="0" dirty="0"/>
+              <a:t>中绘制的弧形滚动条，完美的替代了</a:t>
+            </a:r>
+            <a:r>
+              <a:rPr lang="en-US" altLang="zh-CN" baseline="0" dirty="0" err="1"/>
+              <a:t>ListView</a:t>
+            </a:r>
+            <a:r>
+              <a:rPr lang="zh-CN" altLang="en-US" baseline="0" dirty="0"/>
+              <a:t>和</a:t>
+            </a:r>
+            <a:r>
+              <a:rPr lang="en-US" altLang="zh-CN" baseline="0" dirty="0" err="1"/>
+              <a:t>ScrollView</a:t>
+            </a:r>
+            <a:r>
+              <a:rPr lang="zh-CN" altLang="en-US" baseline="0" dirty="0"/>
+              <a:t>自带的垂直滚动条。</a:t>
+            </a:r>
+            <a:endParaRPr lang="en-US" altLang="zh-CN" baseline="0" dirty="0"/>
           </a:p>
           <a:p>
             <a:pPr marL="228600" indent="-228600">
               <a:buAutoNum type="arabicPeriod"/>
             </a:pPr>
             <a:r>
-              <a:rPr lang="zh-CN" altLang="en-US" dirty="0" smtClean="0"/>
-              <a:t>我负责</a:t>
-            </a:r>
-            <a:r>
-              <a:rPr lang="zh-CN" altLang="en-US" dirty="0" smtClean="0"/>
-              <a:t>的</a:t>
-            </a:r>
-            <a:r>
-              <a:rPr lang="en-US" altLang="zh-CN" dirty="0" smtClean="0"/>
-              <a:t>6</a:t>
-            </a:r>
-            <a:r>
-              <a:rPr lang="zh-CN" altLang="en-US" dirty="0" smtClean="0"/>
-              <a:t>个应用全部按期完成，且验收结果较好，目前无</a:t>
-            </a:r>
-            <a:r>
-              <a:rPr lang="en-US" altLang="zh-CN" dirty="0" smtClean="0"/>
-              <a:t>3-1</a:t>
-            </a:r>
-            <a:r>
-              <a:rPr lang="zh-CN" altLang="en-US" dirty="0" smtClean="0"/>
-              <a:t>级别以上的</a:t>
-            </a:r>
-            <a:r>
-              <a:rPr lang="en-US" altLang="zh-CN" dirty="0" smtClean="0"/>
-              <a:t>Bug</a:t>
-            </a:r>
-            <a:r>
-              <a:rPr lang="zh-CN" altLang="en-US" dirty="0" smtClean="0"/>
-              <a:t>存留。</a:t>
-            </a:r>
+              <a:rPr lang="en-US" altLang="zh-CN" baseline="0" dirty="0" err="1"/>
+              <a:t>PullToRefresh</a:t>
+            </a:r>
+            <a:r>
+              <a:rPr lang="zh-CN" altLang="en-US" baseline="0" dirty="0"/>
+              <a:t>：</a:t>
+            </a:r>
+            <a:endParaRPr lang="en-US" altLang="zh-CN" baseline="0" dirty="0"/>
+          </a:p>
+          <a:p>
+            <a:pPr marL="228600" indent="-228600">
+              <a:buAutoNum type="arabicPeriod"/>
+            </a:pPr>
+            <a:r>
+              <a:rPr lang="en-US" altLang="zh-CN" baseline="0" dirty="0" err="1"/>
+              <a:t>VerticalViewPager</a:t>
+            </a:r>
+            <a:r>
+              <a:rPr lang="zh-CN" altLang="en-US" baseline="0" dirty="0"/>
+              <a:t>：实现了</a:t>
+            </a:r>
+            <a:r>
+              <a:rPr lang="en-US" altLang="zh-CN" baseline="0" dirty="0"/>
+              <a:t>View</a:t>
+            </a:r>
+            <a:r>
+              <a:rPr lang="zh-CN" altLang="en-US" baseline="0" dirty="0"/>
+              <a:t>的竖直切换。</a:t>
+            </a:r>
+            <a:endParaRPr lang="en-US" altLang="zh-CN" baseline="0" dirty="0"/>
+          </a:p>
+          <a:p>
+            <a:pPr marL="228600" indent="-228600">
+              <a:buAutoNum type="arabicPeriod"/>
+            </a:pPr>
+            <a:r>
+              <a:rPr lang="en-US" altLang="zh-CN" baseline="0" dirty="0" err="1"/>
+              <a:t>ClockView</a:t>
+            </a:r>
+            <a:r>
+              <a:rPr lang="zh-CN" altLang="en-US" baseline="0" dirty="0"/>
+              <a:t>：通过重写</a:t>
+            </a:r>
+            <a:r>
+              <a:rPr lang="en-US" altLang="zh-CN" baseline="0" dirty="0" err="1"/>
+              <a:t>onDraw</a:t>
+            </a:r>
+            <a:r>
+              <a:rPr lang="zh-CN" altLang="en-US" baseline="0" dirty="0"/>
+              <a:t>方法，可自定制表盘时间点显示，大大提升了时间应用的开发效率。</a:t>
+            </a:r>
+            <a:endParaRPr lang="zh-CN" altLang="en-US" dirty="0"/>
           </a:p>
         </p:txBody>
       </p:sp>
@@ -984,7 +1244,7 @@
           <a:p>
             <a:fld id="{6718EBDC-2EC4-468E-B182-1717C37A33F0}" type="slidenum">
               <a:rPr lang="zh-CN" altLang="en-US" smtClean="0"/>
-              <a:t>13</a:t>
+              <a:t>12</a:t>
             </a:fld>
             <a:endParaRPr lang="zh-CN" altLang="en-US"/>
           </a:p>
@@ -993,7 +1253,7 @@
     </p:spTree>
     <p:extLst>
       <p:ext uri="{BB962C8B-B14F-4D97-AF65-F5344CB8AC3E}">
-        <p14:creationId xmlns:p14="http://schemas.microsoft.com/office/powerpoint/2010/main" val="2705367389"/>
+        <p14:creationId xmlns:p14="http://schemas.microsoft.com/office/powerpoint/2010/main" val="1288970311"/>
       </p:ext>
     </p:extLst>
   </p:cSld>
@@ -1048,300 +1308,129 @@
           <a:lstStyle/>
           <a:p>
             <a:r>
-              <a:rPr lang="zh-CN" altLang="en-US" dirty="0" smtClean="0"/>
-              <a:t>接下来总结</a:t>
-            </a:r>
-            <a:r>
-              <a:rPr lang="zh-CN" altLang="en-US" dirty="0" smtClean="0"/>
-              <a:t>一下过去</a:t>
-            </a:r>
-            <a:r>
-              <a:rPr lang="zh-CN" altLang="en-US" dirty="0" smtClean="0"/>
-              <a:t>一年我的</a:t>
-            </a:r>
-            <a:r>
-              <a:rPr lang="zh-CN" altLang="en-US" dirty="0" smtClean="0"/>
-              <a:t>个人成长：</a:t>
-            </a:r>
-            <a:endParaRPr lang="en-US" altLang="zh-CN" dirty="0" smtClean="0"/>
-          </a:p>
-          <a:p>
-            <a:pPr marL="228600" marR="0" lvl="1" indent="-228600" algn="l" defTabSz="914400" rtl="0" eaLnBrk="1" fontAlgn="auto" latinLnBrk="0" hangingPunct="1">
-              <a:lnSpc>
-                <a:spcPct val="100000"/>
-              </a:lnSpc>
-              <a:spcBef>
-                <a:spcPts val="0"/>
-              </a:spcBef>
-              <a:spcAft>
-                <a:spcPts val="0"/>
-              </a:spcAft>
-              <a:buClrTx/>
-              <a:buSzTx/>
-              <a:buFontTx/>
+              <a:rPr lang="zh-CN" altLang="en-US" dirty="0"/>
+              <a:t>全智能手表项目研发经过半年多的沉淀，具体收益有：</a:t>
+            </a:r>
+            <a:endParaRPr lang="en-US" altLang="zh-CN" dirty="0"/>
+          </a:p>
+          <a:p>
+            <a:pPr marL="228600" indent="-228600">
               <a:buAutoNum type="arabicPeriod"/>
-              <a:tabLst/>
-              <a:defRPr/>
             </a:pPr>
             <a:r>
-              <a:rPr lang="zh-CN" altLang="en-US" baseline="0" dirty="0" smtClean="0"/>
-              <a:t>技术规划能力</a:t>
-            </a:r>
-            <a:r>
-              <a:rPr lang="zh-CN" altLang="en-US" baseline="0" dirty="0" smtClean="0"/>
-              <a:t>：通过负责</a:t>
-            </a:r>
-            <a:r>
-              <a:rPr lang="en-US" altLang="zh-CN" dirty="0" smtClean="0"/>
-              <a:t>MTK</a:t>
-            </a:r>
-            <a:r>
-              <a:rPr lang="zh-CN" altLang="en-US" dirty="0" smtClean="0"/>
-              <a:t>平台</a:t>
-            </a:r>
-            <a:r>
-              <a:rPr lang="en-US" altLang="zh-CN" dirty="0" smtClean="0"/>
-              <a:t>ROM</a:t>
-            </a:r>
-            <a:r>
-              <a:rPr lang="zh-CN" altLang="en-US" dirty="0" smtClean="0"/>
-              <a:t>适</a:t>
-            </a:r>
-            <a:r>
-              <a:rPr lang="zh-CN" altLang="en-US" dirty="0" smtClean="0"/>
-              <a:t>配和全智能</a:t>
-            </a:r>
-            <a:r>
-              <a:rPr lang="zh-CN" altLang="en-US" dirty="0" smtClean="0"/>
-              <a:t>手表多个应用的规划和</a:t>
-            </a:r>
-            <a:r>
-              <a:rPr lang="zh-CN" altLang="en-US" dirty="0" smtClean="0"/>
-              <a:t>执行，锻炼了自己的项目规划能力，并且这</a:t>
-            </a:r>
-            <a:r>
-              <a:rPr lang="zh-CN" altLang="en-US" dirty="0" smtClean="0"/>
-              <a:t>两个项目都很好的完成</a:t>
-            </a:r>
-            <a:r>
-              <a:rPr lang="zh-CN" altLang="en-US" dirty="0" smtClean="0"/>
-              <a:t>了既定目标</a:t>
-            </a:r>
-            <a:r>
-              <a:rPr lang="zh-CN" altLang="en-US" dirty="0" smtClean="0"/>
-              <a:t>。</a:t>
-            </a:r>
-            <a:endParaRPr lang="en-US" altLang="zh-CN" dirty="0" smtClean="0"/>
-          </a:p>
-          <a:p>
-            <a:pPr marL="228600" marR="0" lvl="1" indent="-228600" algn="l" defTabSz="914400" rtl="0" eaLnBrk="1" fontAlgn="auto" latinLnBrk="0" hangingPunct="1">
-              <a:lnSpc>
-                <a:spcPct val="100000"/>
-              </a:lnSpc>
-              <a:spcBef>
-                <a:spcPts val="0"/>
-              </a:spcBef>
-              <a:spcAft>
-                <a:spcPts val="0"/>
-              </a:spcAft>
-              <a:buClrTx/>
-              <a:buSzTx/>
-              <a:buFontTx/>
+              <a:rPr lang="zh-CN" altLang="en-US" dirty="0"/>
+              <a:t>通过对</a:t>
+            </a:r>
+            <a:r>
+              <a:rPr lang="en-US" altLang="zh-CN" dirty="0"/>
+              <a:t>View</a:t>
+            </a:r>
+            <a:r>
+              <a:rPr lang="zh-CN" altLang="en-US" dirty="0"/>
+              <a:t>绘制的深入理解，沉淀了</a:t>
+            </a:r>
+            <a:r>
+              <a:rPr lang="en-US" altLang="zh-CN" dirty="0" err="1"/>
+              <a:t>WheelView</a:t>
+            </a:r>
+            <a:r>
+              <a:rPr lang="zh-CN" altLang="en-US" dirty="0"/>
+              <a:t>，</a:t>
+            </a:r>
+            <a:r>
+              <a:rPr lang="en-US" altLang="zh-CN" dirty="0" err="1"/>
+              <a:t>ArcScrollView</a:t>
+            </a:r>
+            <a:r>
+              <a:rPr lang="zh-CN" altLang="en-US" dirty="0"/>
+              <a:t>，</a:t>
+            </a:r>
+            <a:r>
+              <a:rPr lang="en-US" altLang="zh-CN" dirty="0" err="1"/>
+              <a:t>PtrRefresh</a:t>
+            </a:r>
+            <a:r>
+              <a:rPr lang="zh-CN" altLang="en-US" dirty="0"/>
+              <a:t>，</a:t>
+            </a:r>
+            <a:r>
+              <a:rPr lang="en-US" altLang="zh-CN" dirty="0" err="1"/>
+              <a:t>ClockView</a:t>
+            </a:r>
+            <a:r>
+              <a:rPr lang="zh-CN" altLang="en-US" dirty="0"/>
+              <a:t>，</a:t>
+            </a:r>
+            <a:r>
+              <a:rPr lang="en-US" altLang="zh-CN" dirty="0"/>
+              <a:t>VerticalViewPager5</a:t>
+            </a:r>
+            <a:r>
+              <a:rPr lang="zh-CN" altLang="en-US" dirty="0"/>
+              <a:t>个通用的自定义控件，提升研发效率，将原本需要几天研发的自定义控件缩短为小时级别集成。</a:t>
+            </a:r>
+            <a:endParaRPr lang="en-US" altLang="zh-CN" dirty="0"/>
+          </a:p>
+          <a:p>
+            <a:pPr marL="228600" indent="-228600">
               <a:buAutoNum type="arabicPeriod"/>
-              <a:tabLst/>
-              <a:defRPr/>
             </a:pPr>
             <a:r>
-              <a:rPr lang="zh-CN" altLang="en-US" dirty="0" smtClean="0"/>
-              <a:t>技术把控能力：</a:t>
-            </a:r>
-            <a:r>
-              <a:rPr lang="zh-CN" altLang="en-US" dirty="0" smtClean="0"/>
-              <a:t>通过自己的</a:t>
-            </a:r>
-            <a:r>
-              <a:rPr lang="zh-CN" altLang="en-US" dirty="0" smtClean="0"/>
-              <a:t>努力和项目的锤炼，个人在过去</a:t>
-            </a:r>
-            <a:r>
-              <a:rPr lang="zh-CN" altLang="en-US" dirty="0" smtClean="0"/>
-              <a:t>一年无论是从</a:t>
-            </a:r>
-            <a:r>
-              <a:rPr lang="zh-CN" altLang="en-US" dirty="0" smtClean="0"/>
-              <a:t>在应用</a:t>
-            </a:r>
-            <a:r>
-              <a:rPr lang="zh-CN" altLang="en-US" dirty="0" smtClean="0"/>
-              <a:t>开发方面还是</a:t>
-            </a:r>
-            <a:r>
-              <a:rPr lang="en-US" altLang="zh-CN" dirty="0" smtClean="0"/>
-              <a:t>Framework</a:t>
-            </a:r>
-            <a:r>
-              <a:rPr lang="zh-CN" altLang="en-US" dirty="0" smtClean="0"/>
-              <a:t>层问题</a:t>
-            </a:r>
-            <a:r>
-              <a:rPr lang="zh-CN" altLang="en-US" dirty="0" smtClean="0"/>
-              <a:t>定位</a:t>
-            </a:r>
-            <a:r>
-              <a:rPr lang="zh-CN" altLang="en-US" dirty="0" smtClean="0"/>
-              <a:t>解决方面均</a:t>
-            </a:r>
-            <a:r>
-              <a:rPr lang="zh-CN" altLang="en-US" dirty="0" smtClean="0"/>
-              <a:t>有了大幅度的提高。</a:t>
-            </a:r>
-            <a:endParaRPr lang="en-US" altLang="zh-CN" dirty="0" smtClean="0"/>
-          </a:p>
-          <a:p>
-            <a:pPr marL="228600" marR="0" lvl="1" indent="-228600" algn="l" defTabSz="914400" rtl="0" eaLnBrk="1" fontAlgn="auto" latinLnBrk="0" hangingPunct="1">
-              <a:lnSpc>
-                <a:spcPct val="100000"/>
-              </a:lnSpc>
-              <a:spcBef>
-                <a:spcPts val="0"/>
-              </a:spcBef>
-              <a:spcAft>
-                <a:spcPts val="0"/>
-              </a:spcAft>
-              <a:buClrTx/>
-              <a:buSzTx/>
-              <a:buFontTx/>
+              <a:rPr lang="zh-CN" altLang="en-US" dirty="0"/>
+              <a:t>统一了应用层网络框架，不仅提高了网络请求的并发的效率，同时便于后期通信协议的切换，例如换成蓝牙通信，可直接替换</a:t>
+            </a:r>
+            <a:r>
+              <a:rPr lang="en-US" altLang="zh-CN" dirty="0"/>
+              <a:t>jar</a:t>
+            </a:r>
+            <a:r>
+              <a:rPr lang="zh-CN" altLang="en-US" dirty="0"/>
+              <a:t>包，不影响应用自身代码逻辑，对应用层研发同学基本无感知。</a:t>
+            </a:r>
+            <a:endParaRPr lang="en-US" altLang="zh-CN" dirty="0"/>
+          </a:p>
+          <a:p>
+            <a:pPr marL="228600" indent="-228600">
               <a:buAutoNum type="arabicPeriod"/>
-              <a:tabLst/>
-              <a:defRPr/>
             </a:pPr>
             <a:r>
-              <a:rPr lang="zh-CN" altLang="en-US" dirty="0" smtClean="0"/>
-              <a:t>新人培养能力：全智能手表项目，帮助组内新同学快速掌握研发技术，并且通过规划项目分配，协助新人快速融入开发流程并且提高了开发能力，</a:t>
-            </a:r>
-            <a:r>
-              <a:rPr lang="zh-CN" altLang="en-US" dirty="0" smtClean="0"/>
-              <a:t>目前该同学已经是手表项目的开发</a:t>
-            </a:r>
-            <a:r>
-              <a:rPr lang="zh-CN" altLang="en-US" dirty="0" smtClean="0"/>
-              <a:t>骨干。</a:t>
-            </a:r>
-            <a:endParaRPr lang="en-US" altLang="zh-CN" dirty="0" smtClean="0"/>
-          </a:p>
-          <a:p>
-            <a:pPr marL="228600" marR="0" lvl="1" indent="-228600" algn="l" defTabSz="914400" rtl="0" eaLnBrk="1" fontAlgn="auto" latinLnBrk="0" hangingPunct="1">
-              <a:lnSpc>
-                <a:spcPct val="100000"/>
-              </a:lnSpc>
-              <a:spcBef>
-                <a:spcPts val="0"/>
-              </a:spcBef>
-              <a:spcAft>
-                <a:spcPts val="0"/>
-              </a:spcAft>
-              <a:buClrTx/>
-              <a:buSzTx/>
-              <a:buFontTx/>
+              <a:rPr lang="zh-CN" altLang="en-US" dirty="0"/>
+              <a:t>我负责的</a:t>
+            </a:r>
+            <a:r>
+              <a:rPr lang="en-US" altLang="zh-CN" dirty="0"/>
+              <a:t>6</a:t>
+            </a:r>
+            <a:r>
+              <a:rPr lang="zh-CN" altLang="en-US" dirty="0"/>
+              <a:t>个应用全部按期完成，且验收结果较好，目前无</a:t>
+            </a:r>
+            <a:r>
+              <a:rPr lang="en-US" altLang="zh-CN" dirty="0"/>
+              <a:t>3-1</a:t>
+            </a:r>
+            <a:r>
+              <a:rPr lang="zh-CN" altLang="en-US" dirty="0"/>
+              <a:t>级别以上的</a:t>
+            </a:r>
+            <a:r>
+              <a:rPr lang="en-US" altLang="zh-CN" dirty="0"/>
+              <a:t>Bug</a:t>
+            </a:r>
+            <a:r>
+              <a:rPr lang="zh-CN" altLang="en-US" dirty="0"/>
+              <a:t>存留。</a:t>
+            </a:r>
+            <a:endParaRPr lang="en-US" altLang="zh-CN" dirty="0"/>
+          </a:p>
+          <a:p>
+            <a:pPr marL="228600" indent="-228600">
               <a:buAutoNum type="arabicPeriod"/>
-              <a:tabLst/>
-              <a:defRPr/>
             </a:pPr>
-            <a:endParaRPr lang="en-US" altLang="zh-CN" dirty="0" smtClean="0"/>
-          </a:p>
-          <a:p>
-            <a:pPr marL="0" marR="0" lvl="1" indent="0" algn="l" defTabSz="914400" rtl="0" eaLnBrk="1" fontAlgn="auto" latinLnBrk="0" hangingPunct="1">
-              <a:lnSpc>
-                <a:spcPct val="100000"/>
-              </a:lnSpc>
-              <a:spcBef>
-                <a:spcPts val="0"/>
-              </a:spcBef>
-              <a:spcAft>
-                <a:spcPts val="0"/>
-              </a:spcAft>
-              <a:buClrTx/>
-              <a:buSzTx/>
-              <a:buFontTx/>
-              <a:buNone/>
-              <a:tabLst/>
-              <a:defRPr/>
-            </a:pPr>
-            <a:r>
-              <a:rPr lang="zh-CN" altLang="en-US" dirty="0" smtClean="0"/>
-              <a:t>对于新一年的展望：</a:t>
-            </a:r>
-            <a:endParaRPr lang="en-US" altLang="zh-CN" dirty="0" smtClean="0"/>
-          </a:p>
-          <a:p>
-            <a:pPr marL="228600" marR="0" lvl="1" indent="-228600" algn="l" defTabSz="914400" rtl="0" eaLnBrk="1" fontAlgn="auto" latinLnBrk="0" hangingPunct="1">
-              <a:lnSpc>
-                <a:spcPct val="100000"/>
-              </a:lnSpc>
-              <a:spcBef>
-                <a:spcPts val="0"/>
-              </a:spcBef>
-              <a:spcAft>
-                <a:spcPts val="0"/>
-              </a:spcAft>
-              <a:buClrTx/>
-              <a:buSzTx/>
-              <a:buFontTx/>
-              <a:buAutoNum type="arabicPeriod"/>
-              <a:tabLst/>
-              <a:defRPr/>
-            </a:pPr>
-            <a:r>
-              <a:rPr lang="zh-CN" altLang="en-US" baseline="0" dirty="0" smtClean="0"/>
-              <a:t>会继续严格要求自己，继续提升自己应用研发能力，推动并促进</a:t>
-            </a:r>
-            <a:r>
-              <a:rPr lang="en-US" altLang="zh-CN" baseline="0" dirty="0" smtClean="0"/>
-              <a:t>IDC</a:t>
-            </a:r>
-            <a:r>
-              <a:rPr lang="zh-CN" altLang="en-US" baseline="0" dirty="0" smtClean="0"/>
-              <a:t>全智能硬件系统的</a:t>
-            </a:r>
-            <a:r>
-              <a:rPr lang="zh-CN" altLang="en-US" baseline="0" dirty="0" smtClean="0"/>
-              <a:t>研发。</a:t>
-            </a:r>
-            <a:endParaRPr lang="en-US" altLang="zh-CN" baseline="0" dirty="0" smtClean="0"/>
-          </a:p>
-          <a:p>
-            <a:pPr marL="228600" marR="0" lvl="1" indent="-228600" algn="l" defTabSz="914400" rtl="0" eaLnBrk="1" fontAlgn="auto" latinLnBrk="0" hangingPunct="1">
-              <a:lnSpc>
-                <a:spcPct val="100000"/>
-              </a:lnSpc>
-              <a:spcBef>
-                <a:spcPts val="0"/>
-              </a:spcBef>
-              <a:spcAft>
-                <a:spcPts val="0"/>
-              </a:spcAft>
-              <a:buClrTx/>
-              <a:buSzTx/>
-              <a:buFontTx/>
-              <a:buAutoNum type="arabicPeriod"/>
-              <a:tabLst/>
-              <a:defRPr/>
-            </a:pPr>
-            <a:r>
-              <a:rPr lang="zh-CN" altLang="en-US" baseline="0" dirty="0" smtClean="0"/>
-              <a:t>增强个人影响能力，将自己的技术积累更好的分享给</a:t>
-            </a:r>
-            <a:r>
-              <a:rPr lang="en-US" altLang="zh-CN" baseline="0" dirty="0" smtClean="0"/>
-              <a:t>YunOS</a:t>
-            </a:r>
-            <a:r>
-              <a:rPr lang="zh-CN" altLang="en-US" baseline="0" dirty="0" smtClean="0"/>
-              <a:t>团队同学。</a:t>
-            </a:r>
-            <a:endParaRPr lang="en-US" altLang="zh-CN" dirty="0" smtClean="0"/>
-          </a:p>
-          <a:p>
+            <a:r>
+              <a:rPr lang="zh-CN" altLang="en-US"/>
+              <a:t>最重要的是从无到有的搭建起了全智能手表应用体系，后期可进行平台移植。</a:t>
+            </a:r>
             <a:endParaRPr lang="zh-CN" altLang="en-US" dirty="0"/>
           </a:p>
         </p:txBody>
@@ -1363,7 +1452,7 @@
           <a:p>
             <a:fld id="{6718EBDC-2EC4-468E-B182-1717C37A33F0}" type="slidenum">
               <a:rPr lang="zh-CN" altLang="en-US" smtClean="0"/>
-              <a:t>14</a:t>
+              <a:t>13</a:t>
             </a:fld>
             <a:endParaRPr lang="zh-CN" altLang="en-US"/>
           </a:p>
@@ -1372,7 +1461,7 @@
     </p:spTree>
     <p:extLst>
       <p:ext uri="{BB962C8B-B14F-4D97-AF65-F5344CB8AC3E}">
-        <p14:creationId xmlns:p14="http://schemas.microsoft.com/office/powerpoint/2010/main" val="1143014619"/>
+        <p14:creationId xmlns:p14="http://schemas.microsoft.com/office/powerpoint/2010/main" val="2705367389"/>
       </p:ext>
     </p:extLst>
   </p:cSld>
@@ -1427,10 +1516,304 @@
           <a:lstStyle/>
           <a:p>
             <a:r>
-              <a:rPr lang="zh-CN" altLang="en-US" dirty="0" smtClean="0"/>
-              <a:t>感谢各位评委，希望各位评委对我提出指导。</a:t>
-            </a:r>
+              <a:rPr lang="zh-CN" altLang="en-US" dirty="0"/>
+              <a:t>接下来总结一下过去一年我的个人成长：</a:t>
+            </a:r>
+            <a:endParaRPr lang="en-US" altLang="zh-CN" dirty="0"/>
+          </a:p>
+          <a:p>
+            <a:pPr marL="228600" marR="0" lvl="1" indent="-228600" algn="l" defTabSz="914400" rtl="0" eaLnBrk="1" fontAlgn="auto" latinLnBrk="0" hangingPunct="1">
+              <a:lnSpc>
+                <a:spcPct val="100000"/>
+              </a:lnSpc>
+              <a:spcBef>
+                <a:spcPts val="0"/>
+              </a:spcBef>
+              <a:spcAft>
+                <a:spcPts val="0"/>
+              </a:spcAft>
+              <a:buClrTx/>
+              <a:buSzTx/>
+              <a:buFontTx/>
+              <a:buAutoNum type="arabicPeriod"/>
+              <a:tabLst/>
+              <a:defRPr/>
+            </a:pPr>
+            <a:r>
+              <a:rPr lang="zh-CN" altLang="en-US" baseline="0" dirty="0"/>
+              <a:t>技术规划能力：通过负责</a:t>
+            </a:r>
+            <a:r>
+              <a:rPr lang="en-US" altLang="zh-CN" dirty="0"/>
+              <a:t>MTK</a:t>
+            </a:r>
+            <a:r>
+              <a:rPr lang="zh-CN" altLang="en-US" dirty="0"/>
+              <a:t>平台</a:t>
+            </a:r>
+            <a:r>
+              <a:rPr lang="en-US" altLang="zh-CN" dirty="0"/>
+              <a:t>ROM</a:t>
+            </a:r>
+            <a:r>
+              <a:rPr lang="zh-CN" altLang="en-US" dirty="0"/>
+              <a:t>适配和全智能手表多个应用的规划和执行，锻炼了自己的项目规划能力，并且这两个项目都很好的完成了既定目标。</a:t>
+            </a:r>
+            <a:endParaRPr lang="en-US" altLang="zh-CN" dirty="0"/>
+          </a:p>
+          <a:p>
+            <a:pPr marL="228600" marR="0" lvl="1" indent="-228600" algn="l" defTabSz="914400" rtl="0" eaLnBrk="1" fontAlgn="auto" latinLnBrk="0" hangingPunct="1">
+              <a:lnSpc>
+                <a:spcPct val="100000"/>
+              </a:lnSpc>
+              <a:spcBef>
+                <a:spcPts val="0"/>
+              </a:spcBef>
+              <a:spcAft>
+                <a:spcPts val="0"/>
+              </a:spcAft>
+              <a:buClrTx/>
+              <a:buSzTx/>
+              <a:buFontTx/>
+              <a:buAutoNum type="arabicPeriod"/>
+              <a:tabLst/>
+              <a:defRPr/>
+            </a:pPr>
+            <a:r>
+              <a:rPr lang="zh-CN" altLang="en-US" dirty="0"/>
+              <a:t>技术把控能力：通过自己的努力和项目的锤炼，个人在过去一年无论是从在应用开发方面还是</a:t>
+            </a:r>
+            <a:r>
+              <a:rPr lang="en-US" altLang="zh-CN" dirty="0"/>
+              <a:t>Framework</a:t>
+            </a:r>
+            <a:r>
+              <a:rPr lang="zh-CN" altLang="en-US" dirty="0"/>
+              <a:t>层问题定位解决方面均有了大幅度的提高。</a:t>
+            </a:r>
+            <a:endParaRPr lang="en-US" altLang="zh-CN" dirty="0"/>
+          </a:p>
+          <a:p>
+            <a:pPr marL="228600" marR="0" lvl="1" indent="-228600" algn="l" defTabSz="914400" rtl="0" eaLnBrk="1" fontAlgn="auto" latinLnBrk="0" hangingPunct="1">
+              <a:lnSpc>
+                <a:spcPct val="100000"/>
+              </a:lnSpc>
+              <a:spcBef>
+                <a:spcPts val="0"/>
+              </a:spcBef>
+              <a:spcAft>
+                <a:spcPts val="0"/>
+              </a:spcAft>
+              <a:buClrTx/>
+              <a:buSzTx/>
+              <a:buFontTx/>
+              <a:buAutoNum type="arabicPeriod"/>
+              <a:tabLst/>
+              <a:defRPr/>
+            </a:pPr>
+            <a:r>
+              <a:rPr lang="zh-CN" altLang="en-US" dirty="0"/>
+              <a:t>新人培养能力：全智能手表项目，帮助组内新同学快速掌握研发技术，并且通过规划项目分配，协助新人快速融入开发流程并且提高了开发能力，目前该同学已经是手表项目的开发骨干。</a:t>
+            </a:r>
+            <a:endParaRPr lang="en-US" altLang="zh-CN" dirty="0"/>
+          </a:p>
+          <a:p>
+            <a:pPr marL="228600" marR="0" lvl="1" indent="-228600" algn="l" defTabSz="914400" rtl="0" eaLnBrk="1" fontAlgn="auto" latinLnBrk="0" hangingPunct="1">
+              <a:lnSpc>
+                <a:spcPct val="100000"/>
+              </a:lnSpc>
+              <a:spcBef>
+                <a:spcPts val="0"/>
+              </a:spcBef>
+              <a:spcAft>
+                <a:spcPts val="0"/>
+              </a:spcAft>
+              <a:buClrTx/>
+              <a:buSzTx/>
+              <a:buFontTx/>
+              <a:buAutoNum type="arabicPeriod"/>
+              <a:tabLst/>
+              <a:defRPr/>
+            </a:pPr>
+            <a:endParaRPr lang="en-US" altLang="zh-CN" dirty="0"/>
+          </a:p>
+          <a:p>
+            <a:pPr marL="0" marR="0" lvl="1" indent="0" algn="l" defTabSz="914400" rtl="0" eaLnBrk="1" fontAlgn="auto" latinLnBrk="0" hangingPunct="1">
+              <a:lnSpc>
+                <a:spcPct val="100000"/>
+              </a:lnSpc>
+              <a:spcBef>
+                <a:spcPts val="0"/>
+              </a:spcBef>
+              <a:spcAft>
+                <a:spcPts val="0"/>
+              </a:spcAft>
+              <a:buClrTx/>
+              <a:buSzTx/>
+              <a:buFontTx/>
+              <a:buNone/>
+              <a:tabLst/>
+              <a:defRPr/>
+            </a:pPr>
+            <a:r>
+              <a:rPr lang="zh-CN" altLang="en-US" dirty="0"/>
+              <a:t>对于新一年的展望：</a:t>
+            </a:r>
+            <a:endParaRPr lang="en-US" altLang="zh-CN" dirty="0"/>
+          </a:p>
+          <a:p>
+            <a:pPr marL="228600" marR="0" lvl="1" indent="-228600" algn="l" defTabSz="914400" rtl="0" eaLnBrk="1" fontAlgn="auto" latinLnBrk="0" hangingPunct="1">
+              <a:lnSpc>
+                <a:spcPct val="100000"/>
+              </a:lnSpc>
+              <a:spcBef>
+                <a:spcPts val="0"/>
+              </a:spcBef>
+              <a:spcAft>
+                <a:spcPts val="0"/>
+              </a:spcAft>
+              <a:buClrTx/>
+              <a:buSzTx/>
+              <a:buFontTx/>
+              <a:buAutoNum type="arabicPeriod"/>
+              <a:tabLst/>
+              <a:defRPr/>
+            </a:pPr>
+            <a:r>
+              <a:rPr lang="zh-CN" altLang="en-US" baseline="0" dirty="0"/>
+              <a:t>会继续严格要求自己，继续提升自己应用研发能力，推动并促进</a:t>
+            </a:r>
+            <a:r>
+              <a:rPr lang="en-US" altLang="zh-CN" baseline="0" dirty="0"/>
+              <a:t>IDC</a:t>
+            </a:r>
+            <a:r>
+              <a:rPr lang="zh-CN" altLang="en-US" baseline="0" dirty="0"/>
+              <a:t>全智能硬件系统的研发。</a:t>
+            </a:r>
+            <a:endParaRPr lang="en-US" altLang="zh-CN" baseline="0" dirty="0"/>
+          </a:p>
+          <a:p>
+            <a:pPr marL="228600" marR="0" lvl="1" indent="-228600" algn="l" defTabSz="914400" rtl="0" eaLnBrk="1" fontAlgn="auto" latinLnBrk="0" hangingPunct="1">
+              <a:lnSpc>
+                <a:spcPct val="100000"/>
+              </a:lnSpc>
+              <a:spcBef>
+                <a:spcPts val="0"/>
+              </a:spcBef>
+              <a:spcAft>
+                <a:spcPts val="0"/>
+              </a:spcAft>
+              <a:buClrTx/>
+              <a:buSzTx/>
+              <a:buFontTx/>
+              <a:buAutoNum type="arabicPeriod"/>
+              <a:tabLst/>
+              <a:defRPr/>
+            </a:pPr>
+            <a:r>
+              <a:rPr lang="zh-CN" altLang="en-US" baseline="0" dirty="0"/>
+              <a:t>增强个人影响能力，将自己的技术积累更好的分享给</a:t>
+            </a:r>
+            <a:r>
+              <a:rPr lang="en-US" altLang="zh-CN" baseline="0" dirty="0"/>
+              <a:t>YunOS</a:t>
+            </a:r>
+            <a:r>
+              <a:rPr lang="zh-CN" altLang="en-US" baseline="0" dirty="0"/>
+              <a:t>团队同学。</a:t>
+            </a:r>
+            <a:endParaRPr lang="en-US" altLang="zh-CN" dirty="0"/>
+          </a:p>
+          <a:p>
             <a:endParaRPr lang="zh-CN" altLang="en-US" dirty="0"/>
+          </a:p>
+        </p:txBody>
+      </p:sp>
+      <p:sp>
+        <p:nvSpPr>
+          <p:cNvPr id="4" name="灯片编号占位符 3"/>
+          <p:cNvSpPr>
+            <a:spLocks noGrp="1"/>
+          </p:cNvSpPr>
+          <p:nvPr>
+            <p:ph type="sldNum" sz="quarter" idx="10"/>
+          </p:nvPr>
+        </p:nvSpPr>
+        <p:spPr/>
+        <p:txBody>
+          <a:bodyPr/>
+          <a:lstStyle/>
+          <a:p>
+            <a:fld id="{6718EBDC-2EC4-468E-B182-1717C37A33F0}" type="slidenum">
+              <a:rPr lang="zh-CN" altLang="en-US" smtClean="0"/>
+              <a:t>14</a:t>
+            </a:fld>
+            <a:endParaRPr lang="zh-CN" altLang="en-US"/>
+          </a:p>
+        </p:txBody>
+      </p:sp>
+    </p:spTree>
+    <p:extLst>
+      <p:ext uri="{BB962C8B-B14F-4D97-AF65-F5344CB8AC3E}">
+        <p14:creationId xmlns:p14="http://schemas.microsoft.com/office/powerpoint/2010/main" val="1143014619"/>
+      </p:ext>
+    </p:extLst>
+  </p:cSld>
+  <p:clrMapOvr>
+    <a:masterClrMapping/>
+  </p:clrMapOvr>
+</p:notes>
+</file>
+
+<file path=ppt/notesSlides/notesSlide14.xml><?xml version="1.0" encoding="utf-8"?>
+<p:notes xmlns:a="http://schemas.openxmlformats.org/drawingml/2006/main" xmlns:r="http://schemas.openxmlformats.org/officeDocument/2006/relationships" xmlns:p="http://schemas.openxmlformats.org/presentationml/2006/main">
+  <p:cSld>
+    <p:spTree>
+      <p:nvGrpSpPr>
+        <p:cNvPr id="1" name=""/>
+        <p:cNvGrpSpPr/>
+        <p:nvPr/>
+      </p:nvGrpSpPr>
+      <p:grpSpPr>
+        <a:xfrm>
+          <a:off x="0" y="0"/>
+          <a:ext cx="0" cy="0"/>
+          <a:chOff x="0" y="0"/>
+          <a:chExt cx="0" cy="0"/>
+        </a:xfrm>
+      </p:grpSpPr>
+      <p:sp>
+        <p:nvSpPr>
+          <p:cNvPr id="2" name="幻灯片图像占位符 1"/>
+          <p:cNvSpPr>
+            <a:spLocks noGrp="1" noRot="1" noChangeAspect="1"/>
+          </p:cNvSpPr>
+          <p:nvPr>
+            <p:ph type="sldImg"/>
+          </p:nvPr>
+        </p:nvSpPr>
+        <p:spPr/>
+      </p:sp>
+      <p:sp>
+        <p:nvSpPr>
+          <p:cNvPr id="3" name="备注占位符 2"/>
+          <p:cNvSpPr>
+            <a:spLocks noGrp="1"/>
+          </p:cNvSpPr>
+          <p:nvPr>
+            <p:ph type="body" idx="1"/>
+          </p:nvPr>
+        </p:nvSpPr>
+        <p:spPr/>
+        <p:txBody>
+          <a:bodyPr/>
+          <a:lstStyle/>
+          <a:p>
+            <a:r>
+              <a:rPr lang="zh-CN" altLang="en-US" dirty="0"/>
+              <a:t>最后感谢各位评委听我的述职陈述，谢谢大家。</a:t>
+            </a:r>
           </a:p>
         </p:txBody>
       </p:sp>
@@ -1515,18 +1898,9 @@
           <a:lstStyle/>
           <a:p>
             <a:r>
-              <a:rPr lang="zh-CN" altLang="en-US" dirty="0" smtClean="0"/>
-              <a:t>下面我分别从负责的</a:t>
-            </a:r>
-            <a:r>
-              <a:rPr lang="en-US" altLang="zh-CN" dirty="0" smtClean="0"/>
-              <a:t>2</a:t>
-            </a:r>
-            <a:r>
-              <a:rPr lang="zh-CN" altLang="en-US" dirty="0" smtClean="0"/>
-              <a:t>个业务方向，来进行阐述。重点是描述业务方向内面临的挑战，解决思路和技术亮点以及该项目的收益。</a:t>
-            </a:r>
-            <a:endParaRPr lang="zh-CN" altLang="en-US" dirty="0"/>
+              <a:rPr lang="zh-CN" altLang="en-US" dirty="0"/>
+              <a:t>下面我从负责的两个业务项目来分别进行阐述。重点是描述项目中面临的挑战，解决思路和技术亮点以及该项目的收益。</a:t>
+            </a:r>
           </a:p>
         </p:txBody>
       </p:sp>
@@ -1611,49 +1985,49 @@
           <a:lstStyle/>
           <a:p>
             <a:r>
-              <a:rPr lang="zh-CN" altLang="en-US" dirty="0" smtClean="0"/>
+              <a:rPr lang="zh-CN" altLang="en-US" dirty="0"/>
               <a:t>首先是</a:t>
             </a:r>
             <a:r>
-              <a:rPr lang="en-US" altLang="zh-CN" dirty="0" smtClean="0"/>
+              <a:rPr lang="en-US" altLang="zh-CN" dirty="0"/>
               <a:t>YunOS</a:t>
             </a:r>
             <a:r>
-              <a:rPr lang="en-US" altLang="zh-CN" baseline="0" dirty="0" smtClean="0"/>
+              <a:rPr lang="en-US" altLang="zh-CN" baseline="0" dirty="0"/>
               <a:t> ROM</a:t>
             </a:r>
             <a:r>
-              <a:rPr lang="zh-CN" altLang="en-US" baseline="0" dirty="0" smtClean="0"/>
-              <a:t>适配方向，我的职责是</a:t>
-            </a:r>
-            <a:r>
-              <a:rPr lang="en-US" altLang="zh-CN" baseline="0" dirty="0" smtClean="0"/>
+              <a:rPr lang="zh-CN" altLang="en-US" baseline="0" dirty="0"/>
+              <a:t>适配项目，在这个项目中，我的职责是</a:t>
+            </a:r>
+            <a:r>
+              <a:rPr lang="en-US" altLang="zh-CN" baseline="0" dirty="0"/>
               <a:t>MTK</a:t>
             </a:r>
             <a:r>
-              <a:rPr lang="zh-CN" altLang="en-US" baseline="0" dirty="0" smtClean="0"/>
+              <a:rPr lang="zh-CN" altLang="en-US" baseline="0" dirty="0"/>
               <a:t>平台机型适配的负责人。</a:t>
             </a:r>
             <a:r>
-              <a:rPr lang="en-US" altLang="zh-CN" dirty="0" smtClean="0"/>
+              <a:rPr lang="en-US" altLang="zh-CN" dirty="0"/>
               <a:t>ROM</a:t>
             </a:r>
             <a:r>
-              <a:rPr lang="zh-CN" altLang="en-US" dirty="0" smtClean="0"/>
-              <a:t>适配方向面临的挑战是：</a:t>
-            </a:r>
-            <a:endParaRPr lang="en-US" altLang="zh-CN" dirty="0" smtClean="0"/>
+              <a:rPr lang="zh-CN" altLang="en-US" dirty="0"/>
+              <a:t>适配项目面临的挑战是：</a:t>
+            </a:r>
+            <a:endParaRPr lang="en-US" altLang="zh-CN" dirty="0"/>
           </a:p>
           <a:p>
             <a:pPr marL="228600" indent="-228600">
               <a:buAutoNum type="arabicPeriod"/>
             </a:pPr>
             <a:r>
-              <a:rPr lang="zh-CN" altLang="en-US" dirty="0" smtClean="0"/>
-              <a:t>适配平台较多，适配的机型复杂，而且每个机型有明确的适配时间点</a:t>
-            </a:r>
-            <a:r>
-              <a:rPr lang="en-US" altLang="zh-CN" dirty="0" smtClean="0"/>
+              <a:rPr lang="zh-CN" altLang="en-US" dirty="0"/>
+              <a:t>适配的机型较多，适配周期紧，每款适配机型有明确的发布时间点</a:t>
+            </a:r>
+            <a:r>
+              <a:rPr lang="en-US" altLang="zh-CN" dirty="0"/>
               <a:t>.</a:t>
             </a:r>
           </a:p>
@@ -1662,31 +2036,27 @@
               <a:buAutoNum type="arabicPeriod"/>
             </a:pPr>
             <a:r>
-              <a:rPr lang="zh-CN" altLang="en-US" dirty="0" smtClean="0"/>
-              <a:t>适配流程繁琐</a:t>
-            </a:r>
-            <a:r>
-              <a:rPr lang="zh-CN" altLang="en-US" dirty="0" smtClean="0"/>
-              <a:t>，涉及到</a:t>
-            </a:r>
-            <a:r>
-              <a:rPr lang="en-US" altLang="zh-CN" dirty="0" smtClean="0"/>
+              <a:rPr lang="zh-CN" altLang="en-US" dirty="0"/>
+              <a:t>适配流程繁琐，涉及到</a:t>
+            </a:r>
+            <a:r>
+              <a:rPr lang="en-US" altLang="zh-CN" dirty="0"/>
               <a:t>boot</a:t>
             </a:r>
             <a:r>
-              <a:rPr lang="zh-CN" altLang="en-US" dirty="0" smtClean="0"/>
+              <a:rPr lang="zh-CN" altLang="en-US" dirty="0"/>
               <a:t>分区和</a:t>
             </a:r>
             <a:r>
-              <a:rPr lang="en-US" altLang="zh-CN" dirty="0" smtClean="0"/>
+              <a:rPr lang="en-US" altLang="zh-CN" dirty="0"/>
               <a:t>system</a:t>
             </a:r>
             <a:r>
-              <a:rPr lang="zh-CN" altLang="en-US" dirty="0" smtClean="0"/>
+              <a:rPr lang="zh-CN" altLang="en-US" dirty="0"/>
               <a:t>分区的移植以及刷机脚本的编写</a:t>
             </a:r>
             <a:r>
-              <a:rPr lang="en-US" altLang="zh-CN" dirty="0" smtClean="0"/>
+              <a:rPr lang="en-US" altLang="zh-CN" dirty="0"/>
               <a:t>.</a:t>
             </a:r>
           </a:p>
@@ -1695,43 +2065,35 @@
               <a:buAutoNum type="arabicPeriod"/>
             </a:pPr>
             <a:r>
-              <a:rPr lang="zh-CN" altLang="en-US" dirty="0" smtClean="0"/>
-              <a:t>适配过程中遇到的问题很复杂，从应用层的</a:t>
-            </a:r>
-            <a:r>
-              <a:rPr lang="en-US" altLang="zh-CN" dirty="0" smtClean="0"/>
+              <a:rPr lang="zh-CN" altLang="en-US" dirty="0"/>
+              <a:t>适配过程中遇到的问题较多而且定位复杂，从应用层的</a:t>
+            </a:r>
+            <a:r>
+              <a:rPr lang="en-US" altLang="zh-CN" dirty="0"/>
               <a:t>UI</a:t>
             </a:r>
             <a:r>
-              <a:rPr lang="zh-CN" altLang="en-US" dirty="0" smtClean="0"/>
-              <a:t>适配</a:t>
-            </a:r>
-            <a:r>
-              <a:rPr lang="zh-CN" altLang="en-US" dirty="0" smtClean="0"/>
-              <a:t>到</a:t>
-            </a:r>
-            <a:r>
-              <a:rPr lang="en-US" altLang="zh-CN" dirty="0" smtClean="0"/>
+              <a:rPr lang="zh-CN" altLang="en-US" dirty="0"/>
+              <a:t>适配到</a:t>
+            </a:r>
+            <a:r>
+              <a:rPr lang="en-US" altLang="zh-CN" dirty="0"/>
               <a:t>Framework</a:t>
             </a:r>
             <a:r>
-              <a:rPr lang="zh-CN" altLang="en-US" dirty="0" smtClean="0"/>
+              <a:rPr lang="zh-CN" altLang="en-US" dirty="0"/>
               <a:t>层的问题定位以及</a:t>
             </a:r>
             <a:r>
-              <a:rPr lang="en-US" altLang="zh-CN" dirty="0" smtClean="0"/>
+              <a:rPr lang="en-US" altLang="zh-CN" dirty="0"/>
               <a:t>JNI</a:t>
             </a:r>
             <a:r>
-              <a:rPr lang="zh-CN" altLang="en-US" dirty="0" smtClean="0"/>
-              <a:t>层的动态库替换均</a:t>
-            </a:r>
-            <a:r>
-              <a:rPr lang="zh-CN" altLang="en-US" dirty="0" smtClean="0"/>
-              <a:t>有涉及</a:t>
-            </a:r>
-            <a:r>
-              <a:rPr lang="en-US" altLang="zh-CN" dirty="0" smtClean="0"/>
+              <a:rPr lang="zh-CN" altLang="en-US" dirty="0"/>
+              <a:t>层的动态库替换均有涉及</a:t>
+            </a:r>
+            <a:r>
+              <a:rPr lang="en-US" altLang="zh-CN" dirty="0"/>
               <a:t>.</a:t>
             </a:r>
           </a:p>
@@ -1740,29 +2102,30 @@
               <a:buAutoNum type="arabicPeriod"/>
             </a:pPr>
             <a:r>
-              <a:rPr lang="zh-CN" altLang="en-US" dirty="0" smtClean="0"/>
-              <a:t>打包流程非常繁琐，</a:t>
-            </a:r>
-            <a:r>
-              <a:rPr lang="en-US" altLang="zh-CN" dirty="0" smtClean="0"/>
+              <a:rPr lang="en-US" altLang="zh-CN" dirty="0"/>
               <a:t>ROM</a:t>
             </a:r>
             <a:r>
-              <a:rPr lang="zh-CN" altLang="en-US" dirty="0" smtClean="0"/>
-              <a:t>发布涉及多平台，而每个平台对</a:t>
-            </a:r>
-            <a:r>
-              <a:rPr lang="en-US" altLang="zh-CN" dirty="0" smtClean="0"/>
+              <a:rPr lang="zh-CN" altLang="en-US" dirty="0"/>
+              <a:t>包的发布涉及到多平台，而每个平台对</a:t>
+            </a:r>
+            <a:r>
+              <a:rPr lang="en-US" altLang="zh-CN" dirty="0"/>
               <a:t>ROM</a:t>
             </a:r>
             <a:r>
-              <a:rPr lang="zh-CN" altLang="en-US" dirty="0" smtClean="0"/>
-              <a:t>包内容要求均不相同</a:t>
-            </a:r>
-            <a:r>
-              <a:rPr lang="en-US" altLang="zh-CN" dirty="0" smtClean="0"/>
-              <a:t>.</a:t>
-            </a:r>
+              <a:rPr lang="zh-CN" altLang="en-US" dirty="0"/>
+              <a:t>包的要求均不相同，因此需要针对各平台再单独的修改</a:t>
+            </a:r>
+            <a:r>
+              <a:rPr lang="en-US" altLang="zh-CN" dirty="0"/>
+              <a:t>ROM</a:t>
+            </a:r>
+            <a:r>
+              <a:rPr lang="zh-CN" altLang="en-US" dirty="0"/>
+              <a:t>包，过程相当耗时，而且容易出现人为的失误。</a:t>
+            </a:r>
+            <a:endParaRPr lang="en-US" altLang="zh-CN" dirty="0"/>
           </a:p>
         </p:txBody>
       </p:sp>
@@ -1847,160 +2210,285 @@
           <a:lstStyle/>
           <a:p>
             <a:r>
-              <a:rPr lang="zh-CN" altLang="en-US" dirty="0" smtClean="0"/>
+              <a:rPr lang="zh-CN" altLang="en-US" dirty="0"/>
               <a:t>作为</a:t>
             </a:r>
             <a:r>
-              <a:rPr lang="en-US" altLang="zh-CN" dirty="0" smtClean="0"/>
+              <a:rPr lang="en-US" altLang="zh-CN" dirty="0"/>
               <a:t>MTK</a:t>
             </a:r>
             <a:r>
-              <a:rPr lang="zh-CN" altLang="en-US" dirty="0" smtClean="0"/>
+              <a:rPr lang="zh-CN" altLang="en-US" dirty="0"/>
               <a:t>平台</a:t>
             </a:r>
             <a:r>
-              <a:rPr lang="en-US" altLang="zh-CN" dirty="0" smtClean="0"/>
+              <a:rPr lang="en-US" altLang="zh-CN" dirty="0"/>
               <a:t>Rom</a:t>
             </a:r>
             <a:r>
-              <a:rPr lang="zh-CN" altLang="en-US" dirty="0" smtClean="0"/>
-              <a:t>适配的负责人，</a:t>
-            </a:r>
-            <a:r>
-              <a:rPr lang="zh-CN" altLang="en-US" dirty="0" smtClean="0"/>
-              <a:t>解决这些挑战</a:t>
-            </a:r>
-            <a:r>
-              <a:rPr lang="zh-CN" altLang="en-US" dirty="0" smtClean="0"/>
-              <a:t>的思路是</a:t>
-            </a:r>
-            <a:r>
-              <a:rPr lang="en-US" altLang="zh-CN" dirty="0" smtClean="0"/>
+              <a:rPr lang="zh-CN" altLang="en-US" dirty="0"/>
+              <a:t>适配的负责人，解决这些挑战的思路是</a:t>
+            </a:r>
+            <a:r>
+              <a:rPr lang="en-US" altLang="zh-CN" dirty="0"/>
               <a:t>:</a:t>
             </a:r>
+          </a:p>
+          <a:p>
+            <a:pPr marL="228600" marR="0" indent="-228600" algn="l" defTabSz="914400" rtl="0" eaLnBrk="1" fontAlgn="auto" latinLnBrk="0" hangingPunct="1">
+              <a:lnSpc>
+                <a:spcPct val="100000"/>
+              </a:lnSpc>
+              <a:spcBef>
+                <a:spcPts val="0"/>
+              </a:spcBef>
+              <a:spcAft>
+                <a:spcPts val="0"/>
+              </a:spcAft>
+              <a:buClrTx/>
+              <a:buSzTx/>
+              <a:buFont typeface="+mj-lt"/>
+              <a:buAutoNum type="arabicPeriod"/>
+              <a:tabLst/>
+              <a:defRPr/>
+            </a:pPr>
+            <a:r>
+              <a:rPr lang="zh-CN" altLang="en-US" dirty="0"/>
+              <a:t>统一</a:t>
+            </a:r>
+            <a:r>
+              <a:rPr lang="en-US" altLang="zh-CN" dirty="0"/>
+              <a:t>MTK</a:t>
+            </a:r>
+            <a:r>
+              <a:rPr lang="zh-CN" altLang="en-US" dirty="0"/>
+              <a:t>平台</a:t>
+            </a:r>
+            <a:r>
+              <a:rPr lang="en-US" altLang="zh-CN" dirty="0"/>
+              <a:t>ROM</a:t>
+            </a:r>
+            <a:r>
+              <a:rPr lang="zh-CN" altLang="en-US" dirty="0"/>
+              <a:t>适配方案，采取的方案是：基于适配机型的原生</a:t>
+            </a:r>
+            <a:r>
+              <a:rPr lang="en-US" altLang="zh-CN" dirty="0"/>
+              <a:t>ROM</a:t>
+            </a:r>
+            <a:r>
+              <a:rPr lang="zh-CN" altLang="en-US" dirty="0"/>
+              <a:t>包，将相同或类似</a:t>
+            </a:r>
+            <a:r>
+              <a:rPr lang="en-US" altLang="zh-CN" dirty="0"/>
+              <a:t>CPU</a:t>
+            </a:r>
+            <a:r>
+              <a:rPr lang="zh-CN" altLang="en-US" dirty="0"/>
+              <a:t>平台的</a:t>
+            </a:r>
+            <a:r>
+              <a:rPr lang="en-US" altLang="zh-CN" dirty="0"/>
+              <a:t>YunOS</a:t>
+            </a:r>
+            <a:r>
+              <a:rPr lang="en-US" altLang="zh-CN" baseline="0" dirty="0"/>
+              <a:t> ROM</a:t>
+            </a:r>
+            <a:r>
+              <a:rPr lang="zh-CN" altLang="en-US" baseline="0" dirty="0"/>
+              <a:t>包移植到原生</a:t>
+            </a:r>
+            <a:r>
+              <a:rPr lang="en-US" altLang="zh-CN" baseline="0" dirty="0"/>
+              <a:t>ROM</a:t>
+            </a:r>
+            <a:r>
+              <a:rPr lang="zh-CN" altLang="en-US" baseline="0" dirty="0"/>
+              <a:t>包上。这样做可以避免</a:t>
+            </a:r>
+            <a:r>
+              <a:rPr lang="en-US" altLang="zh-CN" baseline="0" dirty="0"/>
+              <a:t>kernel</a:t>
+            </a:r>
+            <a:r>
+              <a:rPr lang="zh-CN" altLang="en-US" baseline="0" dirty="0"/>
+              <a:t>层适配带来的风险，毕竟适配机型是无法拿到</a:t>
+            </a:r>
+            <a:r>
+              <a:rPr lang="en-US" altLang="zh-CN" baseline="0" dirty="0"/>
+              <a:t>kernel</a:t>
+            </a:r>
+            <a:r>
+              <a:rPr lang="zh-CN" altLang="en-US" baseline="0" dirty="0"/>
+              <a:t>层源码的。而且这种方案适配出来的</a:t>
+            </a:r>
+            <a:r>
+              <a:rPr lang="en-US" altLang="zh-CN" baseline="0" dirty="0"/>
+              <a:t>ROM</a:t>
+            </a:r>
+            <a:r>
+              <a:rPr lang="zh-CN" altLang="en-US" baseline="0" dirty="0"/>
+              <a:t>比较稳定</a:t>
+            </a:r>
+            <a:r>
+              <a:rPr lang="en-US" altLang="zh-CN" baseline="0" dirty="0"/>
+              <a:t>.</a:t>
+            </a:r>
+          </a:p>
+          <a:p>
+            <a:pPr marL="228600" marR="0" indent="-228600" algn="l" defTabSz="914400" rtl="0" eaLnBrk="1" fontAlgn="auto" latinLnBrk="0" hangingPunct="1">
+              <a:lnSpc>
+                <a:spcPct val="100000"/>
+              </a:lnSpc>
+              <a:spcBef>
+                <a:spcPts val="0"/>
+              </a:spcBef>
+              <a:spcAft>
+                <a:spcPts val="0"/>
+              </a:spcAft>
+              <a:buClrTx/>
+              <a:buSzTx/>
+              <a:buFont typeface="+mj-lt"/>
+              <a:buAutoNum type="arabicPeriod"/>
+              <a:tabLst/>
+              <a:defRPr/>
+            </a:pPr>
+            <a:r>
+              <a:rPr lang="zh-CN" altLang="en-US" baseline="0" dirty="0"/>
+              <a:t>用代码自动化</a:t>
+            </a:r>
+            <a:r>
+              <a:rPr lang="en-US" altLang="zh-CN" baseline="0" dirty="0"/>
+              <a:t>ROM</a:t>
+            </a:r>
+            <a:r>
+              <a:rPr lang="zh-CN" altLang="en-US" baseline="0" dirty="0"/>
+              <a:t>构建流程，我给这个工程命名为</a:t>
+            </a:r>
+            <a:r>
+              <a:rPr lang="en-US" altLang="zh-CN" baseline="0" dirty="0" err="1"/>
+              <a:t>RomPorting</a:t>
+            </a:r>
+            <a:r>
+              <a:rPr lang="zh-CN" altLang="en-US" baseline="0" dirty="0"/>
+              <a:t>，托管在阿里的</a:t>
+            </a:r>
+            <a:r>
+              <a:rPr lang="en-US" altLang="zh-CN" baseline="0" dirty="0" err="1"/>
+              <a:t>gitlab</a:t>
+            </a:r>
+            <a:r>
+              <a:rPr lang="zh-CN" altLang="en-US" baseline="0" dirty="0"/>
+              <a:t>上。具体包括：封装</a:t>
+            </a:r>
+            <a:r>
+              <a:rPr lang="en-US" altLang="zh-CN" baseline="0" dirty="0" err="1"/>
+              <a:t>boot.img</a:t>
+            </a:r>
+            <a:r>
+              <a:rPr lang="zh-CN" altLang="en-US" baseline="0" dirty="0"/>
+              <a:t>的解包过程，最小化移植</a:t>
+            </a:r>
+            <a:r>
+              <a:rPr lang="en-US" altLang="zh-CN" baseline="0" dirty="0"/>
+              <a:t>System</a:t>
+            </a:r>
+            <a:r>
+              <a:rPr lang="zh-CN" altLang="en-US" baseline="0" dirty="0"/>
+              <a:t>分区，以及自动刷机验证等</a:t>
+            </a:r>
+            <a:r>
+              <a:rPr lang="en-US" altLang="zh-CN" baseline="0" dirty="0"/>
+              <a:t>.</a:t>
+            </a:r>
+          </a:p>
+          <a:p>
+            <a:pPr marL="228600" marR="0" indent="-228600" algn="l" defTabSz="914400" rtl="0" eaLnBrk="1" fontAlgn="auto" latinLnBrk="0" hangingPunct="1">
+              <a:lnSpc>
+                <a:spcPct val="100000"/>
+              </a:lnSpc>
+              <a:spcBef>
+                <a:spcPts val="0"/>
+              </a:spcBef>
+              <a:spcAft>
+                <a:spcPts val="0"/>
+              </a:spcAft>
+              <a:buClrTx/>
+              <a:buSzTx/>
+              <a:buFont typeface="+mj-lt"/>
+              <a:buAutoNum type="arabicPeriod"/>
+              <a:tabLst/>
+              <a:defRPr/>
+            </a:pPr>
+            <a:r>
+              <a:rPr lang="zh-CN" altLang="en-US" baseline="0" dirty="0"/>
+              <a:t>自动化</a:t>
+            </a:r>
+            <a:r>
+              <a:rPr lang="en-US" altLang="zh-CN" baseline="0" dirty="0"/>
+              <a:t>ROM</a:t>
+            </a:r>
+            <a:r>
+              <a:rPr lang="zh-CN" altLang="en-US" baseline="0" dirty="0"/>
+              <a:t>包发布流程，将人工的拆包修改再打包过程通过代码交给</a:t>
+            </a:r>
+            <a:r>
+              <a:rPr lang="en-US" altLang="zh-CN" baseline="0" dirty="0"/>
+              <a:t>Jenkins</a:t>
+            </a:r>
+            <a:r>
+              <a:rPr lang="zh-CN" altLang="en-US" baseline="0" dirty="0"/>
+              <a:t>来执行。</a:t>
+            </a:r>
+            <a:endParaRPr lang="en-US" altLang="zh-CN" baseline="0" dirty="0"/>
+          </a:p>
+          <a:p>
+            <a:pPr marL="228600" marR="0" indent="-228600" algn="l" defTabSz="914400" rtl="0" eaLnBrk="1" fontAlgn="auto" latinLnBrk="0" hangingPunct="1">
+              <a:lnSpc>
+                <a:spcPct val="100000"/>
+              </a:lnSpc>
+              <a:spcBef>
+                <a:spcPts val="0"/>
+              </a:spcBef>
+              <a:spcAft>
+                <a:spcPts val="0"/>
+              </a:spcAft>
+              <a:buClrTx/>
+              <a:buSzTx/>
+              <a:buFont typeface="+mj-lt"/>
+              <a:buAutoNum type="arabicPeriod"/>
+              <a:tabLst/>
+              <a:defRPr/>
+            </a:pPr>
+            <a:r>
+              <a:rPr lang="zh-CN" altLang="en-US" dirty="0"/>
+              <a:t>第四点也是最关键的一点，需要提高自己对</a:t>
+            </a:r>
+            <a:r>
+              <a:rPr lang="en-US" altLang="zh-CN" dirty="0"/>
+              <a:t>YunOS</a:t>
+            </a:r>
+            <a:r>
+              <a:rPr lang="zh-CN" altLang="en-US" dirty="0"/>
+              <a:t>架构体系的了解，增强自己的知识储备。既能够通过系统日志解决系统起机问题，也能通过自定义控件解决</a:t>
+            </a:r>
+            <a:r>
+              <a:rPr lang="en-US" altLang="zh-CN" dirty="0"/>
+              <a:t>UI</a:t>
+            </a:r>
+            <a:r>
+              <a:rPr lang="zh-CN" altLang="en-US" dirty="0"/>
+              <a:t>显示问题。</a:t>
+            </a:r>
+            <a:endParaRPr lang="en-US" altLang="zh-CN" dirty="0"/>
           </a:p>
           <a:p>
             <a:pPr marL="228600" indent="-228600">
               <a:buAutoNum type="arabicPeriod"/>
             </a:pPr>
-            <a:r>
-              <a:rPr lang="zh-CN" altLang="en-US" dirty="0" smtClean="0"/>
-              <a:t>虽然适配的</a:t>
-            </a:r>
-            <a:r>
-              <a:rPr lang="en-US" altLang="zh-CN" dirty="0" smtClean="0"/>
-              <a:t>CPU</a:t>
-            </a:r>
-            <a:r>
-              <a:rPr lang="zh-CN" altLang="en-US" dirty="0" smtClean="0"/>
-              <a:t>平台不同，机型不同，但是适配的过程大致都可以分为</a:t>
-            </a:r>
-            <a:r>
-              <a:rPr lang="en-US" altLang="zh-CN" dirty="0" smtClean="0"/>
-              <a:t>boot</a:t>
-            </a:r>
-            <a:r>
-              <a:rPr lang="zh-CN" altLang="en-US" dirty="0" smtClean="0"/>
-              <a:t>分区适配，</a:t>
-            </a:r>
-            <a:r>
-              <a:rPr lang="en-US" altLang="zh-CN" dirty="0" smtClean="0"/>
-              <a:t>system</a:t>
-            </a:r>
-            <a:r>
-              <a:rPr lang="zh-CN" altLang="en-US" dirty="0" smtClean="0"/>
-              <a:t>分区分层适配和</a:t>
-            </a:r>
-            <a:r>
-              <a:rPr lang="en-US" altLang="zh-CN" dirty="0" smtClean="0"/>
-              <a:t>recovery</a:t>
-            </a:r>
-            <a:r>
-              <a:rPr lang="zh-CN" altLang="en-US" dirty="0" smtClean="0"/>
-              <a:t>刷机脚本适配。既然有相同的过程，就可以通过代码将适配过程自动化，系统化。</a:t>
-            </a:r>
-            <a:endParaRPr lang="en-US" altLang="zh-CN" dirty="0" smtClean="0"/>
-          </a:p>
-          <a:p>
-            <a:pPr marL="228600" indent="-228600">
-              <a:buAutoNum type="arabicPeriod"/>
-            </a:pPr>
-            <a:r>
-              <a:rPr lang="en-US" altLang="zh-CN" dirty="0" smtClean="0"/>
-              <a:t>ROM</a:t>
-            </a:r>
-            <a:r>
-              <a:rPr lang="zh-CN" altLang="en-US" dirty="0" smtClean="0"/>
-              <a:t>发布过程，虽然各平台要求不同，但是有具体的要求就可被实例化，代码化。结合</a:t>
-            </a:r>
-            <a:r>
-              <a:rPr lang="en-US" altLang="zh-CN" dirty="0" smtClean="0"/>
-              <a:t>Jenkins</a:t>
-            </a:r>
-            <a:r>
-              <a:rPr lang="zh-CN" altLang="en-US" dirty="0" smtClean="0"/>
-              <a:t>的后台能力，通过</a:t>
-            </a:r>
-            <a:r>
-              <a:rPr lang="en-US" altLang="zh-CN" dirty="0" smtClean="0"/>
-              <a:t>bash</a:t>
-            </a:r>
-            <a:r>
-              <a:rPr lang="zh-CN" altLang="en-US" dirty="0" smtClean="0"/>
-              <a:t>代码在服务器上对原始</a:t>
-            </a:r>
-            <a:r>
-              <a:rPr lang="en-US" altLang="zh-CN" dirty="0" smtClean="0"/>
-              <a:t>ROM</a:t>
-            </a:r>
-            <a:r>
-              <a:rPr lang="zh-CN" altLang="en-US" dirty="0" smtClean="0"/>
-              <a:t>包进行拆包按要求组装然后重新打包发布的流程，既节约效率，又能增加</a:t>
-            </a:r>
-            <a:r>
-              <a:rPr lang="en-US" altLang="zh-CN" dirty="0" smtClean="0"/>
-              <a:t>ROM</a:t>
-            </a:r>
-            <a:r>
-              <a:rPr lang="zh-CN" altLang="en-US" dirty="0" smtClean="0"/>
-              <a:t>包稳定性</a:t>
-            </a:r>
-            <a:r>
-              <a:rPr lang="en-US" altLang="zh-CN" dirty="0" smtClean="0"/>
-              <a:t>.</a:t>
-            </a:r>
-          </a:p>
-          <a:p>
-            <a:pPr marL="228600" indent="-228600">
-              <a:buAutoNum type="arabicPeriod"/>
-            </a:pPr>
-            <a:r>
-              <a:rPr lang="zh-CN" altLang="en-US" dirty="0" smtClean="0"/>
-              <a:t>第三点也是最关键一点，需要提高自身对</a:t>
-            </a:r>
-            <a:r>
-              <a:rPr lang="en-US" altLang="zh-CN" dirty="0" smtClean="0"/>
-              <a:t>YunOS</a:t>
-            </a:r>
-            <a:r>
-              <a:rPr lang="zh-CN" altLang="en-US" dirty="0" smtClean="0"/>
-              <a:t>架构体系的了解，增强自己的知识储备。既能够通过系统日志解决系统起机问题，也能通过自定义控件解决</a:t>
-            </a:r>
-            <a:r>
-              <a:rPr lang="en-US" altLang="zh-CN" dirty="0" smtClean="0"/>
-              <a:t>UI</a:t>
-            </a:r>
-            <a:r>
-              <a:rPr lang="zh-CN" altLang="en-US" dirty="0" smtClean="0"/>
-              <a:t>显示问题。</a:t>
-            </a:r>
-            <a:endParaRPr lang="en-US" altLang="zh-CN" dirty="0" smtClean="0"/>
-          </a:p>
-          <a:p>
-            <a:pPr marL="228600" indent="-228600">
-              <a:buAutoNum type="arabicPeriod"/>
-            </a:pPr>
-            <a:endParaRPr lang="en-US" altLang="zh-CN" dirty="0" smtClean="0"/>
+            <a:endParaRPr lang="en-US" altLang="zh-CN" dirty="0"/>
           </a:p>
           <a:p>
             <a:pPr marL="228600" indent="-228600">
@@ -2091,181 +2579,278 @@
           <a:lstStyle/>
           <a:p>
             <a:r>
-              <a:rPr lang="zh-CN" altLang="en-US" dirty="0" smtClean="0"/>
+              <a:rPr lang="zh-CN" altLang="en-US" dirty="0"/>
               <a:t>接下来就是</a:t>
             </a:r>
             <a:r>
-              <a:rPr lang="en-US" altLang="zh-CN" dirty="0" smtClean="0"/>
+              <a:rPr lang="en-US" altLang="zh-CN" dirty="0"/>
               <a:t>ROM</a:t>
             </a:r>
             <a:r>
-              <a:rPr lang="zh-CN" altLang="en-US" dirty="0" smtClean="0"/>
-              <a:t>包构建发布系统的介绍。分为两部分：</a:t>
-            </a:r>
-            <a:endParaRPr lang="en-US" altLang="zh-CN" dirty="0" smtClean="0"/>
+              <a:rPr lang="zh-CN" altLang="en-US" dirty="0"/>
+              <a:t>包构建发布系统的介绍。分为两部分，构建系统和发布系统。</a:t>
+            </a:r>
+            <a:endParaRPr lang="en-US" altLang="zh-CN" dirty="0"/>
           </a:p>
           <a:p>
             <a:pPr marL="228600" indent="-228600">
               <a:buAutoNum type="arabicPeriod"/>
             </a:pPr>
             <a:r>
-              <a:rPr lang="zh-CN" altLang="en-US" baseline="0" dirty="0" smtClean="0"/>
-              <a:t>构建系统：采用的</a:t>
-            </a:r>
-            <a:r>
-              <a:rPr lang="zh-CN" altLang="en-US" baseline="0" dirty="0" smtClean="0"/>
-              <a:t>是基于原始</a:t>
-            </a:r>
-            <a:r>
-              <a:rPr lang="zh-CN" altLang="en-US" baseline="0" dirty="0" smtClean="0"/>
-              <a:t>机型的</a:t>
-            </a:r>
-            <a:r>
-              <a:rPr lang="en-US" altLang="zh-CN" baseline="0" dirty="0" smtClean="0"/>
-              <a:t>Rom</a:t>
-            </a:r>
-            <a:r>
-              <a:rPr lang="zh-CN" altLang="en-US" baseline="0" dirty="0" smtClean="0"/>
-              <a:t>包，将</a:t>
-            </a:r>
-            <a:r>
-              <a:rPr lang="en-US" altLang="zh-CN" baseline="0" dirty="0" smtClean="0"/>
-              <a:t>YunOS</a:t>
-            </a:r>
-            <a:r>
-              <a:rPr lang="zh-CN" altLang="en-US" baseline="0" dirty="0" smtClean="0"/>
-              <a:t>的</a:t>
-            </a:r>
-            <a:r>
-              <a:rPr lang="en-US" altLang="zh-CN" baseline="0" dirty="0" smtClean="0"/>
+              <a:rPr lang="zh-CN" altLang="en-US" baseline="0" dirty="0"/>
+              <a:t>构建系统，对应着</a:t>
+            </a:r>
+            <a:r>
+              <a:rPr lang="en-US" altLang="zh-CN" baseline="0" dirty="0" err="1"/>
+              <a:t>gitlab</a:t>
+            </a:r>
+            <a:r>
+              <a:rPr lang="zh-CN" altLang="en-US" baseline="0" dirty="0"/>
+              <a:t>上的</a:t>
+            </a:r>
+            <a:r>
+              <a:rPr lang="en-US" altLang="zh-CN" baseline="0" dirty="0" err="1"/>
+              <a:t>RomPorting</a:t>
+            </a:r>
+            <a:r>
+              <a:rPr lang="zh-CN" altLang="en-US" baseline="0" dirty="0"/>
+              <a:t>项目。输入原生机型的</a:t>
+            </a:r>
+            <a:r>
+              <a:rPr lang="en-US" altLang="zh-CN" baseline="0" dirty="0"/>
               <a:t>ROM</a:t>
             </a:r>
             <a:r>
-              <a:rPr lang="zh-CN" altLang="en-US" baseline="0" dirty="0" smtClean="0"/>
-              <a:t>包分层</a:t>
-            </a:r>
-            <a:r>
-              <a:rPr lang="zh-CN" altLang="en-US" baseline="0" dirty="0" smtClean="0"/>
-              <a:t>替换原始</a:t>
-            </a:r>
-            <a:r>
-              <a:rPr lang="en-US" altLang="zh-CN" baseline="0" dirty="0" smtClean="0"/>
-              <a:t>ROM</a:t>
-            </a:r>
-            <a:r>
-              <a:rPr lang="zh-CN" altLang="en-US" baseline="0" dirty="0" smtClean="0"/>
-              <a:t>的</a:t>
-            </a:r>
-            <a:r>
-              <a:rPr lang="zh-CN" altLang="en-US" baseline="0" dirty="0" smtClean="0"/>
-              <a:t>内容的适配方案。</a:t>
-            </a:r>
-            <a:r>
-              <a:rPr lang="zh-CN" altLang="en-US" baseline="0" dirty="0" smtClean="0"/>
-              <a:t>其中</a:t>
-            </a:r>
-            <a:r>
-              <a:rPr lang="zh-CN" altLang="en-US" baseline="0" dirty="0" smtClean="0"/>
-              <a:t>，</a:t>
-            </a:r>
-            <a:r>
-              <a:rPr lang="en-US" altLang="zh-CN" baseline="0" dirty="0" smtClean="0"/>
-              <a:t>System</a:t>
-            </a:r>
-            <a:r>
-              <a:rPr lang="zh-CN" altLang="en-US" baseline="0" dirty="0" smtClean="0"/>
-              <a:t>分区的替换可以根据经验进行最小化替换，</a:t>
-            </a:r>
-            <a:r>
-              <a:rPr lang="en-US" altLang="zh-CN" baseline="0" dirty="0" err="1" smtClean="0"/>
+              <a:rPr lang="zh-CN" altLang="en-US" baseline="0" dirty="0"/>
+              <a:t>包和</a:t>
+            </a:r>
+            <a:r>
+              <a:rPr lang="en-US" altLang="zh-CN" baseline="0" dirty="0"/>
+              <a:t>YunOS ROM</a:t>
+            </a:r>
+            <a:r>
+              <a:rPr lang="zh-CN" altLang="en-US" baseline="0" dirty="0"/>
+              <a:t>包地址，通过自动化构建系统，对</a:t>
+            </a:r>
+            <a:r>
+              <a:rPr lang="en-US" altLang="zh-CN" baseline="0" dirty="0" err="1"/>
               <a:t>boot.img</a:t>
             </a:r>
             <a:r>
-              <a:rPr lang="zh-CN" altLang="en-US" baseline="0" dirty="0" smtClean="0"/>
-              <a:t>的</a:t>
-            </a:r>
-            <a:r>
-              <a:rPr lang="en-US" altLang="zh-CN" baseline="0" dirty="0" err="1" smtClean="0"/>
+              <a:rPr lang="zh-CN" altLang="en-US" baseline="0" dirty="0"/>
+              <a:t>进行自动解包，对</a:t>
+            </a:r>
+            <a:r>
+              <a:rPr lang="en-US" altLang="zh-CN" baseline="0" dirty="0"/>
+              <a:t>system</a:t>
+            </a:r>
+            <a:r>
+              <a:rPr lang="zh-CN" altLang="en-US" baseline="0" dirty="0"/>
+              <a:t>分区进行分层最小化替换，同时需要开发者移植</a:t>
+            </a:r>
+            <a:r>
+              <a:rPr lang="en-US" altLang="zh-CN" baseline="0" dirty="0"/>
+              <a:t>boot</a:t>
+            </a:r>
+            <a:r>
+              <a:rPr lang="zh-CN" altLang="en-US" baseline="0" dirty="0"/>
+              <a:t>分区的</a:t>
+            </a:r>
+            <a:r>
+              <a:rPr lang="en-US" altLang="zh-CN" baseline="0" dirty="0" err="1"/>
               <a:t>init</a:t>
             </a:r>
             <a:r>
-              <a:rPr lang="zh-CN" altLang="en-US" baseline="0" dirty="0" smtClean="0"/>
-              <a:t>模块替换和</a:t>
-            </a:r>
-            <a:r>
-              <a:rPr lang="en-US" altLang="zh-CN" baseline="0" dirty="0" smtClean="0"/>
+              <a:rPr lang="zh-CN" altLang="en-US" baseline="0" dirty="0"/>
+              <a:t>模块和编写刷机脚本，都完成后，构建系统会进行打包，并通过</a:t>
+            </a:r>
+            <a:r>
+              <a:rPr lang="en-US" altLang="zh-CN" baseline="0" dirty="0" err="1"/>
+              <a:t>adb</a:t>
+            </a:r>
+            <a:r>
+              <a:rPr lang="en-US" altLang="zh-CN" baseline="0" dirty="0"/>
+              <a:t> push</a:t>
+            </a:r>
+            <a:r>
+              <a:rPr lang="zh-CN" altLang="en-US" baseline="0" dirty="0"/>
+              <a:t>配合</a:t>
+            </a:r>
+            <a:r>
+              <a:rPr lang="en-US" altLang="zh-CN" baseline="0" dirty="0"/>
               <a:t>recovery</a:t>
             </a:r>
             <a:r>
-              <a:rPr lang="zh-CN" altLang="en-US" baseline="0" dirty="0" smtClean="0"/>
-              <a:t>的刷机脚本编写需要自己根据经验手动</a:t>
-            </a:r>
-            <a:r>
-              <a:rPr lang="zh-CN" altLang="en-US" baseline="0" dirty="0" smtClean="0"/>
-              <a:t>完成，</a:t>
-            </a:r>
-            <a:r>
-              <a:rPr lang="zh-CN" altLang="en-US" baseline="0" dirty="0" smtClean="0"/>
-              <a:t>后续问题可以人工解决</a:t>
-            </a:r>
-            <a:r>
-              <a:rPr lang="en-US" altLang="zh-CN" baseline="0" dirty="0" smtClean="0"/>
-              <a:t>.</a:t>
-            </a:r>
+              <a:rPr lang="zh-CN" altLang="en-US" baseline="0" dirty="0"/>
+              <a:t>进行自动刷机验证。</a:t>
+            </a:r>
+            <a:endParaRPr lang="en-US" altLang="zh-CN" baseline="0" dirty="0"/>
           </a:p>
           <a:p>
             <a:pPr marL="228600" indent="-228600">
               <a:buAutoNum type="arabicPeriod"/>
             </a:pPr>
             <a:r>
-              <a:rPr lang="zh-CN" altLang="en-US" baseline="0" dirty="0" smtClean="0"/>
-              <a:t>发布系统：集合</a:t>
-            </a:r>
-            <a:r>
-              <a:rPr lang="en-US" altLang="zh-CN" baseline="0" dirty="0" err="1" smtClean="0"/>
-              <a:t>Jenkins+bash</a:t>
-            </a:r>
-            <a:r>
-              <a:rPr lang="en-US" altLang="zh-CN" baseline="0" dirty="0" smtClean="0"/>
-              <a:t> shell</a:t>
-            </a:r>
-            <a:r>
-              <a:rPr lang="zh-CN" altLang="en-US" baseline="0" dirty="0" smtClean="0"/>
-              <a:t>封装</a:t>
-            </a:r>
-            <a:r>
-              <a:rPr lang="en-US" altLang="zh-CN" baseline="0" dirty="0" smtClean="0"/>
+              <a:rPr lang="zh-CN" altLang="en-US" baseline="0" dirty="0"/>
+              <a:t>发布系统：是通过</a:t>
+            </a:r>
+            <a:r>
+              <a:rPr lang="en-US" altLang="zh-CN" baseline="0" dirty="0"/>
+              <a:t>Jenkins</a:t>
+            </a:r>
+            <a:r>
+              <a:rPr lang="zh-CN" altLang="en-US" baseline="0" dirty="0"/>
+              <a:t>结合</a:t>
+            </a:r>
+            <a:r>
+              <a:rPr lang="en-US" altLang="zh-CN" baseline="0" dirty="0"/>
+              <a:t>bash shell</a:t>
+            </a:r>
+            <a:r>
+              <a:rPr lang="zh-CN" altLang="en-US" baseline="0" dirty="0"/>
+              <a:t>脚本对</a:t>
+            </a:r>
+            <a:r>
+              <a:rPr lang="en-US" altLang="zh-CN" baseline="0" dirty="0"/>
               <a:t>ROM</a:t>
             </a:r>
             <a:r>
-              <a:rPr lang="zh-CN" altLang="en-US" baseline="0" dirty="0" smtClean="0"/>
-              <a:t>多渠道发布系统。输入原始</a:t>
-            </a:r>
-            <a:r>
-              <a:rPr lang="en-US" altLang="zh-CN" baseline="0" dirty="0" smtClean="0"/>
+              <a:rPr lang="zh-CN" altLang="en-US" baseline="0" dirty="0"/>
+              <a:t>多渠道发布流程进行模块化封装。在发布系统中只需要输入适配的原始</a:t>
+            </a:r>
+            <a:r>
+              <a:rPr lang="en-US" altLang="zh-CN" baseline="0" dirty="0"/>
               <a:t>ROM</a:t>
             </a:r>
             <a:r>
-              <a:rPr lang="zh-CN" altLang="en-US" baseline="0" dirty="0" smtClean="0"/>
-              <a:t>包云盘地址、产品型号、版本号等标识信息，利用</a:t>
-            </a:r>
-            <a:r>
-              <a:rPr lang="en-US" altLang="zh-CN" baseline="0" dirty="0" smtClean="0"/>
+              <a:rPr lang="zh-CN" altLang="en-US" baseline="0" dirty="0"/>
+              <a:t>包云盘地址、产品型号、版本号等标识信息，就可以利用</a:t>
+            </a:r>
+            <a:r>
+              <a:rPr lang="en-US" altLang="zh-CN" baseline="0" dirty="0"/>
               <a:t>Jenkins</a:t>
             </a:r>
             <a:r>
-              <a:rPr lang="zh-CN" altLang="en-US" baseline="0" dirty="0" smtClean="0"/>
-              <a:t>的后台服务器能力，自动下载</a:t>
-            </a:r>
-            <a:r>
-              <a:rPr lang="en-US" altLang="zh-CN" baseline="0" dirty="0" smtClean="0"/>
+              <a:rPr lang="zh-CN" altLang="en-US" baseline="0" dirty="0"/>
+              <a:t>的后台服务器并发能力，自动下载</a:t>
+            </a:r>
+            <a:r>
+              <a:rPr lang="en-US" altLang="zh-CN" baseline="0" dirty="0"/>
               <a:t>ROM</a:t>
             </a:r>
             <a:r>
-              <a:rPr lang="zh-CN" altLang="en-US" baseline="0" dirty="0" smtClean="0"/>
-              <a:t>包，然后自动解包，然后根据不同平台自动构建渠道包，然后分渠道上传，并抽送邮件给测试同学。增加渠道时，只需要增加一个渠道模块即可。</a:t>
-            </a:r>
-            <a:endParaRPr lang="en-US" altLang="zh-CN" baseline="0" dirty="0" smtClean="0"/>
+              <a:rPr lang="zh-CN" altLang="en-US" baseline="0" dirty="0"/>
+              <a:t>包并进行解包操作，然后根据不同平台进行渠道包批量构建，构建完成后分渠道上传到云盘，并邮件通知测试同学。增加渠道时，只需要增加一个渠道模块即可。</a:t>
+            </a:r>
+            <a:endParaRPr lang="en-US" altLang="zh-CN" baseline="0" dirty="0"/>
+          </a:p>
+          <a:p>
+            <a:pPr marL="228600" indent="-228600">
+              <a:buAutoNum type="arabicPeriod"/>
+            </a:pPr>
+            <a:endParaRPr lang="en-US" altLang="zh-CN" baseline="0" dirty="0"/>
+          </a:p>
+          <a:p>
+            <a:pPr marL="0" indent="0">
+              <a:buNone/>
+            </a:pPr>
+            <a:r>
+              <a:rPr lang="zh-CN" altLang="en-US" baseline="0" dirty="0"/>
+              <a:t>问题：</a:t>
+            </a:r>
+            <a:endParaRPr lang="en-US" altLang="zh-CN" baseline="0" dirty="0"/>
+          </a:p>
+          <a:p>
+            <a:pPr marL="228600" indent="-228600">
+              <a:buAutoNum type="arabicPeriod"/>
+            </a:pPr>
+            <a:r>
+              <a:rPr lang="en-US" altLang="zh-CN" baseline="0" dirty="0" err="1"/>
+              <a:t>Init</a:t>
+            </a:r>
+            <a:r>
+              <a:rPr lang="zh-CN" altLang="en-US" baseline="0" dirty="0"/>
+              <a:t>模块移植：</a:t>
+            </a:r>
+            <a:r>
+              <a:rPr lang="en-US" altLang="zh-CN" baseline="0" dirty="0" err="1"/>
+              <a:t>init.rc</a:t>
+            </a:r>
+            <a:r>
+              <a:rPr lang="zh-CN" altLang="en-US" baseline="0" dirty="0"/>
+              <a:t>文件，很多</a:t>
+            </a:r>
+            <a:r>
+              <a:rPr lang="en-US" altLang="zh-CN" baseline="0" dirty="0"/>
+              <a:t>trigger</a:t>
+            </a:r>
+            <a:r>
+              <a:rPr lang="zh-CN" altLang="en-US" baseline="0" dirty="0"/>
+              <a:t>机制依赖于</a:t>
+            </a:r>
+            <a:r>
+              <a:rPr lang="en-US" altLang="zh-CN" baseline="0" dirty="0" err="1"/>
+              <a:t>init.rc</a:t>
+            </a:r>
+            <a:r>
+              <a:rPr lang="zh-CN" altLang="en-US" baseline="0" dirty="0"/>
+              <a:t>文件。</a:t>
+            </a:r>
+            <a:endParaRPr lang="en-US" altLang="zh-CN" baseline="0" dirty="0"/>
+          </a:p>
+          <a:p>
+            <a:pPr marL="228600" indent="-228600">
+              <a:buAutoNum type="arabicPeriod"/>
+            </a:pPr>
+            <a:r>
+              <a:rPr lang="en-US" altLang="zh-CN" baseline="0" dirty="0"/>
+              <a:t>System</a:t>
+            </a:r>
+            <a:r>
+              <a:rPr lang="zh-CN" altLang="en-US" baseline="0" dirty="0"/>
+              <a:t>分区的最小化移植：应用层和</a:t>
+            </a:r>
+            <a:r>
+              <a:rPr lang="en-US" altLang="zh-CN" baseline="0" dirty="0"/>
+              <a:t>framework</a:t>
+            </a:r>
+            <a:r>
+              <a:rPr lang="zh-CN" altLang="en-US" baseline="0" dirty="0"/>
+              <a:t>层全部替换，动态库包括：</a:t>
+            </a:r>
+            <a:r>
+              <a:rPr lang="en-US" altLang="zh-CN" baseline="0" dirty="0"/>
+              <a:t>libandroid_runtime.so</a:t>
+            </a:r>
+            <a:r>
+              <a:rPr lang="zh-CN" altLang="en-US" baseline="0" dirty="0"/>
+              <a:t>，</a:t>
+            </a:r>
+            <a:r>
+              <a:rPr lang="en-US" altLang="zh-CN" baseline="0" dirty="0"/>
+              <a:t>libandroid_servers.so</a:t>
+            </a:r>
+            <a:r>
+              <a:rPr lang="zh-CN" altLang="en-US" baseline="0" dirty="0"/>
+              <a:t>，</a:t>
+            </a:r>
+            <a:r>
+              <a:rPr lang="en-US" altLang="zh-CN" baseline="0" dirty="0"/>
+              <a:t>libdvm.so</a:t>
+            </a:r>
+            <a:r>
+              <a:rPr lang="zh-CN" altLang="en-US" baseline="0" dirty="0"/>
+              <a:t>，</a:t>
+            </a:r>
+            <a:r>
+              <a:rPr lang="en-US" altLang="zh-CN" baseline="0" dirty="0"/>
+              <a:t>libskia.so</a:t>
+            </a:r>
+            <a:r>
+              <a:rPr lang="zh-CN" altLang="en-US" baseline="0" dirty="0"/>
+              <a:t>等。</a:t>
+            </a:r>
+            <a:endParaRPr lang="en-US" altLang="zh-CN" baseline="0" dirty="0"/>
           </a:p>
         </p:txBody>
       </p:sp>
@@ -2350,67 +2935,63 @@
           <a:lstStyle/>
           <a:p>
             <a:r>
-              <a:rPr lang="en-US" altLang="zh-CN" dirty="0" smtClean="0"/>
+              <a:rPr lang="en-US" altLang="zh-CN" dirty="0"/>
               <a:t>YunOS</a:t>
             </a:r>
             <a:r>
-              <a:rPr lang="en-US" altLang="zh-CN" baseline="0" dirty="0" smtClean="0"/>
+              <a:rPr lang="en-US" altLang="zh-CN" baseline="0" dirty="0"/>
               <a:t> ROM</a:t>
             </a:r>
             <a:r>
-              <a:rPr lang="zh-CN" altLang="en-US" baseline="0" dirty="0" smtClean="0"/>
+              <a:rPr lang="zh-CN" altLang="en-US" baseline="0" dirty="0"/>
               <a:t>适配项目的主要收益包括：</a:t>
             </a:r>
-            <a:endParaRPr lang="en-US" altLang="zh-CN" baseline="0" dirty="0" smtClean="0"/>
+            <a:endParaRPr lang="en-US" altLang="zh-CN" baseline="0" dirty="0"/>
           </a:p>
           <a:p>
             <a:pPr marL="228600" indent="-228600">
               <a:buAutoNum type="arabicPeriod"/>
             </a:pPr>
             <a:r>
-              <a:rPr lang="zh-CN" altLang="en-US" baseline="0" dirty="0" smtClean="0"/>
-              <a:t>适配超过</a:t>
-            </a:r>
-            <a:r>
-              <a:rPr lang="en-US" altLang="zh-CN" baseline="0" dirty="0" smtClean="0"/>
+              <a:rPr lang="en-US" altLang="zh-CN" baseline="0" dirty="0"/>
+              <a:t>MTK</a:t>
+            </a:r>
+            <a:r>
+              <a:rPr lang="zh-CN" altLang="en-US" baseline="0" dirty="0"/>
+              <a:t>平台机型成功适配并发布超过</a:t>
+            </a:r>
+            <a:r>
+              <a:rPr lang="en-US" altLang="zh-CN" baseline="0" dirty="0"/>
               <a:t>20</a:t>
             </a:r>
             <a:r>
-              <a:rPr lang="zh-CN" altLang="en-US" baseline="0" dirty="0" smtClean="0"/>
-              <a:t>款</a:t>
-            </a:r>
-            <a:r>
-              <a:rPr lang="en-US" altLang="zh-CN" baseline="0" dirty="0" err="1" smtClean="0"/>
-              <a:t>mtk</a:t>
-            </a:r>
-            <a:r>
-              <a:rPr lang="zh-CN" altLang="en-US" baseline="0" dirty="0" smtClean="0"/>
-              <a:t>机型，每款机型的日激活量都比较可观。</a:t>
-            </a:r>
-            <a:endParaRPr lang="en-US" altLang="zh-CN" baseline="0" dirty="0" smtClean="0"/>
+              <a:rPr lang="zh-CN" altLang="en-US" baseline="0" dirty="0"/>
+              <a:t>款，且每款机型的激活量和用户评分都比较可观。</a:t>
+            </a:r>
+            <a:endParaRPr lang="en-US" altLang="zh-CN" baseline="0" dirty="0"/>
           </a:p>
           <a:p>
             <a:pPr marL="228600" indent="-228600">
               <a:buAutoNum type="arabicPeriod"/>
             </a:pPr>
             <a:r>
-              <a:rPr lang="en-US" altLang="zh-CN" baseline="0" dirty="0" smtClean="0"/>
+              <a:rPr lang="en-US" altLang="zh-CN" baseline="0" dirty="0"/>
               <a:t>ROM</a:t>
             </a:r>
             <a:r>
-              <a:rPr lang="zh-CN" altLang="en-US" baseline="0" dirty="0" smtClean="0"/>
-              <a:t>包的打包系统将原先的打包流程从半天的时间降低为分钟级别，且全程自动化，并且不依赖于特定的人去发布，</a:t>
-            </a:r>
-            <a:r>
-              <a:rPr lang="en-US" altLang="zh-CN" baseline="0" dirty="0" smtClean="0"/>
+              <a:rPr lang="zh-CN" altLang="en-US" baseline="0" dirty="0"/>
+              <a:t>包发布系统的构建提高了渠道包的发布效率，将原先的打包流程从半天的时间降低为分钟级别，且全程自动化，并且不依赖于特定的人去发布，</a:t>
+            </a:r>
+            <a:r>
+              <a:rPr lang="en-US" altLang="zh-CN" baseline="0" dirty="0"/>
               <a:t>SCM</a:t>
             </a:r>
             <a:r>
-              <a:rPr lang="zh-CN" altLang="en-US" baseline="0" dirty="0" smtClean="0"/>
+              <a:rPr lang="zh-CN" altLang="en-US" baseline="0" dirty="0"/>
               <a:t>和研发人员均可完成</a:t>
             </a:r>
             <a:r>
-              <a:rPr lang="en-US" altLang="zh-CN" baseline="0" dirty="0" smtClean="0"/>
+              <a:rPr lang="en-US" altLang="zh-CN" baseline="0" dirty="0"/>
               <a:t>.</a:t>
             </a:r>
           </a:p>
@@ -2419,38 +3000,34 @@
               <a:buAutoNum type="arabicPeriod"/>
             </a:pPr>
             <a:r>
-              <a:rPr lang="zh-CN" altLang="en-US" baseline="0" dirty="0" smtClean="0"/>
+              <a:rPr lang="zh-CN" altLang="en-US" baseline="0" dirty="0"/>
               <a:t>积累了比较丰富的</a:t>
             </a:r>
             <a:r>
-              <a:rPr lang="en-US" altLang="zh-CN" baseline="0" dirty="0" smtClean="0"/>
+              <a:rPr lang="en-US" altLang="zh-CN" baseline="0" dirty="0"/>
               <a:t>ROM</a:t>
             </a:r>
             <a:r>
-              <a:rPr lang="zh-CN" altLang="en-US" baseline="0" dirty="0" smtClean="0"/>
-              <a:t>适配经验，首先加深了对</a:t>
-            </a:r>
-            <a:r>
-              <a:rPr lang="en-US" altLang="zh-CN" baseline="0" dirty="0" smtClean="0"/>
+              <a:rPr lang="zh-CN" altLang="en-US" baseline="0" dirty="0"/>
+              <a:t>适配经验，加深了对</a:t>
+            </a:r>
+            <a:r>
+              <a:rPr lang="en-US" altLang="zh-CN" baseline="0" dirty="0"/>
               <a:t>Yun</a:t>
             </a:r>
             <a:r>
-              <a:rPr lang="zh-CN" altLang="en-US" baseline="0" dirty="0" smtClean="0"/>
-              <a:t>架构体系的理解，同时在应用开发和</a:t>
-            </a:r>
-            <a:r>
-              <a:rPr lang="en-US" altLang="zh-CN" baseline="0" dirty="0" smtClean="0"/>
+              <a:rPr lang="zh-CN" altLang="en-US" baseline="0" dirty="0"/>
+              <a:t>架构体系的理解，在应用层开发和</a:t>
+            </a:r>
+            <a:r>
+              <a:rPr lang="en-US" altLang="zh-CN" baseline="0" dirty="0"/>
               <a:t>Framework</a:t>
             </a:r>
             <a:r>
-              <a:rPr lang="zh-CN" altLang="en-US" baseline="0" dirty="0" smtClean="0"/>
-              <a:t>层问题定位和解决上均</a:t>
-            </a:r>
-            <a:r>
-              <a:rPr lang="zh-CN" altLang="en-US" baseline="0" dirty="0" smtClean="0"/>
-              <a:t>有技术积累。</a:t>
-            </a:r>
-            <a:endParaRPr lang="en-US" altLang="zh-CN" baseline="0" dirty="0" smtClean="0"/>
+              <a:rPr lang="zh-CN" altLang="en-US" baseline="0" dirty="0"/>
+              <a:t>层问题定位和解决上均有了一定的技术积累。</a:t>
+            </a:r>
+            <a:endParaRPr lang="en-US" altLang="zh-CN" baseline="0" dirty="0"/>
           </a:p>
         </p:txBody>
       </p:sp>
@@ -2535,89 +3112,9 @@
           <a:lstStyle/>
           <a:p>
             <a:r>
-              <a:rPr lang="zh-CN" altLang="en-US" dirty="0" smtClean="0"/>
-              <a:t>该项目是我加入</a:t>
-            </a:r>
-            <a:r>
-              <a:rPr lang="en-US" altLang="zh-CN" dirty="0" smtClean="0"/>
-              <a:t>IDC</a:t>
-            </a:r>
-            <a:r>
-              <a:rPr lang="zh-CN" altLang="en-US" dirty="0" smtClean="0"/>
-              <a:t>团队负责的一</a:t>
-            </a:r>
-            <a:r>
-              <a:rPr lang="zh-CN" altLang="en-US" dirty="0" smtClean="0"/>
-              <a:t>个重点</a:t>
-            </a:r>
-            <a:r>
-              <a:rPr lang="zh-CN" altLang="en-US" dirty="0" smtClean="0"/>
-              <a:t>的项目。项目背景是：在一款全新的硬件平台</a:t>
-            </a:r>
-            <a:r>
-              <a:rPr lang="en-US" altLang="zh-CN" dirty="0" smtClean="0"/>
-              <a:t>(mt2601</a:t>
-            </a:r>
-            <a:r>
-              <a:rPr lang="zh-CN" altLang="en-US" dirty="0" smtClean="0"/>
-              <a:t>平台</a:t>
-            </a:r>
-            <a:r>
-              <a:rPr lang="en-US" altLang="zh-CN" dirty="0" smtClean="0"/>
-              <a:t>)</a:t>
-            </a:r>
-            <a:r>
-              <a:rPr lang="zh-CN" altLang="en-US" dirty="0" smtClean="0"/>
-              <a:t>上，根据外部知名</a:t>
-            </a:r>
-            <a:r>
-              <a:rPr lang="en-US" altLang="zh-CN" dirty="0" smtClean="0"/>
-              <a:t>UI</a:t>
-            </a:r>
-            <a:r>
-              <a:rPr lang="zh-CN" altLang="en-US" dirty="0" smtClean="0"/>
-              <a:t>团队设计的全新</a:t>
-            </a:r>
-            <a:r>
-              <a:rPr lang="en-US" altLang="zh-CN" dirty="0" smtClean="0"/>
-              <a:t>UI</a:t>
-            </a:r>
-            <a:r>
-              <a:rPr lang="zh-CN" altLang="en-US" dirty="0" smtClean="0"/>
-              <a:t>体系从无到有的搭建</a:t>
-            </a:r>
-            <a:r>
-              <a:rPr lang="zh-CN" altLang="en-US" dirty="0" smtClean="0"/>
-              <a:t>全智能手表系统。这个项目面临的挑战是：因为是全新的</a:t>
-            </a:r>
-            <a:r>
-              <a:rPr lang="en-US" altLang="zh-CN" dirty="0" smtClean="0"/>
-              <a:t>UI</a:t>
-            </a:r>
-            <a:r>
-              <a:rPr lang="zh-CN" altLang="en-US" dirty="0" smtClean="0"/>
-              <a:t>体系，全新的硬件平台，所以会有很多自定义控件需要开发。同时项目周期较紧，需要变更较大，且研发人员只有</a:t>
-            </a:r>
-            <a:r>
-              <a:rPr lang="en-US" altLang="zh-CN" dirty="0" smtClean="0"/>
-              <a:t>4</a:t>
-            </a:r>
-            <a:r>
-              <a:rPr lang="zh-CN" altLang="en-US" dirty="0" smtClean="0"/>
-              <a:t>人，而且其中有同学在这个项目之前是没有移动端开发经验的</a:t>
-            </a:r>
-            <a:r>
-              <a:rPr lang="zh-CN" altLang="en-US" dirty="0" smtClean="0"/>
-              <a:t>。</a:t>
-            </a:r>
-            <a:endParaRPr lang="en-US" altLang="zh-CN" dirty="0" smtClean="0"/>
-          </a:p>
-          <a:p>
-            <a:r>
-              <a:rPr lang="zh-CN" altLang="en-US" dirty="0" smtClean="0"/>
-              <a:t>那面临着这些挑战，作为应用层的主力研发， 我的解决思路是：</a:t>
-            </a:r>
-            <a:endParaRPr lang="zh-CN" altLang="en-US" dirty="0"/>
+              <a:rPr lang="zh-CN" altLang="en-US" dirty="0"/>
+              <a:t>接下来，介绍另一个项目，全智能手表研发。</a:t>
+            </a:r>
           </a:p>
         </p:txBody>
       </p:sp>
@@ -2638,7 +3135,7 @@
           <a:p>
             <a:fld id="{6718EBDC-2EC4-468E-B182-1717C37A33F0}" type="slidenum">
               <a:rPr lang="zh-CN" altLang="en-US" smtClean="0"/>
-              <a:t>9</a:t>
+              <a:t>8</a:t>
             </a:fld>
             <a:endParaRPr lang="zh-CN" altLang="en-US"/>
           </a:p>
@@ -2647,7 +3144,7 @@
     </p:spTree>
     <p:extLst>
       <p:ext uri="{BB962C8B-B14F-4D97-AF65-F5344CB8AC3E}">
-        <p14:creationId xmlns:p14="http://schemas.microsoft.com/office/powerpoint/2010/main" val="2537033431"/>
+        <p14:creationId xmlns:p14="http://schemas.microsoft.com/office/powerpoint/2010/main" val="42107159"/>
       </p:ext>
     </p:extLst>
   </p:cSld>
@@ -2701,151 +3198,73 @@
           <a:bodyPr/>
           <a:lstStyle/>
           <a:p>
-            <a:pPr marL="228600" indent="-228600">
-              <a:buAutoNum type="arabicPeriod"/>
-            </a:pPr>
-            <a:r>
-              <a:rPr lang="zh-CN" altLang="en-US" baseline="0" dirty="0" smtClean="0"/>
-              <a:t>采用</a:t>
-            </a:r>
-            <a:r>
-              <a:rPr lang="zh-CN" altLang="en-US" baseline="0" dirty="0" smtClean="0"/>
-              <a:t>组件化思想，增加</a:t>
-            </a:r>
-            <a:r>
-              <a:rPr lang="zh-CN" altLang="en-US" baseline="0" dirty="0" smtClean="0"/>
-              <a:t>应用层的技术</a:t>
-            </a:r>
-            <a:r>
-              <a:rPr lang="zh-CN" altLang="en-US" baseline="0" dirty="0" smtClean="0"/>
-              <a:t>沉淀，根据手表的</a:t>
-            </a:r>
-            <a:r>
-              <a:rPr lang="en-US" altLang="zh-CN" baseline="0" dirty="0" smtClean="0"/>
+            <a:r>
+              <a:rPr lang="zh-CN" altLang="en-US" dirty="0"/>
+              <a:t>该项目是我加入</a:t>
+            </a:r>
+            <a:r>
+              <a:rPr lang="en-US" altLang="zh-CN" dirty="0"/>
+              <a:t>IDC</a:t>
+            </a:r>
+            <a:r>
+              <a:rPr lang="zh-CN" altLang="en-US" dirty="0"/>
+              <a:t>之后负责的一个重点的项目。项目背景是：在一款全新的硬件平台</a:t>
+            </a:r>
+            <a:r>
+              <a:rPr lang="en-US" altLang="zh-CN" dirty="0"/>
+              <a:t>(mt2601</a:t>
+            </a:r>
+            <a:r>
+              <a:rPr lang="zh-CN" altLang="en-US" dirty="0"/>
+              <a:t>平台</a:t>
+            </a:r>
+            <a:r>
+              <a:rPr lang="en-US" altLang="zh-CN" dirty="0"/>
+              <a:t>)</a:t>
+            </a:r>
+            <a:r>
+              <a:rPr lang="zh-CN" altLang="en-US" dirty="0"/>
+              <a:t>上，根据外部知名</a:t>
+            </a:r>
+            <a:r>
+              <a:rPr lang="en-US" altLang="zh-CN" dirty="0"/>
               <a:t>UI</a:t>
             </a:r>
             <a:r>
-              <a:rPr lang="zh-CN" altLang="en-US" baseline="0" dirty="0" smtClean="0"/>
-              <a:t>设计抽象出并实现自定义控件，便于其他开发同学快速集成使用。</a:t>
-            </a:r>
-            <a:endParaRPr lang="en-US" altLang="zh-CN" baseline="0" dirty="0" smtClean="0"/>
-          </a:p>
-          <a:p>
-            <a:pPr marL="228600" indent="-228600">
-              <a:buAutoNum type="arabicPeriod"/>
-            </a:pPr>
-            <a:r>
-              <a:rPr lang="zh-CN" altLang="en-US" baseline="0" dirty="0" smtClean="0"/>
-              <a:t>统一网络架构层，将开发同学从复杂的并发回调网络处理中抽离出来，而且后期如果设计到通信层切换，可以实现</a:t>
-            </a:r>
-            <a:r>
-              <a:rPr lang="zh-CN" altLang="en-US" baseline="0" dirty="0" smtClean="0"/>
-              <a:t>对上层开发</a:t>
-            </a:r>
-            <a:r>
-              <a:rPr lang="zh-CN" altLang="en-US" baseline="0" dirty="0" smtClean="0"/>
-              <a:t>同学无感知</a:t>
-            </a:r>
-            <a:r>
-              <a:rPr lang="en-US" altLang="zh-CN" baseline="0" dirty="0" smtClean="0"/>
-              <a:t>.</a:t>
-            </a:r>
-          </a:p>
-          <a:p>
-            <a:pPr marL="228600" indent="-228600">
-              <a:buAutoNum type="arabicPeriod"/>
-            </a:pPr>
-            <a:r>
-              <a:rPr lang="zh-CN" altLang="en-US" baseline="0" dirty="0" smtClean="0"/>
-              <a:t>主动承担难度较高的应用开发，</a:t>
-            </a:r>
-            <a:r>
-              <a:rPr lang="zh-CN" altLang="en-US" baseline="0" dirty="0" smtClean="0"/>
-              <a:t>目前我是</a:t>
-            </a:r>
-            <a:r>
-              <a:rPr lang="zh-CN" altLang="en-US" baseline="0" dirty="0" smtClean="0"/>
-              <a:t>负责应用层的</a:t>
-            </a:r>
-            <a:r>
-              <a:rPr lang="en-US" altLang="zh-CN" baseline="0" dirty="0" smtClean="0"/>
-              <a:t>6</a:t>
-            </a:r>
-            <a:r>
-              <a:rPr lang="zh-CN" altLang="en-US" baseline="0" dirty="0" smtClean="0"/>
-              <a:t>款应用开发</a:t>
-            </a:r>
-            <a:r>
-              <a:rPr lang="zh-CN" altLang="en-US" baseline="0" dirty="0" smtClean="0"/>
-              <a:t>，便于减轻</a:t>
-            </a:r>
-            <a:r>
-              <a:rPr lang="zh-CN" altLang="en-US" baseline="0" dirty="0" smtClean="0"/>
-              <a:t>同伴压力</a:t>
-            </a:r>
-            <a:endParaRPr lang="en-US" altLang="zh-CN" baseline="0" dirty="0" smtClean="0"/>
-          </a:p>
-          <a:p>
-            <a:pPr marL="228600" indent="-228600">
-              <a:buAutoNum type="arabicPeriod"/>
-            </a:pPr>
-            <a:r>
-              <a:rPr lang="zh-CN" altLang="en-US" baseline="0" dirty="0" smtClean="0"/>
-              <a:t>带团队的一</a:t>
-            </a:r>
-            <a:r>
-              <a:rPr lang="zh-CN" altLang="en-US" baseline="0" dirty="0" smtClean="0"/>
-              <a:t>个新人</a:t>
-            </a:r>
-            <a:r>
-              <a:rPr lang="zh-CN" altLang="en-US" baseline="0" dirty="0" smtClean="0"/>
-              <a:t>融入开发体系，</a:t>
-            </a:r>
-            <a:r>
-              <a:rPr lang="zh-CN" altLang="en-US" baseline="0" dirty="0" smtClean="0"/>
-              <a:t>通过合理项目</a:t>
-            </a:r>
-            <a:r>
-              <a:rPr lang="zh-CN" altLang="en-US" baseline="0" dirty="0" smtClean="0"/>
-              <a:t>分配和进度控制来提高开发效率。</a:t>
-            </a:r>
-            <a:endParaRPr lang="en-US" altLang="zh-CN" baseline="0" dirty="0" smtClean="0"/>
-          </a:p>
-          <a:p>
-            <a:pPr marL="228600" indent="-228600">
-              <a:buAutoNum type="arabicPeriod"/>
-            </a:pPr>
-            <a:r>
-              <a:rPr lang="zh-CN" altLang="en-US" baseline="0" dirty="0" smtClean="0"/>
-              <a:t>开发过程中遇到</a:t>
-            </a:r>
-            <a:r>
-              <a:rPr lang="zh-CN" altLang="en-US" baseline="0" dirty="0" smtClean="0"/>
-              <a:t>疑难问题，会组织集中讨论解决</a:t>
-            </a:r>
-            <a:r>
-              <a:rPr lang="zh-CN" altLang="en-US" baseline="0" dirty="0" smtClean="0"/>
-              <a:t>方案。同时</a:t>
-            </a:r>
-            <a:r>
-              <a:rPr lang="zh-CN" altLang="en-US" baseline="0" dirty="0" smtClean="0"/>
-              <a:t>，也</a:t>
-            </a:r>
-            <a:r>
-              <a:rPr lang="zh-CN" altLang="en-US" baseline="0" dirty="0" smtClean="0"/>
-              <a:t>会在组内定期</a:t>
-            </a:r>
-            <a:r>
-              <a:rPr lang="zh-CN" altLang="en-US" baseline="0" dirty="0" smtClean="0"/>
-              <a:t>分享自己的技术心得。</a:t>
-            </a:r>
-            <a:endParaRPr lang="en-US" altLang="zh-CN" baseline="0" dirty="0" smtClean="0"/>
-          </a:p>
-          <a:p>
-            <a:pPr marL="228600" indent="-228600">
-              <a:buAutoNum type="arabicPeriod"/>
-            </a:pPr>
-            <a:endParaRPr lang="zh-CN" altLang="en-US" dirty="0"/>
+              <a:rPr lang="zh-CN" altLang="en-US" dirty="0"/>
+              <a:t>团队设计的全新</a:t>
+            </a:r>
+            <a:r>
+              <a:rPr lang="en-US" altLang="zh-CN" dirty="0"/>
+              <a:t>UI</a:t>
+            </a:r>
+            <a:r>
+              <a:rPr lang="zh-CN" altLang="en-US" dirty="0"/>
+              <a:t>体系从无到有的搭建全智能手表系统。这个项目面临的挑战是：因为是全新的</a:t>
+            </a:r>
+            <a:r>
+              <a:rPr lang="en-US" altLang="zh-CN" dirty="0"/>
+              <a:t>UI</a:t>
+            </a:r>
+            <a:r>
+              <a:rPr lang="zh-CN" altLang="en-US" dirty="0"/>
+              <a:t>体系，全新的硬件平台，所以会有很多自定义控件需要研发。同时项目周期较紧，需要变更较大，且研发人员只有</a:t>
+            </a:r>
+            <a:r>
+              <a:rPr lang="en-US" altLang="zh-CN" dirty="0"/>
+              <a:t>4</a:t>
+            </a:r>
+            <a:r>
+              <a:rPr lang="zh-CN" altLang="en-US" dirty="0"/>
+              <a:t>人，而且其中有同学在这个项目之前是没有移动端开发经验的。</a:t>
+            </a:r>
+            <a:endParaRPr lang="en-US" altLang="zh-CN" dirty="0"/>
+          </a:p>
+          <a:p>
+            <a:r>
+              <a:rPr lang="zh-CN" altLang="en-US" dirty="0"/>
+              <a:t>那面临着这些挑战，作为应用层的主力研发， 我的解决思路是：</a:t>
+            </a:r>
           </a:p>
         </p:txBody>
       </p:sp>
@@ -2866,7 +3285,7 @@
           <a:p>
             <a:fld id="{6718EBDC-2EC4-468E-B182-1717C37A33F0}" type="slidenum">
               <a:rPr lang="zh-CN" altLang="en-US" smtClean="0"/>
-              <a:t>10</a:t>
+              <a:t>9</a:t>
             </a:fld>
             <a:endParaRPr lang="zh-CN" altLang="en-US"/>
           </a:p>
@@ -2875,7 +3294,7 @@
     </p:spTree>
     <p:extLst>
       <p:ext uri="{BB962C8B-B14F-4D97-AF65-F5344CB8AC3E}">
-        <p14:creationId xmlns:p14="http://schemas.microsoft.com/office/powerpoint/2010/main" val="1533307786"/>
+        <p14:creationId xmlns:p14="http://schemas.microsoft.com/office/powerpoint/2010/main" val="2537033431"/>
       </p:ext>
     </p:extLst>
   </p:cSld>
@@ -2929,279 +3348,127 @@
           <a:bodyPr/>
           <a:lstStyle/>
           <a:p>
-            <a:r>
-              <a:rPr lang="zh-CN" altLang="en-US" dirty="0" smtClean="0"/>
-              <a:t>这里介绍一下</a:t>
-            </a:r>
-            <a:r>
-              <a:rPr lang="en-US" altLang="zh-CN" dirty="0" smtClean="0"/>
-              <a:t>mt2601</a:t>
-            </a:r>
-            <a:r>
-              <a:rPr lang="zh-CN" altLang="en-US" dirty="0" smtClean="0"/>
-              <a:t>项目我设计的统一网络框架，参考</a:t>
-            </a:r>
-            <a:r>
-              <a:rPr lang="en-US" altLang="zh-CN" dirty="0" smtClean="0"/>
-              <a:t>Volley</a:t>
-            </a:r>
-            <a:r>
-              <a:rPr lang="zh-CN" altLang="en-US" dirty="0" smtClean="0"/>
-              <a:t>源码实现，具体架构图如</a:t>
-            </a:r>
-            <a:r>
-              <a:rPr lang="en-US" altLang="zh-CN" dirty="0" smtClean="0"/>
-              <a:t>PPT</a:t>
-            </a:r>
-            <a:r>
-              <a:rPr lang="zh-CN" altLang="en-US" dirty="0" smtClean="0"/>
-              <a:t>所示：</a:t>
-            </a:r>
-            <a:endParaRPr lang="en-US" altLang="zh-CN" dirty="0" smtClean="0"/>
-          </a:p>
-          <a:p>
             <a:pPr marL="228600" indent="-228600">
               <a:buAutoNum type="arabicPeriod"/>
             </a:pPr>
             <a:r>
-              <a:rPr lang="zh-CN" altLang="en-US" baseline="0" dirty="0" smtClean="0"/>
-              <a:t>网络框架分为四</a:t>
-            </a:r>
-            <a:r>
-              <a:rPr lang="zh-CN" altLang="en-US" baseline="0" dirty="0" smtClean="0"/>
-              <a:t>部分</a:t>
-            </a:r>
-            <a:r>
-              <a:rPr lang="zh-CN" altLang="en-US" baseline="0" dirty="0" smtClean="0">
-                <a:sym typeface="Wingdings" panose="05000000000000000000" pitchFamily="2" charset="2"/>
-              </a:rPr>
-              <a:t>，分别是：高度</a:t>
-            </a:r>
-            <a:r>
-              <a:rPr lang="zh-CN" altLang="en-US" baseline="0" dirty="0" smtClean="0">
-                <a:sym typeface="Wingdings" panose="05000000000000000000" pitchFamily="2" charset="2"/>
-              </a:rPr>
-              <a:t>抽象的网络请求，本地缓存系统，网络并发系统和请求结果分发系统。</a:t>
-            </a:r>
-            <a:endParaRPr lang="en-US" altLang="zh-CN" baseline="0" dirty="0" smtClean="0">
-              <a:sym typeface="Wingdings" panose="05000000000000000000" pitchFamily="2" charset="2"/>
-            </a:endParaRPr>
+              <a:rPr lang="zh-CN" altLang="en-US" baseline="0" dirty="0"/>
+              <a:t>采用组件化思想，增加应用层的技术沉淀，根据手表的</a:t>
+            </a:r>
+            <a:r>
+              <a:rPr lang="en-US" altLang="zh-CN" baseline="0" dirty="0"/>
+              <a:t>UI</a:t>
+            </a:r>
+            <a:r>
+              <a:rPr lang="zh-CN" altLang="en-US" baseline="0" dirty="0"/>
+              <a:t>设计抽象出通用的自定义控件进行实现，便于其他开发同学快速的集成使用。</a:t>
+            </a:r>
+            <a:endParaRPr lang="en-US" altLang="zh-CN" baseline="0" dirty="0"/>
           </a:p>
           <a:p>
             <a:pPr marL="228600" indent="-228600">
               <a:buAutoNum type="arabicPeriod"/>
             </a:pPr>
             <a:r>
-              <a:rPr lang="zh-CN" altLang="en-US" baseline="0" dirty="0" smtClean="0">
-                <a:sym typeface="Wingdings" panose="05000000000000000000" pitchFamily="2" charset="2"/>
-              </a:rPr>
-              <a:t>对于每个网络请求，抽象出请求</a:t>
-            </a:r>
-            <a:r>
-              <a:rPr lang="en-US" altLang="zh-CN" baseline="0" dirty="0" err="1" smtClean="0">
-                <a:sym typeface="Wingdings" panose="05000000000000000000" pitchFamily="2" charset="2"/>
-              </a:rPr>
-              <a:t>url</a:t>
-            </a:r>
-            <a:r>
-              <a:rPr lang="zh-CN" altLang="en-US" baseline="0" dirty="0" smtClean="0">
-                <a:sym typeface="Wingdings" panose="05000000000000000000" pitchFamily="2" charset="2"/>
-              </a:rPr>
-              <a:t>、请求参数、请求协议和成功、失败的结果回调函数。</a:t>
-            </a:r>
-            <a:endParaRPr lang="en-US" altLang="zh-CN" baseline="0" dirty="0" smtClean="0">
-              <a:sym typeface="Wingdings" panose="05000000000000000000" pitchFamily="2" charset="2"/>
-            </a:endParaRPr>
+              <a:rPr lang="zh-CN" altLang="en-US" baseline="0" dirty="0"/>
+              <a:t>统一网络架构层，将开发同学从复杂的并发回调网络处理中抽离出来，而且后期如果涉及到通信层协议切换，可以实现对上层开发同学无感知</a:t>
+            </a:r>
+            <a:r>
+              <a:rPr lang="en-US" altLang="zh-CN" baseline="0" dirty="0"/>
+              <a:t>.</a:t>
+            </a:r>
           </a:p>
           <a:p>
             <a:pPr marL="228600" indent="-228600">
               <a:buAutoNum type="arabicPeriod"/>
             </a:pPr>
             <a:r>
-              <a:rPr lang="zh-CN" altLang="en-US" baseline="0" dirty="0" smtClean="0">
-                <a:sym typeface="Wingdings" panose="05000000000000000000" pitchFamily="2" charset="2"/>
-              </a:rPr>
-              <a:t>每个网络请求添加到</a:t>
-            </a:r>
-            <a:r>
-              <a:rPr lang="en-US" altLang="zh-CN" baseline="0" dirty="0" err="1" smtClean="0">
-                <a:sym typeface="Wingdings" panose="05000000000000000000" pitchFamily="2" charset="2"/>
-              </a:rPr>
-              <a:t>NetworkManager</a:t>
-            </a:r>
-            <a:r>
-              <a:rPr lang="zh-CN" altLang="en-US" baseline="0" dirty="0" smtClean="0">
-                <a:sym typeface="Wingdings" panose="05000000000000000000" pitchFamily="2" charset="2"/>
-              </a:rPr>
-              <a:t>之后，首先判断该请求对于的请求结果是否在缓存系统中。缓存系统分为</a:t>
-            </a:r>
-            <a:r>
-              <a:rPr lang="en-US" altLang="zh-CN" baseline="0" dirty="0" smtClean="0">
-                <a:sym typeface="Wingdings" panose="05000000000000000000" pitchFamily="2" charset="2"/>
-              </a:rPr>
-              <a:t>L1</a:t>
-            </a:r>
-            <a:r>
-              <a:rPr lang="zh-CN" altLang="en-US" baseline="0" dirty="0" smtClean="0">
-                <a:sym typeface="Wingdings" panose="05000000000000000000" pitchFamily="2" charset="2"/>
-              </a:rPr>
-              <a:t>级内存缓存和</a:t>
-            </a:r>
-            <a:r>
-              <a:rPr lang="en-US" altLang="zh-CN" baseline="0" dirty="0" smtClean="0">
-                <a:sym typeface="Wingdings" panose="05000000000000000000" pitchFamily="2" charset="2"/>
-              </a:rPr>
-              <a:t>L2</a:t>
-            </a:r>
-            <a:r>
-              <a:rPr lang="zh-CN" altLang="en-US" baseline="0" dirty="0" smtClean="0">
-                <a:sym typeface="Wingdings" panose="05000000000000000000" pitchFamily="2" charset="2"/>
-              </a:rPr>
-              <a:t>级硬盘缓存，</a:t>
-            </a:r>
-            <a:r>
-              <a:rPr lang="en-US" altLang="zh-CN" baseline="0" dirty="0" smtClean="0">
-                <a:sym typeface="Wingdings" panose="05000000000000000000" pitchFamily="2" charset="2"/>
-              </a:rPr>
-              <a:t>L1</a:t>
-            </a:r>
-            <a:r>
-              <a:rPr lang="zh-CN" altLang="en-US" baseline="0" dirty="0" smtClean="0">
-                <a:sym typeface="Wingdings" panose="05000000000000000000" pitchFamily="2" charset="2"/>
-              </a:rPr>
-              <a:t>内存缓存的替换策略是</a:t>
-            </a:r>
-            <a:r>
-              <a:rPr lang="en-US" altLang="zh-CN" baseline="0" dirty="0" smtClean="0">
-                <a:sym typeface="Wingdings" panose="05000000000000000000" pitchFamily="2" charset="2"/>
-              </a:rPr>
-              <a:t>LRU</a:t>
-            </a:r>
-            <a:r>
-              <a:rPr lang="zh-CN" altLang="en-US" baseline="0" dirty="0" smtClean="0">
-                <a:sym typeface="Wingdings" panose="05000000000000000000" pitchFamily="2" charset="2"/>
-              </a:rPr>
-              <a:t>缓存替换算法，</a:t>
-            </a:r>
-            <a:r>
-              <a:rPr lang="en-US" altLang="zh-CN" baseline="0" dirty="0" smtClean="0">
-                <a:sym typeface="Wingdings" panose="05000000000000000000" pitchFamily="2" charset="2"/>
-              </a:rPr>
-              <a:t>L2</a:t>
-            </a:r>
-            <a:r>
-              <a:rPr lang="zh-CN" altLang="en-US" baseline="0" dirty="0" smtClean="0">
-                <a:sym typeface="Wingdings" panose="05000000000000000000" pitchFamily="2" charset="2"/>
-              </a:rPr>
-              <a:t>级硬盘缓存的替换测试是</a:t>
-            </a:r>
-            <a:r>
-              <a:rPr lang="en-US" altLang="zh-CN" baseline="0" dirty="0" smtClean="0">
-                <a:sym typeface="Wingdings" panose="05000000000000000000" pitchFamily="2" charset="2"/>
-              </a:rPr>
-              <a:t>FIFO</a:t>
-            </a:r>
-            <a:r>
-              <a:rPr lang="zh-CN" altLang="en-US" baseline="0" dirty="0" smtClean="0">
-                <a:sym typeface="Wingdings" panose="05000000000000000000" pitchFamily="2" charset="2"/>
-              </a:rPr>
-              <a:t>缓存替换算法。</a:t>
-            </a:r>
-            <a:endParaRPr lang="en-US" altLang="zh-CN" baseline="0" dirty="0" smtClean="0">
-              <a:sym typeface="Wingdings" panose="05000000000000000000" pitchFamily="2" charset="2"/>
-            </a:endParaRPr>
+              <a:rPr lang="zh-CN" altLang="en-US" baseline="0" dirty="0"/>
+              <a:t>主动承担难度较高的应用开发，目前我是负责应用层的</a:t>
+            </a:r>
+            <a:r>
+              <a:rPr lang="en-US" altLang="zh-CN" baseline="0" dirty="0"/>
+              <a:t>6</a:t>
+            </a:r>
+            <a:r>
+              <a:rPr lang="zh-CN" altLang="en-US" baseline="0" dirty="0"/>
+              <a:t>款应用开发，包括</a:t>
+            </a:r>
+            <a:r>
+              <a:rPr lang="zh-CN" altLang="en-US" dirty="0"/>
+              <a:t>天气</a:t>
+            </a:r>
+            <a:r>
+              <a:rPr lang="en-US" altLang="zh-CN" dirty="0"/>
+              <a:t>, </a:t>
+            </a:r>
+            <a:r>
+              <a:rPr lang="zh-CN" altLang="en-US" dirty="0"/>
+              <a:t>闹钟</a:t>
+            </a:r>
+            <a:r>
+              <a:rPr lang="en-US" altLang="zh-CN" dirty="0"/>
+              <a:t>, </a:t>
+            </a:r>
+            <a:r>
+              <a:rPr lang="zh-CN" altLang="en-US" dirty="0"/>
+              <a:t>秒表</a:t>
+            </a:r>
+            <a:r>
+              <a:rPr lang="en-US" altLang="zh-CN" dirty="0"/>
+              <a:t>, </a:t>
+            </a:r>
+            <a:r>
+              <a:rPr lang="zh-CN" altLang="en-US" dirty="0"/>
+              <a:t>计时器</a:t>
+            </a:r>
+            <a:r>
+              <a:rPr lang="en-US" altLang="zh-CN" dirty="0"/>
+              <a:t>, </a:t>
+            </a:r>
+            <a:r>
+              <a:rPr lang="zh-CN" altLang="en-US" dirty="0"/>
+              <a:t>密码锁</a:t>
+            </a:r>
+            <a:r>
+              <a:rPr lang="en-US" altLang="zh-CN" dirty="0"/>
+              <a:t>, </a:t>
+            </a:r>
+            <a:r>
+              <a:rPr lang="zh-CN" altLang="en-US" dirty="0"/>
+              <a:t>应用列表，</a:t>
+            </a:r>
+            <a:r>
+              <a:rPr lang="zh-CN" altLang="en-US" baseline="0" dirty="0"/>
+              <a:t>便于减轻同伴压力</a:t>
+            </a:r>
+            <a:endParaRPr lang="en-US" altLang="zh-CN" baseline="0" dirty="0"/>
           </a:p>
           <a:p>
             <a:pPr marL="228600" indent="-228600">
               <a:buAutoNum type="arabicPeriod"/>
             </a:pPr>
             <a:r>
-              <a:rPr lang="zh-CN" altLang="en-US" baseline="0" dirty="0" smtClean="0">
-                <a:sym typeface="Wingdings" panose="05000000000000000000" pitchFamily="2" charset="2"/>
-              </a:rPr>
-              <a:t>当请求结果命中时，直接通过结果分发系统回调响应成功函数。当</a:t>
-            </a:r>
-            <a:r>
-              <a:rPr lang="zh-CN" altLang="en-US" baseline="0" dirty="0" smtClean="0">
-                <a:sym typeface="Wingdings" panose="05000000000000000000" pitchFamily="2" charset="2"/>
-              </a:rPr>
-              <a:t>请求结果没有被命中时，该请求被转发到网络并发请求</a:t>
-            </a:r>
-            <a:r>
-              <a:rPr lang="zh-CN" altLang="en-US" baseline="0" dirty="0" smtClean="0">
-                <a:sym typeface="Wingdings" panose="05000000000000000000" pitchFamily="2" charset="2"/>
-              </a:rPr>
-              <a:t>系统中。网络并发请求系统</a:t>
-            </a:r>
-            <a:r>
-              <a:rPr lang="zh-CN" altLang="en-US" baseline="0" dirty="0" smtClean="0">
-                <a:sym typeface="Wingdings" panose="05000000000000000000" pitchFamily="2" charset="2"/>
-              </a:rPr>
-              <a:t>高度封装了</a:t>
-            </a:r>
-            <a:r>
-              <a:rPr lang="en-US" altLang="zh-CN" baseline="0" dirty="0" err="1" smtClean="0">
-                <a:sym typeface="Wingdings" panose="05000000000000000000" pitchFamily="2" charset="2"/>
-              </a:rPr>
-              <a:t>HttpUrlConnection</a:t>
-            </a:r>
-            <a:r>
-              <a:rPr lang="zh-CN" altLang="en-US" baseline="0" dirty="0" smtClean="0">
-                <a:sym typeface="Wingdings" panose="05000000000000000000" pitchFamily="2" charset="2"/>
-              </a:rPr>
-              <a:t>的一系列操作，获取请求结果后，首先更新缓存系统，然后将结果交给分发系统。</a:t>
-            </a:r>
-            <a:endParaRPr lang="en-US" altLang="zh-CN" baseline="0" dirty="0" smtClean="0">
-              <a:sym typeface="Wingdings" panose="05000000000000000000" pitchFamily="2" charset="2"/>
-            </a:endParaRPr>
+              <a:rPr lang="zh-CN" altLang="en-US" baseline="0" dirty="0"/>
+              <a:t>培养新人，通过合理的分配项目任务和控制项目进度协助新人快速融入到开发体系中。</a:t>
+            </a:r>
+            <a:endParaRPr lang="en-US" altLang="zh-CN" baseline="0" dirty="0"/>
           </a:p>
           <a:p>
             <a:pPr marL="228600" indent="-228600">
               <a:buAutoNum type="arabicPeriod"/>
             </a:pPr>
             <a:r>
-              <a:rPr lang="zh-CN" altLang="en-US" baseline="0" dirty="0" smtClean="0">
-                <a:sym typeface="Wingdings" panose="05000000000000000000" pitchFamily="2" charset="2"/>
-              </a:rPr>
-              <a:t>分发系统主要是采用</a:t>
-            </a:r>
-            <a:r>
-              <a:rPr lang="en-US" altLang="zh-CN" baseline="0" dirty="0" smtClean="0">
-                <a:sym typeface="Wingdings" panose="05000000000000000000" pitchFamily="2" charset="2"/>
-              </a:rPr>
-              <a:t>Handler</a:t>
-            </a:r>
-            <a:r>
-              <a:rPr lang="zh-CN" altLang="en-US" baseline="0" dirty="0" smtClean="0">
-                <a:sym typeface="Wingdings" panose="05000000000000000000" pitchFamily="2" charset="2"/>
-              </a:rPr>
-              <a:t>和</a:t>
-            </a:r>
-            <a:r>
-              <a:rPr lang="en-US" altLang="zh-CN" baseline="0" dirty="0" err="1" smtClean="0">
-                <a:sym typeface="Wingdings" panose="05000000000000000000" pitchFamily="2" charset="2"/>
-              </a:rPr>
-              <a:t>Looper</a:t>
-            </a:r>
-            <a:r>
-              <a:rPr lang="zh-CN" altLang="en-US" baseline="0" dirty="0" smtClean="0">
-                <a:sym typeface="Wingdings" panose="05000000000000000000" pitchFamily="2" charset="2"/>
-              </a:rPr>
-              <a:t>机制，将子线程获取的数据传递给主线程，并回调请求</a:t>
-            </a:r>
-            <a:r>
-              <a:rPr lang="zh-CN" altLang="en-US" baseline="0" dirty="0" smtClean="0">
-                <a:sym typeface="Wingdings" panose="05000000000000000000" pitchFamily="2" charset="2"/>
-              </a:rPr>
-              <a:t>成功或者失败</a:t>
-            </a:r>
-            <a:r>
-              <a:rPr lang="zh-CN" altLang="en-US" baseline="0" dirty="0" smtClean="0">
-                <a:sym typeface="Wingdings" panose="05000000000000000000" pitchFamily="2" charset="2"/>
-              </a:rPr>
-              <a:t>的回调函数。</a:t>
-            </a:r>
-            <a:endParaRPr lang="en-US" altLang="zh-CN" dirty="0" smtClean="0"/>
+              <a:rPr lang="zh-CN" altLang="en-US" baseline="0" dirty="0"/>
+              <a:t>开发过程中遇到疑难问题，会组织集中讨论解决方案。并且，也会在组内定期的分享自己的技术心得。</a:t>
+            </a:r>
+            <a:endParaRPr lang="en-US" altLang="zh-CN" baseline="0" dirty="0"/>
+          </a:p>
+          <a:p>
+            <a:pPr marL="228600" indent="-228600">
+              <a:buAutoNum type="arabicPeriod"/>
+            </a:pPr>
+            <a:endParaRPr lang="zh-CN" altLang="en-US" dirty="0"/>
           </a:p>
         </p:txBody>
       </p:sp>
@@ -3222,7 +3489,7 @@
           <a:p>
             <a:fld id="{6718EBDC-2EC4-468E-B182-1717C37A33F0}" type="slidenum">
               <a:rPr lang="zh-CN" altLang="en-US" smtClean="0"/>
-              <a:t>11</a:t>
+              <a:t>10</a:t>
             </a:fld>
             <a:endParaRPr lang="zh-CN" altLang="en-US"/>
           </a:p>
@@ -3231,7 +3498,7 @@
     </p:spTree>
     <p:extLst>
       <p:ext uri="{BB962C8B-B14F-4D97-AF65-F5344CB8AC3E}">
-        <p14:creationId xmlns:p14="http://schemas.microsoft.com/office/powerpoint/2010/main" val="4139112108"/>
+        <p14:creationId xmlns:p14="http://schemas.microsoft.com/office/powerpoint/2010/main" val="1533307786"/>
       </p:ext>
     </p:extLst>
   </p:cSld>
@@ -3279,10 +3546,9 @@
           <a:lstStyle/>
           <a:p>
             <a:r>
-              <a:rPr lang="zh-CN" altLang="en-US" smtClean="0"/>
+              <a:rPr lang="zh-CN" altLang="en-US"/>
               <a:t>单击此处编辑母版标题样式</a:t>
             </a:r>
-            <a:endParaRPr lang="zh-CN" altLang="en-US"/>
           </a:p>
         </p:txBody>
       </p:sp>
@@ -3398,10 +3664,9 @@
           </a:lstStyle>
           <a:p>
             <a:r>
-              <a:rPr lang="zh-CN" altLang="en-US" smtClean="0"/>
+              <a:rPr lang="zh-CN" altLang="en-US"/>
               <a:t>单击此处编辑母版副标题样式</a:t>
             </a:r>
-            <a:endParaRPr lang="zh-CN" altLang="en-US"/>
           </a:p>
         </p:txBody>
       </p:sp>
@@ -3422,7 +3687,7 @@
           <a:p>
             <a:fld id="{25CA7E46-AAA2-4505-8430-AB68F6110AB2}" type="datetimeFigureOut">
               <a:rPr lang="zh-CN" altLang="en-US" smtClean="0"/>
-              <a:t>2016/5/7</a:t>
+              <a:t>2016/5/9</a:t>
             </a:fld>
             <a:endParaRPr lang="zh-CN" altLang="en-US"/>
           </a:p>
@@ -3480,13 +3745,6 @@
   <p:clrMapOvr>
     <a:masterClrMapping/>
   </p:clrMapOvr>
-  <p:timing>
-    <p:tnLst>
-      <p:par>
-        <p:cTn id="1" dur="indefinite" restart="never" nodeType="tmRoot"/>
-      </p:par>
-    </p:tnLst>
-  </p:timing>
 </p:sldLayout>
 </file>
 
@@ -3523,10 +3781,9 @@
           <a:lstStyle/>
           <a:p>
             <a:r>
-              <a:rPr lang="zh-CN" altLang="en-US" smtClean="0"/>
+              <a:rPr lang="zh-CN" altLang="en-US"/>
               <a:t>单击此处编辑母版标题样式</a:t>
             </a:r>
-            <a:endParaRPr lang="zh-CN" altLang="en-US"/>
           </a:p>
         </p:txBody>
       </p:sp>
@@ -3547,38 +3804,37 @@
           <a:p>
             <a:pPr lvl="0"/>
             <a:r>
-              <a:rPr lang="zh-CN" altLang="en-US" smtClean="0"/>
+              <a:rPr lang="zh-CN" altLang="en-US"/>
               <a:t>单击此处编辑母版文本样式</a:t>
             </a:r>
           </a:p>
           <a:p>
             <a:pPr lvl="1"/>
             <a:r>
-              <a:rPr lang="zh-CN" altLang="en-US" smtClean="0"/>
+              <a:rPr lang="zh-CN" altLang="en-US"/>
               <a:t>第二级</a:t>
             </a:r>
           </a:p>
           <a:p>
             <a:pPr lvl="2"/>
             <a:r>
-              <a:rPr lang="zh-CN" altLang="en-US" smtClean="0"/>
+              <a:rPr lang="zh-CN" altLang="en-US"/>
               <a:t>第三级</a:t>
             </a:r>
           </a:p>
           <a:p>
             <a:pPr lvl="3"/>
             <a:r>
-              <a:rPr lang="zh-CN" altLang="en-US" smtClean="0"/>
+              <a:rPr lang="zh-CN" altLang="en-US"/>
               <a:t>第四级</a:t>
             </a:r>
           </a:p>
           <a:p>
             <a:pPr lvl="4"/>
             <a:r>
-              <a:rPr lang="zh-CN" altLang="en-US" smtClean="0"/>
+              <a:rPr lang="zh-CN" altLang="en-US"/>
               <a:t>第五级</a:t>
             </a:r>
-            <a:endParaRPr lang="zh-CN" altLang="en-US"/>
           </a:p>
         </p:txBody>
       </p:sp>
@@ -3599,7 +3855,7 @@
           <a:p>
             <a:fld id="{25CA7E46-AAA2-4505-8430-AB68F6110AB2}" type="datetimeFigureOut">
               <a:rPr lang="zh-CN" altLang="en-US" smtClean="0"/>
-              <a:t>2016/5/7</a:t>
+              <a:t>2016/5/9</a:t>
             </a:fld>
             <a:endParaRPr lang="zh-CN" altLang="en-US"/>
           </a:p>
@@ -3698,10 +3954,9 @@
           <a:lstStyle/>
           <a:p>
             <a:r>
-              <a:rPr lang="zh-CN" altLang="en-US" smtClean="0"/>
+              <a:rPr lang="zh-CN" altLang="en-US"/>
               <a:t>单击此处编辑母版标题样式</a:t>
             </a:r>
-            <a:endParaRPr lang="zh-CN" altLang="en-US"/>
           </a:p>
         </p:txBody>
       </p:sp>
@@ -3727,38 +3982,37 @@
           <a:p>
             <a:pPr lvl="0"/>
             <a:r>
-              <a:rPr lang="zh-CN" altLang="en-US" smtClean="0"/>
+              <a:rPr lang="zh-CN" altLang="en-US"/>
               <a:t>单击此处编辑母版文本样式</a:t>
             </a:r>
           </a:p>
           <a:p>
             <a:pPr lvl="1"/>
             <a:r>
-              <a:rPr lang="zh-CN" altLang="en-US" smtClean="0"/>
+              <a:rPr lang="zh-CN" altLang="en-US"/>
               <a:t>第二级</a:t>
             </a:r>
           </a:p>
           <a:p>
             <a:pPr lvl="2"/>
             <a:r>
-              <a:rPr lang="zh-CN" altLang="en-US" smtClean="0"/>
+              <a:rPr lang="zh-CN" altLang="en-US"/>
               <a:t>第三级</a:t>
             </a:r>
           </a:p>
           <a:p>
             <a:pPr lvl="3"/>
             <a:r>
-              <a:rPr lang="zh-CN" altLang="en-US" smtClean="0"/>
+              <a:rPr lang="zh-CN" altLang="en-US"/>
               <a:t>第四级</a:t>
             </a:r>
           </a:p>
           <a:p>
             <a:pPr lvl="4"/>
             <a:r>
-              <a:rPr lang="zh-CN" altLang="en-US" smtClean="0"/>
+              <a:rPr lang="zh-CN" altLang="en-US"/>
               <a:t>第五级</a:t>
             </a:r>
-            <a:endParaRPr lang="zh-CN" altLang="en-US"/>
           </a:p>
         </p:txBody>
       </p:sp>
@@ -3779,7 +4033,7 @@
           <a:p>
             <a:fld id="{25CA7E46-AAA2-4505-8430-AB68F6110AB2}" type="datetimeFigureOut">
               <a:rPr lang="zh-CN" altLang="en-US" smtClean="0"/>
-              <a:t>2016/5/7</a:t>
+              <a:t>2016/5/9</a:t>
             </a:fld>
             <a:endParaRPr lang="zh-CN" altLang="en-US"/>
           </a:p>
@@ -3882,10 +4136,9 @@
           </a:lstStyle>
           <a:p>
             <a:r>
-              <a:rPr lang="zh-CN" altLang="en-US" dirty="0" smtClean="0"/>
+              <a:rPr lang="zh-CN" altLang="en-US" dirty="0"/>
               <a:t>单击此处编辑母版标题样式</a:t>
             </a:r>
-            <a:endParaRPr lang="zh-CN" altLang="en-US" dirty="0"/>
           </a:p>
         </p:txBody>
       </p:sp>
@@ -3945,38 +4198,37 @@
           <a:p>
             <a:pPr lvl="0"/>
             <a:r>
-              <a:rPr lang="zh-CN" altLang="en-US" dirty="0" smtClean="0"/>
+              <a:rPr lang="zh-CN" altLang="en-US" dirty="0"/>
               <a:t>单击此处编辑母版文本样式</a:t>
             </a:r>
           </a:p>
           <a:p>
             <a:pPr lvl="1"/>
             <a:r>
-              <a:rPr lang="zh-CN" altLang="en-US" dirty="0" smtClean="0"/>
+              <a:rPr lang="zh-CN" altLang="en-US" dirty="0"/>
               <a:t>第二级</a:t>
             </a:r>
           </a:p>
           <a:p>
             <a:pPr lvl="2"/>
             <a:r>
-              <a:rPr lang="zh-CN" altLang="en-US" dirty="0" smtClean="0"/>
+              <a:rPr lang="zh-CN" altLang="en-US" dirty="0"/>
               <a:t>第三级</a:t>
             </a:r>
           </a:p>
           <a:p>
             <a:pPr lvl="3"/>
             <a:r>
-              <a:rPr lang="zh-CN" altLang="en-US" dirty="0" smtClean="0"/>
+              <a:rPr lang="zh-CN" altLang="en-US" dirty="0"/>
               <a:t>第四级</a:t>
             </a:r>
           </a:p>
           <a:p>
             <a:pPr lvl="4"/>
             <a:r>
-              <a:rPr lang="zh-CN" altLang="en-US" dirty="0" smtClean="0"/>
+              <a:rPr lang="zh-CN" altLang="en-US" dirty="0"/>
               <a:t>第五级</a:t>
             </a:r>
-            <a:endParaRPr lang="zh-CN" altLang="en-US" dirty="0"/>
           </a:p>
         </p:txBody>
       </p:sp>
@@ -3997,7 +4249,7 @@
           <a:p>
             <a:fld id="{25CA7E46-AAA2-4505-8430-AB68F6110AB2}" type="datetimeFigureOut">
               <a:rPr lang="zh-CN" altLang="en-US" smtClean="0"/>
-              <a:t>2016/5/7</a:t>
+              <a:t>2016/5/9</a:t>
             </a:fld>
             <a:endParaRPr lang="zh-CN" altLang="en-US"/>
           </a:p>
@@ -4055,13 +4307,6 @@
   <p:clrMapOvr>
     <a:masterClrMapping/>
   </p:clrMapOvr>
-  <p:timing>
-    <p:tnLst>
-      <p:par>
-        <p:cTn id="1" dur="indefinite" restart="never" nodeType="tmRoot"/>
-      </p:par>
-    </p:tnLst>
-  </p:timing>
 </p:sldLayout>
 </file>
 
@@ -4107,10 +4352,9 @@
           </a:lstStyle>
           <a:p>
             <a:r>
-              <a:rPr lang="zh-CN" altLang="en-US" smtClean="0"/>
+              <a:rPr lang="zh-CN" altLang="en-US"/>
               <a:t>单击此处编辑母版标题样式</a:t>
             </a:r>
-            <a:endParaRPr lang="zh-CN" altLang="en-US"/>
           </a:p>
         </p:txBody>
       </p:sp>
@@ -4227,7 +4471,7 @@
           <a:p>
             <a:pPr lvl="0"/>
             <a:r>
-              <a:rPr lang="zh-CN" altLang="en-US" smtClean="0"/>
+              <a:rPr lang="zh-CN" altLang="en-US"/>
               <a:t>单击此处编辑母版文本样式</a:t>
             </a:r>
           </a:p>
@@ -4250,7 +4494,7 @@
           <a:p>
             <a:fld id="{25CA7E46-AAA2-4505-8430-AB68F6110AB2}" type="datetimeFigureOut">
               <a:rPr lang="zh-CN" altLang="en-US" smtClean="0"/>
-              <a:t>2016/5/7</a:t>
+              <a:t>2016/5/9</a:t>
             </a:fld>
             <a:endParaRPr lang="zh-CN" altLang="en-US"/>
           </a:p>
@@ -4308,13 +4552,6 @@
   <p:clrMapOvr>
     <a:masterClrMapping/>
   </p:clrMapOvr>
-  <p:timing>
-    <p:tnLst>
-      <p:par>
-        <p:cTn id="1" dur="indefinite" restart="never" nodeType="tmRoot"/>
-      </p:par>
-    </p:tnLst>
-  </p:timing>
 </p:sldLayout>
 </file>
 
@@ -4351,10 +4588,9 @@
           <a:lstStyle/>
           <a:p>
             <a:r>
-              <a:rPr lang="zh-CN" altLang="en-US" smtClean="0"/>
+              <a:rPr lang="zh-CN" altLang="en-US"/>
               <a:t>单击此处编辑母版标题样式</a:t>
             </a:r>
-            <a:endParaRPr lang="zh-CN" altLang="en-US"/>
           </a:p>
         </p:txBody>
       </p:sp>
@@ -4408,38 +4644,37 @@
           <a:p>
             <a:pPr lvl="0"/>
             <a:r>
-              <a:rPr lang="zh-CN" altLang="en-US" smtClean="0"/>
+              <a:rPr lang="zh-CN" altLang="en-US"/>
               <a:t>单击此处编辑母版文本样式</a:t>
             </a:r>
           </a:p>
           <a:p>
             <a:pPr lvl="1"/>
             <a:r>
-              <a:rPr lang="zh-CN" altLang="en-US" smtClean="0"/>
+              <a:rPr lang="zh-CN" altLang="en-US"/>
               <a:t>第二级</a:t>
             </a:r>
           </a:p>
           <a:p>
             <a:pPr lvl="2"/>
             <a:r>
-              <a:rPr lang="zh-CN" altLang="en-US" smtClean="0"/>
+              <a:rPr lang="zh-CN" altLang="en-US"/>
               <a:t>第三级</a:t>
             </a:r>
           </a:p>
           <a:p>
             <a:pPr lvl="3"/>
             <a:r>
-              <a:rPr lang="zh-CN" altLang="en-US" smtClean="0"/>
+              <a:rPr lang="zh-CN" altLang="en-US"/>
               <a:t>第四级</a:t>
             </a:r>
           </a:p>
           <a:p>
             <a:pPr lvl="4"/>
             <a:r>
-              <a:rPr lang="zh-CN" altLang="en-US" smtClean="0"/>
+              <a:rPr lang="zh-CN" altLang="en-US"/>
               <a:t>第五级</a:t>
             </a:r>
-            <a:endParaRPr lang="zh-CN" altLang="en-US"/>
           </a:p>
         </p:txBody>
       </p:sp>
@@ -4493,38 +4728,37 @@
           <a:p>
             <a:pPr lvl="0"/>
             <a:r>
-              <a:rPr lang="zh-CN" altLang="en-US" smtClean="0"/>
+              <a:rPr lang="zh-CN" altLang="en-US"/>
               <a:t>单击此处编辑母版文本样式</a:t>
             </a:r>
           </a:p>
           <a:p>
             <a:pPr lvl="1"/>
             <a:r>
-              <a:rPr lang="zh-CN" altLang="en-US" smtClean="0"/>
+              <a:rPr lang="zh-CN" altLang="en-US"/>
               <a:t>第二级</a:t>
             </a:r>
           </a:p>
           <a:p>
             <a:pPr lvl="2"/>
             <a:r>
-              <a:rPr lang="zh-CN" altLang="en-US" smtClean="0"/>
+              <a:rPr lang="zh-CN" altLang="en-US"/>
               <a:t>第三级</a:t>
             </a:r>
           </a:p>
           <a:p>
             <a:pPr lvl="3"/>
             <a:r>
-              <a:rPr lang="zh-CN" altLang="en-US" smtClean="0"/>
+              <a:rPr lang="zh-CN" altLang="en-US"/>
               <a:t>第四级</a:t>
             </a:r>
           </a:p>
           <a:p>
             <a:pPr lvl="4"/>
             <a:r>
-              <a:rPr lang="zh-CN" altLang="en-US" smtClean="0"/>
+              <a:rPr lang="zh-CN" altLang="en-US"/>
               <a:t>第五级</a:t>
             </a:r>
-            <a:endParaRPr lang="zh-CN" altLang="en-US"/>
           </a:p>
         </p:txBody>
       </p:sp>
@@ -4545,7 +4779,7 @@
           <a:p>
             <a:fld id="{25CA7E46-AAA2-4505-8430-AB68F6110AB2}" type="datetimeFigureOut">
               <a:rPr lang="zh-CN" altLang="en-US" smtClean="0"/>
-              <a:t>2016/5/7</a:t>
+              <a:t>2016/5/9</a:t>
             </a:fld>
             <a:endParaRPr lang="zh-CN" altLang="en-US"/>
           </a:p>
@@ -4603,13 +4837,6 @@
   <p:clrMapOvr>
     <a:masterClrMapping/>
   </p:clrMapOvr>
-  <p:timing>
-    <p:tnLst>
-      <p:par>
-        <p:cTn id="1" dur="indefinite" restart="never" nodeType="tmRoot"/>
-      </p:par>
-    </p:tnLst>
-  </p:timing>
 </p:sldLayout>
 </file>
 
@@ -4650,10 +4877,9 @@
           </a:lstStyle>
           <a:p>
             <a:r>
-              <a:rPr lang="zh-CN" altLang="en-US" smtClean="0"/>
+              <a:rPr lang="zh-CN" altLang="en-US"/>
               <a:t>单击此处编辑母版标题样式</a:t>
             </a:r>
-            <a:endParaRPr lang="zh-CN" altLang="en-US"/>
           </a:p>
         </p:txBody>
       </p:sp>
@@ -4716,7 +4942,7 @@
           <a:p>
             <a:pPr lvl="0"/>
             <a:r>
-              <a:rPr lang="zh-CN" altLang="en-US" smtClean="0"/>
+              <a:rPr lang="zh-CN" altLang="en-US"/>
               <a:t>单击此处编辑母版文本样式</a:t>
             </a:r>
           </a:p>
@@ -4772,38 +4998,37 @@
           <a:p>
             <a:pPr lvl="0"/>
             <a:r>
-              <a:rPr lang="zh-CN" altLang="en-US" smtClean="0"/>
+              <a:rPr lang="zh-CN" altLang="en-US"/>
               <a:t>单击此处编辑母版文本样式</a:t>
             </a:r>
           </a:p>
           <a:p>
             <a:pPr lvl="1"/>
             <a:r>
-              <a:rPr lang="zh-CN" altLang="en-US" smtClean="0"/>
+              <a:rPr lang="zh-CN" altLang="en-US"/>
               <a:t>第二级</a:t>
             </a:r>
           </a:p>
           <a:p>
             <a:pPr lvl="2"/>
             <a:r>
-              <a:rPr lang="zh-CN" altLang="en-US" smtClean="0"/>
+              <a:rPr lang="zh-CN" altLang="en-US"/>
               <a:t>第三级</a:t>
             </a:r>
           </a:p>
           <a:p>
             <a:pPr lvl="3"/>
             <a:r>
-              <a:rPr lang="zh-CN" altLang="en-US" smtClean="0"/>
+              <a:rPr lang="zh-CN" altLang="en-US"/>
               <a:t>第四级</a:t>
             </a:r>
           </a:p>
           <a:p>
             <a:pPr lvl="4"/>
             <a:r>
-              <a:rPr lang="zh-CN" altLang="en-US" smtClean="0"/>
+              <a:rPr lang="zh-CN" altLang="en-US"/>
               <a:t>第五级</a:t>
             </a:r>
-            <a:endParaRPr lang="zh-CN" altLang="en-US"/>
           </a:p>
         </p:txBody>
       </p:sp>
@@ -4866,7 +5091,7 @@
           <a:p>
             <a:pPr lvl="0"/>
             <a:r>
-              <a:rPr lang="zh-CN" altLang="en-US" smtClean="0"/>
+              <a:rPr lang="zh-CN" altLang="en-US"/>
               <a:t>单击此处编辑母版文本样式</a:t>
             </a:r>
           </a:p>
@@ -4922,38 +5147,37 @@
           <a:p>
             <a:pPr lvl="0"/>
             <a:r>
-              <a:rPr lang="zh-CN" altLang="en-US" smtClean="0"/>
+              <a:rPr lang="zh-CN" altLang="en-US"/>
               <a:t>单击此处编辑母版文本样式</a:t>
             </a:r>
           </a:p>
           <a:p>
             <a:pPr lvl="1"/>
             <a:r>
-              <a:rPr lang="zh-CN" altLang="en-US" smtClean="0"/>
+              <a:rPr lang="zh-CN" altLang="en-US"/>
               <a:t>第二级</a:t>
             </a:r>
           </a:p>
           <a:p>
             <a:pPr lvl="2"/>
             <a:r>
-              <a:rPr lang="zh-CN" altLang="en-US" smtClean="0"/>
+              <a:rPr lang="zh-CN" altLang="en-US"/>
               <a:t>第三级</a:t>
             </a:r>
           </a:p>
           <a:p>
             <a:pPr lvl="3"/>
             <a:r>
-              <a:rPr lang="zh-CN" altLang="en-US" smtClean="0"/>
+              <a:rPr lang="zh-CN" altLang="en-US"/>
               <a:t>第四级</a:t>
             </a:r>
           </a:p>
           <a:p>
             <a:pPr lvl="4"/>
             <a:r>
-              <a:rPr lang="zh-CN" altLang="en-US" smtClean="0"/>
+              <a:rPr lang="zh-CN" altLang="en-US"/>
               <a:t>第五级</a:t>
             </a:r>
-            <a:endParaRPr lang="zh-CN" altLang="en-US"/>
           </a:p>
         </p:txBody>
       </p:sp>
@@ -4974,7 +5198,7 @@
           <a:p>
             <a:fld id="{25CA7E46-AAA2-4505-8430-AB68F6110AB2}" type="datetimeFigureOut">
               <a:rPr lang="zh-CN" altLang="en-US" smtClean="0"/>
-              <a:t>2016/5/7</a:t>
+              <a:t>2016/5/9</a:t>
             </a:fld>
             <a:endParaRPr lang="zh-CN" altLang="en-US"/>
           </a:p>
@@ -5032,13 +5256,6 @@
   <p:clrMapOvr>
     <a:masterClrMapping/>
   </p:clrMapOvr>
-  <p:timing>
-    <p:tnLst>
-      <p:par>
-        <p:cTn id="1" dur="indefinite" restart="never" nodeType="tmRoot"/>
-      </p:par>
-    </p:tnLst>
-  </p:timing>
 </p:sldLayout>
 </file>
 
@@ -5084,10 +5301,9 @@
           </a:lstStyle>
           <a:p>
             <a:r>
-              <a:rPr lang="zh-CN" altLang="en-US" dirty="0" smtClean="0"/>
+              <a:rPr lang="zh-CN" altLang="en-US" dirty="0"/>
               <a:t>单击此处编辑母版标题样式</a:t>
             </a:r>
-            <a:endParaRPr lang="zh-CN" altLang="en-US" dirty="0"/>
           </a:p>
         </p:txBody>
       </p:sp>
@@ -5108,7 +5324,7 @@
           <a:p>
             <a:fld id="{25CA7E46-AAA2-4505-8430-AB68F6110AB2}" type="datetimeFigureOut">
               <a:rPr lang="zh-CN" altLang="en-US" smtClean="0"/>
-              <a:t>2016/5/7</a:t>
+              <a:t>2016/5/9</a:t>
             </a:fld>
             <a:endParaRPr lang="zh-CN" altLang="en-US"/>
           </a:p>
@@ -5166,13 +5382,6 @@
   <p:clrMapOvr>
     <a:masterClrMapping/>
   </p:clrMapOvr>
-  <p:timing>
-    <p:tnLst>
-      <p:par>
-        <p:cTn id="1" dur="indefinite" restart="never" nodeType="tmRoot"/>
-      </p:par>
-    </p:tnLst>
-  </p:timing>
 </p:sldLayout>
 </file>
 
@@ -5210,7 +5419,7 @@
           <a:p>
             <a:fld id="{25CA7E46-AAA2-4505-8430-AB68F6110AB2}" type="datetimeFigureOut">
               <a:rPr lang="zh-CN" altLang="en-US" smtClean="0"/>
-              <a:t>2016/5/7</a:t>
+              <a:t>2016/5/9</a:t>
             </a:fld>
             <a:endParaRPr lang="zh-CN" altLang="en-US"/>
           </a:p>
@@ -5313,10 +5522,9 @@
           </a:lstStyle>
           <a:p>
             <a:r>
-              <a:rPr lang="zh-CN" altLang="en-US" smtClean="0"/>
+              <a:rPr lang="zh-CN" altLang="en-US"/>
               <a:t>单击此处编辑母版标题样式</a:t>
             </a:r>
-            <a:endParaRPr lang="zh-CN" altLang="en-US"/>
           </a:p>
         </p:txBody>
       </p:sp>
@@ -5370,38 +5578,37 @@
           <a:p>
             <a:pPr lvl="0"/>
             <a:r>
-              <a:rPr lang="zh-CN" altLang="en-US" smtClean="0"/>
+              <a:rPr lang="zh-CN" altLang="en-US"/>
               <a:t>单击此处编辑母版文本样式</a:t>
             </a:r>
           </a:p>
           <a:p>
             <a:pPr lvl="1"/>
             <a:r>
-              <a:rPr lang="zh-CN" altLang="en-US" smtClean="0"/>
+              <a:rPr lang="zh-CN" altLang="en-US"/>
               <a:t>第二级</a:t>
             </a:r>
           </a:p>
           <a:p>
             <a:pPr lvl="2"/>
             <a:r>
-              <a:rPr lang="zh-CN" altLang="en-US" smtClean="0"/>
+              <a:rPr lang="zh-CN" altLang="en-US"/>
               <a:t>第三级</a:t>
             </a:r>
           </a:p>
           <a:p>
             <a:pPr lvl="3"/>
             <a:r>
-              <a:rPr lang="zh-CN" altLang="en-US" smtClean="0"/>
+              <a:rPr lang="zh-CN" altLang="en-US"/>
               <a:t>第四级</a:t>
             </a:r>
           </a:p>
           <a:p>
             <a:pPr lvl="4"/>
             <a:r>
-              <a:rPr lang="zh-CN" altLang="en-US" smtClean="0"/>
+              <a:rPr lang="zh-CN" altLang="en-US"/>
               <a:t>第五级</a:t>
             </a:r>
-            <a:endParaRPr lang="zh-CN" altLang="en-US"/>
           </a:p>
         </p:txBody>
       </p:sp>
@@ -5464,7 +5671,7 @@
           <a:p>
             <a:pPr lvl="0"/>
             <a:r>
-              <a:rPr lang="zh-CN" altLang="en-US" smtClean="0"/>
+              <a:rPr lang="zh-CN" altLang="en-US"/>
               <a:t>单击此处编辑母版文本样式</a:t>
             </a:r>
           </a:p>
@@ -5487,7 +5694,7 @@
           <a:p>
             <a:fld id="{25CA7E46-AAA2-4505-8430-AB68F6110AB2}" type="datetimeFigureOut">
               <a:rPr lang="zh-CN" altLang="en-US" smtClean="0"/>
-              <a:t>2016/5/7</a:t>
+              <a:t>2016/5/9</a:t>
             </a:fld>
             <a:endParaRPr lang="zh-CN" altLang="en-US"/>
           </a:p>
@@ -5590,10 +5797,9 @@
           </a:lstStyle>
           <a:p>
             <a:r>
-              <a:rPr lang="zh-CN" altLang="en-US" smtClean="0"/>
+              <a:rPr lang="zh-CN" altLang="en-US"/>
               <a:t>单击此处编辑母版标题样式</a:t>
             </a:r>
-            <a:endParaRPr lang="zh-CN" altLang="en-US"/>
           </a:p>
         </p:txBody>
       </p:sp>
@@ -5717,7 +5923,7 @@
           <a:p>
             <a:pPr lvl="0"/>
             <a:r>
-              <a:rPr lang="zh-CN" altLang="en-US" smtClean="0"/>
+              <a:rPr lang="zh-CN" altLang="en-US"/>
               <a:t>单击此处编辑母版文本样式</a:t>
             </a:r>
           </a:p>
@@ -5740,7 +5946,7 @@
           <a:p>
             <a:fld id="{25CA7E46-AAA2-4505-8430-AB68F6110AB2}" type="datetimeFigureOut">
               <a:rPr lang="zh-CN" altLang="en-US" smtClean="0"/>
-              <a:t>2016/5/7</a:t>
+              <a:t>2016/5/9</a:t>
             </a:fld>
             <a:endParaRPr lang="zh-CN" altLang="en-US"/>
           </a:p>
@@ -5849,10 +6055,9 @@
           <a:lstStyle/>
           <a:p>
             <a:r>
-              <a:rPr lang="zh-CN" altLang="en-US" dirty="0" smtClean="0"/>
+              <a:rPr lang="zh-CN" altLang="en-US" dirty="0"/>
               <a:t>单击此处编辑母版标题样式</a:t>
             </a:r>
-            <a:endParaRPr lang="zh-CN" altLang="en-US" dirty="0"/>
           </a:p>
         </p:txBody>
       </p:sp>
@@ -5883,38 +6088,37 @@
           <a:p>
             <a:pPr lvl="0"/>
             <a:r>
-              <a:rPr lang="zh-CN" altLang="en-US" dirty="0" smtClean="0"/>
+              <a:rPr lang="zh-CN" altLang="en-US" dirty="0"/>
               <a:t>单击此处编辑母版文本样式</a:t>
             </a:r>
           </a:p>
           <a:p>
             <a:pPr lvl="1"/>
             <a:r>
-              <a:rPr lang="zh-CN" altLang="en-US" dirty="0" smtClean="0"/>
+              <a:rPr lang="zh-CN" altLang="en-US" dirty="0"/>
               <a:t>第二级</a:t>
             </a:r>
           </a:p>
           <a:p>
             <a:pPr lvl="2"/>
             <a:r>
-              <a:rPr lang="zh-CN" altLang="en-US" dirty="0" smtClean="0"/>
+              <a:rPr lang="zh-CN" altLang="en-US" dirty="0"/>
               <a:t>第三级</a:t>
             </a:r>
           </a:p>
           <a:p>
             <a:pPr lvl="3"/>
             <a:r>
-              <a:rPr lang="zh-CN" altLang="en-US" dirty="0" smtClean="0"/>
+              <a:rPr lang="zh-CN" altLang="en-US" dirty="0"/>
               <a:t>第四级</a:t>
             </a:r>
           </a:p>
           <a:p>
             <a:pPr lvl="4"/>
             <a:r>
-              <a:rPr lang="zh-CN" altLang="en-US" dirty="0" smtClean="0"/>
+              <a:rPr lang="zh-CN" altLang="en-US" dirty="0"/>
               <a:t>第五级</a:t>
             </a:r>
-            <a:endParaRPr lang="zh-CN" altLang="en-US" dirty="0"/>
           </a:p>
         </p:txBody>
       </p:sp>
@@ -5953,7 +6157,7 @@
           <a:p>
             <a:fld id="{25CA7E46-AAA2-4505-8430-AB68F6110AB2}" type="datetimeFigureOut">
               <a:rPr lang="zh-CN" altLang="en-US" smtClean="0"/>
-              <a:t>2016/5/7</a:t>
+              <a:t>2016/5/9</a:t>
             </a:fld>
             <a:endParaRPr lang="zh-CN" altLang="en-US"/>
           </a:p>
@@ -6058,13 +6262,6 @@
     <p:sldLayoutId id="2147483658" r:id="rId10"/>
     <p:sldLayoutId id="2147483659" r:id="rId11"/>
   </p:sldLayoutIdLst>
-  <p:timing>
-    <p:tnLst>
-      <p:par>
-        <p:cTn id="1" dur="indefinite" restart="never" nodeType="tmRoot"/>
-      </p:par>
-    </p:tnLst>
-  </p:timing>
   <p:txStyles>
     <p:titleStyle>
       <a:lvl1pPr algn="ctr" defTabSz="914400" rtl="0" eaLnBrk="1" latinLnBrk="0" hangingPunct="1">
@@ -6359,23 +6556,19 @@
           <a:p>
             <a:pPr algn="r"/>
             <a:r>
-              <a:rPr lang="en-US" altLang="zh-CN" sz="3200" b="1" dirty="0" smtClean="0">
+              <a:rPr lang="en-US" altLang="zh-CN" sz="3200" b="1" dirty="0">
                 <a:latin typeface="微软雅黑" pitchFamily="34" charset="-122"/>
                 <a:ea typeface="微软雅黑" pitchFamily="34" charset="-122"/>
               </a:rPr>
               <a:t>P5-P6</a:t>
             </a:r>
             <a:r>
-              <a:rPr lang="zh-CN" altLang="en-US" sz="3200" b="1" dirty="0" smtClean="0">
+              <a:rPr lang="zh-CN" altLang="en-US" sz="3200" b="1" dirty="0">
                 <a:latin typeface="微软雅黑" pitchFamily="34" charset="-122"/>
                 <a:ea typeface="微软雅黑" pitchFamily="34" charset="-122"/>
               </a:rPr>
               <a:t>晋升述职报告</a:t>
             </a:r>
-            <a:endParaRPr lang="zh-CN" altLang="en-US" sz="3200" b="1" dirty="0">
-              <a:latin typeface="微软雅黑" pitchFamily="34" charset="-122"/>
-              <a:ea typeface="微软雅黑" pitchFamily="34" charset="-122"/>
-            </a:endParaRPr>
           </a:p>
         </p:txBody>
       </p:sp>
@@ -6403,34 +6596,34 @@
           <a:p>
             <a:pPr algn="r"/>
             <a:r>
-              <a:rPr lang="en-US" altLang="zh-CN" dirty="0" smtClean="0">
+              <a:rPr lang="en-US" altLang="zh-CN" dirty="0">
                 <a:latin typeface="微软雅黑" pitchFamily="34" charset="-122"/>
                 <a:ea typeface="微软雅黑" pitchFamily="34" charset="-122"/>
               </a:rPr>
               <a:t>OS</a:t>
             </a:r>
             <a:r>
-              <a:rPr lang="zh-CN" altLang="en-US" dirty="0" smtClean="0">
+              <a:rPr lang="zh-CN" altLang="en-US" dirty="0">
                 <a:latin typeface="微软雅黑" pitchFamily="34" charset="-122"/>
                 <a:ea typeface="微软雅黑" pitchFamily="34" charset="-122"/>
               </a:rPr>
               <a:t>事业群</a:t>
             </a:r>
             <a:r>
-              <a:rPr lang="en-US" altLang="zh-CN" dirty="0" smtClean="0">
+              <a:rPr lang="en-US" altLang="zh-CN" dirty="0">
                 <a:latin typeface="微软雅黑" pitchFamily="34" charset="-122"/>
                 <a:ea typeface="微软雅黑" pitchFamily="34" charset="-122"/>
               </a:rPr>
               <a:t>--IDC-</a:t>
             </a:r>
             <a:r>
-              <a:rPr lang="zh-CN" altLang="en-US" dirty="0" smtClean="0">
+              <a:rPr lang="zh-CN" altLang="en-US" dirty="0">
                 <a:latin typeface="微软雅黑" pitchFamily="34" charset="-122"/>
                 <a:ea typeface="微软雅黑" pitchFamily="34" charset="-122"/>
               </a:rPr>
               <a:t>系统</a:t>
             </a:r>
-            <a:endParaRPr lang="en-US" altLang="zh-CN" dirty="0" smtClean="0">
+            <a:endParaRPr lang="en-US" altLang="zh-CN" dirty="0">
               <a:latin typeface="微软雅黑" pitchFamily="34" charset="-122"/>
               <a:ea typeface="微软雅黑" pitchFamily="34" charset="-122"/>
             </a:endParaRPr>
@@ -6444,7 +6637,7 @@
               </a:rPr>
               <a:t>王正一</a:t>
             </a:r>
-            <a:endParaRPr lang="en-US" altLang="zh-CN" dirty="0" smtClean="0">
+            <a:endParaRPr lang="en-US" altLang="zh-CN" dirty="0">
               <a:latin typeface="微软雅黑" pitchFamily="34" charset="-122"/>
               <a:ea typeface="微软雅黑" pitchFamily="34" charset="-122"/>
             </a:endParaRPr>
@@ -6465,13 +6658,6 @@
   <p:clrMapOvr>
     <a:masterClrMapping/>
   </p:clrMapOvr>
-  <p:timing>
-    <p:tnLst>
-      <p:par>
-        <p:cTn id="1" dur="indefinite" restart="never" nodeType="tmRoot"/>
-      </p:par>
-    </p:tnLst>
-  </p:timing>
 </p:sld>
 </file>
 
@@ -6509,13 +6695,8 @@
           <a:p>
             <a:r>
               <a:rPr lang="zh-CN" altLang="en-US" dirty="0"/>
-              <a:t>全</a:t>
-            </a:r>
-            <a:r>
-              <a:rPr lang="zh-CN" altLang="en-US" dirty="0" smtClean="0"/>
-              <a:t>智能手表方向</a:t>
-            </a:r>
-            <a:endParaRPr lang="zh-CN" altLang="en-US" dirty="0"/>
+              <a:t>全智能手表研发</a:t>
+            </a:r>
           </a:p>
         </p:txBody>
       </p:sp>
@@ -6540,20 +6721,16 @@
               <a:buNone/>
             </a:pPr>
             <a:r>
-              <a:rPr lang="zh-CN" altLang="en-US" b="1" dirty="0" smtClean="0"/>
+              <a:rPr lang="zh-CN" altLang="en-US" b="1" dirty="0"/>
               <a:t>思路</a:t>
             </a:r>
-            <a:endParaRPr lang="en-US" altLang="zh-CN" b="1" dirty="0" smtClean="0"/>
+            <a:endParaRPr lang="en-US" altLang="zh-CN" b="1" dirty="0"/>
           </a:p>
           <a:p>
             <a:pPr lvl="1"/>
             <a:r>
               <a:rPr lang="zh-CN" altLang="en-US" dirty="0"/>
-              <a:t>组件化思想，抽象出自定义控件，便于其他</a:t>
-            </a:r>
-            <a:r>
-              <a:rPr lang="zh-CN" altLang="en-US" dirty="0" smtClean="0"/>
-              <a:t>开发同学集成</a:t>
+              <a:t>组件化思想，抽象出自定义控件，便于其他开发同学集成</a:t>
             </a:r>
             <a:endParaRPr lang="en-US" altLang="zh-CN" dirty="0"/>
           </a:p>
@@ -6561,15 +6738,7 @@
             <a:pPr lvl="1"/>
             <a:r>
               <a:rPr lang="zh-CN" altLang="en-US" dirty="0"/>
-              <a:t>统一网络架构层，</a:t>
-            </a:r>
-            <a:r>
-              <a:rPr lang="zh-CN" altLang="en-US" dirty="0" smtClean="0"/>
-              <a:t>对网络请求</a:t>
-            </a:r>
-            <a:r>
-              <a:rPr lang="zh-CN" altLang="en-US" dirty="0"/>
-              <a:t>高度抽象，便于通信切换</a:t>
+              <a:t>统一网络架构层，对网络请求高度抽象，便于通信切换</a:t>
             </a:r>
             <a:endParaRPr lang="en-US" altLang="zh-CN" dirty="0"/>
           </a:p>
@@ -6585,25 +6754,21 @@
             <a:pPr lvl="1"/>
             <a:r>
               <a:rPr lang="zh-CN" altLang="en-US" dirty="0"/>
-              <a:t>培养新人，尽快融入开发</a:t>
-            </a:r>
-            <a:r>
-              <a:rPr lang="zh-CN" altLang="en-US" dirty="0" smtClean="0"/>
-              <a:t>体系</a:t>
-            </a:r>
-            <a:endParaRPr lang="en-US" altLang="zh-CN" dirty="0" smtClean="0"/>
+              <a:t>培养新人，快速融入研发体系</a:t>
+            </a:r>
+            <a:endParaRPr lang="en-US" altLang="zh-CN" dirty="0"/>
           </a:p>
           <a:p>
             <a:pPr lvl="1"/>
             <a:r>
-              <a:rPr lang="zh-CN" altLang="en-US" dirty="0" smtClean="0"/>
-              <a:t>专项技术突破</a:t>
-            </a:r>
-            <a:endParaRPr lang="en-US" altLang="zh-CN" dirty="0" smtClean="0"/>
+              <a:rPr lang="zh-CN" altLang="en-US" dirty="0"/>
+              <a:t>专项技术突破，定期技术分享</a:t>
+            </a:r>
+            <a:endParaRPr lang="en-US" altLang="zh-CN" dirty="0"/>
           </a:p>
           <a:p>
             <a:pPr lvl="1"/>
-            <a:endParaRPr lang="en-US" altLang="zh-CN" b="1" dirty="0" smtClean="0"/>
+            <a:endParaRPr lang="en-US" altLang="zh-CN" b="1" dirty="0"/>
           </a:p>
         </p:txBody>
       </p:sp>
@@ -6617,13 +6782,6 @@
   <p:clrMapOvr>
     <a:masterClrMapping/>
   </p:clrMapOvr>
-  <p:timing>
-    <p:tnLst>
-      <p:par>
-        <p:cTn id="1" dur="indefinite" restart="never" nodeType="tmRoot"/>
-      </p:par>
-    </p:tnLst>
-  </p:timing>
 </p:sld>
 </file>
 
@@ -6660,10 +6818,9 @@
           <a:lstStyle/>
           <a:p>
             <a:r>
-              <a:rPr lang="zh-CN" altLang="en-US" dirty="0" smtClean="0"/>
+              <a:rPr lang="zh-CN" altLang="en-US" dirty="0"/>
               <a:t>统一网络框架</a:t>
             </a:r>
-            <a:endParaRPr lang="zh-CN" altLang="en-US" dirty="0"/>
           </a:p>
         </p:txBody>
       </p:sp>
@@ -6707,13 +6864,6 @@
   <p:clrMapOvr>
     <a:masterClrMapping/>
   </p:clrMapOvr>
-  <p:timing>
-    <p:tnLst>
-      <p:par>
-        <p:cTn id="1" dur="indefinite" restart="never" nodeType="tmRoot"/>
-      </p:par>
-    </p:tnLst>
-  </p:timing>
 </p:sld>
 </file>
 
@@ -6750,10 +6900,9 @@
           <a:lstStyle/>
           <a:p>
             <a:r>
-              <a:rPr lang="zh-CN" altLang="en-US" dirty="0" smtClean="0"/>
+              <a:rPr lang="zh-CN" altLang="en-US" dirty="0"/>
               <a:t>自定义控件集合</a:t>
             </a:r>
-            <a:endParaRPr lang="zh-CN" altLang="en-US" dirty="0"/>
           </a:p>
         </p:txBody>
       </p:sp>
@@ -6787,27 +6936,15 @@
             <a:pPr lvl="1"/>
             <a:r>
               <a:rPr lang="zh-CN" altLang="en-US" dirty="0"/>
-              <a:t>时间选择的滚动控件</a:t>
-            </a:r>
-            <a:r>
-              <a:rPr lang="zh-CN" altLang="en-US" dirty="0" smtClean="0"/>
-              <a:t>，结合</a:t>
-            </a:r>
-            <a:r>
-              <a:rPr lang="en-US" altLang="zh-CN" dirty="0" err="1" smtClean="0"/>
+              <a:t>时间、日期的滚动选择控件，结合</a:t>
+            </a:r>
+            <a:r>
+              <a:rPr lang="en-US" altLang="zh-CN" dirty="0" err="1"/>
               <a:t>Scroller</a:t>
             </a:r>
             <a:r>
-              <a:rPr lang="zh-CN" altLang="en-US" dirty="0" smtClean="0"/>
-              <a:t>和手势检测自定义了弹性滚动补偿机制</a:t>
-            </a:r>
-            <a:r>
-              <a:rPr lang="zh-CN" altLang="en-US" dirty="0"/>
-              <a:t>，</a:t>
-            </a:r>
-            <a:r>
-              <a:rPr lang="zh-CN" altLang="en-US" dirty="0" smtClean="0"/>
-              <a:t>优化了选择体验</a:t>
+              <a:rPr lang="zh-CN" altLang="en-US" dirty="0"/>
+              <a:t>和手势检测自定义了弹性滚动补偿机制，优化了选择体验</a:t>
             </a:r>
             <a:endParaRPr lang="en-US" altLang="zh-CN" dirty="0"/>
           </a:p>
@@ -6815,14 +6952,14 @@
             <a:pPr marL="0" indent="0">
               <a:buNone/>
             </a:pPr>
-            <a:endParaRPr lang="en-US" altLang="zh-CN" dirty="0" smtClean="0"/>
+            <a:endParaRPr lang="en-US" altLang="zh-CN" dirty="0"/>
           </a:p>
           <a:p>
             <a:pPr marL="0" indent="0">
               <a:buNone/>
             </a:pPr>
             <a:r>
-              <a:rPr lang="en-US" altLang="zh-CN" dirty="0" err="1" smtClean="0"/>
+              <a:rPr lang="en-US" altLang="zh-CN" dirty="0" err="1"/>
               <a:t>ArcScrollView</a:t>
             </a:r>
             <a:endParaRPr lang="en-US" altLang="zh-CN" dirty="0"/>
@@ -6839,35 +6976,63 @@
             </a:r>
             <a:r>
               <a:rPr lang="zh-CN" altLang="en-US" dirty="0"/>
+              <a:t>，完美的替代了</a:t>
+            </a:r>
+            <a:r>
+              <a:rPr lang="en-US" altLang="zh-CN" dirty="0" err="1"/>
+              <a:t>ListView</a:t>
+            </a:r>
+            <a:r>
+              <a:rPr lang="zh-CN" altLang="en-US" dirty="0"/>
+              <a:t>和</a:t>
+            </a:r>
+            <a:r>
+              <a:rPr lang="en-US" altLang="zh-CN" dirty="0" err="1"/>
+              <a:t>ScrollView</a:t>
+            </a:r>
+            <a:r>
+              <a:rPr lang="zh-CN" altLang="en-US" dirty="0"/>
+              <a:t>自带的垂直滚动条</a:t>
+            </a:r>
+            <a:endParaRPr lang="en-US" altLang="zh-CN" dirty="0"/>
+          </a:p>
+          <a:p>
+            <a:pPr marL="0" indent="0">
+              <a:buNone/>
+            </a:pPr>
+            <a:endParaRPr lang="en-US" altLang="zh-CN" dirty="0"/>
+          </a:p>
+          <a:p>
+            <a:pPr marL="0" indent="0">
+              <a:buNone/>
+            </a:pPr>
+            <a:r>
+              <a:rPr lang="en-US" altLang="zh-CN" dirty="0" err="1"/>
+              <a:t>PullToRefresh</a:t>
+            </a:r>
+            <a:endParaRPr lang="en-US" altLang="zh-CN" dirty="0"/>
+          </a:p>
+          <a:p>
+            <a:pPr lvl="1"/>
+            <a:r>
+              <a:rPr lang="zh-CN" altLang="en-US" dirty="0"/>
+              <a:t>下拉刷新控件，可自定义下拉刷新头部，并且可适配</a:t>
+            </a:r>
+            <a:r>
+              <a:rPr lang="en-US" altLang="zh-CN" dirty="0" err="1"/>
+              <a:t>ListView</a:t>
+            </a:r>
+            <a:r>
+              <a:rPr lang="zh-CN" altLang="en-US" dirty="0"/>
               <a:t>，</a:t>
             </a:r>
             <a:r>
-              <a:rPr lang="zh-CN" altLang="en-US" dirty="0" smtClean="0"/>
-              <a:t>完美</a:t>
-            </a:r>
-            <a:r>
-              <a:rPr lang="zh-CN" altLang="en-US" dirty="0" smtClean="0"/>
-              <a:t>的替代了</a:t>
-            </a:r>
-            <a:r>
-              <a:rPr lang="en-US" altLang="zh-CN" dirty="0" err="1" smtClean="0"/>
-              <a:t>ListView</a:t>
-            </a:r>
-            <a:r>
-              <a:rPr lang="zh-CN" altLang="en-US" dirty="0"/>
-              <a:t>和</a:t>
-            </a:r>
-            <a:r>
-              <a:rPr lang="en-US" altLang="zh-CN" dirty="0" err="1" smtClean="0"/>
-              <a:t>ArcScrollView</a:t>
-            </a:r>
-            <a:r>
-              <a:rPr lang="zh-CN" altLang="en-US" dirty="0"/>
-              <a:t>自</a:t>
-            </a:r>
-            <a:r>
-              <a:rPr lang="zh-CN" altLang="en-US" dirty="0" smtClean="0"/>
-              <a:t>带的垂直滚动条</a:t>
+              <a:rPr lang="en-US" altLang="zh-CN" dirty="0" err="1"/>
+              <a:t>ScrollView</a:t>
+            </a:r>
+            <a:r>
+              <a:rPr lang="zh-CN" altLang="en-US" dirty="0"/>
+              <a:t>等多种滑动控件。且下拉头部和刷新内容完全解耦</a:t>
             </a:r>
             <a:endParaRPr lang="en-US" altLang="zh-CN" dirty="0"/>
           </a:p>
@@ -6875,47 +7040,27 @@
             <a:pPr marL="0" indent="0">
               <a:buNone/>
             </a:pPr>
-            <a:endParaRPr lang="en-US" altLang="zh-CN" dirty="0" smtClean="0"/>
+            <a:endParaRPr lang="en-US" altLang="zh-CN" dirty="0"/>
           </a:p>
           <a:p>
             <a:pPr marL="0" indent="0">
               <a:buNone/>
             </a:pPr>
             <a:r>
-              <a:rPr lang="en-US" altLang="zh-CN" dirty="0" err="1" smtClean="0"/>
-              <a:t>PullToRefresh</a:t>
-            </a:r>
-            <a:endParaRPr lang="en-US" altLang="zh-CN" dirty="0" smtClean="0"/>
+              <a:rPr lang="en-US" altLang="zh-CN" dirty="0" err="1"/>
+              <a:t>VerticalViewPager</a:t>
+            </a:r>
+            <a:endParaRPr lang="en-US" altLang="zh-CN" dirty="0"/>
           </a:p>
           <a:p>
             <a:pPr lvl="1"/>
             <a:r>
               <a:rPr lang="zh-CN" altLang="en-US" dirty="0"/>
-              <a:t>下</a:t>
-            </a:r>
-            <a:r>
-              <a:rPr lang="zh-CN" altLang="en-US" dirty="0" smtClean="0"/>
-              <a:t>拉刷新控件，可自定义下拉刷新头部，并且可适配</a:t>
-            </a:r>
-            <a:r>
-              <a:rPr lang="en-US" altLang="zh-CN" dirty="0" err="1" smtClean="0"/>
-              <a:t>ListView</a:t>
-            </a:r>
-            <a:r>
-              <a:rPr lang="zh-CN" altLang="en-US" dirty="0" smtClean="0"/>
-              <a:t>，</a:t>
-            </a:r>
-            <a:r>
-              <a:rPr lang="en-US" altLang="zh-CN" dirty="0" err="1" smtClean="0"/>
-              <a:t>ScrollView</a:t>
-            </a:r>
-            <a:r>
-              <a:rPr lang="zh-CN" altLang="en-US" dirty="0" smtClean="0"/>
-              <a:t>等多种滑动</a:t>
-            </a:r>
-            <a:r>
-              <a:rPr lang="zh-CN" altLang="en-US" dirty="0" smtClean="0"/>
-              <a:t>控件。且下拉头部和刷新内容完全解耦</a:t>
+              <a:t>竖直滚动的</a:t>
+            </a:r>
+            <a:r>
+              <a:rPr lang="en-US" altLang="zh-CN" dirty="0" err="1"/>
+              <a:t>ViewPager</a:t>
             </a:r>
             <a:endParaRPr lang="en-US" altLang="zh-CN" dirty="0"/>
           </a:p>
@@ -6923,57 +7068,25 @@
             <a:pPr marL="0" indent="0">
               <a:buNone/>
             </a:pPr>
-            <a:endParaRPr lang="en-US" altLang="zh-CN" dirty="0" smtClean="0"/>
+            <a:endParaRPr lang="en-US" altLang="zh-CN" dirty="0"/>
           </a:p>
           <a:p>
             <a:pPr marL="0" indent="0">
               <a:buNone/>
             </a:pPr>
             <a:r>
-              <a:rPr lang="en-US" altLang="zh-CN" dirty="0" err="1" smtClean="0"/>
-              <a:t>VerticalViewPager</a:t>
-            </a:r>
-            <a:endParaRPr lang="en-US" altLang="zh-CN" dirty="0" smtClean="0"/>
+              <a:rPr lang="en-US" altLang="zh-CN" dirty="0" err="1"/>
+              <a:t>ClockView</a:t>
+            </a:r>
+            <a:endParaRPr lang="en-US" altLang="zh-CN" dirty="0"/>
           </a:p>
           <a:p>
             <a:pPr lvl="1"/>
             <a:r>
-              <a:rPr lang="zh-CN" altLang="en-US" dirty="0" smtClean="0"/>
-              <a:t>竖直滚动的</a:t>
-            </a:r>
-            <a:r>
-              <a:rPr lang="en-US" altLang="zh-CN" dirty="0" err="1" smtClean="0"/>
-              <a:t>ViewPager</a:t>
-            </a:r>
-            <a:endParaRPr lang="en-US" altLang="zh-CN" dirty="0" smtClean="0"/>
-          </a:p>
-          <a:p>
-            <a:pPr marL="0" indent="0">
-              <a:buNone/>
-            </a:pPr>
-            <a:endParaRPr lang="en-US" altLang="zh-CN" dirty="0" smtClean="0"/>
-          </a:p>
-          <a:p>
-            <a:pPr marL="0" indent="0">
-              <a:buNone/>
-            </a:pPr>
-            <a:r>
-              <a:rPr lang="en-US" altLang="zh-CN" dirty="0" err="1" smtClean="0"/>
-              <a:t>ClockView</a:t>
+              <a:rPr lang="zh-CN" altLang="en-US" dirty="0"/>
+              <a:t>表盘控件，自定义时间显示</a:t>
             </a:r>
             <a:endParaRPr lang="en-US" altLang="zh-CN" dirty="0"/>
-          </a:p>
-          <a:p>
-            <a:pPr lvl="1"/>
-            <a:r>
-              <a:rPr lang="zh-CN" altLang="en-US" dirty="0"/>
-              <a:t>表盘控件，自定义时间</a:t>
-            </a:r>
-            <a:r>
-              <a:rPr lang="zh-CN" altLang="en-US" dirty="0" smtClean="0"/>
-              <a:t>显示</a:t>
-            </a:r>
-            <a:endParaRPr lang="en-US" altLang="zh-CN" dirty="0" smtClean="0"/>
           </a:p>
         </p:txBody>
       </p:sp>
@@ -6987,13 +7100,6 @@
   <p:clrMapOvr>
     <a:masterClrMapping/>
   </p:clrMapOvr>
-  <p:timing>
-    <p:tnLst>
-      <p:par>
-        <p:cTn id="1" dur="indefinite" restart="never" nodeType="tmRoot"/>
-      </p:par>
-    </p:tnLst>
-  </p:timing>
 </p:sld>
 </file>
 
@@ -7030,10 +7136,9 @@
           <a:lstStyle/>
           <a:p>
             <a:r>
-              <a:rPr lang="zh-CN" altLang="en-US" dirty="0" smtClean="0"/>
+              <a:rPr lang="zh-CN" altLang="en-US" dirty="0"/>
               <a:t>全智能手表方向</a:t>
             </a:r>
-            <a:endParaRPr lang="zh-CN" altLang="en-US" dirty="0"/>
           </a:p>
         </p:txBody>
       </p:sp>
@@ -7077,38 +7182,26 @@
             </a:r>
             <a:r>
               <a:rPr lang="zh-CN" altLang="en-US" dirty="0"/>
-              <a:t>个自定义控件，提升研发</a:t>
-            </a:r>
-            <a:r>
-              <a:rPr lang="zh-CN" altLang="en-US" dirty="0" smtClean="0"/>
-              <a:t>效率。</a:t>
-            </a:r>
-            <a:endParaRPr lang="en-US" altLang="zh-CN" dirty="0" smtClean="0"/>
+              <a:t>个自定义控件，提升研发效率。</a:t>
+            </a:r>
+            <a:endParaRPr lang="en-US" altLang="zh-CN" dirty="0"/>
           </a:p>
           <a:p>
             <a:pPr lvl="1"/>
             <a:r>
-              <a:rPr lang="zh-CN" altLang="en-US" dirty="0" smtClean="0"/>
-              <a:t>统一</a:t>
-            </a:r>
-            <a:r>
-              <a:rPr lang="zh-CN" altLang="en-US" dirty="0"/>
-              <a:t>应用层网络</a:t>
-            </a:r>
-            <a:r>
-              <a:rPr lang="zh-CN" altLang="en-US" dirty="0" smtClean="0"/>
-              <a:t>框架，实现对</a:t>
-            </a:r>
-            <a:r>
-              <a:rPr lang="en-US" altLang="zh-CN" dirty="0" smtClean="0"/>
+              <a:rPr lang="zh-CN" altLang="en-US" dirty="0"/>
+              <a:t>统一应用层网络框架，实现对</a:t>
+            </a:r>
+            <a:r>
+              <a:rPr lang="en-US" altLang="zh-CN" dirty="0"/>
               <a:t>HTTP</a:t>
             </a:r>
             <a:r>
-              <a:rPr lang="zh-CN" altLang="en-US" dirty="0" smtClean="0"/>
+              <a:rPr lang="zh-CN" altLang="en-US" dirty="0"/>
               <a:t>请求的高度封装和缓存，提高并发</a:t>
             </a:r>
             <a:r>
-              <a:rPr lang="zh-CN" altLang="en-US" dirty="0" smtClean="0">
+              <a:rPr lang="zh-CN" altLang="en-US" dirty="0">
                 <a:solidFill>
                   <a:srgbClr val="FF0000"/>
                 </a:solidFill>
@@ -7116,18 +7209,18 @@
               <a:t>效率</a:t>
             </a:r>
             <a:r>
-              <a:rPr lang="zh-CN" altLang="en-US" dirty="0" smtClean="0"/>
+              <a:rPr lang="zh-CN" altLang="en-US" dirty="0"/>
               <a:t>，节约用户</a:t>
             </a:r>
             <a:r>
-              <a:rPr lang="zh-CN" altLang="en-US" dirty="0" smtClean="0">
+              <a:rPr lang="zh-CN" altLang="en-US" dirty="0">
                 <a:solidFill>
                   <a:srgbClr val="FF0000"/>
                 </a:solidFill>
               </a:rPr>
               <a:t>流量</a:t>
             </a:r>
-            <a:endParaRPr lang="en-US" altLang="zh-CN" dirty="0" smtClean="0">
+            <a:endParaRPr lang="en-US" altLang="zh-CN" dirty="0">
               <a:solidFill>
                 <a:srgbClr val="FF0000"/>
               </a:solidFill>
@@ -7136,11 +7229,11 @@
           <a:p>
             <a:pPr lvl="1"/>
             <a:r>
-              <a:rPr lang="zh-CN" altLang="en-US" dirty="0" smtClean="0"/>
+              <a:rPr lang="zh-CN" altLang="en-US" dirty="0"/>
               <a:t>难点应用全部按期</a:t>
             </a:r>
             <a:r>
-              <a:rPr lang="zh-CN" altLang="en-US" dirty="0" smtClean="0">
+              <a:rPr lang="zh-CN" altLang="en-US" dirty="0">
                 <a:solidFill>
                   <a:srgbClr val="FF0000"/>
                 </a:solidFill>
@@ -7148,11 +7241,11 @@
               <a:t>完成</a:t>
             </a:r>
             <a:r>
-              <a:rPr lang="zh-CN" altLang="en-US" dirty="0" smtClean="0"/>
+              <a:rPr lang="zh-CN" altLang="en-US" dirty="0"/>
               <a:t>，</a:t>
             </a:r>
             <a:r>
-              <a:rPr lang="zh-CN" altLang="en-US" dirty="0" smtClean="0">
+              <a:rPr lang="zh-CN" altLang="en-US" dirty="0">
                 <a:solidFill>
                   <a:srgbClr val="FF0000"/>
                 </a:solidFill>
@@ -7160,7 +7253,7 @@
               <a:t>无</a:t>
             </a:r>
             <a:r>
-              <a:rPr lang="en-US" altLang="zh-CN" dirty="0" smtClean="0">
+              <a:rPr lang="en-US" altLang="zh-CN" dirty="0">
                 <a:solidFill>
                   <a:srgbClr val="FF0000"/>
                 </a:solidFill>
@@ -7168,63 +7261,23 @@
               <a:t>3-1</a:t>
             </a:r>
             <a:r>
-              <a:rPr lang="zh-CN" altLang="en-US" dirty="0" smtClean="0"/>
+              <a:rPr lang="zh-CN" altLang="en-US" dirty="0"/>
               <a:t>以上</a:t>
             </a:r>
             <a:r>
-              <a:rPr lang="en-US" altLang="zh-CN" dirty="0" smtClean="0"/>
+              <a:rPr lang="en-US" altLang="zh-CN" dirty="0"/>
               <a:t>Bug</a:t>
             </a:r>
             <a:r>
-              <a:rPr lang="zh-CN" altLang="en-US" dirty="0" smtClean="0"/>
-              <a:t>存留（天气</a:t>
-            </a:r>
-            <a:r>
-              <a:rPr lang="en-US" altLang="zh-CN" dirty="0" smtClean="0"/>
-              <a:t>, </a:t>
-            </a:r>
-            <a:r>
-              <a:rPr lang="zh-CN" altLang="en-US" dirty="0" smtClean="0"/>
-              <a:t>闹钟</a:t>
-            </a:r>
-            <a:r>
-              <a:rPr lang="en-US" altLang="zh-CN" dirty="0" smtClean="0"/>
-              <a:t>, </a:t>
-            </a:r>
-            <a:r>
-              <a:rPr lang="zh-CN" altLang="en-US" dirty="0" smtClean="0"/>
-              <a:t>秒表</a:t>
-            </a:r>
-            <a:r>
-              <a:rPr lang="en-US" altLang="zh-CN" dirty="0" smtClean="0"/>
-              <a:t>, </a:t>
-            </a:r>
-            <a:r>
-              <a:rPr lang="zh-CN" altLang="en-US" dirty="0" smtClean="0"/>
-              <a:t>计时器</a:t>
-            </a:r>
-            <a:r>
-              <a:rPr lang="en-US" altLang="zh-CN" dirty="0" smtClean="0"/>
-              <a:t>, </a:t>
-            </a:r>
-            <a:r>
-              <a:rPr lang="zh-CN" altLang="en-US" dirty="0" smtClean="0"/>
-              <a:t>密码锁</a:t>
-            </a:r>
-            <a:r>
-              <a:rPr lang="en-US" altLang="zh-CN" dirty="0" smtClean="0"/>
-              <a:t>, </a:t>
-            </a:r>
-            <a:r>
-              <a:rPr lang="zh-CN" altLang="en-US" dirty="0" smtClean="0"/>
-              <a:t>应用列表等）</a:t>
-            </a:r>
-            <a:endParaRPr lang="en-US" altLang="zh-CN" dirty="0" smtClean="0"/>
+              <a:rPr lang="zh-CN" altLang="en-US" dirty="0"/>
+              <a:t>存留</a:t>
+            </a:r>
+            <a:endParaRPr lang="en-US" altLang="zh-CN" dirty="0"/>
           </a:p>
           <a:p>
             <a:pPr lvl="1"/>
             <a:r>
-              <a:rPr lang="zh-CN" altLang="en-US" dirty="0" smtClean="0">
+              <a:rPr lang="zh-CN" altLang="en-US" dirty="0">
                 <a:solidFill>
                   <a:srgbClr val="FF0000"/>
                 </a:solidFill>
@@ -7233,11 +7286,7 @@
             </a:r>
             <a:r>
               <a:rPr lang="zh-CN" altLang="en-US" dirty="0"/>
-              <a:t>的建立起全智能手表的应用层</a:t>
-            </a:r>
-            <a:r>
-              <a:rPr lang="zh-CN" altLang="en-US" dirty="0" smtClean="0"/>
-              <a:t>体系</a:t>
+              <a:t>的建立起全智能手表的应用层体系</a:t>
             </a:r>
             <a:endParaRPr lang="en-US" altLang="zh-CN" dirty="0"/>
           </a:p>
@@ -7253,13 +7302,6 @@
   <p:clrMapOvr>
     <a:masterClrMapping/>
   </p:clrMapOvr>
-  <p:timing>
-    <p:tnLst>
-      <p:par>
-        <p:cTn id="1" dur="indefinite" restart="never" nodeType="tmRoot"/>
-      </p:par>
-    </p:tnLst>
-  </p:timing>
 </p:sld>
 </file>
 
@@ -7296,10 +7338,9 @@
           <a:lstStyle/>
           <a:p>
             <a:r>
-              <a:rPr lang="zh-CN" altLang="en-US" dirty="0" smtClean="0"/>
+              <a:rPr lang="zh-CN" altLang="en-US" dirty="0"/>
               <a:t>个人成长与展望</a:t>
             </a:r>
-            <a:endParaRPr lang="zh-CN" altLang="en-US" dirty="0"/>
           </a:p>
         </p:txBody>
       </p:sp>
@@ -7324,23 +7365,19 @@
               <a:buNone/>
             </a:pPr>
             <a:r>
-              <a:rPr lang="zh-CN" altLang="en-US" b="1" dirty="0" smtClean="0"/>
+              <a:rPr lang="zh-CN" altLang="en-US" b="1" dirty="0"/>
               <a:t>个人成长</a:t>
             </a:r>
-            <a:endParaRPr lang="en-US" altLang="zh-CN" b="1" dirty="0" smtClean="0"/>
+            <a:endParaRPr lang="en-US" altLang="zh-CN" b="1" dirty="0"/>
           </a:p>
           <a:p>
             <a:pPr lvl="1"/>
             <a:r>
-              <a:rPr lang="zh-CN" altLang="en-US" dirty="0" smtClean="0"/>
-              <a:t>技术规划能力：</a:t>
-            </a:r>
-            <a:r>
-              <a:rPr lang="zh-CN" altLang="en-US" dirty="0"/>
-              <a:t>负责</a:t>
-            </a:r>
-            <a:r>
-              <a:rPr lang="en-US" altLang="zh-CN" dirty="0" smtClean="0"/>
+              <a:rPr lang="zh-CN" altLang="en-US" dirty="0"/>
+              <a:t>技术规划能力：负责</a:t>
+            </a:r>
+            <a:r>
+              <a:rPr lang="en-US" altLang="zh-CN" dirty="0"/>
               <a:t>MTK</a:t>
             </a:r>
             <a:r>
@@ -7348,35 +7385,35 @@
               <a:t>平台</a:t>
             </a:r>
             <a:r>
-              <a:rPr lang="en-US" altLang="zh-CN" dirty="0" smtClean="0"/>
+              <a:rPr lang="en-US" altLang="zh-CN" dirty="0"/>
               <a:t>ROM</a:t>
             </a:r>
             <a:r>
-              <a:rPr lang="zh-CN" altLang="en-US" dirty="0" smtClean="0"/>
+              <a:rPr lang="zh-CN" altLang="en-US" dirty="0"/>
               <a:t>适配，负责全智能手表多个应用的规划和执行</a:t>
             </a:r>
-            <a:endParaRPr lang="en-US" altLang="zh-CN" dirty="0" smtClean="0"/>
+            <a:endParaRPr lang="en-US" altLang="zh-CN" dirty="0"/>
           </a:p>
           <a:p>
             <a:pPr lvl="1"/>
             <a:r>
-              <a:rPr lang="zh-CN" altLang="en-US" dirty="0" smtClean="0"/>
+              <a:rPr lang="zh-CN" altLang="en-US" dirty="0"/>
               <a:t>技术把控能力：移动端开发从应用层到</a:t>
             </a:r>
             <a:r>
-              <a:rPr lang="en-US" altLang="zh-CN" dirty="0" smtClean="0"/>
+              <a:rPr lang="en-US" altLang="zh-CN" dirty="0"/>
               <a:t>Framework</a:t>
             </a:r>
             <a:r>
-              <a:rPr lang="zh-CN" altLang="en-US" dirty="0" smtClean="0"/>
+              <a:rPr lang="zh-CN" altLang="en-US" dirty="0"/>
               <a:t>层均有技术积累和沉淀</a:t>
             </a:r>
-            <a:endParaRPr lang="en-US" altLang="zh-CN" dirty="0" smtClean="0"/>
+            <a:endParaRPr lang="en-US" altLang="zh-CN" dirty="0"/>
           </a:p>
           <a:p>
             <a:pPr lvl="1"/>
             <a:r>
-              <a:rPr lang="zh-CN" altLang="en-US" dirty="0" smtClean="0"/>
+              <a:rPr lang="zh-CN" altLang="en-US" dirty="0"/>
               <a:t>新人培养能力：授人以渔，经过指导和协作，组内的新同学已经成功具备移动端开发能力</a:t>
             </a:r>
             <a:endParaRPr lang="en-US" altLang="zh-CN" dirty="0"/>
@@ -7385,41 +7422,40 @@
             <a:pPr marL="0" indent="0">
               <a:buNone/>
             </a:pPr>
-            <a:endParaRPr lang="en-US" altLang="zh-CN" dirty="0" smtClean="0"/>
+            <a:endParaRPr lang="en-US" altLang="zh-CN" dirty="0"/>
           </a:p>
           <a:p>
             <a:pPr marL="0" indent="0">
               <a:buNone/>
             </a:pPr>
             <a:r>
-              <a:rPr lang="zh-CN" altLang="en-US" b="1" dirty="0" smtClean="0"/>
+              <a:rPr lang="zh-CN" altLang="en-US" b="1" dirty="0"/>
               <a:t>展望</a:t>
             </a:r>
-            <a:endParaRPr lang="en-US" altLang="zh-CN" b="1" dirty="0" smtClean="0"/>
+            <a:endParaRPr lang="en-US" altLang="zh-CN" b="1" dirty="0"/>
           </a:p>
           <a:p>
             <a:pPr lvl="1"/>
             <a:r>
-              <a:rPr lang="zh-CN" altLang="en-US" dirty="0" smtClean="0"/>
+              <a:rPr lang="zh-CN" altLang="en-US" dirty="0"/>
               <a:t>继续提升和优化的应用层开发能力，推动并提速</a:t>
             </a:r>
             <a:r>
-              <a:rPr lang="en-US" altLang="zh-CN" dirty="0" smtClean="0"/>
+              <a:rPr lang="en-US" altLang="zh-CN" dirty="0"/>
               <a:t>IDC</a:t>
             </a:r>
             <a:r>
-              <a:rPr lang="zh-CN" altLang="en-US" dirty="0" smtClean="0"/>
+              <a:rPr lang="zh-CN" altLang="en-US" dirty="0"/>
               <a:t>全智能的开发</a:t>
             </a:r>
-            <a:endParaRPr lang="en-US" altLang="zh-CN" dirty="0" smtClean="0"/>
+            <a:endParaRPr lang="en-US" altLang="zh-CN" dirty="0"/>
           </a:p>
           <a:p>
             <a:pPr lvl="1"/>
             <a:r>
-              <a:rPr lang="zh-CN" altLang="en-US" dirty="0" smtClean="0"/>
+              <a:rPr lang="zh-CN" altLang="en-US" dirty="0"/>
               <a:t>增强个人影响力，将自己所学能够更好的分享给其他人</a:t>
             </a:r>
-            <a:endParaRPr lang="zh-CN" altLang="en-US" dirty="0"/>
           </a:p>
         </p:txBody>
       </p:sp>
@@ -7433,13 +7469,6 @@
   <p:clrMapOvr>
     <a:masterClrMapping/>
   </p:clrMapOvr>
-  <p:timing>
-    <p:tnLst>
-      <p:par>
-        <p:cTn id="1" dur="indefinite" restart="never" nodeType="tmRoot"/>
-      </p:par>
-    </p:tnLst>
-  </p:timing>
 </p:sld>
 </file>
 
@@ -7478,7 +7507,7 @@
             <a:pPr marL="0" indent="0" algn="ctr">
               <a:buNone/>
             </a:pPr>
-            <a:endParaRPr lang="en-US" altLang="zh-CN" dirty="0" smtClean="0"/>
+            <a:endParaRPr lang="en-US" altLang="zh-CN" dirty="0"/>
           </a:p>
           <a:p>
             <a:pPr marL="0" indent="0" algn="ctr">
@@ -7490,14 +7519,14 @@
             <a:pPr marL="0" indent="0" algn="ctr">
               <a:buNone/>
             </a:pPr>
-            <a:endParaRPr lang="en-US" altLang="zh-CN" dirty="0" smtClean="0"/>
+            <a:endParaRPr lang="en-US" altLang="zh-CN" dirty="0"/>
           </a:p>
           <a:p>
             <a:pPr marL="0" indent="0" algn="ctr">
               <a:buNone/>
             </a:pPr>
             <a:r>
-              <a:rPr lang="en-US" altLang="zh-CN" sz="4800" b="1" dirty="0" smtClean="0"/>
+              <a:rPr lang="en-US" altLang="zh-CN" sz="4800" b="1" dirty="0"/>
               <a:t>Thanks</a:t>
             </a:r>
             <a:endParaRPr lang="zh-CN" altLang="en-US" sz="4800" b="1" dirty="0"/>
@@ -7514,13 +7543,6 @@
   <p:clrMapOvr>
     <a:masterClrMapping/>
   </p:clrMapOvr>
-  <p:timing>
-    <p:tnLst>
-      <p:par>
-        <p:cTn id="1" dur="indefinite" restart="never" nodeType="tmRoot"/>
-      </p:par>
-    </p:tnLst>
-  </p:timing>
 </p:sld>
 </file>
 
@@ -7557,10 +7579,9 @@
           <a:lstStyle/>
           <a:p>
             <a:r>
-              <a:rPr lang="zh-CN" altLang="en-US" b="1" dirty="0" smtClean="0"/>
+              <a:rPr lang="zh-CN" altLang="en-US" b="1" dirty="0"/>
               <a:t>个人简介</a:t>
             </a:r>
-            <a:endParaRPr lang="zh-CN" altLang="en-US" b="1" dirty="0"/>
           </a:p>
         </p:txBody>
       </p:sp>
@@ -7585,38 +7606,93 @@
               <a:buNone/>
             </a:pPr>
             <a:r>
-              <a:rPr lang="zh-CN" altLang="en-US" sz="2400" dirty="0" smtClean="0"/>
+              <a:rPr lang="zh-CN" altLang="en-US" sz="2400" dirty="0"/>
               <a:t>阿里工作经历</a:t>
             </a:r>
-            <a:endParaRPr lang="en-US" altLang="zh-CN" sz="2400" dirty="0" smtClean="0"/>
+            <a:endParaRPr lang="en-US" altLang="zh-CN" sz="2400" dirty="0"/>
           </a:p>
           <a:p>
             <a:pPr lvl="1"/>
             <a:r>
-              <a:rPr lang="en-US" altLang="zh-CN" sz="2400" dirty="0" smtClean="0"/>
+              <a:rPr lang="en-US" altLang="zh-CN" sz="2400" dirty="0"/>
               <a:t>2014</a:t>
             </a:r>
             <a:r>
-              <a:rPr lang="zh-CN" altLang="en-US" sz="2400" dirty="0" smtClean="0"/>
+              <a:rPr lang="zh-CN" altLang="en-US" sz="2400" dirty="0"/>
               <a:t>年</a:t>
             </a:r>
             <a:r>
-              <a:rPr lang="en-US" altLang="zh-CN" sz="2400" dirty="0" smtClean="0"/>
+              <a:rPr lang="en-US" altLang="zh-CN" sz="2400" dirty="0"/>
               <a:t>7</a:t>
             </a:r>
             <a:r>
-              <a:rPr lang="zh-CN" altLang="en-US" sz="2400" dirty="0" smtClean="0"/>
+              <a:rPr lang="zh-CN" altLang="en-US" sz="2400" dirty="0"/>
               <a:t>月正式加入</a:t>
             </a:r>
             <a:r>
-              <a:rPr lang="en-US" altLang="zh-CN" sz="2400" dirty="0" smtClean="0"/>
+              <a:rPr lang="en-US" altLang="zh-CN" sz="2400" dirty="0"/>
               <a:t>YunOS</a:t>
             </a:r>
             <a:r>
-              <a:rPr lang="zh-CN" altLang="en-US" sz="2400" dirty="0" smtClean="0"/>
+              <a:rPr lang="zh-CN" altLang="en-US" sz="2400" dirty="0"/>
               <a:t>大家庭</a:t>
             </a:r>
-            <a:endParaRPr lang="en-US" altLang="zh-CN" sz="2400" dirty="0" smtClean="0"/>
+            <a:endParaRPr lang="en-US" altLang="zh-CN" sz="2400" dirty="0"/>
+          </a:p>
+          <a:p>
+            <a:pPr marL="0" indent="0">
+              <a:buNone/>
+            </a:pPr>
+            <a:endParaRPr lang="en-US" altLang="zh-CN" dirty="0"/>
+          </a:p>
+          <a:p>
+            <a:pPr marL="0" indent="0">
+              <a:buNone/>
+            </a:pPr>
+            <a:r>
+              <a:rPr lang="zh-CN" altLang="en-US" dirty="0"/>
+              <a:t>个人介绍</a:t>
+            </a:r>
+            <a:endParaRPr lang="en-US" altLang="zh-CN" dirty="0"/>
+          </a:p>
+          <a:p>
+            <a:pPr lvl="1"/>
+            <a:r>
+              <a:rPr lang="zh-CN" altLang="en-US" dirty="0"/>
+              <a:t>全栈工程师</a:t>
+            </a:r>
+            <a:r>
+              <a:rPr lang="en-US" altLang="zh-CN" dirty="0"/>
+              <a:t>(YunOS, Android, LNMP</a:t>
+            </a:r>
+            <a:r>
+              <a:rPr lang="zh-CN" altLang="en-US" dirty="0"/>
+              <a:t>服务端开发</a:t>
+            </a:r>
+            <a:r>
+              <a:rPr lang="en-US" altLang="zh-CN" dirty="0"/>
+              <a:t>)</a:t>
+            </a:r>
+          </a:p>
+          <a:p>
+            <a:pPr lvl="1"/>
+            <a:r>
+              <a:rPr lang="en-US" altLang="zh-CN" dirty="0"/>
+              <a:t>GITHUB</a:t>
+            </a:r>
+            <a:r>
+              <a:rPr lang="zh-CN" altLang="en-US" dirty="0"/>
+              <a:t>开源项目开发者</a:t>
+            </a:r>
+            <a:r>
+              <a:rPr lang="en-US" altLang="zh-CN" dirty="0"/>
+              <a:t>, CSDN</a:t>
+            </a:r>
+            <a:r>
+              <a:rPr lang="zh-CN" altLang="en-US" dirty="0"/>
+              <a:t>认证博客专家</a:t>
+            </a:r>
+            <a:endParaRPr lang="en-US" altLang="zh-CN" dirty="0"/>
           </a:p>
           <a:p>
             <a:pPr marL="0" indent="0">
@@ -7629,7 +7705,7 @@
               <a:buNone/>
             </a:pPr>
             <a:r>
-              <a:rPr lang="zh-CN" altLang="en-US" sz="2400" dirty="0" smtClean="0"/>
+              <a:rPr lang="zh-CN" altLang="en-US" sz="2400" dirty="0"/>
               <a:t>工作职责</a:t>
             </a:r>
             <a:endParaRPr lang="en-US" altLang="zh-CN" dirty="0"/>
@@ -7638,22 +7714,14 @@
             <a:pPr marL="742950" lvl="2" indent="-342900"/>
             <a:r>
               <a:rPr lang="en-US" altLang="zh-CN" dirty="0"/>
-              <a:t>ROM</a:t>
-            </a:r>
-            <a:r>
-              <a:rPr lang="zh-CN" altLang="en-US" dirty="0"/>
-              <a:t>适</a:t>
-            </a:r>
-            <a:r>
-              <a:rPr lang="zh-CN" altLang="en-US" dirty="0" smtClean="0"/>
-              <a:t>配</a:t>
-            </a:r>
-            <a:r>
-              <a:rPr lang="zh-CN" altLang="en-US" dirty="0"/>
-              <a:t>项目</a:t>
-            </a:r>
-            <a:r>
-              <a:rPr lang="en-US" altLang="zh-CN" dirty="0" smtClean="0"/>
+              <a:t>YunOS ROM</a:t>
+            </a:r>
+            <a:r>
+              <a:rPr lang="zh-CN" altLang="en-US" dirty="0"/>
+              <a:t>适配项目</a:t>
+            </a:r>
+            <a:r>
+              <a:rPr lang="en-US" altLang="zh-CN" dirty="0"/>
               <a:t>MTK</a:t>
             </a:r>
             <a:r>
@@ -7665,82 +7733,10 @@
           <a:p>
             <a:pPr marL="742950" lvl="2" indent="-342900"/>
             <a:r>
-              <a:rPr lang="zh-CN" altLang="en-US" dirty="0" smtClean="0"/>
-              <a:t>全智能</a:t>
-            </a:r>
-            <a:r>
-              <a:rPr lang="zh-CN" altLang="en-US" dirty="0"/>
-              <a:t>手表</a:t>
-            </a:r>
-            <a:r>
-              <a:rPr lang="zh-CN" altLang="en-US" dirty="0" smtClean="0"/>
-              <a:t>应用层主力</a:t>
-            </a:r>
-            <a:r>
-              <a:rPr lang="zh-CN" altLang="en-US" dirty="0"/>
-              <a:t>研发</a:t>
+              <a:rPr lang="zh-CN" altLang="en-US" dirty="0"/>
+              <a:t>全智能手表应用层主力研发</a:t>
             </a:r>
             <a:endParaRPr lang="en-US" altLang="zh-CN" dirty="0"/>
-          </a:p>
-          <a:p>
-            <a:pPr marL="0" indent="0">
-              <a:buNone/>
-            </a:pPr>
-            <a:endParaRPr lang="en-US" altLang="zh-CN" dirty="0" smtClean="0"/>
-          </a:p>
-          <a:p>
-            <a:pPr marL="0" indent="0">
-              <a:buNone/>
-            </a:pPr>
-            <a:r>
-              <a:rPr lang="zh-CN" altLang="en-US" sz="2400" dirty="0"/>
-              <a:t>个人介绍</a:t>
-            </a:r>
-            <a:endParaRPr lang="en-US" altLang="zh-CN" sz="2400" dirty="0"/>
-          </a:p>
-          <a:p>
-            <a:pPr lvl="1"/>
-            <a:r>
-              <a:rPr lang="en-US" altLang="zh-CN" sz="2400" dirty="0"/>
-              <a:t>GITHUB</a:t>
-            </a:r>
-            <a:r>
-              <a:rPr lang="zh-CN" altLang="en-US" sz="2400" dirty="0"/>
-              <a:t>开源项目开发者</a:t>
-            </a:r>
-            <a:r>
-              <a:rPr lang="en-US" altLang="zh-CN" sz="2400" dirty="0"/>
-              <a:t>, CSDN</a:t>
-            </a:r>
-            <a:r>
-              <a:rPr lang="zh-CN" altLang="en-US" sz="2400" dirty="0"/>
-              <a:t>认证博客专家</a:t>
-            </a:r>
-            <a:endParaRPr lang="en-US" altLang="zh-CN" sz="2400" dirty="0"/>
-          </a:p>
-          <a:p>
-            <a:pPr lvl="1"/>
-            <a:r>
-              <a:rPr lang="zh-CN" altLang="en-US" sz="2400" dirty="0"/>
-              <a:t>全栈工程师</a:t>
-            </a:r>
-            <a:r>
-              <a:rPr lang="en-US" altLang="zh-CN" sz="2400" dirty="0"/>
-              <a:t>(YunOS</a:t>
-            </a:r>
-            <a:r>
-              <a:rPr lang="en-US" altLang="zh-CN" sz="2400" dirty="0" smtClean="0"/>
-              <a:t>, Android, LNMP</a:t>
-            </a:r>
-            <a:r>
-              <a:rPr lang="zh-CN" altLang="en-US" sz="2400" dirty="0"/>
-              <a:t>服务端开发</a:t>
-            </a:r>
-            <a:r>
-              <a:rPr lang="en-US" altLang="zh-CN" sz="2400" dirty="0" smtClean="0"/>
-              <a:t>)</a:t>
-            </a:r>
-            <a:endParaRPr lang="en-US" altLang="zh-CN" sz="2400" dirty="0"/>
           </a:p>
         </p:txBody>
       </p:sp>
@@ -7754,13 +7750,6 @@
   <p:clrMapOvr>
     <a:masterClrMapping/>
   </p:clrMapOvr>
-  <p:timing>
-    <p:tnLst>
-      <p:par>
-        <p:cTn id="1" dur="indefinite" restart="never" nodeType="tmRoot"/>
-      </p:par>
-    </p:tnLst>
-  </p:timing>
 </p:sld>
 </file>
 
@@ -7798,10 +7787,9 @@
           <a:p>
             <a:pPr algn="l"/>
             <a:r>
-              <a:rPr lang="zh-CN" altLang="en-US" b="1" dirty="0" smtClean="0"/>
+              <a:rPr lang="zh-CN" altLang="en-US" b="1" dirty="0"/>
               <a:t>大纲</a:t>
             </a:r>
-            <a:endParaRPr lang="zh-CN" altLang="en-US" b="1" dirty="0"/>
           </a:p>
         </p:txBody>
       </p:sp>
@@ -7824,7 +7812,7 @@
               <a:buNone/>
             </a:pPr>
             <a:r>
-              <a:rPr lang="en-US" altLang="zh-CN" b="1" dirty="0" smtClean="0">
+              <a:rPr lang="en-US" altLang="zh-CN" b="1" dirty="0">
                 <a:solidFill>
                   <a:srgbClr val="FF0000"/>
                 </a:solidFill>
@@ -7832,30 +7820,14 @@
               <a:t>YunOS ROM</a:t>
             </a:r>
             <a:r>
-              <a:rPr lang="zh-CN" altLang="en-US" b="1" dirty="0" smtClean="0">
-                <a:solidFill>
-                  <a:srgbClr val="FF0000"/>
-                </a:solidFill>
-              </a:rPr>
-              <a:t>适</a:t>
-            </a:r>
-            <a:r>
               <a:rPr lang="zh-CN" altLang="en-US" b="1" dirty="0">
                 <a:solidFill>
                   <a:srgbClr val="FF0000"/>
                 </a:solidFill>
               </a:rPr>
-              <a:t>配方</a:t>
-            </a:r>
-            <a:r>
-              <a:rPr lang="zh-CN" altLang="en-US" b="1" dirty="0" smtClean="0">
-                <a:solidFill>
-                  <a:srgbClr val="FF0000"/>
-                </a:solidFill>
-              </a:rPr>
-              <a:t>向</a:t>
-            </a:r>
-            <a:endParaRPr lang="en-US" altLang="zh-CN" b="1" dirty="0" smtClean="0">
+              <a:t>适配</a:t>
+            </a:r>
+            <a:endParaRPr lang="en-US" altLang="zh-CN" b="1" dirty="0">
               <a:solidFill>
                 <a:srgbClr val="FF0000"/>
               </a:solidFill>
@@ -7865,7 +7837,7 @@
             <a:pPr marL="0" indent="0">
               <a:buNone/>
             </a:pPr>
-            <a:endParaRPr lang="en-US" altLang="zh-CN" b="1" dirty="0" smtClean="0">
+            <a:endParaRPr lang="en-US" altLang="zh-CN" b="1" dirty="0">
               <a:solidFill>
                 <a:srgbClr val="FF0000"/>
               </a:solidFill>
@@ -7876,26 +7848,26 @@
               <a:buNone/>
             </a:pPr>
             <a:r>
-              <a:rPr lang="zh-CN" altLang="en-US" b="1" dirty="0" smtClean="0"/>
-              <a:t>全智能手表研发方向</a:t>
-            </a:r>
-            <a:endParaRPr lang="en-US" altLang="zh-CN" b="1" dirty="0" smtClean="0"/>
+              <a:rPr lang="zh-CN" altLang="en-US" b="1" dirty="0"/>
+              <a:t>全智能手表研发</a:t>
+            </a:r>
+            <a:endParaRPr lang="en-US" altLang="zh-CN" b="1" dirty="0"/>
           </a:p>
           <a:p>
             <a:pPr marL="0" indent="0">
               <a:buNone/>
             </a:pPr>
-            <a:endParaRPr lang="en-US" altLang="zh-CN" b="1" dirty="0" smtClean="0"/>
+            <a:endParaRPr lang="en-US" altLang="zh-CN" b="1" dirty="0"/>
           </a:p>
           <a:p>
             <a:pPr marL="0" indent="0">
               <a:buNone/>
             </a:pPr>
             <a:r>
-              <a:rPr lang="zh-CN" altLang="en-US" b="1" dirty="0" smtClean="0"/>
+              <a:rPr lang="zh-CN" altLang="en-US" b="1" dirty="0"/>
               <a:t>个人成长与展望</a:t>
             </a:r>
-            <a:endParaRPr lang="en-US" altLang="zh-CN" b="1" dirty="0" smtClean="0"/>
+            <a:endParaRPr lang="en-US" altLang="zh-CN" b="1" dirty="0"/>
           </a:p>
         </p:txBody>
       </p:sp>
@@ -7909,13 +7881,6 @@
   <p:clrMapOvr>
     <a:masterClrMapping/>
   </p:clrMapOvr>
-  <p:timing>
-    <p:tnLst>
-      <p:par>
-        <p:cTn id="1" dur="indefinite" restart="never" nodeType="tmRoot"/>
-      </p:par>
-    </p:tnLst>
-  </p:timing>
 </p:sld>
 </file>
 
@@ -7952,14 +7917,13 @@
           <a:lstStyle/>
           <a:p>
             <a:r>
-              <a:rPr lang="en-US" altLang="zh-CN" dirty="0" smtClean="0"/>
+              <a:rPr lang="en-US" altLang="zh-CN" dirty="0"/>
               <a:t>YunOS ROM</a:t>
             </a:r>
             <a:r>
-              <a:rPr lang="zh-CN" altLang="en-US" dirty="0" smtClean="0"/>
-              <a:t>适配方向</a:t>
-            </a:r>
-            <a:endParaRPr lang="zh-CN" altLang="en-US" dirty="0"/>
+              <a:rPr lang="zh-CN" altLang="en-US" dirty="0"/>
+              <a:t>适配</a:t>
+            </a:r>
           </a:p>
         </p:txBody>
       </p:sp>
@@ -7976,7 +7940,7 @@
         <p:spPr/>
         <p:txBody>
           <a:bodyPr>
-            <a:normAutofit lnSpcReduction="10000"/>
+            <a:normAutofit/>
           </a:bodyPr>
           <a:lstStyle/>
           <a:p>
@@ -7984,106 +7948,46 @@
               <a:buNone/>
             </a:pPr>
             <a:r>
-              <a:rPr lang="zh-CN" altLang="en-US" b="1" dirty="0" smtClean="0"/>
+              <a:rPr lang="zh-CN" altLang="en-US" b="1" dirty="0"/>
               <a:t>挑战</a:t>
             </a:r>
-            <a:endParaRPr lang="en-US" altLang="zh-CN" b="1" dirty="0" smtClean="0"/>
+            <a:endParaRPr lang="en-US" altLang="zh-CN" b="1" dirty="0"/>
           </a:p>
           <a:p>
             <a:pPr lvl="1"/>
             <a:r>
-              <a:rPr lang="zh-CN" altLang="en-US" dirty="0" smtClean="0"/>
-              <a:t>适配</a:t>
-            </a:r>
-            <a:r>
-              <a:rPr lang="en-US" altLang="zh-CN" dirty="0" smtClean="0"/>
-              <a:t>CPU</a:t>
-            </a:r>
-            <a:r>
-              <a:rPr lang="zh-CN" altLang="en-US" dirty="0" smtClean="0"/>
-              <a:t>平台较多，适配机型复杂</a:t>
-            </a:r>
-            <a:endParaRPr lang="en-US" altLang="zh-CN" dirty="0" smtClean="0"/>
+              <a:rPr lang="zh-CN" altLang="en-US" dirty="0"/>
+              <a:t>适配机型多，周期紧</a:t>
+            </a:r>
+            <a:endParaRPr lang="en-US" altLang="zh-CN" dirty="0"/>
           </a:p>
           <a:p>
             <a:pPr lvl="1"/>
             <a:r>
-              <a:rPr lang="zh-CN" altLang="en-US" dirty="0" smtClean="0"/>
-              <a:t>适配流程繁琐，从</a:t>
-            </a:r>
-            <a:r>
-              <a:rPr lang="en-US" altLang="zh-CN" dirty="0" err="1" smtClean="0"/>
-              <a:t>boot.img</a:t>
-            </a:r>
-            <a:r>
-              <a:rPr lang="zh-CN" altLang="en-US" dirty="0"/>
-              <a:t>到</a:t>
-            </a:r>
-            <a:r>
-              <a:rPr lang="en-US" altLang="zh-CN" dirty="0" err="1" smtClean="0"/>
-              <a:t>system.img</a:t>
-            </a:r>
-            <a:r>
-              <a:rPr lang="zh-CN" altLang="en-US" dirty="0" smtClean="0"/>
-              <a:t>到</a:t>
-            </a:r>
-            <a:r>
-              <a:rPr lang="en-US" altLang="zh-CN" dirty="0" smtClean="0"/>
-              <a:t>recovery</a:t>
-            </a:r>
-            <a:r>
-              <a:rPr lang="zh-CN" altLang="en-US" dirty="0" smtClean="0"/>
-              <a:t>刷机脚本均需要适配</a:t>
-            </a:r>
-            <a:endParaRPr lang="en-US" altLang="zh-CN" dirty="0" smtClean="0"/>
+              <a:rPr lang="zh-CN" altLang="en-US" dirty="0"/>
+              <a:t>适配流程繁琐</a:t>
+            </a:r>
+            <a:endParaRPr lang="en-US" altLang="zh-CN" dirty="0"/>
           </a:p>
           <a:p>
             <a:pPr lvl="1"/>
             <a:r>
-              <a:rPr lang="zh-CN" altLang="en-US" dirty="0" smtClean="0"/>
-              <a:t>适配过程中遇到的问题较复杂，从应用层到</a:t>
-            </a:r>
-            <a:r>
-              <a:rPr lang="en-US" altLang="zh-CN" dirty="0" smtClean="0"/>
-              <a:t>Framework</a:t>
-            </a:r>
-            <a:r>
-              <a:rPr lang="zh-CN" altLang="en-US" dirty="0" smtClean="0"/>
-              <a:t>到</a:t>
-            </a:r>
-            <a:r>
-              <a:rPr lang="en-US" altLang="zh-CN" dirty="0" smtClean="0"/>
-              <a:t>JNI</a:t>
-            </a:r>
-            <a:r>
-              <a:rPr lang="zh-CN" altLang="en-US" dirty="0" smtClean="0"/>
-              <a:t>层均有涉及</a:t>
-            </a:r>
-            <a:endParaRPr lang="en-US" altLang="zh-CN" dirty="0" smtClean="0"/>
+              <a:rPr lang="zh-CN" altLang="en-US" dirty="0"/>
+              <a:t>适配过程中遇到的问题较多</a:t>
+            </a:r>
+            <a:endParaRPr lang="en-US" altLang="zh-CN" dirty="0"/>
           </a:p>
           <a:p>
             <a:pPr lvl="1"/>
-            <a:r>
-              <a:rPr lang="zh-CN" altLang="en-US" dirty="0"/>
-              <a:t>打包发布流程繁琐，多个平台发布对应的</a:t>
-            </a:r>
             <a:r>
               <a:rPr lang="en-US" altLang="zh-CN" dirty="0"/>
               <a:t>ROM</a:t>
             </a:r>
             <a:r>
-              <a:rPr lang="zh-CN" altLang="en-US" dirty="0" smtClean="0"/>
-              <a:t>包需求均</a:t>
-            </a:r>
-            <a:r>
-              <a:rPr lang="zh-CN" altLang="en-US" dirty="0"/>
-              <a:t>不</a:t>
-            </a:r>
-            <a:r>
-              <a:rPr lang="zh-CN" altLang="en-US" dirty="0" smtClean="0"/>
-              <a:t>相同</a:t>
-            </a:r>
-            <a:endParaRPr lang="en-US" altLang="zh-CN" dirty="0" smtClean="0"/>
+              <a:rPr lang="zh-CN" altLang="en-US" dirty="0"/>
+              <a:t>多平台发布流程复杂</a:t>
+            </a:r>
+            <a:endParaRPr lang="en-US" altLang="zh-CN" dirty="0"/>
           </a:p>
           <a:p>
             <a:pPr marL="0" indent="0">
@@ -8096,28 +8000,28 @@
               <a:buNone/>
             </a:pPr>
             <a:r>
-              <a:rPr lang="zh-CN" altLang="en-US" b="1" dirty="0" smtClean="0"/>
+              <a:rPr lang="zh-CN" altLang="en-US" b="1" dirty="0"/>
               <a:t>职责</a:t>
             </a:r>
-            <a:endParaRPr lang="en-US" altLang="zh-CN" b="1" dirty="0" smtClean="0"/>
+            <a:endParaRPr lang="en-US" altLang="zh-CN" b="1" dirty="0"/>
           </a:p>
           <a:p>
             <a:pPr lvl="1"/>
             <a:r>
-              <a:rPr lang="en-US" altLang="zh-CN" dirty="0" smtClean="0"/>
+              <a:rPr lang="en-US" altLang="zh-CN" dirty="0"/>
               <a:t>MTK</a:t>
             </a:r>
             <a:r>
-              <a:rPr lang="zh-CN" altLang="en-US" dirty="0" smtClean="0"/>
+              <a:rPr lang="zh-CN" altLang="en-US" dirty="0"/>
               <a:t>平台机型适配负责人</a:t>
             </a:r>
-            <a:endParaRPr lang="en-US" altLang="zh-CN" dirty="0" smtClean="0"/>
+            <a:endParaRPr lang="en-US" altLang="zh-CN" dirty="0"/>
           </a:p>
           <a:p>
             <a:pPr marL="0" indent="0">
               <a:buNone/>
             </a:pPr>
-            <a:endParaRPr lang="en-US" altLang="zh-CN" b="1" dirty="0" smtClean="0"/>
+            <a:endParaRPr lang="en-US" altLang="zh-CN" b="1" dirty="0"/>
           </a:p>
           <a:p>
             <a:pPr marL="0" indent="0">
@@ -8137,13 +8041,6 @@
   <p:clrMapOvr>
     <a:masterClrMapping/>
   </p:clrMapOvr>
-  <p:timing>
-    <p:tnLst>
-      <p:par>
-        <p:cTn id="1" dur="indefinite" restart="never" nodeType="tmRoot"/>
-      </p:par>
-    </p:tnLst>
-  </p:timing>
 </p:sld>
 </file>
 
@@ -8180,14 +8077,13 @@
           <a:lstStyle/>
           <a:p>
             <a:r>
-              <a:rPr lang="en-US" altLang="zh-CN" dirty="0" smtClean="0"/>
+              <a:rPr lang="en-US" altLang="zh-CN" dirty="0"/>
               <a:t>YunOS ROM</a:t>
             </a:r>
             <a:r>
-              <a:rPr lang="zh-CN" altLang="en-US" dirty="0" smtClean="0"/>
-              <a:t>适配方向</a:t>
-            </a:r>
-            <a:endParaRPr lang="zh-CN" altLang="en-US" dirty="0"/>
+              <a:rPr lang="zh-CN" altLang="en-US" dirty="0"/>
+              <a:t>适配</a:t>
+            </a:r>
           </a:p>
         </p:txBody>
       </p:sp>
@@ -8210,58 +8106,66 @@
               <a:buNone/>
             </a:pPr>
             <a:r>
-              <a:rPr lang="zh-CN" altLang="en-US" b="1" dirty="0" smtClean="0"/>
+              <a:rPr lang="zh-CN" altLang="en-US" b="1" dirty="0"/>
               <a:t>思路</a:t>
             </a:r>
-            <a:endParaRPr lang="en-US" altLang="zh-CN" b="1" dirty="0" smtClean="0"/>
+            <a:endParaRPr lang="en-US" altLang="zh-CN" b="1" dirty="0"/>
           </a:p>
           <a:p>
             <a:pPr lvl="1"/>
             <a:r>
-              <a:rPr lang="zh-CN" altLang="en-US" dirty="0" smtClean="0"/>
+              <a:rPr lang="zh-CN" altLang="en-US" dirty="0"/>
+              <a:t>统一</a:t>
+            </a:r>
+            <a:r>
+              <a:rPr lang="en-US" altLang="zh-CN" dirty="0"/>
+              <a:t>MTK</a:t>
+            </a:r>
+            <a:r>
+              <a:rPr lang="zh-CN" altLang="en-US" dirty="0"/>
+              <a:t>平台</a:t>
+            </a:r>
+            <a:r>
+              <a:rPr lang="en-US" altLang="zh-CN" dirty="0"/>
+              <a:t>ROM</a:t>
+            </a:r>
+            <a:r>
+              <a:rPr lang="zh-CN" altLang="en-US" dirty="0"/>
+              <a:t>适配方案</a:t>
+            </a:r>
+            <a:endParaRPr lang="en-US" altLang="zh-CN" dirty="0"/>
+          </a:p>
+          <a:p>
+            <a:pPr lvl="1"/>
+            <a:r>
+              <a:rPr lang="zh-CN" altLang="en-US" dirty="0"/>
               <a:t>系统化并自动化</a:t>
             </a:r>
             <a:r>
-              <a:rPr lang="en-US" altLang="zh-CN" dirty="0" smtClean="0"/>
+              <a:rPr lang="en-US" altLang="zh-CN" dirty="0"/>
               <a:t>ROM</a:t>
             </a:r>
             <a:r>
-              <a:rPr lang="zh-CN" altLang="en-US" dirty="0" smtClean="0"/>
-              <a:t>包构建过程</a:t>
-            </a:r>
-            <a:endParaRPr lang="en-US" altLang="zh-CN" dirty="0" smtClean="0"/>
+              <a:rPr lang="zh-CN" altLang="en-US" dirty="0"/>
+              <a:t>包构建流程</a:t>
+            </a:r>
+            <a:endParaRPr lang="en-US" altLang="zh-CN" dirty="0"/>
           </a:p>
           <a:p>
             <a:pPr lvl="1"/>
             <a:r>
-              <a:rPr lang="zh-CN" altLang="en-US" dirty="0" smtClean="0"/>
-              <a:t>结合</a:t>
-            </a:r>
-            <a:r>
-              <a:rPr lang="en-US" altLang="zh-CN" dirty="0" smtClean="0"/>
-              <a:t>Jenkins</a:t>
-            </a:r>
-            <a:r>
-              <a:rPr lang="zh-CN" altLang="en-US" dirty="0" smtClean="0"/>
-              <a:t>并配合</a:t>
-            </a:r>
-            <a:r>
-              <a:rPr lang="en-US" altLang="zh-CN" dirty="0" smtClean="0"/>
-              <a:t>SCM</a:t>
-            </a:r>
-            <a:r>
-              <a:rPr lang="zh-CN" altLang="en-US" dirty="0" smtClean="0"/>
-              <a:t>自动化渠道包</a:t>
-            </a:r>
-            <a:r>
-              <a:rPr lang="en-US" altLang="zh-CN" dirty="0" smtClean="0"/>
+              <a:rPr lang="zh-CN" altLang="en-US" dirty="0"/>
+              <a:t>自动化多平台</a:t>
+            </a:r>
+            <a:r>
+              <a:rPr lang="en-US" altLang="zh-CN" dirty="0"/>
               <a:t>ROM</a:t>
             </a:r>
             <a:r>
-              <a:rPr lang="zh-CN" altLang="en-US" dirty="0" smtClean="0"/>
-              <a:t>发布流程</a:t>
-            </a:r>
-            <a:endParaRPr lang="en-US" altLang="zh-CN" dirty="0" smtClean="0"/>
+              <a:rPr lang="zh-CN" altLang="en-US" dirty="0"/>
+              <a:t>包发布流程</a:t>
+            </a:r>
+            <a:endParaRPr lang="en-US" altLang="zh-CN" dirty="0"/>
           </a:p>
           <a:p>
             <a:pPr lvl="1"/>
@@ -8271,15 +8175,11 @@
             </a:r>
             <a:r>
               <a:rPr lang="en-US" altLang="zh-CN" dirty="0"/>
-              <a:t>YunOS3.x</a:t>
-            </a:r>
-            <a:r>
-              <a:rPr lang="zh-CN" altLang="en-US" dirty="0"/>
-              <a:t>源码和架构体系，增强问题解决</a:t>
-            </a:r>
-            <a:r>
-              <a:rPr lang="zh-CN" altLang="en-US" dirty="0" smtClean="0"/>
-              <a:t>能力</a:t>
+              <a:t>YunOS</a:t>
+            </a:r>
+            <a:r>
+              <a:rPr lang="zh-CN" altLang="en-US" dirty="0"/>
+              <a:t>的架构体系和源码，增强问题解决能力</a:t>
             </a:r>
             <a:endParaRPr lang="en-US" altLang="zh-CN" dirty="0"/>
           </a:p>
@@ -8295,13 +8195,6 @@
   <p:clrMapOvr>
     <a:masterClrMapping/>
   </p:clrMapOvr>
-  <p:timing>
-    <p:tnLst>
-      <p:par>
-        <p:cTn id="1" dur="indefinite" restart="never" nodeType="tmRoot"/>
-      </p:par>
-    </p:tnLst>
-  </p:timing>
 </p:sld>
 </file>
 
@@ -8338,20 +8231,19 @@
           <a:lstStyle/>
           <a:p>
             <a:r>
-              <a:rPr lang="en-US" altLang="zh-CN" dirty="0" smtClean="0"/>
+              <a:rPr lang="en-US" altLang="zh-CN" dirty="0"/>
               <a:t>ROM</a:t>
             </a:r>
             <a:r>
-              <a:rPr lang="zh-CN" altLang="en-US" dirty="0" smtClean="0"/>
+              <a:rPr lang="zh-CN" altLang="en-US" dirty="0"/>
               <a:t>包构建发布系统</a:t>
             </a:r>
-            <a:endParaRPr lang="zh-CN" altLang="en-US" dirty="0"/>
           </a:p>
         </p:txBody>
       </p:sp>
       <p:pic>
         <p:nvPicPr>
-          <p:cNvPr id="3" name="图片 2"/>
+          <p:cNvPr id="4" name="图片 3"/>
           <p:cNvPicPr>
             <a:picLocks noChangeAspect="1"/>
           </p:cNvPicPr>
@@ -8371,8 +8263,8 @@
         </p:blipFill>
         <p:spPr>
           <a:xfrm>
-            <a:off x="0" y="1331182"/>
-            <a:ext cx="9144000" cy="5526818"/>
+            <a:off x="0" y="1311545"/>
+            <a:ext cx="9144000" cy="5546455"/>
           </a:xfrm>
           <a:prstGeom prst="rect">
             <a:avLst/>
@@ -8389,13 +8281,6 @@
   <p:clrMapOvr>
     <a:masterClrMapping/>
   </p:clrMapOvr>
-  <p:timing>
-    <p:tnLst>
-      <p:par>
-        <p:cTn id="1" dur="indefinite" restart="never" nodeType="tmRoot"/>
-      </p:par>
-    </p:tnLst>
-  </p:timing>
 </p:sld>
 </file>
 
@@ -8432,14 +8317,13 @@
           <a:lstStyle/>
           <a:p>
             <a:r>
-              <a:rPr lang="en-US" altLang="zh-CN" dirty="0" smtClean="0"/>
+              <a:rPr lang="en-US" altLang="zh-CN" dirty="0"/>
               <a:t>YunOS Rom</a:t>
             </a:r>
             <a:r>
-              <a:rPr lang="zh-CN" altLang="en-US" dirty="0" smtClean="0"/>
-              <a:t>适配方向</a:t>
-            </a:r>
-            <a:endParaRPr lang="zh-CN" altLang="en-US" dirty="0"/>
+              <a:rPr lang="zh-CN" altLang="en-US" dirty="0"/>
+              <a:t>适配</a:t>
+            </a:r>
           </a:p>
         </p:txBody>
       </p:sp>
@@ -8462,23 +8346,23 @@
               <a:buNone/>
             </a:pPr>
             <a:r>
-              <a:rPr lang="zh-CN" altLang="en-US" b="1" dirty="0" smtClean="0"/>
+              <a:rPr lang="zh-CN" altLang="en-US" b="1" dirty="0"/>
               <a:t>收益</a:t>
             </a:r>
-            <a:endParaRPr lang="en-US" altLang="zh-CN" b="1" dirty="0" smtClean="0"/>
+            <a:endParaRPr lang="en-US" altLang="zh-CN" b="1" dirty="0"/>
           </a:p>
           <a:p>
             <a:pPr lvl="1"/>
             <a:r>
-              <a:rPr lang="en-US" altLang="zh-CN" dirty="0" smtClean="0"/>
+              <a:rPr lang="en-US" altLang="zh-CN" dirty="0"/>
               <a:t>MTK</a:t>
             </a:r>
             <a:r>
-              <a:rPr lang="zh-CN" altLang="en-US" dirty="0" smtClean="0"/>
-              <a:t>机型成功适配超过</a:t>
-            </a:r>
-            <a:r>
-              <a:rPr lang="en-US" altLang="zh-CN" dirty="0" smtClean="0">
+              <a:rPr lang="zh-CN" altLang="en-US" dirty="0"/>
+              <a:t>机型成功适配并发布超过</a:t>
+            </a:r>
+            <a:r>
+              <a:rPr lang="en-US" altLang="zh-CN" dirty="0">
                 <a:solidFill>
                   <a:srgbClr val="FF0000"/>
                 </a:solidFill>
@@ -8486,27 +8370,23 @@
               <a:t>20</a:t>
             </a:r>
             <a:r>
-              <a:rPr lang="zh-CN" altLang="en-US" dirty="0" smtClean="0">
+              <a:rPr lang="zh-CN" altLang="en-US" dirty="0">
                 <a:solidFill>
                   <a:srgbClr val="FF0000"/>
                 </a:solidFill>
               </a:rPr>
               <a:t>款</a:t>
             </a:r>
-            <a:r>
-              <a:rPr lang="zh-CN" altLang="en-US" dirty="0" smtClean="0"/>
-              <a:t>机型，每台机型日激活量过百</a:t>
-            </a:r>
-            <a:endParaRPr lang="en-US" altLang="zh-CN" dirty="0" smtClean="0"/>
+            <a:endParaRPr lang="en-US" altLang="zh-CN" dirty="0"/>
           </a:p>
           <a:p>
             <a:pPr lvl="1"/>
             <a:r>
-              <a:rPr lang="zh-CN" altLang="en-US" dirty="0" smtClean="0"/>
-              <a:t>提高打包效率，将多平台打包流程从</a:t>
-            </a:r>
-            <a:r>
-              <a:rPr lang="zh-CN" altLang="en-US" dirty="0" smtClean="0">
+              <a:rPr lang="zh-CN" altLang="en-US" dirty="0"/>
+              <a:t>提高渠道包发布效率，将多渠道台打包流程从</a:t>
+            </a:r>
+            <a:r>
+              <a:rPr lang="zh-CN" altLang="en-US" dirty="0">
                 <a:solidFill>
                   <a:srgbClr val="FF0000"/>
                 </a:solidFill>
@@ -8514,7 +8394,7 @@
               <a:t>半天</a:t>
             </a:r>
             <a:r>
-              <a:rPr lang="zh-CN" altLang="en-US" dirty="0" smtClean="0"/>
+              <a:rPr lang="zh-CN" altLang="en-US" dirty="0"/>
               <a:t>时间降低为</a:t>
             </a:r>
             <a:r>
@@ -8526,54 +8406,42 @@
               <a:t>分钟</a:t>
             </a:r>
             <a:r>
-              <a:rPr lang="zh-CN" altLang="en-US" dirty="0" smtClean="0"/>
+              <a:rPr lang="zh-CN" altLang="en-US" dirty="0"/>
               <a:t>级别，且流程自动化</a:t>
             </a:r>
-            <a:endParaRPr lang="en-US" altLang="zh-CN" dirty="0" smtClean="0"/>
+            <a:endParaRPr lang="en-US" altLang="zh-CN" dirty="0"/>
           </a:p>
           <a:p>
             <a:pPr lvl="1"/>
             <a:r>
-              <a:rPr lang="zh-CN" altLang="en-US" dirty="0" smtClean="0"/>
+              <a:rPr lang="zh-CN" altLang="en-US" dirty="0"/>
               <a:t>积累了丰富的</a:t>
             </a:r>
             <a:r>
-              <a:rPr lang="en-US" altLang="zh-CN" dirty="0" smtClean="0"/>
+              <a:rPr lang="en-US" altLang="zh-CN" dirty="0"/>
               <a:t>Rom</a:t>
             </a:r>
             <a:r>
-              <a:rPr lang="zh-CN" altLang="en-US" dirty="0" smtClean="0"/>
+              <a:rPr lang="zh-CN" altLang="en-US" dirty="0"/>
               <a:t>适配经验，包括</a:t>
             </a:r>
             <a:r>
-              <a:rPr lang="en-US" altLang="zh-CN" dirty="0" smtClean="0"/>
+              <a:rPr lang="en-US" altLang="zh-CN" dirty="0"/>
               <a:t>UI</a:t>
             </a:r>
             <a:r>
-              <a:rPr lang="zh-CN" altLang="en-US" dirty="0" smtClean="0"/>
+              <a:rPr lang="zh-CN" altLang="en-US" dirty="0"/>
               <a:t>适配，</a:t>
             </a:r>
             <a:r>
-              <a:rPr lang="en-US" altLang="zh-CN" dirty="0" smtClean="0"/>
+              <a:rPr lang="en-US" altLang="zh-CN" dirty="0"/>
               <a:t>Framework</a:t>
             </a:r>
             <a:r>
-              <a:rPr lang="zh-CN" altLang="en-US" dirty="0" smtClean="0"/>
+              <a:rPr lang="zh-CN" altLang="en-US" dirty="0"/>
               <a:t>层问题定位和解决</a:t>
             </a:r>
-            <a:endParaRPr lang="en-US" altLang="zh-CN" dirty="0" smtClean="0"/>
-          </a:p>
-          <a:p>
-            <a:pPr lvl="1"/>
-            <a:r>
-              <a:rPr lang="en-US" altLang="zh-CN" dirty="0" smtClean="0"/>
-              <a:t>Rom</a:t>
-            </a:r>
-            <a:r>
-              <a:rPr lang="zh-CN" altLang="en-US" dirty="0" smtClean="0"/>
-              <a:t>适配稳定，用户反馈较好</a:t>
-            </a:r>
-            <a:endParaRPr lang="en-US" altLang="zh-CN" dirty="0" smtClean="0"/>
+            <a:endParaRPr lang="en-US" altLang="zh-CN" dirty="0"/>
           </a:p>
         </p:txBody>
       </p:sp>
@@ -8587,13 +8455,6 @@
   <p:clrMapOvr>
     <a:masterClrMapping/>
   </p:clrMapOvr>
-  <p:timing>
-    <p:tnLst>
-      <p:par>
-        <p:cTn id="1" dur="indefinite" restart="never" nodeType="tmRoot"/>
-      </p:par>
-    </p:tnLst>
-  </p:timing>
 </p:sld>
 </file>
 
@@ -8631,10 +8492,9 @@
           <a:p>
             <a:pPr algn="l"/>
             <a:r>
-              <a:rPr lang="zh-CN" altLang="en-US" b="1" dirty="0" smtClean="0"/>
+              <a:rPr lang="zh-CN" altLang="en-US" b="1" dirty="0"/>
               <a:t>大纲</a:t>
             </a:r>
-            <a:endParaRPr lang="zh-CN" altLang="en-US" b="1" dirty="0"/>
           </a:p>
         </p:txBody>
       </p:sp>
@@ -8657,20 +8517,20 @@
               <a:buNone/>
             </a:pPr>
             <a:r>
-              <a:rPr lang="en-US" altLang="zh-CN" b="1" dirty="0" smtClean="0"/>
-              <a:t>Rom</a:t>
-            </a:r>
-            <a:r>
-              <a:rPr lang="zh-CN" altLang="en-US" b="1" dirty="0" smtClean="0"/>
-              <a:t>适配方向</a:t>
-            </a:r>
-            <a:endParaRPr lang="en-US" altLang="zh-CN" b="1" dirty="0" smtClean="0"/>
+              <a:rPr lang="en-US" altLang="zh-CN" b="1" dirty="0"/>
+              <a:t>YunOS Rom</a:t>
+            </a:r>
+            <a:r>
+              <a:rPr lang="zh-CN" altLang="en-US" b="1" dirty="0"/>
+              <a:t>适配</a:t>
+            </a:r>
+            <a:endParaRPr lang="en-US" altLang="zh-CN" b="1" dirty="0"/>
           </a:p>
           <a:p>
             <a:pPr marL="0" indent="0">
               <a:buNone/>
             </a:pPr>
-            <a:endParaRPr lang="en-US" altLang="zh-CN" b="1" dirty="0" smtClean="0"/>
+            <a:endParaRPr lang="en-US" altLang="zh-CN" b="1" dirty="0"/>
           </a:p>
           <a:p>
             <a:pPr marL="0" indent="0">
@@ -8682,17 +8542,9 @@
                   <a:srgbClr val="FF0000"/>
                 </a:solidFill>
               </a:rPr>
-              <a:t>全智能手表</a:t>
-            </a:r>
-            <a:r>
-              <a:rPr lang="zh-CN" altLang="en-US" b="1" dirty="0" smtClean="0">
-                <a:solidFill>
-                  <a:srgbClr val="FF0000"/>
-                </a:solidFill>
-              </a:rPr>
-              <a:t>方向</a:t>
-            </a:r>
-            <a:endParaRPr lang="en-US" altLang="zh-CN" b="1" dirty="0" smtClean="0">
+              <a:t>全智能手表研发</a:t>
+            </a:r>
+            <a:endParaRPr lang="en-US" altLang="zh-CN" b="1" dirty="0">
               <a:solidFill>
                 <a:srgbClr val="FF0000"/>
               </a:solidFill>
@@ -8702,17 +8554,17 @@
             <a:pPr marL="0" indent="0">
               <a:buNone/>
             </a:pPr>
-            <a:endParaRPr lang="en-US" altLang="zh-CN" b="1" dirty="0" smtClean="0"/>
+            <a:endParaRPr lang="en-US" altLang="zh-CN" b="1" dirty="0"/>
           </a:p>
           <a:p>
             <a:pPr marL="0" indent="0">
               <a:buNone/>
             </a:pPr>
             <a:r>
-              <a:rPr lang="zh-CN" altLang="en-US" b="1" dirty="0" smtClean="0"/>
+              <a:rPr lang="zh-CN" altLang="en-US" b="1" dirty="0"/>
               <a:t>个人成长与展望</a:t>
             </a:r>
-            <a:endParaRPr lang="en-US" altLang="zh-CN" b="1" dirty="0" smtClean="0"/>
+            <a:endParaRPr lang="en-US" altLang="zh-CN" b="1" dirty="0"/>
           </a:p>
         </p:txBody>
       </p:sp>
@@ -8726,13 +8578,6 @@
   <p:clrMapOvr>
     <a:masterClrMapping/>
   </p:clrMapOvr>
-  <p:timing>
-    <p:tnLst>
-      <p:par>
-        <p:cTn id="1" dur="indefinite" restart="never" nodeType="tmRoot"/>
-      </p:par>
-    </p:tnLst>
-  </p:timing>
 </p:sld>
 </file>
 
@@ -8769,10 +8614,9 @@
           <a:lstStyle/>
           <a:p>
             <a:r>
-              <a:rPr lang="zh-CN" altLang="en-US" dirty="0" smtClean="0"/>
-              <a:t>全智能手表方向</a:t>
-            </a:r>
-            <a:endParaRPr lang="zh-CN" altLang="en-US" dirty="0"/>
+              <a:rPr lang="zh-CN" altLang="en-US" dirty="0"/>
+              <a:t>全智能手表研发</a:t>
+            </a:r>
           </a:p>
         </p:txBody>
       </p:sp>
@@ -8797,18 +8641,18 @@
               <a:buNone/>
             </a:pPr>
             <a:r>
-              <a:rPr lang="zh-CN" altLang="en-US" b="1" dirty="0" smtClean="0"/>
+              <a:rPr lang="zh-CN" altLang="en-US" b="1" dirty="0"/>
               <a:t>挑战</a:t>
             </a:r>
-            <a:endParaRPr lang="en-US" altLang="zh-CN" b="1" dirty="0" smtClean="0"/>
+            <a:endParaRPr lang="en-US" altLang="zh-CN" b="1" dirty="0"/>
           </a:p>
           <a:p>
             <a:pPr lvl="1"/>
             <a:r>
-              <a:rPr lang="zh-CN" altLang="en-US" dirty="0" smtClean="0"/>
+              <a:rPr lang="zh-CN" altLang="en-US" dirty="0"/>
               <a:t>全新的硬件平台</a:t>
             </a:r>
-            <a:endParaRPr lang="en-US" altLang="zh-CN" dirty="0" smtClean="0"/>
+            <a:endParaRPr lang="en-US" altLang="zh-CN" dirty="0"/>
           </a:p>
           <a:p>
             <a:pPr lvl="1"/>
@@ -8821,74 +8665,57 @@
               <a:t>UI</a:t>
             </a:r>
             <a:r>
-              <a:rPr lang="zh-CN" altLang="en-US" dirty="0" smtClean="0"/>
-              <a:t>体系，涉及大量自定义</a:t>
-            </a:r>
-            <a:r>
-              <a:rPr lang="zh-CN" altLang="en-US" dirty="0"/>
-              <a:t>控件</a:t>
-            </a:r>
-            <a:endParaRPr lang="en-US" altLang="zh-CN" dirty="0" smtClean="0"/>
+              <a:rPr lang="zh-CN" altLang="en-US" dirty="0"/>
+              <a:t>体系，涉及大量自定义控件</a:t>
+            </a:r>
+            <a:endParaRPr lang="en-US" altLang="zh-CN" dirty="0"/>
           </a:p>
           <a:p>
             <a:pPr lvl="1"/>
             <a:r>
-              <a:rPr lang="zh-CN" altLang="en-US" dirty="0" smtClean="0"/>
+              <a:rPr lang="zh-CN" altLang="en-US" dirty="0"/>
               <a:t>开发周期紧，需要变更多</a:t>
             </a:r>
-            <a:endParaRPr lang="en-US" altLang="zh-CN" dirty="0" smtClean="0"/>
+            <a:endParaRPr lang="en-US" altLang="zh-CN" dirty="0"/>
           </a:p>
           <a:p>
             <a:pPr lvl="1"/>
             <a:r>
-              <a:rPr lang="zh-CN" altLang="en-US" dirty="0" smtClean="0"/>
+              <a:rPr lang="zh-CN" altLang="en-US" dirty="0"/>
               <a:t>开发人员紧缺，部分成员开发经验欠缺</a:t>
             </a:r>
-            <a:endParaRPr lang="en-US" altLang="zh-CN" dirty="0" smtClean="0"/>
+            <a:endParaRPr lang="en-US" altLang="zh-CN" dirty="0"/>
           </a:p>
           <a:p>
             <a:pPr lvl="1"/>
             <a:r>
               <a:rPr lang="zh-CN" altLang="en-US" dirty="0"/>
-              <a:t>通信业务</a:t>
-            </a:r>
-            <a:r>
-              <a:rPr lang="zh-CN" altLang="en-US" dirty="0" smtClean="0"/>
-              <a:t>复杂</a:t>
-            </a:r>
-            <a:endParaRPr lang="en-US" altLang="zh-CN" dirty="0" smtClean="0"/>
+              <a:t>通信业务复杂</a:t>
+            </a:r>
+            <a:endParaRPr lang="en-US" altLang="zh-CN" dirty="0"/>
           </a:p>
           <a:p>
             <a:pPr marL="0" indent="0">
               <a:buNone/>
             </a:pPr>
-            <a:endParaRPr lang="en-US" altLang="zh-CN" dirty="0" smtClean="0"/>
+            <a:endParaRPr lang="en-US" altLang="zh-CN" dirty="0"/>
           </a:p>
           <a:p>
             <a:pPr marL="0" indent="0">
               <a:buNone/>
             </a:pPr>
             <a:r>
-              <a:rPr lang="zh-CN" altLang="en-US" b="1" dirty="0" smtClean="0"/>
+              <a:rPr lang="zh-CN" altLang="en-US" b="1" dirty="0"/>
               <a:t>职责</a:t>
             </a:r>
-            <a:endParaRPr lang="en-US" altLang="zh-CN" b="1" dirty="0" smtClean="0"/>
+            <a:endParaRPr lang="en-US" altLang="zh-CN" b="1" dirty="0"/>
           </a:p>
           <a:p>
             <a:pPr lvl="1"/>
             <a:r>
-              <a:rPr lang="zh-CN" altLang="en-US" dirty="0" smtClean="0"/>
-              <a:t>应用层</a:t>
-            </a:r>
-            <a:r>
-              <a:rPr lang="zh-CN" altLang="en-US" dirty="0" smtClean="0"/>
-              <a:t>主力</a:t>
-            </a:r>
-            <a:r>
-              <a:rPr lang="zh-CN" altLang="en-US" dirty="0"/>
-              <a:t>研发</a:t>
-            </a:r>
-            <a:endParaRPr lang="zh-CN" altLang="en-US" dirty="0"/>
+              <a:rPr lang="zh-CN" altLang="en-US" dirty="0"/>
+              <a:t>应用层主力研发</a:t>
+            </a:r>
           </a:p>
         </p:txBody>
       </p:sp>
@@ -8902,13 +8729,6 @@
   <p:clrMapOvr>
     <a:masterClrMapping/>
   </p:clrMapOvr>
-  <p:timing>
-    <p:tnLst>
-      <p:par>
-        <p:cTn id="1" dur="indefinite" restart="never" nodeType="tmRoot"/>
-      </p:par>
-    </p:tnLst>
-  </p:timing>
 </p:sld>
 </file>
 

--- a/promote/2016-promote-p6.pptx
+++ b/promote/2016-promote-p6.pptx
@@ -123,7 +123,7 @@
   </p:defaultTextStyle>
   <p:extLst>
     <p:ext uri="{EFAFB233-063F-42B5-8137-9DF3F51BA10A}">
-      <p15:sldGuideLst xmlns:p15="http://schemas.microsoft.com/office/powerpoint/2012/main" xmlns="">
+      <p15:sldGuideLst xmlns="" xmlns:p15="http://schemas.microsoft.com/office/powerpoint/2012/main">
         <p15:guide id="1" orient="horz" pos="2160">
           <p15:clr>
             <a:srgbClr val="A4A3A4"/>
@@ -222,7 +222,7 @@
           <a:p>
             <a:fld id="{7A254656-621B-406C-BC2D-A35B9AF3DE2B}" type="datetimeFigureOut">
               <a:rPr lang="zh-CN" altLang="en-US" smtClean="0"/>
-              <a:t>2016/5/9</a:t>
+              <a:t>2016/5/11</a:t>
             </a:fld>
             <a:endParaRPr lang="zh-CN" altLang="en-US"/>
           </a:p>
@@ -3687,7 +3687,7 @@
           <a:p>
             <a:fld id="{25CA7E46-AAA2-4505-8430-AB68F6110AB2}" type="datetimeFigureOut">
               <a:rPr lang="zh-CN" altLang="en-US" smtClean="0"/>
-              <a:t>2016/5/9</a:t>
+              <a:t>2016/5/11</a:t>
             </a:fld>
             <a:endParaRPr lang="zh-CN" altLang="en-US"/>
           </a:p>
@@ -3855,7 +3855,7 @@
           <a:p>
             <a:fld id="{25CA7E46-AAA2-4505-8430-AB68F6110AB2}" type="datetimeFigureOut">
               <a:rPr lang="zh-CN" altLang="en-US" smtClean="0"/>
-              <a:t>2016/5/9</a:t>
+              <a:t>2016/5/11</a:t>
             </a:fld>
             <a:endParaRPr lang="zh-CN" altLang="en-US"/>
           </a:p>
@@ -4033,7 +4033,7 @@
           <a:p>
             <a:fld id="{25CA7E46-AAA2-4505-8430-AB68F6110AB2}" type="datetimeFigureOut">
               <a:rPr lang="zh-CN" altLang="en-US" smtClean="0"/>
-              <a:t>2016/5/9</a:t>
+              <a:t>2016/5/11</a:t>
             </a:fld>
             <a:endParaRPr lang="zh-CN" altLang="en-US"/>
           </a:p>
@@ -4249,7 +4249,7 @@
           <a:p>
             <a:fld id="{25CA7E46-AAA2-4505-8430-AB68F6110AB2}" type="datetimeFigureOut">
               <a:rPr lang="zh-CN" altLang="en-US" smtClean="0"/>
-              <a:t>2016/5/9</a:t>
+              <a:t>2016/5/11</a:t>
             </a:fld>
             <a:endParaRPr lang="zh-CN" altLang="en-US"/>
           </a:p>
@@ -4494,7 +4494,7 @@
           <a:p>
             <a:fld id="{25CA7E46-AAA2-4505-8430-AB68F6110AB2}" type="datetimeFigureOut">
               <a:rPr lang="zh-CN" altLang="en-US" smtClean="0"/>
-              <a:t>2016/5/9</a:t>
+              <a:t>2016/5/11</a:t>
             </a:fld>
             <a:endParaRPr lang="zh-CN" altLang="en-US"/>
           </a:p>
@@ -4779,7 +4779,7 @@
           <a:p>
             <a:fld id="{25CA7E46-AAA2-4505-8430-AB68F6110AB2}" type="datetimeFigureOut">
               <a:rPr lang="zh-CN" altLang="en-US" smtClean="0"/>
-              <a:t>2016/5/9</a:t>
+              <a:t>2016/5/11</a:t>
             </a:fld>
             <a:endParaRPr lang="zh-CN" altLang="en-US"/>
           </a:p>
@@ -5198,7 +5198,7 @@
           <a:p>
             <a:fld id="{25CA7E46-AAA2-4505-8430-AB68F6110AB2}" type="datetimeFigureOut">
               <a:rPr lang="zh-CN" altLang="en-US" smtClean="0"/>
-              <a:t>2016/5/9</a:t>
+              <a:t>2016/5/11</a:t>
             </a:fld>
             <a:endParaRPr lang="zh-CN" altLang="en-US"/>
           </a:p>
@@ -5324,7 +5324,7 @@
           <a:p>
             <a:fld id="{25CA7E46-AAA2-4505-8430-AB68F6110AB2}" type="datetimeFigureOut">
               <a:rPr lang="zh-CN" altLang="en-US" smtClean="0"/>
-              <a:t>2016/5/9</a:t>
+              <a:t>2016/5/11</a:t>
             </a:fld>
             <a:endParaRPr lang="zh-CN" altLang="en-US"/>
           </a:p>
@@ -5419,7 +5419,7 @@
           <a:p>
             <a:fld id="{25CA7E46-AAA2-4505-8430-AB68F6110AB2}" type="datetimeFigureOut">
               <a:rPr lang="zh-CN" altLang="en-US" smtClean="0"/>
-              <a:t>2016/5/9</a:t>
+              <a:t>2016/5/11</a:t>
             </a:fld>
             <a:endParaRPr lang="zh-CN" altLang="en-US"/>
           </a:p>
@@ -5694,7 +5694,7 @@
           <a:p>
             <a:fld id="{25CA7E46-AAA2-4505-8430-AB68F6110AB2}" type="datetimeFigureOut">
               <a:rPr lang="zh-CN" altLang="en-US" smtClean="0"/>
-              <a:t>2016/5/9</a:t>
+              <a:t>2016/5/11</a:t>
             </a:fld>
             <a:endParaRPr lang="zh-CN" altLang="en-US"/>
           </a:p>
@@ -5946,7 +5946,7 @@
           <a:p>
             <a:fld id="{25CA7E46-AAA2-4505-8430-AB68F6110AB2}" type="datetimeFigureOut">
               <a:rPr lang="zh-CN" altLang="en-US" smtClean="0"/>
-              <a:t>2016/5/9</a:t>
+              <a:t>2016/5/11</a:t>
             </a:fld>
             <a:endParaRPr lang="zh-CN" altLang="en-US"/>
           </a:p>
@@ -6157,7 +6157,7 @@
           <a:p>
             <a:fld id="{25CA7E46-AAA2-4505-8430-AB68F6110AB2}" type="datetimeFigureOut">
               <a:rPr lang="zh-CN" altLang="en-US" smtClean="0"/>
-              <a:t>2016/5/9</a:t>
+              <a:t>2016/5/11</a:t>
             </a:fld>
             <a:endParaRPr lang="zh-CN" altLang="en-US"/>
           </a:p>
@@ -6818,8 +6818,20 @@
           <a:lstStyle/>
           <a:p>
             <a:r>
-              <a:rPr lang="zh-CN" altLang="en-US" dirty="0"/>
-              <a:t>统一网络框架</a:t>
+              <a:rPr lang="zh-CN" altLang="en-US" dirty="0" smtClean="0"/>
+              <a:t>技术亮点</a:t>
+            </a:r>
+            <a:r>
+              <a:rPr lang="en-US" altLang="zh-CN" dirty="0" smtClean="0"/>
+              <a:t>-</a:t>
+            </a:r>
+            <a:r>
+              <a:rPr lang="zh-CN" altLang="en-US" dirty="0" smtClean="0"/>
+              <a:t>统一</a:t>
+            </a:r>
+            <a:r>
+              <a:rPr lang="zh-CN" altLang="en-US" dirty="0"/>
+              <a:t>网络框架</a:t>
             </a:r>
           </a:p>
         </p:txBody>
@@ -6900,8 +6912,20 @@
           <a:lstStyle/>
           <a:p>
             <a:r>
-              <a:rPr lang="zh-CN" altLang="en-US" dirty="0"/>
-              <a:t>自定义控件集合</a:t>
+              <a:rPr lang="zh-CN" altLang="en-US" dirty="0" smtClean="0"/>
+              <a:t>技术亮点</a:t>
+            </a:r>
+            <a:r>
+              <a:rPr lang="en-US" altLang="zh-CN" smtClean="0"/>
+              <a:t>-</a:t>
+            </a:r>
+            <a:r>
+              <a:rPr lang="zh-CN" altLang="en-US" smtClean="0"/>
+              <a:t>自定义</a:t>
+            </a:r>
+            <a:r>
+              <a:rPr lang="zh-CN" altLang="en-US" dirty="0"/>
+              <a:t>控件集合</a:t>
             </a:r>
           </a:p>
         </p:txBody>
@@ -8230,8 +8254,17 @@
           <a:bodyPr/>
           <a:lstStyle/>
           <a:p>
-            <a:r>
-              <a:rPr lang="en-US" altLang="zh-CN" dirty="0"/>
+            <a:pPr algn="just"/>
+            <a:r>
+              <a:rPr lang="zh-CN" altLang="en-US" dirty="0" smtClean="0"/>
+              <a:t>技术亮点</a:t>
+            </a:r>
+            <a:r>
+              <a:rPr lang="en-US" altLang="zh-CN" dirty="0" smtClean="0"/>
+              <a:t>-</a:t>
+            </a:r>
+            <a:r>
+              <a:rPr lang="en-US" altLang="zh-CN" dirty="0" smtClean="0"/>
               <a:t>ROM</a:t>
             </a:r>
             <a:r>

--- a/promote/2016-promote-p6.pptx
+++ b/promote/2016-promote-p6.pptx
@@ -123,7 +123,7 @@
   </p:defaultTextStyle>
   <p:extLst>
     <p:ext uri="{EFAFB233-063F-42B5-8137-9DF3F51BA10A}">
-      <p15:sldGuideLst xmlns="" xmlns:p15="http://schemas.microsoft.com/office/powerpoint/2012/main">
+      <p15:sldGuideLst xmlns:p15="http://schemas.microsoft.com/office/powerpoint/2012/main" xmlns="">
         <p15:guide id="1" orient="horz" pos="2160">
           <p15:clr>
             <a:srgbClr val="A4A3A4"/>
@@ -222,7 +222,7 @@
           <a:p>
             <a:fld id="{7A254656-621B-406C-BC2D-A35B9AF3DE2B}" type="datetimeFigureOut">
               <a:rPr lang="zh-CN" altLang="en-US" smtClean="0"/>
-              <a:t>2016/5/11</a:t>
+              <a:t>2016/5/14</a:t>
             </a:fld>
             <a:endParaRPr lang="zh-CN" altLang="en-US"/>
           </a:p>
@@ -623,15 +623,23 @@
             </a:r>
             <a:r>
               <a:rPr lang="zh-CN" altLang="en-US" dirty="0"/>
-              <a:t>平台都有一定的技术积累。我自身热衷于移动端技术也喜欢技术分享，目前在</a:t>
-            </a:r>
-            <a:r>
-              <a:rPr lang="en-US" altLang="zh-CN" dirty="0"/>
-              <a:t>GITHUB</a:t>
-            </a:r>
-            <a:r>
-              <a:rPr lang="zh-CN" altLang="en-US" dirty="0"/>
-              <a:t>上有自己的开源项目，同时也是</a:t>
+              <a:t>平台都有一定的技术积累。我自身热衷于移动端技术也喜欢技术分享，目前</a:t>
+            </a:r>
+            <a:r>
+              <a:rPr lang="zh-CN" altLang="en-US" dirty="0" smtClean="0"/>
+              <a:t>在</a:t>
+            </a:r>
+            <a:r>
+              <a:rPr lang="en-US" altLang="zh-CN" smtClean="0"/>
+              <a:t>GitHub</a:t>
+            </a:r>
+            <a:r>
+              <a:rPr lang="zh-CN" altLang="en-US" smtClean="0"/>
+              <a:t>上</a:t>
+            </a:r>
+            <a:r>
+              <a:rPr lang="zh-CN" altLang="en-US" dirty="0"/>
+              <a:t>有自己的开源项目，同时也是</a:t>
             </a:r>
             <a:r>
               <a:rPr lang="en-US" altLang="zh-CN" dirty="0"/>
@@ -3687,7 +3695,7 @@
           <a:p>
             <a:fld id="{25CA7E46-AAA2-4505-8430-AB68F6110AB2}" type="datetimeFigureOut">
               <a:rPr lang="zh-CN" altLang="en-US" smtClean="0"/>
-              <a:t>2016/5/11</a:t>
+              <a:t>2016/5/14</a:t>
             </a:fld>
             <a:endParaRPr lang="zh-CN" altLang="en-US"/>
           </a:p>
@@ -3855,7 +3863,7 @@
           <a:p>
             <a:fld id="{25CA7E46-AAA2-4505-8430-AB68F6110AB2}" type="datetimeFigureOut">
               <a:rPr lang="zh-CN" altLang="en-US" smtClean="0"/>
-              <a:t>2016/5/11</a:t>
+              <a:t>2016/5/14</a:t>
             </a:fld>
             <a:endParaRPr lang="zh-CN" altLang="en-US"/>
           </a:p>
@@ -4033,7 +4041,7 @@
           <a:p>
             <a:fld id="{25CA7E46-AAA2-4505-8430-AB68F6110AB2}" type="datetimeFigureOut">
               <a:rPr lang="zh-CN" altLang="en-US" smtClean="0"/>
-              <a:t>2016/5/11</a:t>
+              <a:t>2016/5/14</a:t>
             </a:fld>
             <a:endParaRPr lang="zh-CN" altLang="en-US"/>
           </a:p>
@@ -4249,7 +4257,7 @@
           <a:p>
             <a:fld id="{25CA7E46-AAA2-4505-8430-AB68F6110AB2}" type="datetimeFigureOut">
               <a:rPr lang="zh-CN" altLang="en-US" smtClean="0"/>
-              <a:t>2016/5/11</a:t>
+              <a:t>2016/5/14</a:t>
             </a:fld>
             <a:endParaRPr lang="zh-CN" altLang="en-US"/>
           </a:p>
@@ -4494,7 +4502,7 @@
           <a:p>
             <a:fld id="{25CA7E46-AAA2-4505-8430-AB68F6110AB2}" type="datetimeFigureOut">
               <a:rPr lang="zh-CN" altLang="en-US" smtClean="0"/>
-              <a:t>2016/5/11</a:t>
+              <a:t>2016/5/14</a:t>
             </a:fld>
             <a:endParaRPr lang="zh-CN" altLang="en-US"/>
           </a:p>
@@ -4779,7 +4787,7 @@
           <a:p>
             <a:fld id="{25CA7E46-AAA2-4505-8430-AB68F6110AB2}" type="datetimeFigureOut">
               <a:rPr lang="zh-CN" altLang="en-US" smtClean="0"/>
-              <a:t>2016/5/11</a:t>
+              <a:t>2016/5/14</a:t>
             </a:fld>
             <a:endParaRPr lang="zh-CN" altLang="en-US"/>
           </a:p>
@@ -5198,7 +5206,7 @@
           <a:p>
             <a:fld id="{25CA7E46-AAA2-4505-8430-AB68F6110AB2}" type="datetimeFigureOut">
               <a:rPr lang="zh-CN" altLang="en-US" smtClean="0"/>
-              <a:t>2016/5/11</a:t>
+              <a:t>2016/5/14</a:t>
             </a:fld>
             <a:endParaRPr lang="zh-CN" altLang="en-US"/>
           </a:p>
@@ -5324,7 +5332,7 @@
           <a:p>
             <a:fld id="{25CA7E46-AAA2-4505-8430-AB68F6110AB2}" type="datetimeFigureOut">
               <a:rPr lang="zh-CN" altLang="en-US" smtClean="0"/>
-              <a:t>2016/5/11</a:t>
+              <a:t>2016/5/14</a:t>
             </a:fld>
             <a:endParaRPr lang="zh-CN" altLang="en-US"/>
           </a:p>
@@ -5419,7 +5427,7 @@
           <a:p>
             <a:fld id="{25CA7E46-AAA2-4505-8430-AB68F6110AB2}" type="datetimeFigureOut">
               <a:rPr lang="zh-CN" altLang="en-US" smtClean="0"/>
-              <a:t>2016/5/11</a:t>
+              <a:t>2016/5/14</a:t>
             </a:fld>
             <a:endParaRPr lang="zh-CN" altLang="en-US"/>
           </a:p>
@@ -5694,7 +5702,7 @@
           <a:p>
             <a:fld id="{25CA7E46-AAA2-4505-8430-AB68F6110AB2}" type="datetimeFigureOut">
               <a:rPr lang="zh-CN" altLang="en-US" smtClean="0"/>
-              <a:t>2016/5/11</a:t>
+              <a:t>2016/5/14</a:t>
             </a:fld>
             <a:endParaRPr lang="zh-CN" altLang="en-US"/>
           </a:p>
@@ -5946,7 +5954,7 @@
           <a:p>
             <a:fld id="{25CA7E46-AAA2-4505-8430-AB68F6110AB2}" type="datetimeFigureOut">
               <a:rPr lang="zh-CN" altLang="en-US" smtClean="0"/>
-              <a:t>2016/5/11</a:t>
+              <a:t>2016/5/14</a:t>
             </a:fld>
             <a:endParaRPr lang="zh-CN" altLang="en-US"/>
           </a:p>
@@ -6157,7 +6165,7 @@
           <a:p>
             <a:fld id="{25CA7E46-AAA2-4505-8430-AB68F6110AB2}" type="datetimeFigureOut">
               <a:rPr lang="zh-CN" altLang="en-US" smtClean="0"/>
-              <a:t>2016/5/11</a:t>
+              <a:t>2016/5/14</a:t>
             </a:fld>
             <a:endParaRPr lang="zh-CN" altLang="en-US"/>
           </a:p>
@@ -7701,12 +7709,16 @@
           <a:p>
             <a:pPr lvl="1"/>
             <a:r>
-              <a:rPr lang="en-US" altLang="zh-CN" dirty="0"/>
-              <a:t>GITHUB</a:t>
-            </a:r>
-            <a:r>
-              <a:rPr lang="zh-CN" altLang="en-US" dirty="0"/>
-              <a:t>开源项目开发者</a:t>
+              <a:rPr lang="en-US" altLang="zh-CN" dirty="0" err="1" smtClean="0"/>
+              <a:t>GitHub</a:t>
+            </a:r>
+            <a:r>
+              <a:rPr lang="zh-CN" altLang="en-US" dirty="0" smtClean="0"/>
+              <a:t>开</a:t>
+            </a:r>
+            <a:r>
+              <a:rPr lang="zh-CN" altLang="en-US" dirty="0"/>
+              <a:t>源项目开发者</a:t>
             </a:r>
             <a:r>
               <a:rPr lang="en-US" altLang="zh-CN" dirty="0"/>
@@ -8261,11 +8273,7 @@
             </a:r>
             <a:r>
               <a:rPr lang="en-US" altLang="zh-CN" dirty="0" smtClean="0"/>
-              <a:t>-</a:t>
-            </a:r>
-            <a:r>
-              <a:rPr lang="en-US" altLang="zh-CN" dirty="0" smtClean="0"/>
-              <a:t>ROM</a:t>
+              <a:t>-ROM</a:t>
             </a:r>
             <a:r>
               <a:rPr lang="zh-CN" altLang="en-US" dirty="0"/>

--- a/promote/2016-promote-p6.pptx
+++ b/promote/2016-promote-p6.pptx
@@ -123,7 +123,7 @@
   </p:defaultTextStyle>
   <p:extLst>
     <p:ext uri="{EFAFB233-063F-42B5-8137-9DF3F51BA10A}">
-      <p15:sldGuideLst xmlns:p15="http://schemas.microsoft.com/office/powerpoint/2012/main" xmlns="">
+      <p15:sldGuideLst xmlns="" xmlns:p15="http://schemas.microsoft.com/office/powerpoint/2012/main">
         <p15:guide id="1" orient="horz" pos="2160">
           <p15:clr>
             <a:srgbClr val="A4A3A4"/>
@@ -222,7 +222,7 @@
           <a:p>
             <a:fld id="{7A254656-621B-406C-BC2D-A35B9AF3DE2B}" type="datetimeFigureOut">
               <a:rPr lang="zh-CN" altLang="en-US" smtClean="0"/>
-              <a:t>2016/5/14</a:t>
+              <a:t>2016/5/16</a:t>
             </a:fld>
             <a:endParaRPr lang="zh-CN" altLang="en-US"/>
           </a:p>
@@ -757,13 +757,29 @@
             </a:pPr>
             <a:r>
               <a:rPr lang="zh-CN" altLang="en-US" baseline="0" dirty="0"/>
-              <a:t>网络框架分为四部分</a:t>
+              <a:t>网络框架</a:t>
+            </a:r>
+            <a:r>
+              <a:rPr lang="zh-CN" altLang="en-US" baseline="0" dirty="0" smtClean="0"/>
+              <a:t>分为五部分</a:t>
             </a:r>
             <a:r>
               <a:rPr lang="zh-CN" altLang="en-US" baseline="0" dirty="0">
                 <a:sym typeface="Wingdings" panose="05000000000000000000" pitchFamily="2" charset="2"/>
               </a:rPr>
-              <a:t>，分别是：高度抽象的网络请求，本地缓存系统，网络并发系统和请求结果分发系统。</a:t>
+              <a:t>，分别是：高度抽象的网络请求</a:t>
+            </a:r>
+            <a:r>
+              <a:rPr lang="zh-CN" altLang="en-US" baseline="0" dirty="0" smtClean="0">
+                <a:sym typeface="Wingdings" panose="05000000000000000000" pitchFamily="2" charset="2"/>
+              </a:rPr>
+              <a:t>，网络请求调度系统，本地</a:t>
+            </a:r>
+            <a:r>
+              <a:rPr lang="zh-CN" altLang="en-US" baseline="0" dirty="0">
+                <a:sym typeface="Wingdings" panose="05000000000000000000" pitchFamily="2" charset="2"/>
+              </a:rPr>
+              <a:t>缓存系统，网络并发系统和请求结果分发系统。</a:t>
             </a:r>
             <a:endParaRPr lang="en-US" altLang="zh-CN" baseline="0" dirty="0">
               <a:sym typeface="Wingdings" panose="05000000000000000000" pitchFamily="2" charset="2"/>
@@ -1171,21 +1187,45 @@
             </a:r>
             <a:r>
               <a:rPr lang="zh-CN" altLang="en-US" baseline="0" dirty="0"/>
-              <a:t>自带的垂直滚动条。</a:t>
-            </a:r>
-            <a:endParaRPr lang="en-US" altLang="zh-CN" baseline="0" dirty="0"/>
+              <a:t>自带的垂直滚动条</a:t>
+            </a:r>
+            <a:r>
+              <a:rPr lang="zh-CN" altLang="en-US" baseline="0" dirty="0" smtClean="0"/>
+              <a:t>。</a:t>
+            </a:r>
+            <a:endParaRPr lang="en-US" altLang="zh-CN" baseline="0" dirty="0" smtClean="0"/>
           </a:p>
           <a:p>
             <a:pPr marL="228600" indent="-228600">
               <a:buAutoNum type="arabicPeriod"/>
             </a:pPr>
             <a:r>
-              <a:rPr lang="en-US" altLang="zh-CN" baseline="0" dirty="0" err="1"/>
+              <a:rPr lang="en-US" altLang="zh-CN" baseline="0" dirty="0" err="1" smtClean="0"/>
               <a:t>PullToRefresh</a:t>
             </a:r>
             <a:r>
-              <a:rPr lang="zh-CN" altLang="en-US" baseline="0" dirty="0"/>
+              <a:rPr lang="zh-CN" altLang="en-US" baseline="0" dirty="0" smtClean="0"/>
               <a:t>：</a:t>
+            </a:r>
+            <a:r>
+              <a:rPr lang="zh-CN" altLang="en-US" dirty="0" smtClean="0"/>
+              <a:t>下拉刷新控件，可自定义下拉刷新头部，并且可适配</a:t>
+            </a:r>
+            <a:r>
+              <a:rPr lang="en-US" altLang="zh-CN" dirty="0" err="1" smtClean="0"/>
+              <a:t>ListView</a:t>
+            </a:r>
+            <a:r>
+              <a:rPr lang="zh-CN" altLang="en-US" dirty="0" smtClean="0"/>
+              <a:t>，</a:t>
+            </a:r>
+            <a:r>
+              <a:rPr lang="en-US" altLang="zh-CN" dirty="0" err="1" smtClean="0"/>
+              <a:t>ScrollView</a:t>
+            </a:r>
+            <a:r>
+              <a:rPr lang="zh-CN" altLang="en-US" dirty="0" smtClean="0"/>
+              <a:t>等多种滑动控件。且下拉头部和刷新内容完全解耦</a:t>
             </a:r>
             <a:endParaRPr lang="en-US" altLang="zh-CN" baseline="0" dirty="0"/>
           </a:p>
@@ -1403,15 +1443,23 @@
             </a:pPr>
             <a:r>
               <a:rPr lang="zh-CN" altLang="en-US" dirty="0"/>
-              <a:t>我负责的</a:t>
-            </a:r>
-            <a:r>
-              <a:rPr lang="en-US" altLang="zh-CN" dirty="0"/>
-              <a:t>6</a:t>
-            </a:r>
-            <a:r>
-              <a:rPr lang="zh-CN" altLang="en-US" dirty="0"/>
-              <a:t>个应用全部按期完成，且验收结果较好，目前无</a:t>
+              <a:t>我负责</a:t>
+            </a:r>
+            <a:r>
+              <a:rPr lang="zh-CN" altLang="en-US" dirty="0" smtClean="0"/>
+              <a:t>的</a:t>
+            </a:r>
+            <a:r>
+              <a:rPr lang="en-US" altLang="zh-CN" smtClean="0"/>
+              <a:t>7</a:t>
+            </a:r>
+            <a:r>
+              <a:rPr lang="zh-CN" altLang="en-US" smtClean="0"/>
+              <a:t>个</a:t>
+            </a:r>
+            <a:r>
+              <a:rPr lang="zh-CN" altLang="en-US" dirty="0"/>
+              <a:t>应用全部按期完成，且验收结果较好，目前无</a:t>
             </a:r>
             <a:r>
               <a:rPr lang="en-US" altLang="zh-CN" dirty="0"/>
@@ -1436,10 +1484,9 @@
               <a:buAutoNum type="arabicPeriod"/>
             </a:pPr>
             <a:r>
-              <a:rPr lang="zh-CN" altLang="en-US"/>
+              <a:rPr lang="zh-CN" altLang="en-US" dirty="0"/>
               <a:t>最重要的是从无到有的搭建起了全智能手表应用体系，后期可进行平台移植。</a:t>
             </a:r>
-            <a:endParaRPr lang="zh-CN" altLang="en-US" dirty="0"/>
           </a:p>
         </p:txBody>
       </p:sp>
@@ -3392,15 +3439,23 @@
             </a:pPr>
             <a:r>
               <a:rPr lang="zh-CN" altLang="en-US" baseline="0" dirty="0"/>
-              <a:t>主动承担难度较高的应用开发，目前我是负责应用层的</a:t>
-            </a:r>
-            <a:r>
-              <a:rPr lang="en-US" altLang="zh-CN" baseline="0" dirty="0"/>
-              <a:t>6</a:t>
+              <a:t>主动承担难度较高的应用开发，目前我是负责应用层</a:t>
+            </a:r>
+            <a:r>
+              <a:rPr lang="zh-CN" altLang="en-US" baseline="0" dirty="0" smtClean="0"/>
+              <a:t>的</a:t>
+            </a:r>
+            <a:r>
+              <a:rPr lang="en-US" altLang="zh-CN" baseline="0" dirty="0" smtClean="0"/>
+              <a:t>7</a:t>
+            </a:r>
+            <a:r>
+              <a:rPr lang="zh-CN" altLang="en-US" baseline="0" dirty="0" smtClean="0"/>
+              <a:t>款</a:t>
             </a:r>
             <a:r>
               <a:rPr lang="zh-CN" altLang="en-US" baseline="0" dirty="0"/>
-              <a:t>款应用开发，包括</a:t>
+              <a:t>应用开发，包括</a:t>
             </a:r>
             <a:r>
               <a:rPr lang="zh-CN" altLang="en-US" dirty="0"/>
@@ -3444,11 +3499,19 @@
             </a:r>
             <a:r>
               <a:rPr lang="zh-CN" altLang="en-US" dirty="0"/>
-              <a:t>应用列表，</a:t>
+              <a:t>应用列表</a:t>
+            </a:r>
+            <a:r>
+              <a:rPr lang="zh-CN" altLang="en-US" dirty="0" smtClean="0"/>
+              <a:t>，设置，</a:t>
+            </a:r>
+            <a:r>
+              <a:rPr lang="zh-CN" altLang="en-US" baseline="0" dirty="0" smtClean="0"/>
+              <a:t>便于</a:t>
             </a:r>
             <a:r>
               <a:rPr lang="zh-CN" altLang="en-US" baseline="0" dirty="0"/>
-              <a:t>便于减轻同伴压力</a:t>
+              <a:t>减轻同伴压力</a:t>
             </a:r>
             <a:endParaRPr lang="en-US" altLang="zh-CN" baseline="0" dirty="0"/>
           </a:p>
@@ -3695,7 +3758,7 @@
           <a:p>
             <a:fld id="{25CA7E46-AAA2-4505-8430-AB68F6110AB2}" type="datetimeFigureOut">
               <a:rPr lang="zh-CN" altLang="en-US" smtClean="0"/>
-              <a:t>2016/5/14</a:t>
+              <a:t>2016/5/16</a:t>
             </a:fld>
             <a:endParaRPr lang="zh-CN" altLang="en-US"/>
           </a:p>
@@ -3863,7 +3926,7 @@
           <a:p>
             <a:fld id="{25CA7E46-AAA2-4505-8430-AB68F6110AB2}" type="datetimeFigureOut">
               <a:rPr lang="zh-CN" altLang="en-US" smtClean="0"/>
-              <a:t>2016/5/14</a:t>
+              <a:t>2016/5/16</a:t>
             </a:fld>
             <a:endParaRPr lang="zh-CN" altLang="en-US"/>
           </a:p>
@@ -4041,7 +4104,7 @@
           <a:p>
             <a:fld id="{25CA7E46-AAA2-4505-8430-AB68F6110AB2}" type="datetimeFigureOut">
               <a:rPr lang="zh-CN" altLang="en-US" smtClean="0"/>
-              <a:t>2016/5/14</a:t>
+              <a:t>2016/5/16</a:t>
             </a:fld>
             <a:endParaRPr lang="zh-CN" altLang="en-US"/>
           </a:p>
@@ -4257,7 +4320,7 @@
           <a:p>
             <a:fld id="{25CA7E46-AAA2-4505-8430-AB68F6110AB2}" type="datetimeFigureOut">
               <a:rPr lang="zh-CN" altLang="en-US" smtClean="0"/>
-              <a:t>2016/5/14</a:t>
+              <a:t>2016/5/16</a:t>
             </a:fld>
             <a:endParaRPr lang="zh-CN" altLang="en-US"/>
           </a:p>
@@ -4502,7 +4565,7 @@
           <a:p>
             <a:fld id="{25CA7E46-AAA2-4505-8430-AB68F6110AB2}" type="datetimeFigureOut">
               <a:rPr lang="zh-CN" altLang="en-US" smtClean="0"/>
-              <a:t>2016/5/14</a:t>
+              <a:t>2016/5/16</a:t>
             </a:fld>
             <a:endParaRPr lang="zh-CN" altLang="en-US"/>
           </a:p>
@@ -4787,7 +4850,7 @@
           <a:p>
             <a:fld id="{25CA7E46-AAA2-4505-8430-AB68F6110AB2}" type="datetimeFigureOut">
               <a:rPr lang="zh-CN" altLang="en-US" smtClean="0"/>
-              <a:t>2016/5/14</a:t>
+              <a:t>2016/5/16</a:t>
             </a:fld>
             <a:endParaRPr lang="zh-CN" altLang="en-US"/>
           </a:p>
@@ -5206,7 +5269,7 @@
           <a:p>
             <a:fld id="{25CA7E46-AAA2-4505-8430-AB68F6110AB2}" type="datetimeFigureOut">
               <a:rPr lang="zh-CN" altLang="en-US" smtClean="0"/>
-              <a:t>2016/5/14</a:t>
+              <a:t>2016/5/16</a:t>
             </a:fld>
             <a:endParaRPr lang="zh-CN" altLang="en-US"/>
           </a:p>
@@ -5332,7 +5395,7 @@
           <a:p>
             <a:fld id="{25CA7E46-AAA2-4505-8430-AB68F6110AB2}" type="datetimeFigureOut">
               <a:rPr lang="zh-CN" altLang="en-US" smtClean="0"/>
-              <a:t>2016/5/14</a:t>
+              <a:t>2016/5/16</a:t>
             </a:fld>
             <a:endParaRPr lang="zh-CN" altLang="en-US"/>
           </a:p>
@@ -5427,7 +5490,7 @@
           <a:p>
             <a:fld id="{25CA7E46-AAA2-4505-8430-AB68F6110AB2}" type="datetimeFigureOut">
               <a:rPr lang="zh-CN" altLang="en-US" smtClean="0"/>
-              <a:t>2016/5/14</a:t>
+              <a:t>2016/5/16</a:t>
             </a:fld>
             <a:endParaRPr lang="zh-CN" altLang="en-US"/>
           </a:p>
@@ -5702,7 +5765,7 @@
           <a:p>
             <a:fld id="{25CA7E46-AAA2-4505-8430-AB68F6110AB2}" type="datetimeFigureOut">
               <a:rPr lang="zh-CN" altLang="en-US" smtClean="0"/>
-              <a:t>2016/5/14</a:t>
+              <a:t>2016/5/16</a:t>
             </a:fld>
             <a:endParaRPr lang="zh-CN" altLang="en-US"/>
           </a:p>
@@ -5954,7 +6017,7 @@
           <a:p>
             <a:fld id="{25CA7E46-AAA2-4505-8430-AB68F6110AB2}" type="datetimeFigureOut">
               <a:rPr lang="zh-CN" altLang="en-US" smtClean="0"/>
-              <a:t>2016/5/14</a:t>
+              <a:t>2016/5/16</a:t>
             </a:fld>
             <a:endParaRPr lang="zh-CN" altLang="en-US"/>
           </a:p>
@@ -6165,7 +6228,7 @@
           <a:p>
             <a:fld id="{25CA7E46-AAA2-4505-8430-AB68F6110AB2}" type="datetimeFigureOut">
               <a:rPr lang="zh-CN" altLang="en-US" smtClean="0"/>
-              <a:t>2016/5/14</a:t>
+              <a:t>2016/5/16</a:t>
             </a:fld>
             <a:endParaRPr lang="zh-CN" altLang="en-US"/>
           </a:p>

--- a/promote/2016-promote-p6.pptx
+++ b/promote/2016-promote-p6.pptx
@@ -123,7 +123,7 @@
   </p:defaultTextStyle>
   <p:extLst>
     <p:ext uri="{EFAFB233-063F-42B5-8137-9DF3F51BA10A}">
-      <p15:sldGuideLst xmlns="" xmlns:p15="http://schemas.microsoft.com/office/powerpoint/2012/main">
+      <p15:sldGuideLst xmlns:p15="http://schemas.microsoft.com/office/powerpoint/2012/main" xmlns="">
         <p15:guide id="1" orient="horz" pos="2160">
           <p15:clr>
             <a:srgbClr val="A4A3A4"/>
@@ -222,7 +222,7 @@
           <a:p>
             <a:fld id="{7A254656-621B-406C-BC2D-A35B9AF3DE2B}" type="datetimeFigureOut">
               <a:rPr lang="zh-CN" altLang="en-US" smtClean="0"/>
-              <a:t>2016/5/16</a:t>
+              <a:t>2016/5/17</a:t>
             </a:fld>
             <a:endParaRPr lang="zh-CN" altLang="en-US"/>
           </a:p>
@@ -1238,25 +1238,73 @@
               <a:t>VerticalViewPager</a:t>
             </a:r>
             <a:r>
-              <a:rPr lang="zh-CN" altLang="en-US" baseline="0" dirty="0"/>
-              <a:t>：实现了</a:t>
-            </a:r>
-            <a:r>
-              <a:rPr lang="en-US" altLang="zh-CN" baseline="0" dirty="0"/>
+              <a:rPr lang="zh-CN" altLang="en-US" baseline="0" dirty="0" smtClean="0"/>
+              <a:t>：继承</a:t>
+            </a:r>
+            <a:r>
+              <a:rPr lang="en-US" altLang="zh-CN" baseline="0" dirty="0" err="1" smtClean="0"/>
+              <a:t>ViewPager</a:t>
+            </a:r>
+            <a:r>
+              <a:rPr lang="zh-CN" altLang="en-US" baseline="0" smtClean="0"/>
+              <a:t>，并且根据</a:t>
+            </a:r>
+            <a:r>
+              <a:rPr lang="en-US" altLang="zh-CN" baseline="0" dirty="0" smtClean="0"/>
               <a:t>View</a:t>
             </a:r>
             <a:r>
-              <a:rPr lang="zh-CN" altLang="en-US" baseline="0" dirty="0"/>
-              <a:t>的竖直切换。</a:t>
-            </a:r>
-            <a:endParaRPr lang="en-US" altLang="zh-CN" baseline="0" dirty="0"/>
+              <a:rPr lang="zh-CN" altLang="en-US" baseline="0" dirty="0" smtClean="0"/>
+              <a:t>中</a:t>
+            </a:r>
+            <a:r>
+              <a:rPr lang="en-US" altLang="zh-CN" baseline="0" dirty="0" smtClean="0"/>
+              <a:t>Touch</a:t>
+            </a:r>
+            <a:r>
+              <a:rPr lang="zh-CN" altLang="en-US" baseline="0" dirty="0" smtClean="0"/>
+              <a:t>事件的传递机制，通过重写事件拦截方法和事件处理方法，对</a:t>
+            </a:r>
+            <a:r>
+              <a:rPr lang="en-US" altLang="zh-CN" baseline="0" dirty="0" smtClean="0"/>
+              <a:t>Touch</a:t>
+            </a:r>
+            <a:r>
+              <a:rPr lang="zh-CN" altLang="en-US" baseline="0" dirty="0" smtClean="0"/>
+              <a:t>事件的</a:t>
+            </a:r>
+            <a:r>
+              <a:rPr lang="en-US" altLang="zh-CN" baseline="0" dirty="0" smtClean="0"/>
+              <a:t>x</a:t>
+            </a:r>
+            <a:r>
+              <a:rPr lang="zh-CN" altLang="en-US" baseline="0" dirty="0" smtClean="0"/>
+              <a:t>轴和</a:t>
+            </a:r>
+            <a:r>
+              <a:rPr lang="en-US" altLang="zh-CN" baseline="0" dirty="0" smtClean="0"/>
+              <a:t>y</a:t>
+            </a:r>
+            <a:r>
+              <a:rPr lang="zh-CN" altLang="en-US" baseline="0" dirty="0" smtClean="0"/>
+              <a:t>轴坐标按比例对换，从而实现了</a:t>
+            </a:r>
+            <a:r>
+              <a:rPr lang="en-US" altLang="zh-CN" baseline="0" dirty="0" smtClean="0"/>
+              <a:t>View</a:t>
+            </a:r>
+            <a:r>
+              <a:rPr lang="zh-CN" altLang="en-US" baseline="0" dirty="0" smtClean="0"/>
+              <a:t>的垂直切换。</a:t>
+            </a:r>
+            <a:endParaRPr lang="en-US" altLang="zh-CN" baseline="0" dirty="0" smtClean="0"/>
           </a:p>
           <a:p>
             <a:pPr marL="228600" indent="-228600">
               <a:buAutoNum type="arabicPeriod"/>
             </a:pPr>
             <a:r>
-              <a:rPr lang="en-US" altLang="zh-CN" baseline="0" dirty="0" err="1"/>
+              <a:rPr lang="en-US" altLang="zh-CN" baseline="0" dirty="0" err="1" smtClean="0"/>
               <a:t>ClockView</a:t>
             </a:r>
             <a:r>
@@ -3758,7 +3806,7 @@
           <a:p>
             <a:fld id="{25CA7E46-AAA2-4505-8430-AB68F6110AB2}" type="datetimeFigureOut">
               <a:rPr lang="zh-CN" altLang="en-US" smtClean="0"/>
-              <a:t>2016/5/16</a:t>
+              <a:t>2016/5/17</a:t>
             </a:fld>
             <a:endParaRPr lang="zh-CN" altLang="en-US"/>
           </a:p>
@@ -3926,7 +3974,7 @@
           <a:p>
             <a:fld id="{25CA7E46-AAA2-4505-8430-AB68F6110AB2}" type="datetimeFigureOut">
               <a:rPr lang="zh-CN" altLang="en-US" smtClean="0"/>
-              <a:t>2016/5/16</a:t>
+              <a:t>2016/5/17</a:t>
             </a:fld>
             <a:endParaRPr lang="zh-CN" altLang="en-US"/>
           </a:p>
@@ -4104,7 +4152,7 @@
           <a:p>
             <a:fld id="{25CA7E46-AAA2-4505-8430-AB68F6110AB2}" type="datetimeFigureOut">
               <a:rPr lang="zh-CN" altLang="en-US" smtClean="0"/>
-              <a:t>2016/5/16</a:t>
+              <a:t>2016/5/17</a:t>
             </a:fld>
             <a:endParaRPr lang="zh-CN" altLang="en-US"/>
           </a:p>
@@ -4320,7 +4368,7 @@
           <a:p>
             <a:fld id="{25CA7E46-AAA2-4505-8430-AB68F6110AB2}" type="datetimeFigureOut">
               <a:rPr lang="zh-CN" altLang="en-US" smtClean="0"/>
-              <a:t>2016/5/16</a:t>
+              <a:t>2016/5/17</a:t>
             </a:fld>
             <a:endParaRPr lang="zh-CN" altLang="en-US"/>
           </a:p>
@@ -4565,7 +4613,7 @@
           <a:p>
             <a:fld id="{25CA7E46-AAA2-4505-8430-AB68F6110AB2}" type="datetimeFigureOut">
               <a:rPr lang="zh-CN" altLang="en-US" smtClean="0"/>
-              <a:t>2016/5/16</a:t>
+              <a:t>2016/5/17</a:t>
             </a:fld>
             <a:endParaRPr lang="zh-CN" altLang="en-US"/>
           </a:p>
@@ -4850,7 +4898,7 @@
           <a:p>
             <a:fld id="{25CA7E46-AAA2-4505-8430-AB68F6110AB2}" type="datetimeFigureOut">
               <a:rPr lang="zh-CN" altLang="en-US" smtClean="0"/>
-              <a:t>2016/5/16</a:t>
+              <a:t>2016/5/17</a:t>
             </a:fld>
             <a:endParaRPr lang="zh-CN" altLang="en-US"/>
           </a:p>
@@ -5269,7 +5317,7 @@
           <a:p>
             <a:fld id="{25CA7E46-AAA2-4505-8430-AB68F6110AB2}" type="datetimeFigureOut">
               <a:rPr lang="zh-CN" altLang="en-US" smtClean="0"/>
-              <a:t>2016/5/16</a:t>
+              <a:t>2016/5/17</a:t>
             </a:fld>
             <a:endParaRPr lang="zh-CN" altLang="en-US"/>
           </a:p>
@@ -5395,7 +5443,7 @@
           <a:p>
             <a:fld id="{25CA7E46-AAA2-4505-8430-AB68F6110AB2}" type="datetimeFigureOut">
               <a:rPr lang="zh-CN" altLang="en-US" smtClean="0"/>
-              <a:t>2016/5/16</a:t>
+              <a:t>2016/5/17</a:t>
             </a:fld>
             <a:endParaRPr lang="zh-CN" altLang="en-US"/>
           </a:p>
@@ -5490,7 +5538,7 @@
           <a:p>
             <a:fld id="{25CA7E46-AAA2-4505-8430-AB68F6110AB2}" type="datetimeFigureOut">
               <a:rPr lang="zh-CN" altLang="en-US" smtClean="0"/>
-              <a:t>2016/5/16</a:t>
+              <a:t>2016/5/17</a:t>
             </a:fld>
             <a:endParaRPr lang="zh-CN" altLang="en-US"/>
           </a:p>
@@ -5765,7 +5813,7 @@
           <a:p>
             <a:fld id="{25CA7E46-AAA2-4505-8430-AB68F6110AB2}" type="datetimeFigureOut">
               <a:rPr lang="zh-CN" altLang="en-US" smtClean="0"/>
-              <a:t>2016/5/16</a:t>
+              <a:t>2016/5/17</a:t>
             </a:fld>
             <a:endParaRPr lang="zh-CN" altLang="en-US"/>
           </a:p>
@@ -6017,7 +6065,7 @@
           <a:p>
             <a:fld id="{25CA7E46-AAA2-4505-8430-AB68F6110AB2}" type="datetimeFigureOut">
               <a:rPr lang="zh-CN" altLang="en-US" smtClean="0"/>
-              <a:t>2016/5/16</a:t>
+              <a:t>2016/5/17</a:t>
             </a:fld>
             <a:endParaRPr lang="zh-CN" altLang="en-US"/>
           </a:p>
@@ -6228,7 +6276,7 @@
           <a:p>
             <a:fld id="{25CA7E46-AAA2-4505-8430-AB68F6110AB2}" type="datetimeFigureOut">
               <a:rPr lang="zh-CN" altLang="en-US" smtClean="0"/>
-              <a:t>2016/5/16</a:t>
+              <a:t>2016/5/17</a:t>
             </a:fld>
             <a:endParaRPr lang="zh-CN" altLang="en-US"/>
           </a:p>
@@ -7014,7 +7062,7 @@
         <p:spPr/>
         <p:txBody>
           <a:bodyPr>
-            <a:normAutofit fontScale="70000" lnSpcReduction="20000"/>
+            <a:normAutofit fontScale="77500" lnSpcReduction="20000"/>
           </a:bodyPr>
           <a:lstStyle/>
           <a:p>
@@ -7142,7 +7190,7 @@
               <a:buNone/>
             </a:pPr>
             <a:r>
-              <a:rPr lang="en-US" altLang="zh-CN" dirty="0" err="1"/>
+              <a:rPr lang="en-US" altLang="zh-CN" dirty="0" err="1" smtClean="0"/>
               <a:t>VerticalViewPager</a:t>
             </a:r>
             <a:endParaRPr lang="en-US" altLang="zh-CN" dirty="0"/>
@@ -7150,36 +7198,34 @@
           <a:p>
             <a:pPr lvl="1"/>
             <a:r>
-              <a:rPr lang="zh-CN" altLang="en-US" dirty="0"/>
-              <a:t>竖直滚动的</a:t>
-            </a:r>
-            <a:r>
-              <a:rPr lang="en-US" altLang="zh-CN" dirty="0" err="1"/>
+              <a:rPr lang="zh-CN" altLang="en-US" dirty="0" smtClean="0"/>
+              <a:t>垂直切换的</a:t>
+            </a:r>
+            <a:r>
+              <a:rPr lang="en-US" altLang="zh-CN" dirty="0" err="1" smtClean="0"/>
               <a:t>ViewPager</a:t>
             </a:r>
-            <a:endParaRPr lang="en-US" altLang="zh-CN" dirty="0"/>
+            <a:endParaRPr lang="en-US" altLang="zh-CN" dirty="0" smtClean="0"/>
           </a:p>
           <a:p>
             <a:pPr marL="0" indent="0">
               <a:buNone/>
             </a:pPr>
-            <a:endParaRPr lang="en-US" altLang="zh-CN" dirty="0"/>
-          </a:p>
-          <a:p>
-            <a:pPr marL="0" indent="0">
-              <a:buNone/>
-            </a:pPr>
-            <a:r>
-              <a:rPr lang="en-US" altLang="zh-CN" dirty="0" err="1"/>
+            <a:r>
+              <a:rPr lang="en-US" altLang="zh-CN" dirty="0" err="1" smtClean="0"/>
               <a:t>ClockView</a:t>
             </a:r>
-            <a:endParaRPr lang="en-US" altLang="zh-CN" dirty="0"/>
+            <a:endParaRPr lang="en-US" altLang="zh-CN" dirty="0" smtClean="0"/>
           </a:p>
           <a:p>
             <a:pPr lvl="1"/>
             <a:r>
-              <a:rPr lang="zh-CN" altLang="en-US" dirty="0"/>
-              <a:t>表盘控件，自定义时间显示</a:t>
+              <a:rPr lang="zh-CN" altLang="en-US" dirty="0" smtClean="0"/>
+              <a:t>表盘</a:t>
+            </a:r>
+            <a:r>
+              <a:rPr lang="zh-CN" altLang="en-US" dirty="0"/>
+              <a:t>控件，自定义时间显示</a:t>
             </a:r>
             <a:endParaRPr lang="en-US" altLang="zh-CN" dirty="0"/>
           </a:p>

--- a/promote/2016-promote-p6.pptx
+++ b/promote/2016-promote-p6.pptx
@@ -123,7 +123,7 @@
   </p:defaultTextStyle>
   <p:extLst>
     <p:ext uri="{EFAFB233-063F-42B5-8137-9DF3F51BA10A}">
-      <p15:sldGuideLst xmlns:p15="http://schemas.microsoft.com/office/powerpoint/2012/main" xmlns="">
+      <p15:sldGuideLst xmlns="" xmlns:p15="http://schemas.microsoft.com/office/powerpoint/2012/main">
         <p15:guide id="1" orient="horz" pos="2160">
           <p15:clr>
             <a:srgbClr val="A4A3A4"/>
@@ -222,7 +222,7 @@
           <a:p>
             <a:fld id="{7A254656-621B-406C-BC2D-A35B9AF3DE2B}" type="datetimeFigureOut">
               <a:rPr lang="zh-CN" altLang="en-US" smtClean="0"/>
-              <a:t>2016/5/17</a:t>
+              <a:t>2016/5/18</a:t>
             </a:fld>
             <a:endParaRPr lang="zh-CN" altLang="en-US"/>
           </a:p>
@@ -1246,7 +1246,7 @@
               <a:t>ViewPager</a:t>
             </a:r>
             <a:r>
-              <a:rPr lang="zh-CN" altLang="en-US" baseline="0" smtClean="0"/>
+              <a:rPr lang="zh-CN" altLang="en-US" baseline="0" dirty="0" smtClean="0"/>
               <a:t>，并且根据</a:t>
             </a:r>
             <a:r>
@@ -3806,7 +3806,7 @@
           <a:p>
             <a:fld id="{25CA7E46-AAA2-4505-8430-AB68F6110AB2}" type="datetimeFigureOut">
               <a:rPr lang="zh-CN" altLang="en-US" smtClean="0"/>
-              <a:t>2016/5/17</a:t>
+              <a:t>2016/5/18</a:t>
             </a:fld>
             <a:endParaRPr lang="zh-CN" altLang="en-US"/>
           </a:p>
@@ -3974,7 +3974,7 @@
           <a:p>
             <a:fld id="{25CA7E46-AAA2-4505-8430-AB68F6110AB2}" type="datetimeFigureOut">
               <a:rPr lang="zh-CN" altLang="en-US" smtClean="0"/>
-              <a:t>2016/5/17</a:t>
+              <a:t>2016/5/18</a:t>
             </a:fld>
             <a:endParaRPr lang="zh-CN" altLang="en-US"/>
           </a:p>
@@ -4152,7 +4152,7 @@
           <a:p>
             <a:fld id="{25CA7E46-AAA2-4505-8430-AB68F6110AB2}" type="datetimeFigureOut">
               <a:rPr lang="zh-CN" altLang="en-US" smtClean="0"/>
-              <a:t>2016/5/17</a:t>
+              <a:t>2016/5/18</a:t>
             </a:fld>
             <a:endParaRPr lang="zh-CN" altLang="en-US"/>
           </a:p>
@@ -4368,7 +4368,7 @@
           <a:p>
             <a:fld id="{25CA7E46-AAA2-4505-8430-AB68F6110AB2}" type="datetimeFigureOut">
               <a:rPr lang="zh-CN" altLang="en-US" smtClean="0"/>
-              <a:t>2016/5/17</a:t>
+              <a:t>2016/5/18</a:t>
             </a:fld>
             <a:endParaRPr lang="zh-CN" altLang="en-US"/>
           </a:p>
@@ -4613,7 +4613,7 @@
           <a:p>
             <a:fld id="{25CA7E46-AAA2-4505-8430-AB68F6110AB2}" type="datetimeFigureOut">
               <a:rPr lang="zh-CN" altLang="en-US" smtClean="0"/>
-              <a:t>2016/5/17</a:t>
+              <a:t>2016/5/18</a:t>
             </a:fld>
             <a:endParaRPr lang="zh-CN" altLang="en-US"/>
           </a:p>
@@ -4898,7 +4898,7 @@
           <a:p>
             <a:fld id="{25CA7E46-AAA2-4505-8430-AB68F6110AB2}" type="datetimeFigureOut">
               <a:rPr lang="zh-CN" altLang="en-US" smtClean="0"/>
-              <a:t>2016/5/17</a:t>
+              <a:t>2016/5/18</a:t>
             </a:fld>
             <a:endParaRPr lang="zh-CN" altLang="en-US"/>
           </a:p>
@@ -5317,7 +5317,7 @@
           <a:p>
             <a:fld id="{25CA7E46-AAA2-4505-8430-AB68F6110AB2}" type="datetimeFigureOut">
               <a:rPr lang="zh-CN" altLang="en-US" smtClean="0"/>
-              <a:t>2016/5/17</a:t>
+              <a:t>2016/5/18</a:t>
             </a:fld>
             <a:endParaRPr lang="zh-CN" altLang="en-US"/>
           </a:p>
@@ -5443,7 +5443,7 @@
           <a:p>
             <a:fld id="{25CA7E46-AAA2-4505-8430-AB68F6110AB2}" type="datetimeFigureOut">
               <a:rPr lang="zh-CN" altLang="en-US" smtClean="0"/>
-              <a:t>2016/5/17</a:t>
+              <a:t>2016/5/18</a:t>
             </a:fld>
             <a:endParaRPr lang="zh-CN" altLang="en-US"/>
           </a:p>
@@ -5538,7 +5538,7 @@
           <a:p>
             <a:fld id="{25CA7E46-AAA2-4505-8430-AB68F6110AB2}" type="datetimeFigureOut">
               <a:rPr lang="zh-CN" altLang="en-US" smtClean="0"/>
-              <a:t>2016/5/17</a:t>
+              <a:t>2016/5/18</a:t>
             </a:fld>
             <a:endParaRPr lang="zh-CN" altLang="en-US"/>
           </a:p>
@@ -5813,7 +5813,7 @@
           <a:p>
             <a:fld id="{25CA7E46-AAA2-4505-8430-AB68F6110AB2}" type="datetimeFigureOut">
               <a:rPr lang="zh-CN" altLang="en-US" smtClean="0"/>
-              <a:t>2016/5/17</a:t>
+              <a:t>2016/5/18</a:t>
             </a:fld>
             <a:endParaRPr lang="zh-CN" altLang="en-US"/>
           </a:p>
@@ -6065,7 +6065,7 @@
           <a:p>
             <a:fld id="{25CA7E46-AAA2-4505-8430-AB68F6110AB2}" type="datetimeFigureOut">
               <a:rPr lang="zh-CN" altLang="en-US" smtClean="0"/>
-              <a:t>2016/5/17</a:t>
+              <a:t>2016/5/18</a:t>
             </a:fld>
             <a:endParaRPr lang="zh-CN" altLang="en-US"/>
           </a:p>
@@ -6276,7 +6276,7 @@
           <a:p>
             <a:fld id="{25CA7E46-AAA2-4505-8430-AB68F6110AB2}" type="datetimeFigureOut">
               <a:rPr lang="zh-CN" altLang="en-US" smtClean="0"/>
-              <a:t>2016/5/17</a:t>
+              <a:t>2016/5/18</a:t>
             </a:fld>
             <a:endParaRPr lang="zh-CN" altLang="en-US"/>
           </a:p>
@@ -7062,7 +7062,7 @@
         <p:spPr/>
         <p:txBody>
           <a:bodyPr>
-            <a:normAutofit fontScale="77500" lnSpcReduction="20000"/>
+            <a:normAutofit fontScale="70000" lnSpcReduction="20000"/>
           </a:bodyPr>
           <a:lstStyle/>
           <a:p>
@@ -7150,37 +7150,64 @@
               <a:buNone/>
             </a:pPr>
             <a:r>
+              <a:rPr lang="en-US" altLang="zh-CN" dirty="0" err="1" smtClean="0"/>
+              <a:t>PullToRefresh</a:t>
+            </a:r>
+            <a:endParaRPr lang="en-US" altLang="zh-CN" dirty="0"/>
+          </a:p>
+          <a:p>
+            <a:pPr lvl="1"/>
+            <a:r>
+              <a:rPr lang="zh-CN" altLang="en-US" dirty="0"/>
+              <a:t>继承自</a:t>
+            </a:r>
+            <a:r>
               <a:rPr lang="en-US" altLang="zh-CN" dirty="0" err="1"/>
-              <a:t>PullToRefresh</a:t>
-            </a:r>
-            <a:endParaRPr lang="en-US" altLang="zh-CN" dirty="0"/>
-          </a:p>
-          <a:p>
-            <a:pPr lvl="1"/>
-            <a:r>
-              <a:rPr lang="zh-CN" altLang="en-US" dirty="0"/>
-              <a:t>下拉刷新控件，可自定义下拉刷新头部，并且可适配</a:t>
-            </a:r>
-            <a:r>
-              <a:rPr lang="en-US" altLang="zh-CN" dirty="0" err="1"/>
-              <a:t>ListView</a:t>
-            </a:r>
-            <a:r>
-              <a:rPr lang="zh-CN" altLang="en-US" dirty="0"/>
-              <a:t>，</a:t>
-            </a:r>
-            <a:r>
-              <a:rPr lang="en-US" altLang="zh-CN" dirty="0" err="1"/>
-              <a:t>ScrollView</a:t>
-            </a:r>
-            <a:r>
-              <a:rPr lang="zh-CN" altLang="en-US" dirty="0"/>
-              <a:t>等多种滑动控件。且下拉头部和刷新内容完全解耦</a:t>
-            </a:r>
-            <a:endParaRPr lang="en-US" altLang="zh-CN" dirty="0"/>
-          </a:p>
-          <a:p>
-            <a:pPr marL="0" indent="0">
+              <a:t>ViewGroup</a:t>
+            </a:r>
+            <a:r>
+              <a:rPr lang="zh-CN" altLang="en-US" dirty="0"/>
+              <a:t>的下拉刷新框架</a:t>
+            </a:r>
+            <a:r>
+              <a:rPr lang="en-US" altLang="zh-CN" dirty="0"/>
+              <a:t>, </a:t>
+            </a:r>
+            <a:r>
+              <a:rPr lang="zh-CN" altLang="en-US" dirty="0"/>
+              <a:t>简洁完善的</a:t>
+            </a:r>
+            <a:r>
+              <a:rPr lang="en-US" altLang="zh-CN" dirty="0"/>
+              <a:t>Header</a:t>
+            </a:r>
+            <a:r>
+              <a:rPr lang="zh-CN" altLang="en-US" dirty="0"/>
+              <a:t>抽象</a:t>
+            </a:r>
+            <a:r>
+              <a:rPr lang="en-US" altLang="zh-CN" dirty="0"/>
+              <a:t>,</a:t>
+            </a:r>
+            <a:r>
+              <a:rPr lang="zh-CN" altLang="en-US" dirty="0"/>
+              <a:t>方便进行扩展构建符合要求的头部</a:t>
+            </a:r>
+            <a:r>
+              <a:rPr lang="en-US" altLang="zh-CN" dirty="0"/>
+              <a:t>,Content</a:t>
+            </a:r>
+            <a:r>
+              <a:rPr lang="zh-CN" altLang="en-US" dirty="0"/>
+              <a:t>可以包含任何</a:t>
+            </a:r>
+            <a:r>
+              <a:rPr lang="en-US" altLang="zh-CN" dirty="0" smtClean="0"/>
+              <a:t>View</a:t>
+            </a:r>
+          </a:p>
+          <a:p>
+            <a:pPr marL="457200" lvl="1" indent="0">
               <a:buNone/>
             </a:pPr>
             <a:endParaRPr lang="en-US" altLang="zh-CN" dirty="0"/>
@@ -7205,6 +7232,12 @@
               <a:rPr lang="en-US" altLang="zh-CN" dirty="0" err="1" smtClean="0"/>
               <a:t>ViewPager</a:t>
             </a:r>
+            <a:endParaRPr lang="en-US" altLang="zh-CN" dirty="0" smtClean="0"/>
+          </a:p>
+          <a:p>
+            <a:pPr marL="457200" lvl="1" indent="0">
+              <a:buNone/>
+            </a:pPr>
             <a:endParaRPr lang="en-US" altLang="zh-CN" dirty="0" smtClean="0"/>
           </a:p>
           <a:p>
@@ -7311,19 +7344,15 @@
             <a:pPr lvl="1"/>
             <a:r>
               <a:rPr lang="zh-CN" altLang="en-US" dirty="0"/>
-              <a:t>应用层沉淀</a:t>
-            </a:r>
-            <a:r>
-              <a:rPr lang="en-US" altLang="zh-CN" dirty="0">
-                <a:solidFill>
-                  <a:srgbClr val="FF0000"/>
-                </a:solidFill>
-              </a:rPr>
-              <a:t>5</a:t>
-            </a:r>
-            <a:r>
-              <a:rPr lang="zh-CN" altLang="en-US" dirty="0"/>
-              <a:t>个自定义控件，提升研发效率。</a:t>
+              <a:t>应用层</a:t>
+            </a:r>
+            <a:r>
+              <a:rPr lang="zh-CN" altLang="en-US" dirty="0" smtClean="0"/>
+              <a:t>沉淀多个</a:t>
+            </a:r>
+            <a:r>
+              <a:rPr lang="zh-CN" altLang="en-US" dirty="0"/>
+              <a:t>自定义控件，提升研发效率。</a:t>
             </a:r>
             <a:endParaRPr lang="en-US" altLang="zh-CN" dirty="0"/>
           </a:p>
@@ -7370,8 +7399,24 @@
           <a:p>
             <a:pPr lvl="1"/>
             <a:r>
-              <a:rPr lang="zh-CN" altLang="en-US" dirty="0"/>
-              <a:t>难点应用全部按期</a:t>
+              <a:rPr lang="zh-CN" altLang="en-US" dirty="0" smtClean="0"/>
+              <a:t>负责</a:t>
+            </a:r>
+            <a:r>
+              <a:rPr lang="en-US" altLang="zh-CN" dirty="0" smtClean="0">
+                <a:solidFill>
+                  <a:srgbClr val="FF0000"/>
+                </a:solidFill>
+              </a:rPr>
+              <a:t>7</a:t>
+            </a:r>
+            <a:r>
+              <a:rPr lang="zh-CN" altLang="en-US" dirty="0" smtClean="0"/>
+              <a:t>个难点</a:t>
+            </a:r>
+            <a:r>
+              <a:rPr lang="zh-CN" altLang="en-US" dirty="0"/>
+              <a:t>应用全部按期</a:t>
             </a:r>
             <a:r>
               <a:rPr lang="zh-CN" altLang="en-US" dirty="0">
